--- a/lectures/3.3ConditionalsTuplesNFunctions/lecture.pptx
+++ b/lectures/3.3ConditionalsTuplesNFunctions/lecture.pptx
@@ -5,7 +5,7 @@
     <p:sldMasterId id="2147483648" r:id="rId1"/>
   </p:sldMasterIdLst>
   <p:notesMasterIdLst>
-    <p:notesMasterId r:id="rId16"/>
+    <p:notesMasterId r:id="rId17"/>
   </p:notesMasterIdLst>
   <p:sldIdLst>
     <p:sldId id="256" r:id="rId2"/>
@@ -13,15 +13,16 @@
     <p:sldId id="304" r:id="rId4"/>
     <p:sldId id="305" r:id="rId5"/>
     <p:sldId id="306" r:id="rId6"/>
-    <p:sldId id="303" r:id="rId7"/>
-    <p:sldId id="296" r:id="rId8"/>
-    <p:sldId id="294" r:id="rId9"/>
-    <p:sldId id="297" r:id="rId10"/>
-    <p:sldId id="299" r:id="rId11"/>
-    <p:sldId id="300" r:id="rId12"/>
-    <p:sldId id="298" r:id="rId13"/>
-    <p:sldId id="301" r:id="rId14"/>
-    <p:sldId id="302" r:id="rId15"/>
+    <p:sldId id="307" r:id="rId7"/>
+    <p:sldId id="303" r:id="rId8"/>
+    <p:sldId id="296" r:id="rId9"/>
+    <p:sldId id="294" r:id="rId10"/>
+    <p:sldId id="297" r:id="rId11"/>
+    <p:sldId id="299" r:id="rId12"/>
+    <p:sldId id="300" r:id="rId13"/>
+    <p:sldId id="298" r:id="rId14"/>
+    <p:sldId id="301" r:id="rId15"/>
+    <p:sldId id="302" r:id="rId16"/>
   </p:sldIdLst>
   <p:sldSz cx="12192000" cy="6858000"/>
   <p:notesSz cx="6858000" cy="9144000"/>
@@ -7702,6 +7703,1429 @@
           <p:cNvPr id="2" name="Title 1">
             <a:extLst>
               <a:ext uri="{FF2B5EF4-FFF2-40B4-BE49-F238E27FC236}">
+                <a16:creationId xmlns:a16="http://schemas.microsoft.com/office/drawing/2014/main" id="{77C9BE55-A8BA-9942-AB4E-76148FB49765}"/>
+              </a:ext>
+            </a:extLst>
+          </p:cNvPr>
+          <p:cNvSpPr>
+            <a:spLocks noGrp="1"/>
+          </p:cNvSpPr>
+          <p:nvPr>
+            <p:ph type="title"/>
+          </p:nvPr>
+        </p:nvSpPr>
+        <p:spPr/>
+        <p:txBody>
+          <a:bodyPr/>
+          <a:lstStyle/>
+          <a:p>
+            <a:r>
+              <a:rPr lang="en-GB" dirty="0" err="1"/>
+              <a:t>Løs</a:t>
+            </a:r>
+            <a:r>
+              <a:rPr lang="en-GB" dirty="0"/>
+              <a:t> </a:t>
+            </a:r>
+            <a:r>
+              <a:rPr lang="en-GB" dirty="0" err="1"/>
+              <a:t>en</a:t>
+            </a:r>
+            <a:r>
+              <a:rPr lang="en-GB" dirty="0"/>
+              <a:t> </a:t>
+            </a:r>
+            <a:r>
+              <a:rPr lang="en-GB" dirty="0" err="1"/>
+              <a:t>andengradsligning</a:t>
+            </a:r>
+            <a:r>
+              <a:rPr lang="en-GB" dirty="0"/>
+              <a:t> (</a:t>
+            </a:r>
+            <a:r>
+              <a:rPr lang="en-GB" dirty="0" err="1"/>
+              <a:t>baglæns</a:t>
+            </a:r>
+            <a:r>
+              <a:rPr lang="en-GB" dirty="0"/>
+              <a:t>!)</a:t>
+            </a:r>
+          </a:p>
+        </p:txBody>
+      </p:sp>
+      <mc:AlternateContent xmlns:mc="http://schemas.openxmlformats.org/markup-compatibility/2006" xmlns:a14="http://schemas.microsoft.com/office/drawing/2010/main">
+        <mc:Choice Requires="a14">
+          <p:sp>
+            <p:nvSpPr>
+              <p:cNvPr id="3" name="Content Placeholder 2">
+                <a:extLst>
+                  <a:ext uri="{FF2B5EF4-FFF2-40B4-BE49-F238E27FC236}">
+                    <a16:creationId xmlns:a16="http://schemas.microsoft.com/office/drawing/2014/main" id="{06D836ED-4226-B94C-96DF-819A68344C61}"/>
+                  </a:ext>
+                </a:extLst>
+              </p:cNvPr>
+              <p:cNvSpPr>
+                <a:spLocks noGrp="1"/>
+              </p:cNvSpPr>
+              <p:nvPr>
+                <p:ph idx="1"/>
+              </p:nvPr>
+            </p:nvSpPr>
+            <p:spPr>
+              <a:xfrm>
+                <a:off x="6963936" y="2719675"/>
+                <a:ext cx="5228064" cy="2145330"/>
+              </a:xfrm>
+            </p:spPr>
+            <p:txBody>
+              <a:bodyPr>
+                <a:normAutofit/>
+              </a:bodyPr>
+              <a:lstStyle/>
+              <a:p>
+                <a:pPr marL="0" indent="0">
+                  <a:buNone/>
+                </a:pPr>
+                <a14:m>
+                  <m:oMathPara xmlns:m="http://schemas.openxmlformats.org/officeDocument/2006/math">
+                    <m:oMathParaPr>
+                      <m:jc m:val="centerGroup"/>
+                    </m:oMathParaPr>
+                    <m:oMath xmlns:m="http://schemas.openxmlformats.org/officeDocument/2006/math">
+                      <m:sSup>
+                        <m:sSupPr>
+                          <m:ctrlPr>
+                            <a:rPr lang="en-GB" i="1" smtClean="0">
+                              <a:latin typeface="Cambria Math" panose="02040503050406030204" pitchFamily="18" charset="0"/>
+                            </a:rPr>
+                          </m:ctrlPr>
+                        </m:sSupPr>
+                        <m:e>
+                          <m:r>
+                            <a:rPr lang="da-DK" b="0" i="1" smtClean="0">
+                              <a:latin typeface="Cambria Math" panose="02040503050406030204" pitchFamily="18" charset="0"/>
+                            </a:rPr>
+                            <m:t>𝑎𝑥</m:t>
+                          </m:r>
+                        </m:e>
+                        <m:sup>
+                          <m:r>
+                            <a:rPr lang="en-GB" i="1" smtClean="0">
+                              <a:latin typeface="Cambria Math" panose="02040503050406030204" pitchFamily="18" charset="0"/>
+                            </a:rPr>
+                            <m:t>2</m:t>
+                          </m:r>
+                        </m:sup>
+                      </m:sSup>
+                      <m:r>
+                        <a:rPr lang="en-GB" i="1" smtClean="0">
+                          <a:latin typeface="Cambria Math" panose="02040503050406030204" pitchFamily="18" charset="0"/>
+                        </a:rPr>
+                        <m:t>+</m:t>
+                      </m:r>
+                      <m:r>
+                        <a:rPr lang="da-DK" i="1" smtClean="0">
+                          <a:latin typeface="Cambria Math" panose="02040503050406030204" pitchFamily="18" charset="0"/>
+                        </a:rPr>
+                        <m:t>𝑏</m:t>
+                      </m:r>
+                      <m:r>
+                        <a:rPr lang="da-DK" b="0" i="1" smtClean="0">
+                          <a:latin typeface="Cambria Math" panose="02040503050406030204" pitchFamily="18" charset="0"/>
+                        </a:rPr>
+                        <m:t>𝑥</m:t>
+                      </m:r>
+                      <m:r>
+                        <a:rPr lang="da-DK" b="0" i="1" smtClean="0">
+                          <a:latin typeface="Cambria Math" panose="02040503050406030204" pitchFamily="18" charset="0"/>
+                        </a:rPr>
+                        <m:t>+</m:t>
+                      </m:r>
+                      <m:r>
+                        <a:rPr lang="da-DK" b="0" i="1" smtClean="0">
+                          <a:latin typeface="Cambria Math" panose="02040503050406030204" pitchFamily="18" charset="0"/>
+                        </a:rPr>
+                        <m:t>𝑐</m:t>
+                      </m:r>
+                      <m:r>
+                        <a:rPr lang="en-GB" i="1" smtClean="0">
+                          <a:latin typeface="Cambria Math" panose="02040503050406030204" pitchFamily="18" charset="0"/>
+                        </a:rPr>
+                        <m:t>=</m:t>
+                      </m:r>
+                      <m:r>
+                        <a:rPr lang="da-DK" b="0" i="1" smtClean="0">
+                          <a:latin typeface="Cambria Math" panose="02040503050406030204" pitchFamily="18" charset="0"/>
+                        </a:rPr>
+                        <m:t>0</m:t>
+                      </m:r>
+                    </m:oMath>
+                  </m:oMathPara>
+                </a14:m>
+                <a:endParaRPr lang="da-DK" b="0" i="1" dirty="0">
+                  <a:latin typeface="Cambria Math" panose="02040503050406030204" pitchFamily="18" charset="0"/>
+                </a:endParaRPr>
+              </a:p>
+              <a:p>
+                <a:pPr marL="0" indent="0">
+                  <a:buNone/>
+                </a:pPr>
+                <a:endParaRPr lang="da-DK" b="0" i="1" dirty="0">
+                  <a:latin typeface="Cambria Math" panose="02040503050406030204" pitchFamily="18" charset="0"/>
+                </a:endParaRPr>
+              </a:p>
+              <a:p>
+                <a:pPr marL="0" indent="0">
+                  <a:buNone/>
+                </a:pPr>
+                <a14:m>
+                  <m:oMathPara xmlns:m="http://schemas.openxmlformats.org/officeDocument/2006/math">
+                    <m:oMathParaPr>
+                      <m:jc m:val="centerGroup"/>
+                    </m:oMathParaPr>
+                    <m:oMath xmlns:m="http://schemas.openxmlformats.org/officeDocument/2006/math">
+                      <m:r>
+                        <a:rPr lang="da-DK" b="0" i="1" smtClean="0">
+                          <a:latin typeface="Cambria Math" panose="02040503050406030204" pitchFamily="18" charset="0"/>
+                        </a:rPr>
+                        <m:t>𝑥</m:t>
+                      </m:r>
+                      <m:r>
+                        <a:rPr lang="da-DK" b="0" i="1" smtClean="0">
+                          <a:latin typeface="Cambria Math" panose="02040503050406030204" pitchFamily="18" charset="0"/>
+                        </a:rPr>
+                        <m:t>=</m:t>
+                      </m:r>
+                      <m:f>
+                        <m:fPr>
+                          <m:ctrlPr>
+                            <a:rPr lang="da-DK" b="0" i="1" smtClean="0">
+                              <a:latin typeface="Cambria Math" panose="02040503050406030204" pitchFamily="18" charset="0"/>
+                            </a:rPr>
+                          </m:ctrlPr>
+                        </m:fPr>
+                        <m:num>
+                          <m:r>
+                            <a:rPr lang="da-DK" b="0" i="1" smtClean="0">
+                              <a:latin typeface="Cambria Math" panose="02040503050406030204" pitchFamily="18" charset="0"/>
+                            </a:rPr>
+                            <m:t>−</m:t>
+                          </m:r>
+                          <m:r>
+                            <a:rPr lang="da-DK" b="0" i="1" smtClean="0">
+                              <a:latin typeface="Cambria Math" panose="02040503050406030204" pitchFamily="18" charset="0"/>
+                            </a:rPr>
+                            <m:t>𝑏</m:t>
+                          </m:r>
+                          <m:r>
+                            <a:rPr lang="da-DK" b="0" i="1" smtClean="0">
+                              <a:latin typeface="Cambria Math" panose="02040503050406030204" pitchFamily="18" charset="0"/>
+                            </a:rPr>
+                            <m:t>±</m:t>
+                          </m:r>
+                          <m:rad>
+                            <m:radPr>
+                              <m:degHide m:val="on"/>
+                              <m:ctrlPr>
+                                <a:rPr lang="da-DK" b="0" i="1" smtClean="0">
+                                  <a:latin typeface="Cambria Math" panose="02040503050406030204" pitchFamily="18" charset="0"/>
+                                </a:rPr>
+                              </m:ctrlPr>
+                            </m:radPr>
+                            <m:deg/>
+                            <m:e>
+                              <m:sSup>
+                                <m:sSupPr>
+                                  <m:ctrlPr>
+                                    <a:rPr lang="da-DK" b="0" i="1" smtClean="0">
+                                      <a:latin typeface="Cambria Math" panose="02040503050406030204" pitchFamily="18" charset="0"/>
+                                    </a:rPr>
+                                  </m:ctrlPr>
+                                </m:sSupPr>
+                                <m:e>
+                                  <m:r>
+                                    <a:rPr lang="da-DK" b="0" i="1" smtClean="0">
+                                      <a:latin typeface="Cambria Math" panose="02040503050406030204" pitchFamily="18" charset="0"/>
+                                    </a:rPr>
+                                    <m:t>𝑏</m:t>
+                                  </m:r>
+                                </m:e>
+                                <m:sup>
+                                  <m:r>
+                                    <a:rPr lang="da-DK" b="0" i="1" smtClean="0">
+                                      <a:latin typeface="Cambria Math" panose="02040503050406030204" pitchFamily="18" charset="0"/>
+                                    </a:rPr>
+                                    <m:t>2</m:t>
+                                  </m:r>
+                                </m:sup>
+                              </m:sSup>
+                              <m:r>
+                                <a:rPr lang="da-DK" b="0" i="1" smtClean="0">
+                                  <a:latin typeface="Cambria Math" panose="02040503050406030204" pitchFamily="18" charset="0"/>
+                                </a:rPr>
+                                <m:t>−4</m:t>
+                              </m:r>
+                              <m:r>
+                                <a:rPr lang="da-DK" b="0" i="1" smtClean="0">
+                                  <a:latin typeface="Cambria Math" panose="02040503050406030204" pitchFamily="18" charset="0"/>
+                                </a:rPr>
+                                <m:t>𝑎𝑐</m:t>
+                              </m:r>
+                            </m:e>
+                          </m:rad>
+                        </m:num>
+                        <m:den>
+                          <m:r>
+                            <a:rPr lang="da-DK" b="0" i="1" smtClean="0">
+                              <a:latin typeface="Cambria Math" panose="02040503050406030204" pitchFamily="18" charset="0"/>
+                            </a:rPr>
+                            <m:t>2</m:t>
+                          </m:r>
+                          <m:r>
+                            <a:rPr lang="da-DK" b="0" i="1" smtClean="0">
+                              <a:latin typeface="Cambria Math" panose="02040503050406030204" pitchFamily="18" charset="0"/>
+                            </a:rPr>
+                            <m:t>𝑎</m:t>
+                          </m:r>
+                        </m:den>
+                      </m:f>
+                    </m:oMath>
+                  </m:oMathPara>
+                </a14:m>
+                <a:endParaRPr lang="da-DK" b="0" dirty="0"/>
+              </a:p>
+              <a:p>
+                <a:pPr marL="0" indent="0">
+                  <a:buNone/>
+                </a:pPr>
+                <a:endParaRPr lang="da-DK" dirty="0"/>
+              </a:p>
+            </p:txBody>
+          </p:sp>
+        </mc:Choice>
+        <mc:Fallback xmlns="">
+          <p:sp>
+            <p:nvSpPr>
+              <p:cNvPr id="3" name="Content Placeholder 2">
+                <a:extLst>
+                  <a:ext uri="{FF2B5EF4-FFF2-40B4-BE49-F238E27FC236}">
+                    <a16:creationId xmlns:a16="http://schemas.microsoft.com/office/drawing/2014/main" id="{06D836ED-4226-B94C-96DF-819A68344C61}"/>
+                  </a:ext>
+                </a:extLst>
+              </p:cNvPr>
+              <p:cNvSpPr>
+                <a:spLocks noGrp="1" noRot="1" noChangeAspect="1" noMove="1" noResize="1" noEditPoints="1" noAdjustHandles="1" noChangeArrowheads="1" noChangeShapeType="1" noTextEdit="1"/>
+              </p:cNvSpPr>
+              <p:nvPr>
+                <p:ph idx="1"/>
+              </p:nvPr>
+            </p:nvSpPr>
+            <p:spPr>
+              <a:xfrm>
+                <a:off x="6963936" y="2719675"/>
+                <a:ext cx="5228064" cy="2145330"/>
+              </a:xfrm>
+              <a:blipFill>
+                <a:blip r:embed="rId2"/>
+                <a:stretch>
+                  <a:fillRect/>
+                </a:stretch>
+              </a:blipFill>
+            </p:spPr>
+            <p:txBody>
+              <a:bodyPr/>
+              <a:lstStyle/>
+              <a:p>
+                <a:r>
+                  <a:rPr lang="en-GB">
+                    <a:noFill/>
+                  </a:rPr>
+                  <a:t> </a:t>
+                </a:r>
+              </a:p>
+            </p:txBody>
+          </p:sp>
+        </mc:Fallback>
+      </mc:AlternateContent>
+      <p:sp>
+        <p:nvSpPr>
+          <p:cNvPr id="4" name="Content Placeholder 2">
+            <a:extLst>
+              <a:ext uri="{FF2B5EF4-FFF2-40B4-BE49-F238E27FC236}">
+                <a16:creationId xmlns:a16="http://schemas.microsoft.com/office/drawing/2014/main" id="{E0847B08-3B33-E94A-9025-05E863B147D1}"/>
+              </a:ext>
+            </a:extLst>
+          </p:cNvPr>
+          <p:cNvSpPr txBox="1">
+            <a:spLocks/>
+          </p:cNvSpPr>
+          <p:nvPr/>
+        </p:nvSpPr>
+        <p:spPr>
+          <a:xfrm>
+            <a:off x="859162" y="1644309"/>
+            <a:ext cx="3929153" cy="754869"/>
+          </a:xfrm>
+          <a:prstGeom prst="rect">
+            <a:avLst/>
+          </a:prstGeom>
+        </p:spPr>
+        <p:txBody>
+          <a:bodyPr vert="horz" lIns="91440" tIns="45720" rIns="91440" bIns="45720" rtlCol="0">
+            <a:normAutofit/>
+          </a:bodyPr>
+          <a:lstStyle>
+            <a:lvl1pPr marL="228600" indent="-228600" algn="l" defTabSz="914400" rtl="0" eaLnBrk="1" latinLnBrk="0" hangingPunct="1">
+              <a:lnSpc>
+                <a:spcPct val="90000"/>
+              </a:lnSpc>
+              <a:spcBef>
+                <a:spcPts val="1000"/>
+              </a:spcBef>
+              <a:buFont typeface="Arial" panose="020B0604020202020204" pitchFamily="34" charset="0"/>
+              <a:buChar char="•"/>
+              <a:defRPr sz="2800" kern="1200">
+                <a:solidFill>
+                  <a:schemeClr val="tx1"/>
+                </a:solidFill>
+                <a:latin typeface="+mn-lt"/>
+                <a:ea typeface="+mn-ea"/>
+                <a:cs typeface="+mn-cs"/>
+              </a:defRPr>
+            </a:lvl1pPr>
+            <a:lvl2pPr marL="685800" indent="-228600" algn="l" defTabSz="914400" rtl="0" eaLnBrk="1" latinLnBrk="0" hangingPunct="1">
+              <a:lnSpc>
+                <a:spcPct val="90000"/>
+              </a:lnSpc>
+              <a:spcBef>
+                <a:spcPts val="500"/>
+              </a:spcBef>
+              <a:buFont typeface="Arial" panose="020B0604020202020204" pitchFamily="34" charset="0"/>
+              <a:buChar char="•"/>
+              <a:defRPr sz="2400" kern="1200">
+                <a:solidFill>
+                  <a:schemeClr val="tx1"/>
+                </a:solidFill>
+                <a:latin typeface="+mn-lt"/>
+                <a:ea typeface="+mn-ea"/>
+                <a:cs typeface="+mn-cs"/>
+              </a:defRPr>
+            </a:lvl2pPr>
+            <a:lvl3pPr marL="1143000" indent="-228600" algn="l" defTabSz="914400" rtl="0" eaLnBrk="1" latinLnBrk="0" hangingPunct="1">
+              <a:lnSpc>
+                <a:spcPct val="90000"/>
+              </a:lnSpc>
+              <a:spcBef>
+                <a:spcPts val="500"/>
+              </a:spcBef>
+              <a:buFont typeface="Arial" panose="020B0604020202020204" pitchFamily="34" charset="0"/>
+              <a:buChar char="•"/>
+              <a:defRPr sz="2000" kern="1200">
+                <a:solidFill>
+                  <a:schemeClr val="tx1"/>
+                </a:solidFill>
+                <a:latin typeface="+mn-lt"/>
+                <a:ea typeface="+mn-ea"/>
+                <a:cs typeface="+mn-cs"/>
+              </a:defRPr>
+            </a:lvl3pPr>
+            <a:lvl4pPr marL="1600200" indent="-228600" algn="l" defTabSz="914400" rtl="0" eaLnBrk="1" latinLnBrk="0" hangingPunct="1">
+              <a:lnSpc>
+                <a:spcPct val="90000"/>
+              </a:lnSpc>
+              <a:spcBef>
+                <a:spcPts val="500"/>
+              </a:spcBef>
+              <a:buFont typeface="Arial" panose="020B0604020202020204" pitchFamily="34" charset="0"/>
+              <a:buChar char="•"/>
+              <a:defRPr sz="1800" kern="1200">
+                <a:solidFill>
+                  <a:schemeClr val="tx1"/>
+                </a:solidFill>
+                <a:latin typeface="+mn-lt"/>
+                <a:ea typeface="+mn-ea"/>
+                <a:cs typeface="+mn-cs"/>
+              </a:defRPr>
+            </a:lvl4pPr>
+            <a:lvl5pPr marL="2057400" indent="-228600" algn="l" defTabSz="914400" rtl="0" eaLnBrk="1" latinLnBrk="0" hangingPunct="1">
+              <a:lnSpc>
+                <a:spcPct val="90000"/>
+              </a:lnSpc>
+              <a:spcBef>
+                <a:spcPts val="500"/>
+              </a:spcBef>
+              <a:buFont typeface="Arial" panose="020B0604020202020204" pitchFamily="34" charset="0"/>
+              <a:buChar char="•"/>
+              <a:defRPr sz="1800" kern="1200">
+                <a:solidFill>
+                  <a:schemeClr val="tx1"/>
+                </a:solidFill>
+                <a:latin typeface="+mn-lt"/>
+                <a:ea typeface="+mn-ea"/>
+                <a:cs typeface="+mn-cs"/>
+              </a:defRPr>
+            </a:lvl5pPr>
+            <a:lvl6pPr marL="2514600" indent="-228600" algn="l" defTabSz="914400" rtl="0" eaLnBrk="1" latinLnBrk="0" hangingPunct="1">
+              <a:lnSpc>
+                <a:spcPct val="90000"/>
+              </a:lnSpc>
+              <a:spcBef>
+                <a:spcPts val="500"/>
+              </a:spcBef>
+              <a:buFont typeface="Arial" panose="020B0604020202020204" pitchFamily="34" charset="0"/>
+              <a:buChar char="•"/>
+              <a:defRPr sz="1800" kern="1200">
+                <a:solidFill>
+                  <a:schemeClr val="tx1"/>
+                </a:solidFill>
+                <a:latin typeface="+mn-lt"/>
+                <a:ea typeface="+mn-ea"/>
+                <a:cs typeface="+mn-cs"/>
+              </a:defRPr>
+            </a:lvl6pPr>
+            <a:lvl7pPr marL="2971800" indent="-228600" algn="l" defTabSz="914400" rtl="0" eaLnBrk="1" latinLnBrk="0" hangingPunct="1">
+              <a:lnSpc>
+                <a:spcPct val="90000"/>
+              </a:lnSpc>
+              <a:spcBef>
+                <a:spcPts val="500"/>
+              </a:spcBef>
+              <a:buFont typeface="Arial" panose="020B0604020202020204" pitchFamily="34" charset="0"/>
+              <a:buChar char="•"/>
+              <a:defRPr sz="1800" kern="1200">
+                <a:solidFill>
+                  <a:schemeClr val="tx1"/>
+                </a:solidFill>
+                <a:latin typeface="+mn-lt"/>
+                <a:ea typeface="+mn-ea"/>
+                <a:cs typeface="+mn-cs"/>
+              </a:defRPr>
+            </a:lvl7pPr>
+            <a:lvl8pPr marL="3429000" indent="-228600" algn="l" defTabSz="914400" rtl="0" eaLnBrk="1" latinLnBrk="0" hangingPunct="1">
+              <a:lnSpc>
+                <a:spcPct val="90000"/>
+              </a:lnSpc>
+              <a:spcBef>
+                <a:spcPts val="500"/>
+              </a:spcBef>
+              <a:buFont typeface="Arial" panose="020B0604020202020204" pitchFamily="34" charset="0"/>
+              <a:buChar char="•"/>
+              <a:defRPr sz="1800" kern="1200">
+                <a:solidFill>
+                  <a:schemeClr val="tx1"/>
+                </a:solidFill>
+                <a:latin typeface="+mn-lt"/>
+                <a:ea typeface="+mn-ea"/>
+                <a:cs typeface="+mn-cs"/>
+              </a:defRPr>
+            </a:lvl8pPr>
+            <a:lvl9pPr marL="3886200" indent="-228600" algn="l" defTabSz="914400" rtl="0" eaLnBrk="1" latinLnBrk="0" hangingPunct="1">
+              <a:lnSpc>
+                <a:spcPct val="90000"/>
+              </a:lnSpc>
+              <a:spcBef>
+                <a:spcPts val="500"/>
+              </a:spcBef>
+              <a:buFont typeface="Arial" panose="020B0604020202020204" pitchFamily="34" charset="0"/>
+              <a:buChar char="•"/>
+              <a:defRPr sz="1800" kern="1200">
+                <a:solidFill>
+                  <a:schemeClr val="tx1"/>
+                </a:solidFill>
+                <a:latin typeface="+mn-lt"/>
+                <a:ea typeface="+mn-ea"/>
+                <a:cs typeface="+mn-cs"/>
+              </a:defRPr>
+            </a:lvl9pPr>
+          </a:lstStyle>
+          <a:p>
+            <a:pPr marL="0" indent="0">
+              <a:lnSpc>
+                <a:spcPct val="100000"/>
+              </a:lnSpc>
+              <a:buNone/>
+            </a:pPr>
+            <a:r>
+              <a:rPr lang="en-GB" sz="1600" dirty="0">
+                <a:latin typeface="DejaVu Sans Book" panose="020B0603030804020204" pitchFamily="34" charset="0"/>
+                <a:ea typeface="DejaVu Sans Book" panose="020B0603030804020204" pitchFamily="34" charset="0"/>
+                <a:cs typeface="DejaVu Sans Book" panose="020B0603030804020204" pitchFamily="34" charset="0"/>
+              </a:rPr>
+              <a:t>let discriminant a b c =</a:t>
+            </a:r>
+          </a:p>
+          <a:p>
+            <a:pPr marL="0" indent="0">
+              <a:lnSpc>
+                <a:spcPct val="100000"/>
+              </a:lnSpc>
+              <a:buNone/>
+            </a:pPr>
+            <a:r>
+              <a:rPr lang="en-GB" sz="1600" dirty="0">
+                <a:latin typeface="DejaVu Sans Book" panose="020B0603030804020204" pitchFamily="34" charset="0"/>
+                <a:ea typeface="DejaVu Sans Book" panose="020B0603030804020204" pitchFamily="34" charset="0"/>
+                <a:cs typeface="DejaVu Sans Book" panose="020B0603030804020204" pitchFamily="34" charset="0"/>
+              </a:rPr>
+              <a:t>  b ** 2.0 - 4.0 * a * c</a:t>
+            </a:r>
+          </a:p>
+        </p:txBody>
+      </p:sp>
+      <p:sp>
+        <p:nvSpPr>
+          <p:cNvPr id="5" name="Content Placeholder 2">
+            <a:extLst>
+              <a:ext uri="{FF2B5EF4-FFF2-40B4-BE49-F238E27FC236}">
+                <a16:creationId xmlns:a16="http://schemas.microsoft.com/office/drawing/2014/main" id="{FE4D00E1-5A5E-7044-BE0E-E2834206A8A9}"/>
+              </a:ext>
+            </a:extLst>
+          </p:cNvPr>
+          <p:cNvSpPr txBox="1">
+            <a:spLocks/>
+          </p:cNvSpPr>
+          <p:nvPr/>
+        </p:nvSpPr>
+        <p:spPr>
+          <a:xfrm>
+            <a:off x="838200" y="2810534"/>
+            <a:ext cx="4106119" cy="1098524"/>
+          </a:xfrm>
+          <a:prstGeom prst="rect">
+            <a:avLst/>
+          </a:prstGeom>
+        </p:spPr>
+        <p:txBody>
+          <a:bodyPr vert="horz" lIns="91440" tIns="45720" rIns="91440" bIns="45720" rtlCol="0">
+            <a:normAutofit/>
+          </a:bodyPr>
+          <a:lstStyle>
+            <a:lvl1pPr marL="228600" indent="-228600" algn="l" defTabSz="914400" rtl="0" eaLnBrk="1" latinLnBrk="0" hangingPunct="1">
+              <a:lnSpc>
+                <a:spcPct val="90000"/>
+              </a:lnSpc>
+              <a:spcBef>
+                <a:spcPts val="1000"/>
+              </a:spcBef>
+              <a:buFont typeface="Arial" panose="020B0604020202020204" pitchFamily="34" charset="0"/>
+              <a:buChar char="•"/>
+              <a:defRPr sz="2800" kern="1200">
+                <a:solidFill>
+                  <a:schemeClr val="tx1"/>
+                </a:solidFill>
+                <a:latin typeface="+mn-lt"/>
+                <a:ea typeface="+mn-ea"/>
+                <a:cs typeface="+mn-cs"/>
+              </a:defRPr>
+            </a:lvl1pPr>
+            <a:lvl2pPr marL="685800" indent="-228600" algn="l" defTabSz="914400" rtl="0" eaLnBrk="1" latinLnBrk="0" hangingPunct="1">
+              <a:lnSpc>
+                <a:spcPct val="90000"/>
+              </a:lnSpc>
+              <a:spcBef>
+                <a:spcPts val="500"/>
+              </a:spcBef>
+              <a:buFont typeface="Arial" panose="020B0604020202020204" pitchFamily="34" charset="0"/>
+              <a:buChar char="•"/>
+              <a:defRPr sz="2400" kern="1200">
+                <a:solidFill>
+                  <a:schemeClr val="tx1"/>
+                </a:solidFill>
+                <a:latin typeface="+mn-lt"/>
+                <a:ea typeface="+mn-ea"/>
+                <a:cs typeface="+mn-cs"/>
+              </a:defRPr>
+            </a:lvl2pPr>
+            <a:lvl3pPr marL="1143000" indent="-228600" algn="l" defTabSz="914400" rtl="0" eaLnBrk="1" latinLnBrk="0" hangingPunct="1">
+              <a:lnSpc>
+                <a:spcPct val="90000"/>
+              </a:lnSpc>
+              <a:spcBef>
+                <a:spcPts val="500"/>
+              </a:spcBef>
+              <a:buFont typeface="Arial" panose="020B0604020202020204" pitchFamily="34" charset="0"/>
+              <a:buChar char="•"/>
+              <a:defRPr sz="2000" kern="1200">
+                <a:solidFill>
+                  <a:schemeClr val="tx1"/>
+                </a:solidFill>
+                <a:latin typeface="+mn-lt"/>
+                <a:ea typeface="+mn-ea"/>
+                <a:cs typeface="+mn-cs"/>
+              </a:defRPr>
+            </a:lvl3pPr>
+            <a:lvl4pPr marL="1600200" indent="-228600" algn="l" defTabSz="914400" rtl="0" eaLnBrk="1" latinLnBrk="0" hangingPunct="1">
+              <a:lnSpc>
+                <a:spcPct val="90000"/>
+              </a:lnSpc>
+              <a:spcBef>
+                <a:spcPts val="500"/>
+              </a:spcBef>
+              <a:buFont typeface="Arial" panose="020B0604020202020204" pitchFamily="34" charset="0"/>
+              <a:buChar char="•"/>
+              <a:defRPr sz="1800" kern="1200">
+                <a:solidFill>
+                  <a:schemeClr val="tx1"/>
+                </a:solidFill>
+                <a:latin typeface="+mn-lt"/>
+                <a:ea typeface="+mn-ea"/>
+                <a:cs typeface="+mn-cs"/>
+              </a:defRPr>
+            </a:lvl4pPr>
+            <a:lvl5pPr marL="2057400" indent="-228600" algn="l" defTabSz="914400" rtl="0" eaLnBrk="1" latinLnBrk="0" hangingPunct="1">
+              <a:lnSpc>
+                <a:spcPct val="90000"/>
+              </a:lnSpc>
+              <a:spcBef>
+                <a:spcPts val="500"/>
+              </a:spcBef>
+              <a:buFont typeface="Arial" panose="020B0604020202020204" pitchFamily="34" charset="0"/>
+              <a:buChar char="•"/>
+              <a:defRPr sz="1800" kern="1200">
+                <a:solidFill>
+                  <a:schemeClr val="tx1"/>
+                </a:solidFill>
+                <a:latin typeface="+mn-lt"/>
+                <a:ea typeface="+mn-ea"/>
+                <a:cs typeface="+mn-cs"/>
+              </a:defRPr>
+            </a:lvl5pPr>
+            <a:lvl6pPr marL="2514600" indent="-228600" algn="l" defTabSz="914400" rtl="0" eaLnBrk="1" latinLnBrk="0" hangingPunct="1">
+              <a:lnSpc>
+                <a:spcPct val="90000"/>
+              </a:lnSpc>
+              <a:spcBef>
+                <a:spcPts val="500"/>
+              </a:spcBef>
+              <a:buFont typeface="Arial" panose="020B0604020202020204" pitchFamily="34" charset="0"/>
+              <a:buChar char="•"/>
+              <a:defRPr sz="1800" kern="1200">
+                <a:solidFill>
+                  <a:schemeClr val="tx1"/>
+                </a:solidFill>
+                <a:latin typeface="+mn-lt"/>
+                <a:ea typeface="+mn-ea"/>
+                <a:cs typeface="+mn-cs"/>
+              </a:defRPr>
+            </a:lvl6pPr>
+            <a:lvl7pPr marL="2971800" indent="-228600" algn="l" defTabSz="914400" rtl="0" eaLnBrk="1" latinLnBrk="0" hangingPunct="1">
+              <a:lnSpc>
+                <a:spcPct val="90000"/>
+              </a:lnSpc>
+              <a:spcBef>
+                <a:spcPts val="500"/>
+              </a:spcBef>
+              <a:buFont typeface="Arial" panose="020B0604020202020204" pitchFamily="34" charset="0"/>
+              <a:buChar char="•"/>
+              <a:defRPr sz="1800" kern="1200">
+                <a:solidFill>
+                  <a:schemeClr val="tx1"/>
+                </a:solidFill>
+                <a:latin typeface="+mn-lt"/>
+                <a:ea typeface="+mn-ea"/>
+                <a:cs typeface="+mn-cs"/>
+              </a:defRPr>
+            </a:lvl7pPr>
+            <a:lvl8pPr marL="3429000" indent="-228600" algn="l" defTabSz="914400" rtl="0" eaLnBrk="1" latinLnBrk="0" hangingPunct="1">
+              <a:lnSpc>
+                <a:spcPct val="90000"/>
+              </a:lnSpc>
+              <a:spcBef>
+                <a:spcPts val="500"/>
+              </a:spcBef>
+              <a:buFont typeface="Arial" panose="020B0604020202020204" pitchFamily="34" charset="0"/>
+              <a:buChar char="•"/>
+              <a:defRPr sz="1800" kern="1200">
+                <a:solidFill>
+                  <a:schemeClr val="tx1"/>
+                </a:solidFill>
+                <a:latin typeface="+mn-lt"/>
+                <a:ea typeface="+mn-ea"/>
+                <a:cs typeface="+mn-cs"/>
+              </a:defRPr>
+            </a:lvl8pPr>
+            <a:lvl9pPr marL="3886200" indent="-228600" algn="l" defTabSz="914400" rtl="0" eaLnBrk="1" latinLnBrk="0" hangingPunct="1">
+              <a:lnSpc>
+                <a:spcPct val="90000"/>
+              </a:lnSpc>
+              <a:spcBef>
+                <a:spcPts val="500"/>
+              </a:spcBef>
+              <a:buFont typeface="Arial" panose="020B0604020202020204" pitchFamily="34" charset="0"/>
+              <a:buChar char="•"/>
+              <a:defRPr sz="1800" kern="1200">
+                <a:solidFill>
+                  <a:schemeClr val="tx1"/>
+                </a:solidFill>
+                <a:latin typeface="+mn-lt"/>
+                <a:ea typeface="+mn-ea"/>
+                <a:cs typeface="+mn-cs"/>
+              </a:defRPr>
+            </a:lvl9pPr>
+          </a:lstStyle>
+          <a:p>
+            <a:pPr marL="0" indent="0">
+              <a:lnSpc>
+                <a:spcPct val="100000"/>
+              </a:lnSpc>
+              <a:buNone/>
+            </a:pPr>
+            <a:r>
+              <a:rPr lang="en-GB" sz="1600" dirty="0">
+                <a:latin typeface="DejaVu Sans Book" panose="020B0603030804020204" pitchFamily="34" charset="0"/>
+                <a:ea typeface="DejaVu Sans Book" panose="020B0603030804020204" pitchFamily="34" charset="0"/>
+                <a:cs typeface="DejaVu Sans Book" panose="020B0603030804020204" pitchFamily="34" charset="0"/>
+              </a:rPr>
+              <a:t>let solution a b c </a:t>
+            </a:r>
+            <a:r>
+              <a:rPr lang="en-GB" sz="1600" dirty="0" err="1">
+                <a:latin typeface="DejaVu Sans Book" panose="020B0603030804020204" pitchFamily="34" charset="0"/>
+                <a:ea typeface="DejaVu Sans Book" panose="020B0603030804020204" pitchFamily="34" charset="0"/>
+                <a:cs typeface="DejaVu Sans Book" panose="020B0603030804020204" pitchFamily="34" charset="0"/>
+              </a:rPr>
+              <a:t>sgn</a:t>
+            </a:r>
+            <a:r>
+              <a:rPr lang="en-GB" sz="1600" dirty="0">
+                <a:latin typeface="DejaVu Sans Book" panose="020B0603030804020204" pitchFamily="34" charset="0"/>
+                <a:ea typeface="DejaVu Sans Book" panose="020B0603030804020204" pitchFamily="34" charset="0"/>
+                <a:cs typeface="DejaVu Sans Book" panose="020B0603030804020204" pitchFamily="34" charset="0"/>
+              </a:rPr>
+              <a:t> =</a:t>
+            </a:r>
+          </a:p>
+          <a:p>
+            <a:pPr marL="0" indent="0">
+              <a:lnSpc>
+                <a:spcPct val="100000"/>
+              </a:lnSpc>
+              <a:buNone/>
+            </a:pPr>
+            <a:r>
+              <a:rPr lang="en-GB" sz="1600" dirty="0">
+                <a:latin typeface="DejaVu Sans Book" panose="020B0603030804020204" pitchFamily="34" charset="0"/>
+                <a:ea typeface="DejaVu Sans Book" panose="020B0603030804020204" pitchFamily="34" charset="0"/>
+                <a:cs typeface="DejaVu Sans Book" panose="020B0603030804020204" pitchFamily="34" charset="0"/>
+              </a:rPr>
+              <a:t>  let d = discriminant a b c</a:t>
+            </a:r>
+          </a:p>
+          <a:p>
+            <a:pPr marL="0" indent="0">
+              <a:lnSpc>
+                <a:spcPct val="100000"/>
+              </a:lnSpc>
+              <a:buNone/>
+            </a:pPr>
+            <a:r>
+              <a:rPr lang="en-GB" sz="1600" dirty="0">
+                <a:latin typeface="DejaVu Sans Book" panose="020B0603030804020204" pitchFamily="34" charset="0"/>
+                <a:ea typeface="DejaVu Sans Book" panose="020B0603030804020204" pitchFamily="34" charset="0"/>
+                <a:cs typeface="DejaVu Sans Book" panose="020B0603030804020204" pitchFamily="34" charset="0"/>
+              </a:rPr>
+              <a:t>  (-b + </a:t>
+            </a:r>
+            <a:r>
+              <a:rPr lang="en-GB" sz="1600" dirty="0" err="1">
+                <a:latin typeface="DejaVu Sans Book" panose="020B0603030804020204" pitchFamily="34" charset="0"/>
+                <a:ea typeface="DejaVu Sans Book" panose="020B0603030804020204" pitchFamily="34" charset="0"/>
+                <a:cs typeface="DejaVu Sans Book" panose="020B0603030804020204" pitchFamily="34" charset="0"/>
+              </a:rPr>
+              <a:t>sgn</a:t>
+            </a:r>
+            <a:r>
+              <a:rPr lang="en-GB" sz="1600" dirty="0">
+                <a:latin typeface="DejaVu Sans Book" panose="020B0603030804020204" pitchFamily="34" charset="0"/>
+                <a:ea typeface="DejaVu Sans Book" panose="020B0603030804020204" pitchFamily="34" charset="0"/>
+                <a:cs typeface="DejaVu Sans Book" panose="020B0603030804020204" pitchFamily="34" charset="0"/>
+              </a:rPr>
+              <a:t> * sqrt d) / (2.0 * a)</a:t>
+            </a:r>
+          </a:p>
+        </p:txBody>
+      </p:sp>
+      <p:sp>
+        <p:nvSpPr>
+          <p:cNvPr id="6" name="Content Placeholder 2">
+            <a:extLst>
+              <a:ext uri="{FF2B5EF4-FFF2-40B4-BE49-F238E27FC236}">
+                <a16:creationId xmlns:a16="http://schemas.microsoft.com/office/drawing/2014/main" id="{2778414B-D254-D541-A9DD-79F84CCFA36A}"/>
+              </a:ext>
+            </a:extLst>
+          </p:cNvPr>
+          <p:cNvSpPr txBox="1">
+            <a:spLocks/>
+          </p:cNvSpPr>
+          <p:nvPr/>
+        </p:nvSpPr>
+        <p:spPr>
+          <a:xfrm>
+            <a:off x="838200" y="4298342"/>
+            <a:ext cx="7212980" cy="2135914"/>
+          </a:xfrm>
+          <a:prstGeom prst="rect">
+            <a:avLst/>
+          </a:prstGeom>
+        </p:spPr>
+        <p:txBody>
+          <a:bodyPr vert="horz" lIns="91440" tIns="45720" rIns="91440" bIns="45720" rtlCol="0">
+            <a:normAutofit/>
+          </a:bodyPr>
+          <a:lstStyle>
+            <a:lvl1pPr marL="228600" indent="-228600" algn="l" defTabSz="914400" rtl="0" eaLnBrk="1" latinLnBrk="0" hangingPunct="1">
+              <a:lnSpc>
+                <a:spcPct val="90000"/>
+              </a:lnSpc>
+              <a:spcBef>
+                <a:spcPts val="1000"/>
+              </a:spcBef>
+              <a:buFont typeface="Arial" panose="020B0604020202020204" pitchFamily="34" charset="0"/>
+              <a:buChar char="•"/>
+              <a:defRPr sz="2800" kern="1200">
+                <a:solidFill>
+                  <a:schemeClr val="tx1"/>
+                </a:solidFill>
+                <a:latin typeface="+mn-lt"/>
+                <a:ea typeface="+mn-ea"/>
+                <a:cs typeface="+mn-cs"/>
+              </a:defRPr>
+            </a:lvl1pPr>
+            <a:lvl2pPr marL="685800" indent="-228600" algn="l" defTabSz="914400" rtl="0" eaLnBrk="1" latinLnBrk="0" hangingPunct="1">
+              <a:lnSpc>
+                <a:spcPct val="90000"/>
+              </a:lnSpc>
+              <a:spcBef>
+                <a:spcPts val="500"/>
+              </a:spcBef>
+              <a:buFont typeface="Arial" panose="020B0604020202020204" pitchFamily="34" charset="0"/>
+              <a:buChar char="•"/>
+              <a:defRPr sz="2400" kern="1200">
+                <a:solidFill>
+                  <a:schemeClr val="tx1"/>
+                </a:solidFill>
+                <a:latin typeface="+mn-lt"/>
+                <a:ea typeface="+mn-ea"/>
+                <a:cs typeface="+mn-cs"/>
+              </a:defRPr>
+            </a:lvl2pPr>
+            <a:lvl3pPr marL="1143000" indent="-228600" algn="l" defTabSz="914400" rtl="0" eaLnBrk="1" latinLnBrk="0" hangingPunct="1">
+              <a:lnSpc>
+                <a:spcPct val="90000"/>
+              </a:lnSpc>
+              <a:spcBef>
+                <a:spcPts val="500"/>
+              </a:spcBef>
+              <a:buFont typeface="Arial" panose="020B0604020202020204" pitchFamily="34" charset="0"/>
+              <a:buChar char="•"/>
+              <a:defRPr sz="2000" kern="1200">
+                <a:solidFill>
+                  <a:schemeClr val="tx1"/>
+                </a:solidFill>
+                <a:latin typeface="+mn-lt"/>
+                <a:ea typeface="+mn-ea"/>
+                <a:cs typeface="+mn-cs"/>
+              </a:defRPr>
+            </a:lvl3pPr>
+            <a:lvl4pPr marL="1600200" indent="-228600" algn="l" defTabSz="914400" rtl="0" eaLnBrk="1" latinLnBrk="0" hangingPunct="1">
+              <a:lnSpc>
+                <a:spcPct val="90000"/>
+              </a:lnSpc>
+              <a:spcBef>
+                <a:spcPts val="500"/>
+              </a:spcBef>
+              <a:buFont typeface="Arial" panose="020B0604020202020204" pitchFamily="34" charset="0"/>
+              <a:buChar char="•"/>
+              <a:defRPr sz="1800" kern="1200">
+                <a:solidFill>
+                  <a:schemeClr val="tx1"/>
+                </a:solidFill>
+                <a:latin typeface="+mn-lt"/>
+                <a:ea typeface="+mn-ea"/>
+                <a:cs typeface="+mn-cs"/>
+              </a:defRPr>
+            </a:lvl4pPr>
+            <a:lvl5pPr marL="2057400" indent="-228600" algn="l" defTabSz="914400" rtl="0" eaLnBrk="1" latinLnBrk="0" hangingPunct="1">
+              <a:lnSpc>
+                <a:spcPct val="90000"/>
+              </a:lnSpc>
+              <a:spcBef>
+                <a:spcPts val="500"/>
+              </a:spcBef>
+              <a:buFont typeface="Arial" panose="020B0604020202020204" pitchFamily="34" charset="0"/>
+              <a:buChar char="•"/>
+              <a:defRPr sz="1800" kern="1200">
+                <a:solidFill>
+                  <a:schemeClr val="tx1"/>
+                </a:solidFill>
+                <a:latin typeface="+mn-lt"/>
+                <a:ea typeface="+mn-ea"/>
+                <a:cs typeface="+mn-cs"/>
+              </a:defRPr>
+            </a:lvl5pPr>
+            <a:lvl6pPr marL="2514600" indent="-228600" algn="l" defTabSz="914400" rtl="0" eaLnBrk="1" latinLnBrk="0" hangingPunct="1">
+              <a:lnSpc>
+                <a:spcPct val="90000"/>
+              </a:lnSpc>
+              <a:spcBef>
+                <a:spcPts val="500"/>
+              </a:spcBef>
+              <a:buFont typeface="Arial" panose="020B0604020202020204" pitchFamily="34" charset="0"/>
+              <a:buChar char="•"/>
+              <a:defRPr sz="1800" kern="1200">
+                <a:solidFill>
+                  <a:schemeClr val="tx1"/>
+                </a:solidFill>
+                <a:latin typeface="+mn-lt"/>
+                <a:ea typeface="+mn-ea"/>
+                <a:cs typeface="+mn-cs"/>
+              </a:defRPr>
+            </a:lvl6pPr>
+            <a:lvl7pPr marL="2971800" indent="-228600" algn="l" defTabSz="914400" rtl="0" eaLnBrk="1" latinLnBrk="0" hangingPunct="1">
+              <a:lnSpc>
+                <a:spcPct val="90000"/>
+              </a:lnSpc>
+              <a:spcBef>
+                <a:spcPts val="500"/>
+              </a:spcBef>
+              <a:buFont typeface="Arial" panose="020B0604020202020204" pitchFamily="34" charset="0"/>
+              <a:buChar char="•"/>
+              <a:defRPr sz="1800" kern="1200">
+                <a:solidFill>
+                  <a:schemeClr val="tx1"/>
+                </a:solidFill>
+                <a:latin typeface="+mn-lt"/>
+                <a:ea typeface="+mn-ea"/>
+                <a:cs typeface="+mn-cs"/>
+              </a:defRPr>
+            </a:lvl7pPr>
+            <a:lvl8pPr marL="3429000" indent="-228600" algn="l" defTabSz="914400" rtl="0" eaLnBrk="1" latinLnBrk="0" hangingPunct="1">
+              <a:lnSpc>
+                <a:spcPct val="90000"/>
+              </a:lnSpc>
+              <a:spcBef>
+                <a:spcPts val="500"/>
+              </a:spcBef>
+              <a:buFont typeface="Arial" panose="020B0604020202020204" pitchFamily="34" charset="0"/>
+              <a:buChar char="•"/>
+              <a:defRPr sz="1800" kern="1200">
+                <a:solidFill>
+                  <a:schemeClr val="tx1"/>
+                </a:solidFill>
+                <a:latin typeface="+mn-lt"/>
+                <a:ea typeface="+mn-ea"/>
+                <a:cs typeface="+mn-cs"/>
+              </a:defRPr>
+            </a:lvl8pPr>
+            <a:lvl9pPr marL="3886200" indent="-228600" algn="l" defTabSz="914400" rtl="0" eaLnBrk="1" latinLnBrk="0" hangingPunct="1">
+              <a:lnSpc>
+                <a:spcPct val="90000"/>
+              </a:lnSpc>
+              <a:spcBef>
+                <a:spcPts val="500"/>
+              </a:spcBef>
+              <a:buFont typeface="Arial" panose="020B0604020202020204" pitchFamily="34" charset="0"/>
+              <a:buChar char="•"/>
+              <a:defRPr sz="1800" kern="1200">
+                <a:solidFill>
+                  <a:schemeClr val="tx1"/>
+                </a:solidFill>
+                <a:latin typeface="+mn-lt"/>
+                <a:ea typeface="+mn-ea"/>
+                <a:cs typeface="+mn-cs"/>
+              </a:defRPr>
+            </a:lvl9pPr>
+          </a:lstStyle>
+          <a:p>
+            <a:pPr marL="0" indent="0">
+              <a:lnSpc>
+                <a:spcPct val="100000"/>
+              </a:lnSpc>
+              <a:buNone/>
+            </a:pPr>
+            <a:r>
+              <a:rPr lang="en-GB" sz="1600" dirty="0">
+                <a:latin typeface="DejaVu Sans Book" panose="020B0603030804020204" pitchFamily="34" charset="0"/>
+                <a:ea typeface="DejaVu Sans Book" panose="020B0603030804020204" pitchFamily="34" charset="0"/>
+                <a:cs typeface="DejaVu Sans Book" panose="020B0603030804020204" pitchFamily="34" charset="0"/>
+              </a:rPr>
+              <a:t>let a = 1.0</a:t>
+            </a:r>
+          </a:p>
+          <a:p>
+            <a:pPr marL="0" indent="0">
+              <a:lnSpc>
+                <a:spcPct val="100000"/>
+              </a:lnSpc>
+              <a:buNone/>
+            </a:pPr>
+            <a:r>
+              <a:rPr lang="en-GB" sz="1600" dirty="0">
+                <a:latin typeface="DejaVu Sans Book" panose="020B0603030804020204" pitchFamily="34" charset="0"/>
+                <a:ea typeface="DejaVu Sans Book" panose="020B0603030804020204" pitchFamily="34" charset="0"/>
+                <a:cs typeface="DejaVu Sans Book" panose="020B0603030804020204" pitchFamily="34" charset="0"/>
+              </a:rPr>
+              <a:t>let b = 0.0</a:t>
+            </a:r>
+          </a:p>
+          <a:p>
+            <a:pPr marL="0" indent="0">
+              <a:lnSpc>
+                <a:spcPct val="100000"/>
+              </a:lnSpc>
+              <a:buNone/>
+            </a:pPr>
+            <a:r>
+              <a:rPr lang="en-GB" sz="1600" dirty="0">
+                <a:latin typeface="DejaVu Sans Book" panose="020B0603030804020204" pitchFamily="34" charset="0"/>
+                <a:ea typeface="DejaVu Sans Book" panose="020B0603030804020204" pitchFamily="34" charset="0"/>
+                <a:cs typeface="DejaVu Sans Book" panose="020B0603030804020204" pitchFamily="34" charset="0"/>
+              </a:rPr>
+              <a:t>let c = -1.0</a:t>
+            </a:r>
+          </a:p>
+          <a:p>
+            <a:pPr marL="0" indent="0">
+              <a:lnSpc>
+                <a:spcPct val="100000"/>
+              </a:lnSpc>
+              <a:buNone/>
+            </a:pPr>
+            <a:r>
+              <a:rPr lang="en-GB" sz="1600" dirty="0">
+                <a:latin typeface="DejaVu Sans Book" panose="020B0603030804020204" pitchFamily="34" charset="0"/>
+                <a:ea typeface="DejaVu Sans Book" panose="020B0603030804020204" pitchFamily="34" charset="0"/>
+                <a:cs typeface="DejaVu Sans Book" panose="020B0603030804020204" pitchFamily="34" charset="0"/>
+              </a:rPr>
+              <a:t>let </a:t>
+            </a:r>
+            <a:r>
+              <a:rPr lang="en-GB" sz="1600" dirty="0" err="1">
+                <a:latin typeface="DejaVu Sans Book" panose="020B0603030804020204" pitchFamily="34" charset="0"/>
+                <a:ea typeface="DejaVu Sans Book" panose="020B0603030804020204" pitchFamily="34" charset="0"/>
+                <a:cs typeface="DejaVu Sans Book" panose="020B0603030804020204" pitchFamily="34" charset="0"/>
+              </a:rPr>
+              <a:t>xp</a:t>
+            </a:r>
+            <a:r>
+              <a:rPr lang="en-GB" sz="1600" dirty="0">
+                <a:latin typeface="DejaVu Sans Book" panose="020B0603030804020204" pitchFamily="34" charset="0"/>
+                <a:ea typeface="DejaVu Sans Book" panose="020B0603030804020204" pitchFamily="34" charset="0"/>
+                <a:cs typeface="DejaVu Sans Book" panose="020B0603030804020204" pitchFamily="34" charset="0"/>
+              </a:rPr>
+              <a:t> = (solution a b c +1.0)</a:t>
+            </a:r>
+          </a:p>
+          <a:p>
+            <a:pPr marL="0" indent="0">
+              <a:lnSpc>
+                <a:spcPct val="100000"/>
+              </a:lnSpc>
+              <a:buNone/>
+            </a:pPr>
+            <a:r>
+              <a:rPr lang="en-GB" sz="1600" dirty="0" err="1">
+                <a:latin typeface="DejaVu Sans Book" panose="020B0603030804020204" pitchFamily="34" charset="0"/>
+                <a:ea typeface="DejaVu Sans Book" panose="020B0603030804020204" pitchFamily="34" charset="0"/>
+                <a:cs typeface="DejaVu Sans Book" panose="020B0603030804020204" pitchFamily="34" charset="0"/>
+              </a:rPr>
+              <a:t>printfn</a:t>
+            </a:r>
+            <a:r>
+              <a:rPr lang="en-GB" sz="1600" dirty="0">
+                <a:latin typeface="DejaVu Sans Book" panose="020B0603030804020204" pitchFamily="34" charset="0"/>
+                <a:ea typeface="DejaVu Sans Book" panose="020B0603030804020204" pitchFamily="34" charset="0"/>
+                <a:cs typeface="DejaVu Sans Book" panose="020B0603030804020204" pitchFamily="34" charset="0"/>
+              </a:rPr>
+              <a:t> "0 = %.1fx^2 + %.1fx + %.1f =&gt; x_+ = %.1f" a b c </a:t>
+            </a:r>
+            <a:r>
+              <a:rPr lang="en-GB" sz="1600" dirty="0" err="1">
+                <a:latin typeface="DejaVu Sans Book" panose="020B0603030804020204" pitchFamily="34" charset="0"/>
+                <a:ea typeface="DejaVu Sans Book" panose="020B0603030804020204" pitchFamily="34" charset="0"/>
+                <a:cs typeface="DejaVu Sans Book" panose="020B0603030804020204" pitchFamily="34" charset="0"/>
+              </a:rPr>
+              <a:t>xp</a:t>
+            </a:r>
+            <a:endParaRPr lang="en-GB" sz="1600" dirty="0">
+              <a:latin typeface="DejaVu Sans Book" panose="020B0603030804020204" pitchFamily="34" charset="0"/>
+              <a:ea typeface="DejaVu Sans Book" panose="020B0603030804020204" pitchFamily="34" charset="0"/>
+              <a:cs typeface="DejaVu Sans Book" panose="020B0603030804020204" pitchFamily="34" charset="0"/>
+            </a:endParaRPr>
+          </a:p>
+        </p:txBody>
+      </p:sp>
+      <p:cxnSp>
+        <p:nvCxnSpPr>
+          <p:cNvPr id="7" name="Straight Connector 6">
+            <a:extLst>
+              <a:ext uri="{FF2B5EF4-FFF2-40B4-BE49-F238E27FC236}">
+                <a16:creationId xmlns:a16="http://schemas.microsoft.com/office/drawing/2014/main" id="{886CED1A-6E3C-A24D-B90A-ECC7EBFA1B68}"/>
+              </a:ext>
+            </a:extLst>
+          </p:cNvPr>
+          <p:cNvCxnSpPr>
+            <a:cxnSpLocks/>
+          </p:cNvCxnSpPr>
+          <p:nvPr/>
+        </p:nvCxnSpPr>
+        <p:spPr>
+          <a:xfrm>
+            <a:off x="7560527" y="1377132"/>
+            <a:ext cx="0" cy="5063852"/>
+          </a:xfrm>
+          <a:prstGeom prst="line">
+            <a:avLst/>
+          </a:prstGeom>
+        </p:spPr>
+        <p:style>
+          <a:lnRef idx="1">
+            <a:schemeClr val="accent1"/>
+          </a:lnRef>
+          <a:fillRef idx="0">
+            <a:schemeClr val="accent1"/>
+          </a:fillRef>
+          <a:effectRef idx="0">
+            <a:schemeClr val="accent1"/>
+          </a:effectRef>
+          <a:fontRef idx="minor">
+            <a:schemeClr val="tx1"/>
+          </a:fontRef>
+        </p:style>
+      </p:cxnSp>
+    </p:spTree>
+    <p:extLst>
+      <p:ext uri="{BB962C8B-B14F-4D97-AF65-F5344CB8AC3E}">
+        <p14:creationId xmlns:p14="http://schemas.microsoft.com/office/powerpoint/2010/main" val="2233553865"/>
+      </p:ext>
+    </p:extLst>
+  </p:cSld>
+  <p:clrMapOvr>
+    <a:masterClrMapping/>
+  </p:clrMapOvr>
+  <p:timing>
+    <p:tnLst>
+      <p:par>
+        <p:cTn id="1" dur="indefinite" restart="never" nodeType="tmRoot">
+          <p:childTnLst>
+            <p:seq concurrent="1" nextAc="seek">
+              <p:cTn id="2" dur="indefinite" nodeType="mainSeq">
+                <p:childTnLst>
+                  <p:par>
+                    <p:cTn id="3" fill="hold">
+                      <p:stCondLst>
+                        <p:cond delay="indefinite"/>
+                      </p:stCondLst>
+                      <p:childTnLst>
+                        <p:par>
+                          <p:cTn id="4" fill="hold">
+                            <p:stCondLst>
+                              <p:cond delay="0"/>
+                            </p:stCondLst>
+                            <p:childTnLst>
+                              <p:par>
+                                <p:cTn id="5" presetID="1" presetClass="entr" presetSubtype="0" fill="hold" nodeType="clickEffect">
+                                  <p:stCondLst>
+                                    <p:cond delay="0"/>
+                                  </p:stCondLst>
+                                  <p:childTnLst>
+                                    <p:set>
+                                      <p:cBhvr>
+                                        <p:cTn id="6" dur="1" fill="hold">
+                                          <p:stCondLst>
+                                            <p:cond delay="0"/>
+                                          </p:stCondLst>
+                                        </p:cTn>
+                                        <p:tgtEl>
+                                          <p:spTgt spid="7"/>
+                                        </p:tgtEl>
+                                        <p:attrNameLst>
+                                          <p:attrName>style.visibility</p:attrName>
+                                        </p:attrNameLst>
+                                      </p:cBhvr>
+                                      <p:to>
+                                        <p:strVal val="visible"/>
+                                      </p:to>
+                                    </p:set>
+                                  </p:childTnLst>
+                                </p:cTn>
+                              </p:par>
+                              <p:par>
+                                <p:cTn id="7" presetID="1" presetClass="entr" presetSubtype="0" fill="hold" grpId="0" nodeType="withEffect">
+                                  <p:stCondLst>
+                                    <p:cond delay="0"/>
+                                  </p:stCondLst>
+                                  <p:childTnLst>
+                                    <p:set>
+                                      <p:cBhvr>
+                                        <p:cTn id="8" dur="1" fill="hold">
+                                          <p:stCondLst>
+                                            <p:cond delay="0"/>
+                                          </p:stCondLst>
+                                        </p:cTn>
+                                        <p:tgtEl>
+                                          <p:spTgt spid="6"/>
+                                        </p:tgtEl>
+                                        <p:attrNameLst>
+                                          <p:attrName>style.visibility</p:attrName>
+                                        </p:attrNameLst>
+                                      </p:cBhvr>
+                                      <p:to>
+                                        <p:strVal val="visible"/>
+                                      </p:to>
+                                    </p:set>
+                                  </p:childTnLst>
+                                </p:cTn>
+                              </p:par>
+                            </p:childTnLst>
+                          </p:cTn>
+                        </p:par>
+                      </p:childTnLst>
+                    </p:cTn>
+                  </p:par>
+                  <p:par>
+                    <p:cTn id="9" fill="hold">
+                      <p:stCondLst>
+                        <p:cond delay="indefinite"/>
+                      </p:stCondLst>
+                      <p:childTnLst>
+                        <p:par>
+                          <p:cTn id="10" fill="hold">
+                            <p:stCondLst>
+                              <p:cond delay="0"/>
+                            </p:stCondLst>
+                            <p:childTnLst>
+                              <p:par>
+                                <p:cTn id="11" presetID="1" presetClass="entr" presetSubtype="0" fill="hold" grpId="0" nodeType="clickEffect">
+                                  <p:stCondLst>
+                                    <p:cond delay="0"/>
+                                  </p:stCondLst>
+                                  <p:childTnLst>
+                                    <p:set>
+                                      <p:cBhvr>
+                                        <p:cTn id="12" dur="1" fill="hold">
+                                          <p:stCondLst>
+                                            <p:cond delay="0"/>
+                                          </p:stCondLst>
+                                        </p:cTn>
+                                        <p:tgtEl>
+                                          <p:spTgt spid="5"/>
+                                        </p:tgtEl>
+                                        <p:attrNameLst>
+                                          <p:attrName>style.visibility</p:attrName>
+                                        </p:attrNameLst>
+                                      </p:cBhvr>
+                                      <p:to>
+                                        <p:strVal val="visible"/>
+                                      </p:to>
+                                    </p:set>
+                                  </p:childTnLst>
+                                </p:cTn>
+                              </p:par>
+                            </p:childTnLst>
+                          </p:cTn>
+                        </p:par>
+                      </p:childTnLst>
+                    </p:cTn>
+                  </p:par>
+                  <p:par>
+                    <p:cTn id="13" fill="hold">
+                      <p:stCondLst>
+                        <p:cond delay="indefinite"/>
+                      </p:stCondLst>
+                      <p:childTnLst>
+                        <p:par>
+                          <p:cTn id="14" fill="hold">
+                            <p:stCondLst>
+                              <p:cond delay="0"/>
+                            </p:stCondLst>
+                            <p:childTnLst>
+                              <p:par>
+                                <p:cTn id="15" presetID="1" presetClass="entr" presetSubtype="0" fill="hold" grpId="0" nodeType="clickEffect">
+                                  <p:stCondLst>
+                                    <p:cond delay="0"/>
+                                  </p:stCondLst>
+                                  <p:childTnLst>
+                                    <p:set>
+                                      <p:cBhvr>
+                                        <p:cTn id="16" dur="1" fill="hold">
+                                          <p:stCondLst>
+                                            <p:cond delay="0"/>
+                                          </p:stCondLst>
+                                        </p:cTn>
+                                        <p:tgtEl>
+                                          <p:spTgt spid="4"/>
+                                        </p:tgtEl>
+                                        <p:attrNameLst>
+                                          <p:attrName>style.visibility</p:attrName>
+                                        </p:attrNameLst>
+                                      </p:cBhvr>
+                                      <p:to>
+                                        <p:strVal val="visible"/>
+                                      </p:to>
+                                    </p:set>
+                                  </p:childTnLst>
+                                </p:cTn>
+                              </p:par>
+                            </p:childTnLst>
+                          </p:cTn>
+                        </p:par>
+                      </p:childTnLst>
+                    </p:cTn>
+                  </p:par>
+                </p:childTnLst>
+              </p:cTn>
+              <p:prevCondLst>
+                <p:cond evt="onPrev" delay="0">
+                  <p:tgtEl>
+                    <p:sldTgt/>
+                  </p:tgtEl>
+                </p:cond>
+              </p:prevCondLst>
+              <p:nextCondLst>
+                <p:cond evt="onNext" delay="0">
+                  <p:tgtEl>
+                    <p:sldTgt/>
+                  </p:tgtEl>
+                </p:cond>
+              </p:nextCondLst>
+            </p:seq>
+          </p:childTnLst>
+        </p:cTn>
+      </p:par>
+    </p:tnLst>
+    <p:bldLst>
+      <p:bldP spid="4" grpId="0"/>
+      <p:bldP spid="5" grpId="0"/>
+      <p:bldP spid="6" grpId="0"/>
+    </p:bldLst>
+  </p:timing>
+</p:sld>
+</file>
+
+<file path=ppt/slides/slide11.xml><?xml version="1.0" encoding="utf-8"?>
+<p:sld xmlns:a="http://schemas.openxmlformats.org/drawingml/2006/main" xmlns:r="http://schemas.openxmlformats.org/officeDocument/2006/relationships" xmlns:p="http://schemas.openxmlformats.org/presentationml/2006/main">
+  <p:cSld>
+    <p:spTree>
+      <p:nvGrpSpPr>
+        <p:cNvPr id="1" name=""/>
+        <p:cNvGrpSpPr/>
+        <p:nvPr/>
+      </p:nvGrpSpPr>
+      <p:grpSpPr>
+        <a:xfrm>
+          <a:off x="0" y="0"/>
+          <a:ext cx="0" cy="0"/>
+          <a:chOff x="0" y="0"/>
+          <a:chExt cx="0" cy="0"/>
+        </a:xfrm>
+      </p:grpSpPr>
+      <p:sp>
+        <p:nvSpPr>
+          <p:cNvPr id="2" name="Title 1">
+            <a:extLst>
+              <a:ext uri="{FF2B5EF4-FFF2-40B4-BE49-F238E27FC236}">
                 <a16:creationId xmlns:a16="http://schemas.microsoft.com/office/drawing/2014/main" id="{6A319C66-C4F5-CF42-A00B-D754A69F55B1}"/>
               </a:ext>
             </a:extLst>
@@ -7963,7 +9387,7 @@
 </p:sld>
 </file>
 
-<file path=ppt/slides/slide11.xml><?xml version="1.0" encoding="utf-8"?>
+<file path=ppt/slides/slide12.xml><?xml version="1.0" encoding="utf-8"?>
 <p:sld xmlns:a="http://schemas.openxmlformats.org/drawingml/2006/main" xmlns:r="http://schemas.openxmlformats.org/officeDocument/2006/relationships" xmlns:p="http://schemas.openxmlformats.org/presentationml/2006/main">
   <p:cSld>
     <p:spTree>
@@ -8776,7 +10200,7 @@
 </p:sld>
 </file>
 
-<file path=ppt/slides/slide12.xml><?xml version="1.0" encoding="utf-8"?>
+<file path=ppt/slides/slide13.xml><?xml version="1.0" encoding="utf-8"?>
 <p:sld xmlns:a="http://schemas.openxmlformats.org/drawingml/2006/main" xmlns:r="http://schemas.openxmlformats.org/officeDocument/2006/relationships" xmlns:p="http://schemas.openxmlformats.org/presentationml/2006/main">
   <p:cSld>
     <p:spTree>
@@ -9796,7 +11220,7 @@
 </p:sld>
 </file>
 
-<file path=ppt/slides/slide13.xml><?xml version="1.0" encoding="utf-8"?>
+<file path=ppt/slides/slide14.xml><?xml version="1.0" encoding="utf-8"?>
 <p:sld xmlns:a="http://schemas.openxmlformats.org/drawingml/2006/main" xmlns:r="http://schemas.openxmlformats.org/officeDocument/2006/relationships" xmlns:p="http://schemas.openxmlformats.org/presentationml/2006/main">
   <p:cSld>
     <p:spTree>
@@ -10381,7 +11805,7 @@
 </p:sld>
 </file>
 
-<file path=ppt/slides/slide14.xml><?xml version="1.0" encoding="utf-8"?>
+<file path=ppt/slides/slide15.xml><?xml version="1.0" encoding="utf-8"?>
 <p:sld xmlns:a="http://schemas.openxmlformats.org/drawingml/2006/main" xmlns:r="http://schemas.openxmlformats.org/officeDocument/2006/relationships" xmlns:p="http://schemas.openxmlformats.org/presentationml/2006/main">
   <p:cSld>
     <p:spTree>
@@ -17054,7 +18478,7 @@
         <p:spPr>
           <a:xfrm>
             <a:off x="8525869" y="1328232"/>
-            <a:ext cx="2766591" cy="461665"/>
+            <a:ext cx="2667782" cy="461665"/>
           </a:xfrm>
           <a:prstGeom prst="rect">
             <a:avLst/>
@@ -17068,17 +18492,26 @@
           <a:lstStyle/>
           <a:p>
             <a:r>
+              <a:rPr lang="en-GB" sz="2400" dirty="0" err="1"/>
+              <a:t>Kæde</a:t>
+            </a:r>
+            <a:r>
               <a:rPr lang="en-GB" sz="2400" dirty="0"/>
-              <a:t>If-then-</a:t>
+              <a:t> </a:t>
             </a:r>
             <a:r>
               <a:rPr lang="en-GB" sz="2400" dirty="0" err="1"/>
-              <a:t>elif</a:t>
+              <a:t>af</a:t>
             </a:r>
             <a:r>
               <a:rPr lang="en-GB" sz="2400" dirty="0"/>
-              <a:t>-then-else</a:t>
-            </a:r>
+              <a:t> </a:t>
+            </a:r>
+            <a:r>
+              <a:rPr lang="en-GB" sz="2400" dirty="0" err="1"/>
+              <a:t>betingelser</a:t>
+            </a:r>
+            <a:endParaRPr lang="en-GB" sz="2400" dirty="0"/>
           </a:p>
         </p:txBody>
       </p:sp>
@@ -18109,6 +19542,447 @@
 <file path=ppt/slides/slide6.xml><?xml version="1.0" encoding="utf-8"?>
 <p:sld xmlns:a="http://schemas.openxmlformats.org/drawingml/2006/main" xmlns:r="http://schemas.openxmlformats.org/officeDocument/2006/relationships" xmlns:p="http://schemas.openxmlformats.org/presentationml/2006/main">
   <p:cSld>
+    <p:spTree>
+      <p:nvGrpSpPr>
+        <p:cNvPr id="1" name=""/>
+        <p:cNvGrpSpPr/>
+        <p:nvPr/>
+      </p:nvGrpSpPr>
+      <p:grpSpPr>
+        <a:xfrm>
+          <a:off x="0" y="0"/>
+          <a:ext cx="0" cy="0"/>
+          <a:chOff x="0" y="0"/>
+          <a:chExt cx="0" cy="0"/>
+        </a:xfrm>
+      </p:grpSpPr>
+      <p:sp>
+        <p:nvSpPr>
+          <p:cNvPr id="2" name="Title 1">
+            <a:extLst>
+              <a:ext uri="{FF2B5EF4-FFF2-40B4-BE49-F238E27FC236}">
+                <a16:creationId xmlns:a16="http://schemas.microsoft.com/office/drawing/2014/main" id="{F85C8F81-E87B-1C49-99CE-586F396DBC90}"/>
+              </a:ext>
+            </a:extLst>
+          </p:cNvPr>
+          <p:cNvSpPr>
+            <a:spLocks noGrp="1"/>
+          </p:cNvSpPr>
+          <p:nvPr>
+            <p:ph type="title"/>
+          </p:nvPr>
+        </p:nvSpPr>
+        <p:spPr/>
+        <p:txBody>
+          <a:bodyPr/>
+          <a:lstStyle/>
+          <a:p>
+            <a:r>
+              <a:rPr lang="en-GB" dirty="0"/>
+              <a:t>Decimal </a:t>
+            </a:r>
+            <a:r>
+              <a:rPr lang="en-GB" dirty="0" err="1"/>
+              <a:t>til</a:t>
+            </a:r>
+            <a:r>
+              <a:rPr lang="en-GB" dirty="0"/>
+              <a:t> </a:t>
+            </a:r>
+            <a:r>
+              <a:rPr lang="en-GB" dirty="0" err="1"/>
+              <a:t>Binær</a:t>
+            </a:r>
+            <a:endParaRPr lang="en-GB" dirty="0"/>
+          </a:p>
+        </p:txBody>
+      </p:sp>
+      <p:sp>
+        <p:nvSpPr>
+          <p:cNvPr id="4" name="Rectangle 3">
+            <a:extLst>
+              <a:ext uri="{FF2B5EF4-FFF2-40B4-BE49-F238E27FC236}">
+                <a16:creationId xmlns:a16="http://schemas.microsoft.com/office/drawing/2014/main" id="{96B8D5B3-4F89-744E-AF3A-A78EFF3F1F0E}"/>
+              </a:ext>
+            </a:extLst>
+          </p:cNvPr>
+          <p:cNvSpPr/>
+          <p:nvPr/>
+        </p:nvSpPr>
+        <p:spPr>
+          <a:xfrm>
+            <a:off x="1530096" y="1969068"/>
+            <a:ext cx="3919728" cy="3188148"/>
+          </a:xfrm>
+          <a:prstGeom prst="rect">
+            <a:avLst/>
+          </a:prstGeom>
+        </p:spPr>
+        <p:txBody>
+          <a:bodyPr wrap="square">
+            <a:spAutoFit/>
+          </a:bodyPr>
+          <a:lstStyle/>
+          <a:p>
+            <a:r>
+              <a:rPr lang="en-GB" dirty="0"/>
+              <a:t>let N = 116</a:t>
+            </a:r>
+          </a:p>
+          <a:p>
+            <a:r>
+              <a:rPr lang="en-GB" dirty="0"/>
+              <a:t>let mutable n = N</a:t>
+            </a:r>
+          </a:p>
+          <a:p>
+            <a:r>
+              <a:rPr lang="en-GB" dirty="0"/>
+              <a:t>let mutable </a:t>
+            </a:r>
+            <a:r>
+              <a:rPr lang="en-GB" dirty="0" err="1"/>
+              <a:t>str</a:t>
+            </a:r>
+            <a:r>
+              <a:rPr lang="en-GB" dirty="0"/>
+              <a:t> = ""</a:t>
+            </a:r>
+          </a:p>
+          <a:p>
+            <a:r>
+              <a:rPr lang="en-GB" dirty="0"/>
+              <a:t>while n &gt; 0 do</a:t>
+            </a:r>
+          </a:p>
+          <a:p>
+            <a:r>
+              <a:rPr lang="en-GB" dirty="0"/>
+              <a:t>  let rest = n % 2</a:t>
+            </a:r>
+          </a:p>
+          <a:p>
+            <a:r>
+              <a:rPr lang="en-GB" dirty="0"/>
+              <a:t>  n &lt;- n / 2</a:t>
+            </a:r>
+          </a:p>
+          <a:p>
+            <a:r>
+              <a:rPr lang="en-GB" dirty="0"/>
+              <a:t>  if rest &gt; 0 then</a:t>
+            </a:r>
+          </a:p>
+          <a:p>
+            <a:r>
+              <a:rPr lang="en-GB" dirty="0"/>
+              <a:t>    </a:t>
+            </a:r>
+            <a:r>
+              <a:rPr lang="en-GB" dirty="0" err="1"/>
+              <a:t>str</a:t>
+            </a:r>
+            <a:r>
+              <a:rPr lang="en-GB" dirty="0"/>
+              <a:t> &lt;- "1"+str</a:t>
+            </a:r>
+          </a:p>
+          <a:p>
+            <a:r>
+              <a:rPr lang="en-GB" dirty="0"/>
+              <a:t>  else</a:t>
+            </a:r>
+          </a:p>
+          <a:p>
+            <a:r>
+              <a:rPr lang="en-GB" dirty="0"/>
+              <a:t>    </a:t>
+            </a:r>
+            <a:r>
+              <a:rPr lang="en-GB" dirty="0" err="1"/>
+              <a:t>str</a:t>
+            </a:r>
+            <a:r>
+              <a:rPr lang="en-GB" dirty="0"/>
+              <a:t> &lt;- "0"+str</a:t>
+            </a:r>
+          </a:p>
+          <a:p>
+            <a:r>
+              <a:rPr lang="en-GB" dirty="0" err="1"/>
+              <a:t>printfn</a:t>
+            </a:r>
+            <a:r>
+              <a:rPr lang="en-GB" dirty="0"/>
+              <a:t> "%d_10 = %s_2" N </a:t>
+            </a:r>
+            <a:r>
+              <a:rPr lang="en-GB" dirty="0" err="1"/>
+              <a:t>str</a:t>
+            </a:r>
+            <a:endParaRPr lang="en-GB" dirty="0"/>
+          </a:p>
+        </p:txBody>
+      </p:sp>
+      <p:sp>
+        <p:nvSpPr>
+          <p:cNvPr id="5" name="Rectangle 4">
+            <a:extLst>
+              <a:ext uri="{FF2B5EF4-FFF2-40B4-BE49-F238E27FC236}">
+                <a16:creationId xmlns:a16="http://schemas.microsoft.com/office/drawing/2014/main" id="{DBDFEF4B-8FD4-7D47-B64A-AEB9322AFA2B}"/>
+              </a:ext>
+            </a:extLst>
+          </p:cNvPr>
+          <p:cNvSpPr/>
+          <p:nvPr/>
+        </p:nvSpPr>
+        <p:spPr>
+          <a:xfrm>
+            <a:off x="6675120" y="1969068"/>
+            <a:ext cx="4297680" cy="2031325"/>
+          </a:xfrm>
+          <a:prstGeom prst="rect">
+            <a:avLst/>
+          </a:prstGeom>
+        </p:spPr>
+        <p:txBody>
+          <a:bodyPr wrap="square">
+            <a:spAutoFit/>
+          </a:bodyPr>
+          <a:lstStyle/>
+          <a:p>
+            <a:r>
+              <a:rPr lang="en-GB" dirty="0"/>
+              <a:t>let N = 116</a:t>
+            </a:r>
+          </a:p>
+          <a:p>
+            <a:r>
+              <a:rPr lang="en-GB" dirty="0"/>
+              <a:t>let mutable n = N</a:t>
+            </a:r>
+          </a:p>
+          <a:p>
+            <a:r>
+              <a:rPr lang="en-GB" dirty="0"/>
+              <a:t>let mutable </a:t>
+            </a:r>
+            <a:r>
+              <a:rPr lang="en-GB" dirty="0" err="1"/>
+              <a:t>str</a:t>
+            </a:r>
+            <a:r>
+              <a:rPr lang="en-GB" dirty="0"/>
+              <a:t> = ""</a:t>
+            </a:r>
+          </a:p>
+          <a:p>
+            <a:r>
+              <a:rPr lang="en-GB" dirty="0"/>
+              <a:t>while n &gt; 0 do</a:t>
+            </a:r>
+          </a:p>
+          <a:p>
+            <a:r>
+              <a:rPr lang="en-GB" dirty="0"/>
+              <a:t> </a:t>
+            </a:r>
+            <a:r>
+              <a:rPr lang="en-GB" dirty="0" err="1"/>
+              <a:t>str</a:t>
+            </a:r>
+            <a:r>
+              <a:rPr lang="en-GB" dirty="0"/>
+              <a:t> &lt;- (if n % 2 &gt; 0 then "1" else "0") + </a:t>
+            </a:r>
+            <a:r>
+              <a:rPr lang="en-GB" dirty="0" err="1"/>
+              <a:t>str</a:t>
+            </a:r>
+            <a:endParaRPr lang="en-GB" dirty="0"/>
+          </a:p>
+          <a:p>
+            <a:r>
+              <a:rPr lang="en-GB" dirty="0"/>
+              <a:t> n &lt;- n / 2</a:t>
+            </a:r>
+          </a:p>
+          <a:p>
+            <a:r>
+              <a:rPr lang="en-GB" dirty="0" err="1"/>
+              <a:t>printfn</a:t>
+            </a:r>
+            <a:r>
+              <a:rPr lang="en-GB" dirty="0"/>
+              <a:t> "%d_10 = %s_2" N </a:t>
+            </a:r>
+            <a:r>
+              <a:rPr lang="en-GB" dirty="0" err="1"/>
+              <a:t>str</a:t>
+            </a:r>
+            <a:endParaRPr lang="en-GB" dirty="0"/>
+          </a:p>
+        </p:txBody>
+      </p:sp>
+      <p:cxnSp>
+        <p:nvCxnSpPr>
+          <p:cNvPr id="6" name="Straight Connector 5">
+            <a:extLst>
+              <a:ext uri="{FF2B5EF4-FFF2-40B4-BE49-F238E27FC236}">
+                <a16:creationId xmlns:a16="http://schemas.microsoft.com/office/drawing/2014/main" id="{637C19B5-3494-3241-B15A-5A098FA91744}"/>
+              </a:ext>
+            </a:extLst>
+          </p:cNvPr>
+          <p:cNvCxnSpPr>
+            <a:cxnSpLocks/>
+          </p:cNvCxnSpPr>
+          <p:nvPr/>
+        </p:nvCxnSpPr>
+        <p:spPr>
+          <a:xfrm>
+            <a:off x="5870538" y="1370107"/>
+            <a:ext cx="0" cy="5260571"/>
+          </a:xfrm>
+          <a:prstGeom prst="line">
+            <a:avLst/>
+          </a:prstGeom>
+        </p:spPr>
+        <p:style>
+          <a:lnRef idx="1">
+            <a:schemeClr val="accent1"/>
+          </a:lnRef>
+          <a:fillRef idx="0">
+            <a:schemeClr val="accent1"/>
+          </a:fillRef>
+          <a:effectRef idx="0">
+            <a:schemeClr val="accent1"/>
+          </a:effectRef>
+          <a:fontRef idx="minor">
+            <a:schemeClr val="tx1"/>
+          </a:fontRef>
+        </p:style>
+      </p:cxnSp>
+    </p:spTree>
+    <p:extLst>
+      <p:ext uri="{BB962C8B-B14F-4D97-AF65-F5344CB8AC3E}">
+        <p14:creationId xmlns:p14="http://schemas.microsoft.com/office/powerpoint/2010/main" val="569863670"/>
+      </p:ext>
+    </p:extLst>
+  </p:cSld>
+  <p:clrMapOvr>
+    <a:masterClrMapping/>
+  </p:clrMapOvr>
+  <p:timing>
+    <p:tnLst>
+      <p:par>
+        <p:cTn id="1" dur="indefinite" restart="never" nodeType="tmRoot">
+          <p:childTnLst>
+            <p:seq concurrent="1" nextAc="seek">
+              <p:cTn id="2" dur="indefinite" nodeType="mainSeq">
+                <p:childTnLst>
+                  <p:par>
+                    <p:cTn id="3" fill="hold">
+                      <p:stCondLst>
+                        <p:cond delay="indefinite"/>
+                      </p:stCondLst>
+                      <p:childTnLst>
+                        <p:par>
+                          <p:cTn id="4" fill="hold">
+                            <p:stCondLst>
+                              <p:cond delay="0"/>
+                            </p:stCondLst>
+                            <p:childTnLst>
+                              <p:par>
+                                <p:cTn id="5" presetID="1" presetClass="entr" presetSubtype="0" fill="hold" nodeType="clickEffect">
+                                  <p:stCondLst>
+                                    <p:cond delay="0"/>
+                                  </p:stCondLst>
+                                  <p:childTnLst>
+                                    <p:set>
+                                      <p:cBhvr>
+                                        <p:cTn id="6" dur="1" fill="hold">
+                                          <p:stCondLst>
+                                            <p:cond delay="0"/>
+                                          </p:stCondLst>
+                                        </p:cTn>
+                                        <p:tgtEl>
+                                          <p:spTgt spid="6"/>
+                                        </p:tgtEl>
+                                        <p:attrNameLst>
+                                          <p:attrName>style.visibility</p:attrName>
+                                        </p:attrNameLst>
+                                      </p:cBhvr>
+                                      <p:to>
+                                        <p:strVal val="visible"/>
+                                      </p:to>
+                                    </p:set>
+                                  </p:childTnLst>
+                                </p:cTn>
+                              </p:par>
+                              <p:par>
+                                <p:cTn id="7" presetID="1" presetClass="entr" presetSubtype="0" fill="hold" grpId="0" nodeType="withEffect">
+                                  <p:stCondLst>
+                                    <p:cond delay="0"/>
+                                  </p:stCondLst>
+                                  <p:childTnLst>
+                                    <p:set>
+                                      <p:cBhvr>
+                                        <p:cTn id="8" dur="1" fill="hold">
+                                          <p:stCondLst>
+                                            <p:cond delay="0"/>
+                                          </p:stCondLst>
+                                        </p:cTn>
+                                        <p:tgtEl>
+                                          <p:spTgt spid="5"/>
+                                        </p:tgtEl>
+                                        <p:attrNameLst>
+                                          <p:attrName>style.visibility</p:attrName>
+                                        </p:attrNameLst>
+                                      </p:cBhvr>
+                                      <p:to>
+                                        <p:strVal val="visible"/>
+                                      </p:to>
+                                    </p:set>
+                                  </p:childTnLst>
+                                </p:cTn>
+                              </p:par>
+                            </p:childTnLst>
+                          </p:cTn>
+                        </p:par>
+                      </p:childTnLst>
+                    </p:cTn>
+                  </p:par>
+                </p:childTnLst>
+              </p:cTn>
+              <p:prevCondLst>
+                <p:cond evt="onPrev" delay="0">
+                  <p:tgtEl>
+                    <p:sldTgt/>
+                  </p:tgtEl>
+                </p:cond>
+              </p:prevCondLst>
+              <p:nextCondLst>
+                <p:cond evt="onNext" delay="0">
+                  <p:tgtEl>
+                    <p:sldTgt/>
+                  </p:tgtEl>
+                </p:cond>
+              </p:nextCondLst>
+            </p:seq>
+          </p:childTnLst>
+        </p:cTn>
+      </p:par>
+    </p:tnLst>
+    <p:bldLst>
+      <p:bldP spid="5" grpId="0"/>
+    </p:bldLst>
+  </p:timing>
+</p:sld>
+</file>
+
+<file path=ppt/slides/slide7.xml><?xml version="1.0" encoding="utf-8"?>
+<p:sld xmlns:a="http://schemas.openxmlformats.org/drawingml/2006/main" xmlns:r="http://schemas.openxmlformats.org/officeDocument/2006/relationships" xmlns:p="http://schemas.openxmlformats.org/presentationml/2006/main">
+  <p:cSld>
     <p:bg>
       <p:bgPr>
         <a:solidFill>
@@ -18241,7 +20115,7 @@
 </p:sld>
 </file>
 
-<file path=ppt/slides/slide7.xml><?xml version="1.0" encoding="utf-8"?>
+<file path=ppt/slides/slide8.xml><?xml version="1.0" encoding="utf-8"?>
 <p:sld xmlns:a="http://schemas.openxmlformats.org/drawingml/2006/main" xmlns:r="http://schemas.openxmlformats.org/officeDocument/2006/relationships" xmlns:p="http://schemas.openxmlformats.org/presentationml/2006/main">
   <p:cSld>
     <p:spTree>
@@ -19220,7 +21094,7 @@
 </p:sld>
 </file>
 
-<file path=ppt/slides/slide8.xml><?xml version="1.0" encoding="utf-8"?>
+<file path=ppt/slides/slide9.xml><?xml version="1.0" encoding="utf-8"?>
 <p:sld xmlns:a="http://schemas.openxmlformats.org/drawingml/2006/main" xmlns:r="http://schemas.openxmlformats.org/officeDocument/2006/relationships" xmlns:p="http://schemas.openxmlformats.org/presentationml/2006/main">
   <p:cSld>
     <p:spTree>
@@ -20178,1429 +22052,6 @@
       </p:par>
     </p:tnLst>
     <p:bldLst>
-      <p:bldP spid="6" grpId="0"/>
-    </p:bldLst>
-  </p:timing>
-</p:sld>
-</file>
-
-<file path=ppt/slides/slide9.xml><?xml version="1.0" encoding="utf-8"?>
-<p:sld xmlns:a="http://schemas.openxmlformats.org/drawingml/2006/main" xmlns:r="http://schemas.openxmlformats.org/officeDocument/2006/relationships" xmlns:p="http://schemas.openxmlformats.org/presentationml/2006/main">
-  <p:cSld>
-    <p:spTree>
-      <p:nvGrpSpPr>
-        <p:cNvPr id="1" name=""/>
-        <p:cNvGrpSpPr/>
-        <p:nvPr/>
-      </p:nvGrpSpPr>
-      <p:grpSpPr>
-        <a:xfrm>
-          <a:off x="0" y="0"/>
-          <a:ext cx="0" cy="0"/>
-          <a:chOff x="0" y="0"/>
-          <a:chExt cx="0" cy="0"/>
-        </a:xfrm>
-      </p:grpSpPr>
-      <p:sp>
-        <p:nvSpPr>
-          <p:cNvPr id="2" name="Title 1">
-            <a:extLst>
-              <a:ext uri="{FF2B5EF4-FFF2-40B4-BE49-F238E27FC236}">
-                <a16:creationId xmlns:a16="http://schemas.microsoft.com/office/drawing/2014/main" id="{77C9BE55-A8BA-9942-AB4E-76148FB49765}"/>
-              </a:ext>
-            </a:extLst>
-          </p:cNvPr>
-          <p:cNvSpPr>
-            <a:spLocks noGrp="1"/>
-          </p:cNvSpPr>
-          <p:nvPr>
-            <p:ph type="title"/>
-          </p:nvPr>
-        </p:nvSpPr>
-        <p:spPr/>
-        <p:txBody>
-          <a:bodyPr/>
-          <a:lstStyle/>
-          <a:p>
-            <a:r>
-              <a:rPr lang="en-GB" dirty="0" err="1"/>
-              <a:t>Løs</a:t>
-            </a:r>
-            <a:r>
-              <a:rPr lang="en-GB" dirty="0"/>
-              <a:t> </a:t>
-            </a:r>
-            <a:r>
-              <a:rPr lang="en-GB" dirty="0" err="1"/>
-              <a:t>en</a:t>
-            </a:r>
-            <a:r>
-              <a:rPr lang="en-GB" dirty="0"/>
-              <a:t> </a:t>
-            </a:r>
-            <a:r>
-              <a:rPr lang="en-GB" dirty="0" err="1"/>
-              <a:t>andengradsligning</a:t>
-            </a:r>
-            <a:r>
-              <a:rPr lang="en-GB" dirty="0"/>
-              <a:t> (</a:t>
-            </a:r>
-            <a:r>
-              <a:rPr lang="en-GB" dirty="0" err="1"/>
-              <a:t>baglæns</a:t>
-            </a:r>
-            <a:r>
-              <a:rPr lang="en-GB" dirty="0"/>
-              <a:t>!)</a:t>
-            </a:r>
-          </a:p>
-        </p:txBody>
-      </p:sp>
-      <mc:AlternateContent xmlns:mc="http://schemas.openxmlformats.org/markup-compatibility/2006" xmlns:a14="http://schemas.microsoft.com/office/drawing/2010/main">
-        <mc:Choice Requires="a14">
-          <p:sp>
-            <p:nvSpPr>
-              <p:cNvPr id="3" name="Content Placeholder 2">
-                <a:extLst>
-                  <a:ext uri="{FF2B5EF4-FFF2-40B4-BE49-F238E27FC236}">
-                    <a16:creationId xmlns:a16="http://schemas.microsoft.com/office/drawing/2014/main" id="{06D836ED-4226-B94C-96DF-819A68344C61}"/>
-                  </a:ext>
-                </a:extLst>
-              </p:cNvPr>
-              <p:cNvSpPr>
-                <a:spLocks noGrp="1"/>
-              </p:cNvSpPr>
-              <p:nvPr>
-                <p:ph idx="1"/>
-              </p:nvPr>
-            </p:nvSpPr>
-            <p:spPr>
-              <a:xfrm>
-                <a:off x="6963936" y="2719675"/>
-                <a:ext cx="5228064" cy="2145330"/>
-              </a:xfrm>
-            </p:spPr>
-            <p:txBody>
-              <a:bodyPr>
-                <a:normAutofit/>
-              </a:bodyPr>
-              <a:lstStyle/>
-              <a:p>
-                <a:pPr marL="0" indent="0">
-                  <a:buNone/>
-                </a:pPr>
-                <a14:m>
-                  <m:oMathPara xmlns:m="http://schemas.openxmlformats.org/officeDocument/2006/math">
-                    <m:oMathParaPr>
-                      <m:jc m:val="centerGroup"/>
-                    </m:oMathParaPr>
-                    <m:oMath xmlns:m="http://schemas.openxmlformats.org/officeDocument/2006/math">
-                      <m:sSup>
-                        <m:sSupPr>
-                          <m:ctrlPr>
-                            <a:rPr lang="en-GB" i="1" smtClean="0">
-                              <a:latin typeface="Cambria Math" panose="02040503050406030204" pitchFamily="18" charset="0"/>
-                            </a:rPr>
-                          </m:ctrlPr>
-                        </m:sSupPr>
-                        <m:e>
-                          <m:r>
-                            <a:rPr lang="da-DK" b="0" i="1" smtClean="0">
-                              <a:latin typeface="Cambria Math" panose="02040503050406030204" pitchFamily="18" charset="0"/>
-                            </a:rPr>
-                            <m:t>𝑎𝑥</m:t>
-                          </m:r>
-                        </m:e>
-                        <m:sup>
-                          <m:r>
-                            <a:rPr lang="en-GB" i="1" smtClean="0">
-                              <a:latin typeface="Cambria Math" panose="02040503050406030204" pitchFamily="18" charset="0"/>
-                            </a:rPr>
-                            <m:t>2</m:t>
-                          </m:r>
-                        </m:sup>
-                      </m:sSup>
-                      <m:r>
-                        <a:rPr lang="en-GB" i="1" smtClean="0">
-                          <a:latin typeface="Cambria Math" panose="02040503050406030204" pitchFamily="18" charset="0"/>
-                        </a:rPr>
-                        <m:t>+</m:t>
-                      </m:r>
-                      <m:r>
-                        <a:rPr lang="da-DK" i="1" smtClean="0">
-                          <a:latin typeface="Cambria Math" panose="02040503050406030204" pitchFamily="18" charset="0"/>
-                        </a:rPr>
-                        <m:t>𝑏</m:t>
-                      </m:r>
-                      <m:r>
-                        <a:rPr lang="da-DK" b="0" i="1" smtClean="0">
-                          <a:latin typeface="Cambria Math" panose="02040503050406030204" pitchFamily="18" charset="0"/>
-                        </a:rPr>
-                        <m:t>𝑥</m:t>
-                      </m:r>
-                      <m:r>
-                        <a:rPr lang="da-DK" b="0" i="1" smtClean="0">
-                          <a:latin typeface="Cambria Math" panose="02040503050406030204" pitchFamily="18" charset="0"/>
-                        </a:rPr>
-                        <m:t>+</m:t>
-                      </m:r>
-                      <m:r>
-                        <a:rPr lang="da-DK" b="0" i="1" smtClean="0">
-                          <a:latin typeface="Cambria Math" panose="02040503050406030204" pitchFamily="18" charset="0"/>
-                        </a:rPr>
-                        <m:t>𝑐</m:t>
-                      </m:r>
-                      <m:r>
-                        <a:rPr lang="en-GB" i="1" smtClean="0">
-                          <a:latin typeface="Cambria Math" panose="02040503050406030204" pitchFamily="18" charset="0"/>
-                        </a:rPr>
-                        <m:t>=</m:t>
-                      </m:r>
-                      <m:r>
-                        <a:rPr lang="da-DK" b="0" i="1" smtClean="0">
-                          <a:latin typeface="Cambria Math" panose="02040503050406030204" pitchFamily="18" charset="0"/>
-                        </a:rPr>
-                        <m:t>0</m:t>
-                      </m:r>
-                    </m:oMath>
-                  </m:oMathPara>
-                </a14:m>
-                <a:endParaRPr lang="da-DK" b="0" i="1" dirty="0">
-                  <a:latin typeface="Cambria Math" panose="02040503050406030204" pitchFamily="18" charset="0"/>
-                </a:endParaRPr>
-              </a:p>
-              <a:p>
-                <a:pPr marL="0" indent="0">
-                  <a:buNone/>
-                </a:pPr>
-                <a:endParaRPr lang="da-DK" b="0" i="1" dirty="0">
-                  <a:latin typeface="Cambria Math" panose="02040503050406030204" pitchFamily="18" charset="0"/>
-                </a:endParaRPr>
-              </a:p>
-              <a:p>
-                <a:pPr marL="0" indent="0">
-                  <a:buNone/>
-                </a:pPr>
-                <a14:m>
-                  <m:oMathPara xmlns:m="http://schemas.openxmlformats.org/officeDocument/2006/math">
-                    <m:oMathParaPr>
-                      <m:jc m:val="centerGroup"/>
-                    </m:oMathParaPr>
-                    <m:oMath xmlns:m="http://schemas.openxmlformats.org/officeDocument/2006/math">
-                      <m:r>
-                        <a:rPr lang="da-DK" b="0" i="1" smtClean="0">
-                          <a:latin typeface="Cambria Math" panose="02040503050406030204" pitchFamily="18" charset="0"/>
-                        </a:rPr>
-                        <m:t>𝑥</m:t>
-                      </m:r>
-                      <m:r>
-                        <a:rPr lang="da-DK" b="0" i="1" smtClean="0">
-                          <a:latin typeface="Cambria Math" panose="02040503050406030204" pitchFamily="18" charset="0"/>
-                        </a:rPr>
-                        <m:t>=</m:t>
-                      </m:r>
-                      <m:f>
-                        <m:fPr>
-                          <m:ctrlPr>
-                            <a:rPr lang="da-DK" b="0" i="1" smtClean="0">
-                              <a:latin typeface="Cambria Math" panose="02040503050406030204" pitchFamily="18" charset="0"/>
-                            </a:rPr>
-                          </m:ctrlPr>
-                        </m:fPr>
-                        <m:num>
-                          <m:r>
-                            <a:rPr lang="da-DK" b="0" i="1" smtClean="0">
-                              <a:latin typeface="Cambria Math" panose="02040503050406030204" pitchFamily="18" charset="0"/>
-                            </a:rPr>
-                            <m:t>−</m:t>
-                          </m:r>
-                          <m:r>
-                            <a:rPr lang="da-DK" b="0" i="1" smtClean="0">
-                              <a:latin typeface="Cambria Math" panose="02040503050406030204" pitchFamily="18" charset="0"/>
-                            </a:rPr>
-                            <m:t>𝑏</m:t>
-                          </m:r>
-                          <m:r>
-                            <a:rPr lang="da-DK" b="0" i="1" smtClean="0">
-                              <a:latin typeface="Cambria Math" panose="02040503050406030204" pitchFamily="18" charset="0"/>
-                            </a:rPr>
-                            <m:t>±</m:t>
-                          </m:r>
-                          <m:rad>
-                            <m:radPr>
-                              <m:degHide m:val="on"/>
-                              <m:ctrlPr>
-                                <a:rPr lang="da-DK" b="0" i="1" smtClean="0">
-                                  <a:latin typeface="Cambria Math" panose="02040503050406030204" pitchFamily="18" charset="0"/>
-                                </a:rPr>
-                              </m:ctrlPr>
-                            </m:radPr>
-                            <m:deg/>
-                            <m:e>
-                              <m:sSup>
-                                <m:sSupPr>
-                                  <m:ctrlPr>
-                                    <a:rPr lang="da-DK" b="0" i="1" smtClean="0">
-                                      <a:latin typeface="Cambria Math" panose="02040503050406030204" pitchFamily="18" charset="0"/>
-                                    </a:rPr>
-                                  </m:ctrlPr>
-                                </m:sSupPr>
-                                <m:e>
-                                  <m:r>
-                                    <a:rPr lang="da-DK" b="0" i="1" smtClean="0">
-                                      <a:latin typeface="Cambria Math" panose="02040503050406030204" pitchFamily="18" charset="0"/>
-                                    </a:rPr>
-                                    <m:t>𝑏</m:t>
-                                  </m:r>
-                                </m:e>
-                                <m:sup>
-                                  <m:r>
-                                    <a:rPr lang="da-DK" b="0" i="1" smtClean="0">
-                                      <a:latin typeface="Cambria Math" panose="02040503050406030204" pitchFamily="18" charset="0"/>
-                                    </a:rPr>
-                                    <m:t>2</m:t>
-                                  </m:r>
-                                </m:sup>
-                              </m:sSup>
-                              <m:r>
-                                <a:rPr lang="da-DK" b="0" i="1" smtClean="0">
-                                  <a:latin typeface="Cambria Math" panose="02040503050406030204" pitchFamily="18" charset="0"/>
-                                </a:rPr>
-                                <m:t>−4</m:t>
-                              </m:r>
-                              <m:r>
-                                <a:rPr lang="da-DK" b="0" i="1" smtClean="0">
-                                  <a:latin typeface="Cambria Math" panose="02040503050406030204" pitchFamily="18" charset="0"/>
-                                </a:rPr>
-                                <m:t>𝑎𝑐</m:t>
-                              </m:r>
-                            </m:e>
-                          </m:rad>
-                        </m:num>
-                        <m:den>
-                          <m:r>
-                            <a:rPr lang="da-DK" b="0" i="1" smtClean="0">
-                              <a:latin typeface="Cambria Math" panose="02040503050406030204" pitchFamily="18" charset="0"/>
-                            </a:rPr>
-                            <m:t>2</m:t>
-                          </m:r>
-                          <m:r>
-                            <a:rPr lang="da-DK" b="0" i="1" smtClean="0">
-                              <a:latin typeface="Cambria Math" panose="02040503050406030204" pitchFamily="18" charset="0"/>
-                            </a:rPr>
-                            <m:t>𝑎</m:t>
-                          </m:r>
-                        </m:den>
-                      </m:f>
-                    </m:oMath>
-                  </m:oMathPara>
-                </a14:m>
-                <a:endParaRPr lang="da-DK" b="0" dirty="0"/>
-              </a:p>
-              <a:p>
-                <a:pPr marL="0" indent="0">
-                  <a:buNone/>
-                </a:pPr>
-                <a:endParaRPr lang="da-DK" dirty="0"/>
-              </a:p>
-            </p:txBody>
-          </p:sp>
-        </mc:Choice>
-        <mc:Fallback xmlns="">
-          <p:sp>
-            <p:nvSpPr>
-              <p:cNvPr id="3" name="Content Placeholder 2">
-                <a:extLst>
-                  <a:ext uri="{FF2B5EF4-FFF2-40B4-BE49-F238E27FC236}">
-                    <a16:creationId xmlns:a16="http://schemas.microsoft.com/office/drawing/2014/main" id="{06D836ED-4226-B94C-96DF-819A68344C61}"/>
-                  </a:ext>
-                </a:extLst>
-              </p:cNvPr>
-              <p:cNvSpPr>
-                <a:spLocks noGrp="1" noRot="1" noChangeAspect="1" noMove="1" noResize="1" noEditPoints="1" noAdjustHandles="1" noChangeArrowheads="1" noChangeShapeType="1" noTextEdit="1"/>
-              </p:cNvSpPr>
-              <p:nvPr>
-                <p:ph idx="1"/>
-              </p:nvPr>
-            </p:nvSpPr>
-            <p:spPr>
-              <a:xfrm>
-                <a:off x="6963936" y="2719675"/>
-                <a:ext cx="5228064" cy="2145330"/>
-              </a:xfrm>
-              <a:blipFill>
-                <a:blip r:embed="rId2"/>
-                <a:stretch>
-                  <a:fillRect/>
-                </a:stretch>
-              </a:blipFill>
-            </p:spPr>
-            <p:txBody>
-              <a:bodyPr/>
-              <a:lstStyle/>
-              <a:p>
-                <a:r>
-                  <a:rPr lang="en-GB">
-                    <a:noFill/>
-                  </a:rPr>
-                  <a:t> </a:t>
-                </a:r>
-              </a:p>
-            </p:txBody>
-          </p:sp>
-        </mc:Fallback>
-      </mc:AlternateContent>
-      <p:sp>
-        <p:nvSpPr>
-          <p:cNvPr id="4" name="Content Placeholder 2">
-            <a:extLst>
-              <a:ext uri="{FF2B5EF4-FFF2-40B4-BE49-F238E27FC236}">
-                <a16:creationId xmlns:a16="http://schemas.microsoft.com/office/drawing/2014/main" id="{E0847B08-3B33-E94A-9025-05E863B147D1}"/>
-              </a:ext>
-            </a:extLst>
-          </p:cNvPr>
-          <p:cNvSpPr txBox="1">
-            <a:spLocks/>
-          </p:cNvSpPr>
-          <p:nvPr/>
-        </p:nvSpPr>
-        <p:spPr>
-          <a:xfrm>
-            <a:off x="859162" y="1644309"/>
-            <a:ext cx="3929153" cy="754869"/>
-          </a:xfrm>
-          <a:prstGeom prst="rect">
-            <a:avLst/>
-          </a:prstGeom>
-        </p:spPr>
-        <p:txBody>
-          <a:bodyPr vert="horz" lIns="91440" tIns="45720" rIns="91440" bIns="45720" rtlCol="0">
-            <a:normAutofit/>
-          </a:bodyPr>
-          <a:lstStyle>
-            <a:lvl1pPr marL="228600" indent="-228600" algn="l" defTabSz="914400" rtl="0" eaLnBrk="1" latinLnBrk="0" hangingPunct="1">
-              <a:lnSpc>
-                <a:spcPct val="90000"/>
-              </a:lnSpc>
-              <a:spcBef>
-                <a:spcPts val="1000"/>
-              </a:spcBef>
-              <a:buFont typeface="Arial" panose="020B0604020202020204" pitchFamily="34" charset="0"/>
-              <a:buChar char="•"/>
-              <a:defRPr sz="2800" kern="1200">
-                <a:solidFill>
-                  <a:schemeClr val="tx1"/>
-                </a:solidFill>
-                <a:latin typeface="+mn-lt"/>
-                <a:ea typeface="+mn-ea"/>
-                <a:cs typeface="+mn-cs"/>
-              </a:defRPr>
-            </a:lvl1pPr>
-            <a:lvl2pPr marL="685800" indent="-228600" algn="l" defTabSz="914400" rtl="0" eaLnBrk="1" latinLnBrk="0" hangingPunct="1">
-              <a:lnSpc>
-                <a:spcPct val="90000"/>
-              </a:lnSpc>
-              <a:spcBef>
-                <a:spcPts val="500"/>
-              </a:spcBef>
-              <a:buFont typeface="Arial" panose="020B0604020202020204" pitchFamily="34" charset="0"/>
-              <a:buChar char="•"/>
-              <a:defRPr sz="2400" kern="1200">
-                <a:solidFill>
-                  <a:schemeClr val="tx1"/>
-                </a:solidFill>
-                <a:latin typeface="+mn-lt"/>
-                <a:ea typeface="+mn-ea"/>
-                <a:cs typeface="+mn-cs"/>
-              </a:defRPr>
-            </a:lvl2pPr>
-            <a:lvl3pPr marL="1143000" indent="-228600" algn="l" defTabSz="914400" rtl="0" eaLnBrk="1" latinLnBrk="0" hangingPunct="1">
-              <a:lnSpc>
-                <a:spcPct val="90000"/>
-              </a:lnSpc>
-              <a:spcBef>
-                <a:spcPts val="500"/>
-              </a:spcBef>
-              <a:buFont typeface="Arial" panose="020B0604020202020204" pitchFamily="34" charset="0"/>
-              <a:buChar char="•"/>
-              <a:defRPr sz="2000" kern="1200">
-                <a:solidFill>
-                  <a:schemeClr val="tx1"/>
-                </a:solidFill>
-                <a:latin typeface="+mn-lt"/>
-                <a:ea typeface="+mn-ea"/>
-                <a:cs typeface="+mn-cs"/>
-              </a:defRPr>
-            </a:lvl3pPr>
-            <a:lvl4pPr marL="1600200" indent="-228600" algn="l" defTabSz="914400" rtl="0" eaLnBrk="1" latinLnBrk="0" hangingPunct="1">
-              <a:lnSpc>
-                <a:spcPct val="90000"/>
-              </a:lnSpc>
-              <a:spcBef>
-                <a:spcPts val="500"/>
-              </a:spcBef>
-              <a:buFont typeface="Arial" panose="020B0604020202020204" pitchFamily="34" charset="0"/>
-              <a:buChar char="•"/>
-              <a:defRPr sz="1800" kern="1200">
-                <a:solidFill>
-                  <a:schemeClr val="tx1"/>
-                </a:solidFill>
-                <a:latin typeface="+mn-lt"/>
-                <a:ea typeface="+mn-ea"/>
-                <a:cs typeface="+mn-cs"/>
-              </a:defRPr>
-            </a:lvl4pPr>
-            <a:lvl5pPr marL="2057400" indent="-228600" algn="l" defTabSz="914400" rtl="0" eaLnBrk="1" latinLnBrk="0" hangingPunct="1">
-              <a:lnSpc>
-                <a:spcPct val="90000"/>
-              </a:lnSpc>
-              <a:spcBef>
-                <a:spcPts val="500"/>
-              </a:spcBef>
-              <a:buFont typeface="Arial" panose="020B0604020202020204" pitchFamily="34" charset="0"/>
-              <a:buChar char="•"/>
-              <a:defRPr sz="1800" kern="1200">
-                <a:solidFill>
-                  <a:schemeClr val="tx1"/>
-                </a:solidFill>
-                <a:latin typeface="+mn-lt"/>
-                <a:ea typeface="+mn-ea"/>
-                <a:cs typeface="+mn-cs"/>
-              </a:defRPr>
-            </a:lvl5pPr>
-            <a:lvl6pPr marL="2514600" indent="-228600" algn="l" defTabSz="914400" rtl="0" eaLnBrk="1" latinLnBrk="0" hangingPunct="1">
-              <a:lnSpc>
-                <a:spcPct val="90000"/>
-              </a:lnSpc>
-              <a:spcBef>
-                <a:spcPts val="500"/>
-              </a:spcBef>
-              <a:buFont typeface="Arial" panose="020B0604020202020204" pitchFamily="34" charset="0"/>
-              <a:buChar char="•"/>
-              <a:defRPr sz="1800" kern="1200">
-                <a:solidFill>
-                  <a:schemeClr val="tx1"/>
-                </a:solidFill>
-                <a:latin typeface="+mn-lt"/>
-                <a:ea typeface="+mn-ea"/>
-                <a:cs typeface="+mn-cs"/>
-              </a:defRPr>
-            </a:lvl6pPr>
-            <a:lvl7pPr marL="2971800" indent="-228600" algn="l" defTabSz="914400" rtl="0" eaLnBrk="1" latinLnBrk="0" hangingPunct="1">
-              <a:lnSpc>
-                <a:spcPct val="90000"/>
-              </a:lnSpc>
-              <a:spcBef>
-                <a:spcPts val="500"/>
-              </a:spcBef>
-              <a:buFont typeface="Arial" panose="020B0604020202020204" pitchFamily="34" charset="0"/>
-              <a:buChar char="•"/>
-              <a:defRPr sz="1800" kern="1200">
-                <a:solidFill>
-                  <a:schemeClr val="tx1"/>
-                </a:solidFill>
-                <a:latin typeface="+mn-lt"/>
-                <a:ea typeface="+mn-ea"/>
-                <a:cs typeface="+mn-cs"/>
-              </a:defRPr>
-            </a:lvl7pPr>
-            <a:lvl8pPr marL="3429000" indent="-228600" algn="l" defTabSz="914400" rtl="0" eaLnBrk="1" latinLnBrk="0" hangingPunct="1">
-              <a:lnSpc>
-                <a:spcPct val="90000"/>
-              </a:lnSpc>
-              <a:spcBef>
-                <a:spcPts val="500"/>
-              </a:spcBef>
-              <a:buFont typeface="Arial" panose="020B0604020202020204" pitchFamily="34" charset="0"/>
-              <a:buChar char="•"/>
-              <a:defRPr sz="1800" kern="1200">
-                <a:solidFill>
-                  <a:schemeClr val="tx1"/>
-                </a:solidFill>
-                <a:latin typeface="+mn-lt"/>
-                <a:ea typeface="+mn-ea"/>
-                <a:cs typeface="+mn-cs"/>
-              </a:defRPr>
-            </a:lvl8pPr>
-            <a:lvl9pPr marL="3886200" indent="-228600" algn="l" defTabSz="914400" rtl="0" eaLnBrk="1" latinLnBrk="0" hangingPunct="1">
-              <a:lnSpc>
-                <a:spcPct val="90000"/>
-              </a:lnSpc>
-              <a:spcBef>
-                <a:spcPts val="500"/>
-              </a:spcBef>
-              <a:buFont typeface="Arial" panose="020B0604020202020204" pitchFamily="34" charset="0"/>
-              <a:buChar char="•"/>
-              <a:defRPr sz="1800" kern="1200">
-                <a:solidFill>
-                  <a:schemeClr val="tx1"/>
-                </a:solidFill>
-                <a:latin typeface="+mn-lt"/>
-                <a:ea typeface="+mn-ea"/>
-                <a:cs typeface="+mn-cs"/>
-              </a:defRPr>
-            </a:lvl9pPr>
-          </a:lstStyle>
-          <a:p>
-            <a:pPr marL="0" indent="0">
-              <a:lnSpc>
-                <a:spcPct val="100000"/>
-              </a:lnSpc>
-              <a:buNone/>
-            </a:pPr>
-            <a:r>
-              <a:rPr lang="en-GB" sz="1600" dirty="0">
-                <a:latin typeface="DejaVu Sans Book" panose="020B0603030804020204" pitchFamily="34" charset="0"/>
-                <a:ea typeface="DejaVu Sans Book" panose="020B0603030804020204" pitchFamily="34" charset="0"/>
-                <a:cs typeface="DejaVu Sans Book" panose="020B0603030804020204" pitchFamily="34" charset="0"/>
-              </a:rPr>
-              <a:t>let discriminant a b c =</a:t>
-            </a:r>
-          </a:p>
-          <a:p>
-            <a:pPr marL="0" indent="0">
-              <a:lnSpc>
-                <a:spcPct val="100000"/>
-              </a:lnSpc>
-              <a:buNone/>
-            </a:pPr>
-            <a:r>
-              <a:rPr lang="en-GB" sz="1600" dirty="0">
-                <a:latin typeface="DejaVu Sans Book" panose="020B0603030804020204" pitchFamily="34" charset="0"/>
-                <a:ea typeface="DejaVu Sans Book" panose="020B0603030804020204" pitchFamily="34" charset="0"/>
-                <a:cs typeface="DejaVu Sans Book" panose="020B0603030804020204" pitchFamily="34" charset="0"/>
-              </a:rPr>
-              <a:t>  b ** 2.0 - 4.0 * a * c</a:t>
-            </a:r>
-          </a:p>
-        </p:txBody>
-      </p:sp>
-      <p:sp>
-        <p:nvSpPr>
-          <p:cNvPr id="5" name="Content Placeholder 2">
-            <a:extLst>
-              <a:ext uri="{FF2B5EF4-FFF2-40B4-BE49-F238E27FC236}">
-                <a16:creationId xmlns:a16="http://schemas.microsoft.com/office/drawing/2014/main" id="{FE4D00E1-5A5E-7044-BE0E-E2834206A8A9}"/>
-              </a:ext>
-            </a:extLst>
-          </p:cNvPr>
-          <p:cNvSpPr txBox="1">
-            <a:spLocks/>
-          </p:cNvSpPr>
-          <p:nvPr/>
-        </p:nvSpPr>
-        <p:spPr>
-          <a:xfrm>
-            <a:off x="838200" y="2810534"/>
-            <a:ext cx="4106119" cy="1098524"/>
-          </a:xfrm>
-          <a:prstGeom prst="rect">
-            <a:avLst/>
-          </a:prstGeom>
-        </p:spPr>
-        <p:txBody>
-          <a:bodyPr vert="horz" lIns="91440" tIns="45720" rIns="91440" bIns="45720" rtlCol="0">
-            <a:normAutofit/>
-          </a:bodyPr>
-          <a:lstStyle>
-            <a:lvl1pPr marL="228600" indent="-228600" algn="l" defTabSz="914400" rtl="0" eaLnBrk="1" latinLnBrk="0" hangingPunct="1">
-              <a:lnSpc>
-                <a:spcPct val="90000"/>
-              </a:lnSpc>
-              <a:spcBef>
-                <a:spcPts val="1000"/>
-              </a:spcBef>
-              <a:buFont typeface="Arial" panose="020B0604020202020204" pitchFamily="34" charset="0"/>
-              <a:buChar char="•"/>
-              <a:defRPr sz="2800" kern="1200">
-                <a:solidFill>
-                  <a:schemeClr val="tx1"/>
-                </a:solidFill>
-                <a:latin typeface="+mn-lt"/>
-                <a:ea typeface="+mn-ea"/>
-                <a:cs typeface="+mn-cs"/>
-              </a:defRPr>
-            </a:lvl1pPr>
-            <a:lvl2pPr marL="685800" indent="-228600" algn="l" defTabSz="914400" rtl="0" eaLnBrk="1" latinLnBrk="0" hangingPunct="1">
-              <a:lnSpc>
-                <a:spcPct val="90000"/>
-              </a:lnSpc>
-              <a:spcBef>
-                <a:spcPts val="500"/>
-              </a:spcBef>
-              <a:buFont typeface="Arial" panose="020B0604020202020204" pitchFamily="34" charset="0"/>
-              <a:buChar char="•"/>
-              <a:defRPr sz="2400" kern="1200">
-                <a:solidFill>
-                  <a:schemeClr val="tx1"/>
-                </a:solidFill>
-                <a:latin typeface="+mn-lt"/>
-                <a:ea typeface="+mn-ea"/>
-                <a:cs typeface="+mn-cs"/>
-              </a:defRPr>
-            </a:lvl2pPr>
-            <a:lvl3pPr marL="1143000" indent="-228600" algn="l" defTabSz="914400" rtl="0" eaLnBrk="1" latinLnBrk="0" hangingPunct="1">
-              <a:lnSpc>
-                <a:spcPct val="90000"/>
-              </a:lnSpc>
-              <a:spcBef>
-                <a:spcPts val="500"/>
-              </a:spcBef>
-              <a:buFont typeface="Arial" panose="020B0604020202020204" pitchFamily="34" charset="0"/>
-              <a:buChar char="•"/>
-              <a:defRPr sz="2000" kern="1200">
-                <a:solidFill>
-                  <a:schemeClr val="tx1"/>
-                </a:solidFill>
-                <a:latin typeface="+mn-lt"/>
-                <a:ea typeface="+mn-ea"/>
-                <a:cs typeface="+mn-cs"/>
-              </a:defRPr>
-            </a:lvl3pPr>
-            <a:lvl4pPr marL="1600200" indent="-228600" algn="l" defTabSz="914400" rtl="0" eaLnBrk="1" latinLnBrk="0" hangingPunct="1">
-              <a:lnSpc>
-                <a:spcPct val="90000"/>
-              </a:lnSpc>
-              <a:spcBef>
-                <a:spcPts val="500"/>
-              </a:spcBef>
-              <a:buFont typeface="Arial" panose="020B0604020202020204" pitchFamily="34" charset="0"/>
-              <a:buChar char="•"/>
-              <a:defRPr sz="1800" kern="1200">
-                <a:solidFill>
-                  <a:schemeClr val="tx1"/>
-                </a:solidFill>
-                <a:latin typeface="+mn-lt"/>
-                <a:ea typeface="+mn-ea"/>
-                <a:cs typeface="+mn-cs"/>
-              </a:defRPr>
-            </a:lvl4pPr>
-            <a:lvl5pPr marL="2057400" indent="-228600" algn="l" defTabSz="914400" rtl="0" eaLnBrk="1" latinLnBrk="0" hangingPunct="1">
-              <a:lnSpc>
-                <a:spcPct val="90000"/>
-              </a:lnSpc>
-              <a:spcBef>
-                <a:spcPts val="500"/>
-              </a:spcBef>
-              <a:buFont typeface="Arial" panose="020B0604020202020204" pitchFamily="34" charset="0"/>
-              <a:buChar char="•"/>
-              <a:defRPr sz="1800" kern="1200">
-                <a:solidFill>
-                  <a:schemeClr val="tx1"/>
-                </a:solidFill>
-                <a:latin typeface="+mn-lt"/>
-                <a:ea typeface="+mn-ea"/>
-                <a:cs typeface="+mn-cs"/>
-              </a:defRPr>
-            </a:lvl5pPr>
-            <a:lvl6pPr marL="2514600" indent="-228600" algn="l" defTabSz="914400" rtl="0" eaLnBrk="1" latinLnBrk="0" hangingPunct="1">
-              <a:lnSpc>
-                <a:spcPct val="90000"/>
-              </a:lnSpc>
-              <a:spcBef>
-                <a:spcPts val="500"/>
-              </a:spcBef>
-              <a:buFont typeface="Arial" panose="020B0604020202020204" pitchFamily="34" charset="0"/>
-              <a:buChar char="•"/>
-              <a:defRPr sz="1800" kern="1200">
-                <a:solidFill>
-                  <a:schemeClr val="tx1"/>
-                </a:solidFill>
-                <a:latin typeface="+mn-lt"/>
-                <a:ea typeface="+mn-ea"/>
-                <a:cs typeface="+mn-cs"/>
-              </a:defRPr>
-            </a:lvl6pPr>
-            <a:lvl7pPr marL="2971800" indent="-228600" algn="l" defTabSz="914400" rtl="0" eaLnBrk="1" latinLnBrk="0" hangingPunct="1">
-              <a:lnSpc>
-                <a:spcPct val="90000"/>
-              </a:lnSpc>
-              <a:spcBef>
-                <a:spcPts val="500"/>
-              </a:spcBef>
-              <a:buFont typeface="Arial" panose="020B0604020202020204" pitchFamily="34" charset="0"/>
-              <a:buChar char="•"/>
-              <a:defRPr sz="1800" kern="1200">
-                <a:solidFill>
-                  <a:schemeClr val="tx1"/>
-                </a:solidFill>
-                <a:latin typeface="+mn-lt"/>
-                <a:ea typeface="+mn-ea"/>
-                <a:cs typeface="+mn-cs"/>
-              </a:defRPr>
-            </a:lvl7pPr>
-            <a:lvl8pPr marL="3429000" indent="-228600" algn="l" defTabSz="914400" rtl="0" eaLnBrk="1" latinLnBrk="0" hangingPunct="1">
-              <a:lnSpc>
-                <a:spcPct val="90000"/>
-              </a:lnSpc>
-              <a:spcBef>
-                <a:spcPts val="500"/>
-              </a:spcBef>
-              <a:buFont typeface="Arial" panose="020B0604020202020204" pitchFamily="34" charset="0"/>
-              <a:buChar char="•"/>
-              <a:defRPr sz="1800" kern="1200">
-                <a:solidFill>
-                  <a:schemeClr val="tx1"/>
-                </a:solidFill>
-                <a:latin typeface="+mn-lt"/>
-                <a:ea typeface="+mn-ea"/>
-                <a:cs typeface="+mn-cs"/>
-              </a:defRPr>
-            </a:lvl8pPr>
-            <a:lvl9pPr marL="3886200" indent="-228600" algn="l" defTabSz="914400" rtl="0" eaLnBrk="1" latinLnBrk="0" hangingPunct="1">
-              <a:lnSpc>
-                <a:spcPct val="90000"/>
-              </a:lnSpc>
-              <a:spcBef>
-                <a:spcPts val="500"/>
-              </a:spcBef>
-              <a:buFont typeface="Arial" panose="020B0604020202020204" pitchFamily="34" charset="0"/>
-              <a:buChar char="•"/>
-              <a:defRPr sz="1800" kern="1200">
-                <a:solidFill>
-                  <a:schemeClr val="tx1"/>
-                </a:solidFill>
-                <a:latin typeface="+mn-lt"/>
-                <a:ea typeface="+mn-ea"/>
-                <a:cs typeface="+mn-cs"/>
-              </a:defRPr>
-            </a:lvl9pPr>
-          </a:lstStyle>
-          <a:p>
-            <a:pPr marL="0" indent="0">
-              <a:lnSpc>
-                <a:spcPct val="100000"/>
-              </a:lnSpc>
-              <a:buNone/>
-            </a:pPr>
-            <a:r>
-              <a:rPr lang="en-GB" sz="1600" dirty="0">
-                <a:latin typeface="DejaVu Sans Book" panose="020B0603030804020204" pitchFamily="34" charset="0"/>
-                <a:ea typeface="DejaVu Sans Book" panose="020B0603030804020204" pitchFamily="34" charset="0"/>
-                <a:cs typeface="DejaVu Sans Book" panose="020B0603030804020204" pitchFamily="34" charset="0"/>
-              </a:rPr>
-              <a:t>let solution a b c </a:t>
-            </a:r>
-            <a:r>
-              <a:rPr lang="en-GB" sz="1600" dirty="0" err="1">
-                <a:latin typeface="DejaVu Sans Book" panose="020B0603030804020204" pitchFamily="34" charset="0"/>
-                <a:ea typeface="DejaVu Sans Book" panose="020B0603030804020204" pitchFamily="34" charset="0"/>
-                <a:cs typeface="DejaVu Sans Book" panose="020B0603030804020204" pitchFamily="34" charset="0"/>
-              </a:rPr>
-              <a:t>sgn</a:t>
-            </a:r>
-            <a:r>
-              <a:rPr lang="en-GB" sz="1600" dirty="0">
-                <a:latin typeface="DejaVu Sans Book" panose="020B0603030804020204" pitchFamily="34" charset="0"/>
-                <a:ea typeface="DejaVu Sans Book" panose="020B0603030804020204" pitchFamily="34" charset="0"/>
-                <a:cs typeface="DejaVu Sans Book" panose="020B0603030804020204" pitchFamily="34" charset="0"/>
-              </a:rPr>
-              <a:t> =</a:t>
-            </a:r>
-          </a:p>
-          <a:p>
-            <a:pPr marL="0" indent="0">
-              <a:lnSpc>
-                <a:spcPct val="100000"/>
-              </a:lnSpc>
-              <a:buNone/>
-            </a:pPr>
-            <a:r>
-              <a:rPr lang="en-GB" sz="1600" dirty="0">
-                <a:latin typeface="DejaVu Sans Book" panose="020B0603030804020204" pitchFamily="34" charset="0"/>
-                <a:ea typeface="DejaVu Sans Book" panose="020B0603030804020204" pitchFamily="34" charset="0"/>
-                <a:cs typeface="DejaVu Sans Book" panose="020B0603030804020204" pitchFamily="34" charset="0"/>
-              </a:rPr>
-              <a:t>  let d = discriminant a b c</a:t>
-            </a:r>
-          </a:p>
-          <a:p>
-            <a:pPr marL="0" indent="0">
-              <a:lnSpc>
-                <a:spcPct val="100000"/>
-              </a:lnSpc>
-              <a:buNone/>
-            </a:pPr>
-            <a:r>
-              <a:rPr lang="en-GB" sz="1600" dirty="0">
-                <a:latin typeface="DejaVu Sans Book" panose="020B0603030804020204" pitchFamily="34" charset="0"/>
-                <a:ea typeface="DejaVu Sans Book" panose="020B0603030804020204" pitchFamily="34" charset="0"/>
-                <a:cs typeface="DejaVu Sans Book" panose="020B0603030804020204" pitchFamily="34" charset="0"/>
-              </a:rPr>
-              <a:t>  (-b + </a:t>
-            </a:r>
-            <a:r>
-              <a:rPr lang="en-GB" sz="1600" dirty="0" err="1">
-                <a:latin typeface="DejaVu Sans Book" panose="020B0603030804020204" pitchFamily="34" charset="0"/>
-                <a:ea typeface="DejaVu Sans Book" panose="020B0603030804020204" pitchFamily="34" charset="0"/>
-                <a:cs typeface="DejaVu Sans Book" panose="020B0603030804020204" pitchFamily="34" charset="0"/>
-              </a:rPr>
-              <a:t>sgn</a:t>
-            </a:r>
-            <a:r>
-              <a:rPr lang="en-GB" sz="1600" dirty="0">
-                <a:latin typeface="DejaVu Sans Book" panose="020B0603030804020204" pitchFamily="34" charset="0"/>
-                <a:ea typeface="DejaVu Sans Book" panose="020B0603030804020204" pitchFamily="34" charset="0"/>
-                <a:cs typeface="DejaVu Sans Book" panose="020B0603030804020204" pitchFamily="34" charset="0"/>
-              </a:rPr>
-              <a:t> * sqrt d) / (2.0 * a)</a:t>
-            </a:r>
-          </a:p>
-        </p:txBody>
-      </p:sp>
-      <p:sp>
-        <p:nvSpPr>
-          <p:cNvPr id="6" name="Content Placeholder 2">
-            <a:extLst>
-              <a:ext uri="{FF2B5EF4-FFF2-40B4-BE49-F238E27FC236}">
-                <a16:creationId xmlns:a16="http://schemas.microsoft.com/office/drawing/2014/main" id="{2778414B-D254-D541-A9DD-79F84CCFA36A}"/>
-              </a:ext>
-            </a:extLst>
-          </p:cNvPr>
-          <p:cNvSpPr txBox="1">
-            <a:spLocks/>
-          </p:cNvSpPr>
-          <p:nvPr/>
-        </p:nvSpPr>
-        <p:spPr>
-          <a:xfrm>
-            <a:off x="838200" y="4298342"/>
-            <a:ext cx="7212980" cy="2135914"/>
-          </a:xfrm>
-          <a:prstGeom prst="rect">
-            <a:avLst/>
-          </a:prstGeom>
-        </p:spPr>
-        <p:txBody>
-          <a:bodyPr vert="horz" lIns="91440" tIns="45720" rIns="91440" bIns="45720" rtlCol="0">
-            <a:normAutofit/>
-          </a:bodyPr>
-          <a:lstStyle>
-            <a:lvl1pPr marL="228600" indent="-228600" algn="l" defTabSz="914400" rtl="0" eaLnBrk="1" latinLnBrk="0" hangingPunct="1">
-              <a:lnSpc>
-                <a:spcPct val="90000"/>
-              </a:lnSpc>
-              <a:spcBef>
-                <a:spcPts val="1000"/>
-              </a:spcBef>
-              <a:buFont typeface="Arial" panose="020B0604020202020204" pitchFamily="34" charset="0"/>
-              <a:buChar char="•"/>
-              <a:defRPr sz="2800" kern="1200">
-                <a:solidFill>
-                  <a:schemeClr val="tx1"/>
-                </a:solidFill>
-                <a:latin typeface="+mn-lt"/>
-                <a:ea typeface="+mn-ea"/>
-                <a:cs typeface="+mn-cs"/>
-              </a:defRPr>
-            </a:lvl1pPr>
-            <a:lvl2pPr marL="685800" indent="-228600" algn="l" defTabSz="914400" rtl="0" eaLnBrk="1" latinLnBrk="0" hangingPunct="1">
-              <a:lnSpc>
-                <a:spcPct val="90000"/>
-              </a:lnSpc>
-              <a:spcBef>
-                <a:spcPts val="500"/>
-              </a:spcBef>
-              <a:buFont typeface="Arial" panose="020B0604020202020204" pitchFamily="34" charset="0"/>
-              <a:buChar char="•"/>
-              <a:defRPr sz="2400" kern="1200">
-                <a:solidFill>
-                  <a:schemeClr val="tx1"/>
-                </a:solidFill>
-                <a:latin typeface="+mn-lt"/>
-                <a:ea typeface="+mn-ea"/>
-                <a:cs typeface="+mn-cs"/>
-              </a:defRPr>
-            </a:lvl2pPr>
-            <a:lvl3pPr marL="1143000" indent="-228600" algn="l" defTabSz="914400" rtl="0" eaLnBrk="1" latinLnBrk="0" hangingPunct="1">
-              <a:lnSpc>
-                <a:spcPct val="90000"/>
-              </a:lnSpc>
-              <a:spcBef>
-                <a:spcPts val="500"/>
-              </a:spcBef>
-              <a:buFont typeface="Arial" panose="020B0604020202020204" pitchFamily="34" charset="0"/>
-              <a:buChar char="•"/>
-              <a:defRPr sz="2000" kern="1200">
-                <a:solidFill>
-                  <a:schemeClr val="tx1"/>
-                </a:solidFill>
-                <a:latin typeface="+mn-lt"/>
-                <a:ea typeface="+mn-ea"/>
-                <a:cs typeface="+mn-cs"/>
-              </a:defRPr>
-            </a:lvl3pPr>
-            <a:lvl4pPr marL="1600200" indent="-228600" algn="l" defTabSz="914400" rtl="0" eaLnBrk="1" latinLnBrk="0" hangingPunct="1">
-              <a:lnSpc>
-                <a:spcPct val="90000"/>
-              </a:lnSpc>
-              <a:spcBef>
-                <a:spcPts val="500"/>
-              </a:spcBef>
-              <a:buFont typeface="Arial" panose="020B0604020202020204" pitchFamily="34" charset="0"/>
-              <a:buChar char="•"/>
-              <a:defRPr sz="1800" kern="1200">
-                <a:solidFill>
-                  <a:schemeClr val="tx1"/>
-                </a:solidFill>
-                <a:latin typeface="+mn-lt"/>
-                <a:ea typeface="+mn-ea"/>
-                <a:cs typeface="+mn-cs"/>
-              </a:defRPr>
-            </a:lvl4pPr>
-            <a:lvl5pPr marL="2057400" indent="-228600" algn="l" defTabSz="914400" rtl="0" eaLnBrk="1" latinLnBrk="0" hangingPunct="1">
-              <a:lnSpc>
-                <a:spcPct val="90000"/>
-              </a:lnSpc>
-              <a:spcBef>
-                <a:spcPts val="500"/>
-              </a:spcBef>
-              <a:buFont typeface="Arial" panose="020B0604020202020204" pitchFamily="34" charset="0"/>
-              <a:buChar char="•"/>
-              <a:defRPr sz="1800" kern="1200">
-                <a:solidFill>
-                  <a:schemeClr val="tx1"/>
-                </a:solidFill>
-                <a:latin typeface="+mn-lt"/>
-                <a:ea typeface="+mn-ea"/>
-                <a:cs typeface="+mn-cs"/>
-              </a:defRPr>
-            </a:lvl5pPr>
-            <a:lvl6pPr marL="2514600" indent="-228600" algn="l" defTabSz="914400" rtl="0" eaLnBrk="1" latinLnBrk="0" hangingPunct="1">
-              <a:lnSpc>
-                <a:spcPct val="90000"/>
-              </a:lnSpc>
-              <a:spcBef>
-                <a:spcPts val="500"/>
-              </a:spcBef>
-              <a:buFont typeface="Arial" panose="020B0604020202020204" pitchFamily="34" charset="0"/>
-              <a:buChar char="•"/>
-              <a:defRPr sz="1800" kern="1200">
-                <a:solidFill>
-                  <a:schemeClr val="tx1"/>
-                </a:solidFill>
-                <a:latin typeface="+mn-lt"/>
-                <a:ea typeface="+mn-ea"/>
-                <a:cs typeface="+mn-cs"/>
-              </a:defRPr>
-            </a:lvl6pPr>
-            <a:lvl7pPr marL="2971800" indent="-228600" algn="l" defTabSz="914400" rtl="0" eaLnBrk="1" latinLnBrk="0" hangingPunct="1">
-              <a:lnSpc>
-                <a:spcPct val="90000"/>
-              </a:lnSpc>
-              <a:spcBef>
-                <a:spcPts val="500"/>
-              </a:spcBef>
-              <a:buFont typeface="Arial" panose="020B0604020202020204" pitchFamily="34" charset="0"/>
-              <a:buChar char="•"/>
-              <a:defRPr sz="1800" kern="1200">
-                <a:solidFill>
-                  <a:schemeClr val="tx1"/>
-                </a:solidFill>
-                <a:latin typeface="+mn-lt"/>
-                <a:ea typeface="+mn-ea"/>
-                <a:cs typeface="+mn-cs"/>
-              </a:defRPr>
-            </a:lvl7pPr>
-            <a:lvl8pPr marL="3429000" indent="-228600" algn="l" defTabSz="914400" rtl="0" eaLnBrk="1" latinLnBrk="0" hangingPunct="1">
-              <a:lnSpc>
-                <a:spcPct val="90000"/>
-              </a:lnSpc>
-              <a:spcBef>
-                <a:spcPts val="500"/>
-              </a:spcBef>
-              <a:buFont typeface="Arial" panose="020B0604020202020204" pitchFamily="34" charset="0"/>
-              <a:buChar char="•"/>
-              <a:defRPr sz="1800" kern="1200">
-                <a:solidFill>
-                  <a:schemeClr val="tx1"/>
-                </a:solidFill>
-                <a:latin typeface="+mn-lt"/>
-                <a:ea typeface="+mn-ea"/>
-                <a:cs typeface="+mn-cs"/>
-              </a:defRPr>
-            </a:lvl8pPr>
-            <a:lvl9pPr marL="3886200" indent="-228600" algn="l" defTabSz="914400" rtl="0" eaLnBrk="1" latinLnBrk="0" hangingPunct="1">
-              <a:lnSpc>
-                <a:spcPct val="90000"/>
-              </a:lnSpc>
-              <a:spcBef>
-                <a:spcPts val="500"/>
-              </a:spcBef>
-              <a:buFont typeface="Arial" panose="020B0604020202020204" pitchFamily="34" charset="0"/>
-              <a:buChar char="•"/>
-              <a:defRPr sz="1800" kern="1200">
-                <a:solidFill>
-                  <a:schemeClr val="tx1"/>
-                </a:solidFill>
-                <a:latin typeface="+mn-lt"/>
-                <a:ea typeface="+mn-ea"/>
-                <a:cs typeface="+mn-cs"/>
-              </a:defRPr>
-            </a:lvl9pPr>
-          </a:lstStyle>
-          <a:p>
-            <a:pPr marL="0" indent="0">
-              <a:lnSpc>
-                <a:spcPct val="100000"/>
-              </a:lnSpc>
-              <a:buNone/>
-            </a:pPr>
-            <a:r>
-              <a:rPr lang="en-GB" sz="1600" dirty="0">
-                <a:latin typeface="DejaVu Sans Book" panose="020B0603030804020204" pitchFamily="34" charset="0"/>
-                <a:ea typeface="DejaVu Sans Book" panose="020B0603030804020204" pitchFamily="34" charset="0"/>
-                <a:cs typeface="DejaVu Sans Book" panose="020B0603030804020204" pitchFamily="34" charset="0"/>
-              </a:rPr>
-              <a:t>let a = 1.0</a:t>
-            </a:r>
-          </a:p>
-          <a:p>
-            <a:pPr marL="0" indent="0">
-              <a:lnSpc>
-                <a:spcPct val="100000"/>
-              </a:lnSpc>
-              <a:buNone/>
-            </a:pPr>
-            <a:r>
-              <a:rPr lang="en-GB" sz="1600" dirty="0">
-                <a:latin typeface="DejaVu Sans Book" panose="020B0603030804020204" pitchFamily="34" charset="0"/>
-                <a:ea typeface="DejaVu Sans Book" panose="020B0603030804020204" pitchFamily="34" charset="0"/>
-                <a:cs typeface="DejaVu Sans Book" panose="020B0603030804020204" pitchFamily="34" charset="0"/>
-              </a:rPr>
-              <a:t>let b = 0.0</a:t>
-            </a:r>
-          </a:p>
-          <a:p>
-            <a:pPr marL="0" indent="0">
-              <a:lnSpc>
-                <a:spcPct val="100000"/>
-              </a:lnSpc>
-              <a:buNone/>
-            </a:pPr>
-            <a:r>
-              <a:rPr lang="en-GB" sz="1600" dirty="0">
-                <a:latin typeface="DejaVu Sans Book" panose="020B0603030804020204" pitchFamily="34" charset="0"/>
-                <a:ea typeface="DejaVu Sans Book" panose="020B0603030804020204" pitchFamily="34" charset="0"/>
-                <a:cs typeface="DejaVu Sans Book" panose="020B0603030804020204" pitchFamily="34" charset="0"/>
-              </a:rPr>
-              <a:t>let c = -1.0</a:t>
-            </a:r>
-          </a:p>
-          <a:p>
-            <a:pPr marL="0" indent="0">
-              <a:lnSpc>
-                <a:spcPct val="100000"/>
-              </a:lnSpc>
-              <a:buNone/>
-            </a:pPr>
-            <a:r>
-              <a:rPr lang="en-GB" sz="1600" dirty="0">
-                <a:latin typeface="DejaVu Sans Book" panose="020B0603030804020204" pitchFamily="34" charset="0"/>
-                <a:ea typeface="DejaVu Sans Book" panose="020B0603030804020204" pitchFamily="34" charset="0"/>
-                <a:cs typeface="DejaVu Sans Book" panose="020B0603030804020204" pitchFamily="34" charset="0"/>
-              </a:rPr>
-              <a:t>let </a:t>
-            </a:r>
-            <a:r>
-              <a:rPr lang="en-GB" sz="1600" dirty="0" err="1">
-                <a:latin typeface="DejaVu Sans Book" panose="020B0603030804020204" pitchFamily="34" charset="0"/>
-                <a:ea typeface="DejaVu Sans Book" panose="020B0603030804020204" pitchFamily="34" charset="0"/>
-                <a:cs typeface="DejaVu Sans Book" panose="020B0603030804020204" pitchFamily="34" charset="0"/>
-              </a:rPr>
-              <a:t>xp</a:t>
-            </a:r>
-            <a:r>
-              <a:rPr lang="en-GB" sz="1600" dirty="0">
-                <a:latin typeface="DejaVu Sans Book" panose="020B0603030804020204" pitchFamily="34" charset="0"/>
-                <a:ea typeface="DejaVu Sans Book" panose="020B0603030804020204" pitchFamily="34" charset="0"/>
-                <a:cs typeface="DejaVu Sans Book" panose="020B0603030804020204" pitchFamily="34" charset="0"/>
-              </a:rPr>
-              <a:t> = (solution a b c +1.0)</a:t>
-            </a:r>
-          </a:p>
-          <a:p>
-            <a:pPr marL="0" indent="0">
-              <a:lnSpc>
-                <a:spcPct val="100000"/>
-              </a:lnSpc>
-              <a:buNone/>
-            </a:pPr>
-            <a:r>
-              <a:rPr lang="en-GB" sz="1600" dirty="0" err="1">
-                <a:latin typeface="DejaVu Sans Book" panose="020B0603030804020204" pitchFamily="34" charset="0"/>
-                <a:ea typeface="DejaVu Sans Book" panose="020B0603030804020204" pitchFamily="34" charset="0"/>
-                <a:cs typeface="DejaVu Sans Book" panose="020B0603030804020204" pitchFamily="34" charset="0"/>
-              </a:rPr>
-              <a:t>printfn</a:t>
-            </a:r>
-            <a:r>
-              <a:rPr lang="en-GB" sz="1600" dirty="0">
-                <a:latin typeface="DejaVu Sans Book" panose="020B0603030804020204" pitchFamily="34" charset="0"/>
-                <a:ea typeface="DejaVu Sans Book" panose="020B0603030804020204" pitchFamily="34" charset="0"/>
-                <a:cs typeface="DejaVu Sans Book" panose="020B0603030804020204" pitchFamily="34" charset="0"/>
-              </a:rPr>
-              <a:t> "0 = %.1fx^2 + %.1fx + %.1f =&gt; x_+ = %.1f" a b c </a:t>
-            </a:r>
-            <a:r>
-              <a:rPr lang="en-GB" sz="1600" dirty="0" err="1">
-                <a:latin typeface="DejaVu Sans Book" panose="020B0603030804020204" pitchFamily="34" charset="0"/>
-                <a:ea typeface="DejaVu Sans Book" panose="020B0603030804020204" pitchFamily="34" charset="0"/>
-                <a:cs typeface="DejaVu Sans Book" panose="020B0603030804020204" pitchFamily="34" charset="0"/>
-              </a:rPr>
-              <a:t>xp</a:t>
-            </a:r>
-            <a:endParaRPr lang="en-GB" sz="1600" dirty="0">
-              <a:latin typeface="DejaVu Sans Book" panose="020B0603030804020204" pitchFamily="34" charset="0"/>
-              <a:ea typeface="DejaVu Sans Book" panose="020B0603030804020204" pitchFamily="34" charset="0"/>
-              <a:cs typeface="DejaVu Sans Book" panose="020B0603030804020204" pitchFamily="34" charset="0"/>
-            </a:endParaRPr>
-          </a:p>
-        </p:txBody>
-      </p:sp>
-      <p:cxnSp>
-        <p:nvCxnSpPr>
-          <p:cNvPr id="7" name="Straight Connector 6">
-            <a:extLst>
-              <a:ext uri="{FF2B5EF4-FFF2-40B4-BE49-F238E27FC236}">
-                <a16:creationId xmlns:a16="http://schemas.microsoft.com/office/drawing/2014/main" id="{886CED1A-6E3C-A24D-B90A-ECC7EBFA1B68}"/>
-              </a:ext>
-            </a:extLst>
-          </p:cNvPr>
-          <p:cNvCxnSpPr>
-            <a:cxnSpLocks/>
-          </p:cNvCxnSpPr>
-          <p:nvPr/>
-        </p:nvCxnSpPr>
-        <p:spPr>
-          <a:xfrm>
-            <a:off x="7560527" y="1377132"/>
-            <a:ext cx="0" cy="5063852"/>
-          </a:xfrm>
-          <a:prstGeom prst="line">
-            <a:avLst/>
-          </a:prstGeom>
-        </p:spPr>
-        <p:style>
-          <a:lnRef idx="1">
-            <a:schemeClr val="accent1"/>
-          </a:lnRef>
-          <a:fillRef idx="0">
-            <a:schemeClr val="accent1"/>
-          </a:fillRef>
-          <a:effectRef idx="0">
-            <a:schemeClr val="accent1"/>
-          </a:effectRef>
-          <a:fontRef idx="minor">
-            <a:schemeClr val="tx1"/>
-          </a:fontRef>
-        </p:style>
-      </p:cxnSp>
-    </p:spTree>
-    <p:extLst>
-      <p:ext uri="{BB962C8B-B14F-4D97-AF65-F5344CB8AC3E}">
-        <p14:creationId xmlns:p14="http://schemas.microsoft.com/office/powerpoint/2010/main" val="2233553865"/>
-      </p:ext>
-    </p:extLst>
-  </p:cSld>
-  <p:clrMapOvr>
-    <a:masterClrMapping/>
-  </p:clrMapOvr>
-  <p:timing>
-    <p:tnLst>
-      <p:par>
-        <p:cTn id="1" dur="indefinite" restart="never" nodeType="tmRoot">
-          <p:childTnLst>
-            <p:seq concurrent="1" nextAc="seek">
-              <p:cTn id="2" dur="indefinite" nodeType="mainSeq">
-                <p:childTnLst>
-                  <p:par>
-                    <p:cTn id="3" fill="hold">
-                      <p:stCondLst>
-                        <p:cond delay="indefinite"/>
-                      </p:stCondLst>
-                      <p:childTnLst>
-                        <p:par>
-                          <p:cTn id="4" fill="hold">
-                            <p:stCondLst>
-                              <p:cond delay="0"/>
-                            </p:stCondLst>
-                            <p:childTnLst>
-                              <p:par>
-                                <p:cTn id="5" presetID="1" presetClass="entr" presetSubtype="0" fill="hold" nodeType="clickEffect">
-                                  <p:stCondLst>
-                                    <p:cond delay="0"/>
-                                  </p:stCondLst>
-                                  <p:childTnLst>
-                                    <p:set>
-                                      <p:cBhvr>
-                                        <p:cTn id="6" dur="1" fill="hold">
-                                          <p:stCondLst>
-                                            <p:cond delay="0"/>
-                                          </p:stCondLst>
-                                        </p:cTn>
-                                        <p:tgtEl>
-                                          <p:spTgt spid="7"/>
-                                        </p:tgtEl>
-                                        <p:attrNameLst>
-                                          <p:attrName>style.visibility</p:attrName>
-                                        </p:attrNameLst>
-                                      </p:cBhvr>
-                                      <p:to>
-                                        <p:strVal val="visible"/>
-                                      </p:to>
-                                    </p:set>
-                                  </p:childTnLst>
-                                </p:cTn>
-                              </p:par>
-                              <p:par>
-                                <p:cTn id="7" presetID="1" presetClass="entr" presetSubtype="0" fill="hold" grpId="0" nodeType="withEffect">
-                                  <p:stCondLst>
-                                    <p:cond delay="0"/>
-                                  </p:stCondLst>
-                                  <p:childTnLst>
-                                    <p:set>
-                                      <p:cBhvr>
-                                        <p:cTn id="8" dur="1" fill="hold">
-                                          <p:stCondLst>
-                                            <p:cond delay="0"/>
-                                          </p:stCondLst>
-                                        </p:cTn>
-                                        <p:tgtEl>
-                                          <p:spTgt spid="6"/>
-                                        </p:tgtEl>
-                                        <p:attrNameLst>
-                                          <p:attrName>style.visibility</p:attrName>
-                                        </p:attrNameLst>
-                                      </p:cBhvr>
-                                      <p:to>
-                                        <p:strVal val="visible"/>
-                                      </p:to>
-                                    </p:set>
-                                  </p:childTnLst>
-                                </p:cTn>
-                              </p:par>
-                            </p:childTnLst>
-                          </p:cTn>
-                        </p:par>
-                      </p:childTnLst>
-                    </p:cTn>
-                  </p:par>
-                  <p:par>
-                    <p:cTn id="9" fill="hold">
-                      <p:stCondLst>
-                        <p:cond delay="indefinite"/>
-                      </p:stCondLst>
-                      <p:childTnLst>
-                        <p:par>
-                          <p:cTn id="10" fill="hold">
-                            <p:stCondLst>
-                              <p:cond delay="0"/>
-                            </p:stCondLst>
-                            <p:childTnLst>
-                              <p:par>
-                                <p:cTn id="11" presetID="1" presetClass="entr" presetSubtype="0" fill="hold" grpId="0" nodeType="clickEffect">
-                                  <p:stCondLst>
-                                    <p:cond delay="0"/>
-                                  </p:stCondLst>
-                                  <p:childTnLst>
-                                    <p:set>
-                                      <p:cBhvr>
-                                        <p:cTn id="12" dur="1" fill="hold">
-                                          <p:stCondLst>
-                                            <p:cond delay="0"/>
-                                          </p:stCondLst>
-                                        </p:cTn>
-                                        <p:tgtEl>
-                                          <p:spTgt spid="5"/>
-                                        </p:tgtEl>
-                                        <p:attrNameLst>
-                                          <p:attrName>style.visibility</p:attrName>
-                                        </p:attrNameLst>
-                                      </p:cBhvr>
-                                      <p:to>
-                                        <p:strVal val="visible"/>
-                                      </p:to>
-                                    </p:set>
-                                  </p:childTnLst>
-                                </p:cTn>
-                              </p:par>
-                            </p:childTnLst>
-                          </p:cTn>
-                        </p:par>
-                      </p:childTnLst>
-                    </p:cTn>
-                  </p:par>
-                  <p:par>
-                    <p:cTn id="13" fill="hold">
-                      <p:stCondLst>
-                        <p:cond delay="indefinite"/>
-                      </p:stCondLst>
-                      <p:childTnLst>
-                        <p:par>
-                          <p:cTn id="14" fill="hold">
-                            <p:stCondLst>
-                              <p:cond delay="0"/>
-                            </p:stCondLst>
-                            <p:childTnLst>
-                              <p:par>
-                                <p:cTn id="15" presetID="1" presetClass="entr" presetSubtype="0" fill="hold" grpId="0" nodeType="clickEffect">
-                                  <p:stCondLst>
-                                    <p:cond delay="0"/>
-                                  </p:stCondLst>
-                                  <p:childTnLst>
-                                    <p:set>
-                                      <p:cBhvr>
-                                        <p:cTn id="16" dur="1" fill="hold">
-                                          <p:stCondLst>
-                                            <p:cond delay="0"/>
-                                          </p:stCondLst>
-                                        </p:cTn>
-                                        <p:tgtEl>
-                                          <p:spTgt spid="4"/>
-                                        </p:tgtEl>
-                                        <p:attrNameLst>
-                                          <p:attrName>style.visibility</p:attrName>
-                                        </p:attrNameLst>
-                                      </p:cBhvr>
-                                      <p:to>
-                                        <p:strVal val="visible"/>
-                                      </p:to>
-                                    </p:set>
-                                  </p:childTnLst>
-                                </p:cTn>
-                              </p:par>
-                            </p:childTnLst>
-                          </p:cTn>
-                        </p:par>
-                      </p:childTnLst>
-                    </p:cTn>
-                  </p:par>
-                </p:childTnLst>
-              </p:cTn>
-              <p:prevCondLst>
-                <p:cond evt="onPrev" delay="0">
-                  <p:tgtEl>
-                    <p:sldTgt/>
-                  </p:tgtEl>
-                </p:cond>
-              </p:prevCondLst>
-              <p:nextCondLst>
-                <p:cond evt="onNext" delay="0">
-                  <p:tgtEl>
-                    <p:sldTgt/>
-                  </p:tgtEl>
-                </p:cond>
-              </p:nextCondLst>
-            </p:seq>
-          </p:childTnLst>
-        </p:cTn>
-      </p:par>
-    </p:tnLst>
-    <p:bldLst>
-      <p:bldP spid="4" grpId="0"/>
-      <p:bldP spid="5" grpId="0"/>
       <p:bldP spid="6" grpId="0"/>
     </p:bldLst>
   </p:timing>

--- a/lectures/3.3ConditionalsTuplesNFunctions/lecture.pptx
+++ b/lectures/3.3ConditionalsTuplesNFunctions/lecture.pptx
@@ -5,24 +5,29 @@
     <p:sldMasterId id="2147483648" r:id="rId1"/>
   </p:sldMasterIdLst>
   <p:notesMasterIdLst>
-    <p:notesMasterId r:id="rId17"/>
+    <p:notesMasterId r:id="rId22"/>
   </p:notesMasterIdLst>
   <p:sldIdLst>
     <p:sldId id="256" r:id="rId2"/>
     <p:sldId id="257" r:id="rId3"/>
-    <p:sldId id="304" r:id="rId4"/>
-    <p:sldId id="305" r:id="rId5"/>
-    <p:sldId id="306" r:id="rId6"/>
-    <p:sldId id="307" r:id="rId7"/>
-    <p:sldId id="303" r:id="rId8"/>
-    <p:sldId id="296" r:id="rId9"/>
-    <p:sldId id="294" r:id="rId10"/>
-    <p:sldId id="297" r:id="rId11"/>
-    <p:sldId id="299" r:id="rId12"/>
-    <p:sldId id="300" r:id="rId13"/>
-    <p:sldId id="298" r:id="rId14"/>
-    <p:sldId id="301" r:id="rId15"/>
-    <p:sldId id="302" r:id="rId16"/>
+    <p:sldId id="305" r:id="rId4"/>
+    <p:sldId id="304" r:id="rId5"/>
+    <p:sldId id="309" r:id="rId6"/>
+    <p:sldId id="306" r:id="rId7"/>
+    <p:sldId id="307" r:id="rId8"/>
+    <p:sldId id="308" r:id="rId9"/>
+    <p:sldId id="310" r:id="rId10"/>
+    <p:sldId id="311" r:id="rId11"/>
+    <p:sldId id="312" r:id="rId12"/>
+    <p:sldId id="303" r:id="rId13"/>
+    <p:sldId id="296" r:id="rId14"/>
+    <p:sldId id="294" r:id="rId15"/>
+    <p:sldId id="297" r:id="rId16"/>
+    <p:sldId id="299" r:id="rId17"/>
+    <p:sldId id="300" r:id="rId18"/>
+    <p:sldId id="298" r:id="rId19"/>
+    <p:sldId id="301" r:id="rId20"/>
+    <p:sldId id="302" r:id="rId21"/>
   </p:sldIdLst>
   <p:sldSz cx="12192000" cy="6858000"/>
   <p:notesSz cx="6858000" cy="9144000"/>
@@ -7703,6 +7708,3257 @@
           <p:cNvPr id="2" name="Title 1">
             <a:extLst>
               <a:ext uri="{FF2B5EF4-FFF2-40B4-BE49-F238E27FC236}">
+                <a16:creationId xmlns:a16="http://schemas.microsoft.com/office/drawing/2014/main" id="{00F6BF19-6E70-804C-8AC5-C21AFD927ABB}"/>
+              </a:ext>
+            </a:extLst>
+          </p:cNvPr>
+          <p:cNvSpPr>
+            <a:spLocks noGrp="1"/>
+          </p:cNvSpPr>
+          <p:nvPr>
+            <p:ph type="title"/>
+          </p:nvPr>
+        </p:nvSpPr>
+        <p:spPr/>
+        <p:txBody>
+          <a:bodyPr/>
+          <a:lstStyle/>
+          <a:p>
+            <a:r>
+              <a:rPr lang="en-GB" dirty="0" err="1"/>
+              <a:t>Højere</a:t>
+            </a:r>
+            <a:r>
+              <a:rPr lang="en-GB" dirty="0"/>
+              <a:t> </a:t>
+            </a:r>
+            <a:r>
+              <a:rPr lang="en-GB" dirty="0" err="1"/>
+              <a:t>ordens</a:t>
+            </a:r>
+            <a:r>
+              <a:rPr lang="en-GB" dirty="0"/>
+              <a:t> </a:t>
+            </a:r>
+            <a:r>
+              <a:rPr lang="en-GB" dirty="0" err="1"/>
+              <a:t>funktioner</a:t>
+            </a:r>
+            <a:endParaRPr lang="en-GB" dirty="0"/>
+          </a:p>
+        </p:txBody>
+      </p:sp>
+      <p:sp>
+        <p:nvSpPr>
+          <p:cNvPr id="5" name="Rectangle 4">
+            <a:extLst>
+              <a:ext uri="{FF2B5EF4-FFF2-40B4-BE49-F238E27FC236}">
+                <a16:creationId xmlns:a16="http://schemas.microsoft.com/office/drawing/2014/main" id="{016438DC-F872-6F49-B4F7-38EE285D7850}"/>
+              </a:ext>
+            </a:extLst>
+          </p:cNvPr>
+          <p:cNvSpPr/>
+          <p:nvPr/>
+        </p:nvSpPr>
+        <p:spPr>
+          <a:xfrm>
+            <a:off x="476987" y="1451728"/>
+            <a:ext cx="4920189" cy="4247317"/>
+          </a:xfrm>
+          <a:prstGeom prst="rect">
+            <a:avLst/>
+          </a:prstGeom>
+        </p:spPr>
+        <p:txBody>
+          <a:bodyPr wrap="square">
+            <a:spAutoFit/>
+          </a:bodyPr>
+          <a:lstStyle/>
+          <a:p>
+            <a:r>
+              <a:rPr lang="en-GB" dirty="0"/>
+              <a:t>/// Estimate the integral of f</a:t>
+            </a:r>
+          </a:p>
+          <a:p>
+            <a:r>
+              <a:rPr lang="en-GB" dirty="0"/>
+              <a:t>/// from a to b with </a:t>
+            </a:r>
+            <a:r>
+              <a:rPr lang="en-GB" dirty="0" err="1"/>
+              <a:t>stepsize</a:t>
+            </a:r>
+            <a:r>
+              <a:rPr lang="en-GB" dirty="0"/>
+              <a:t> d</a:t>
+            </a:r>
+          </a:p>
+          <a:p>
+            <a:r>
+              <a:rPr lang="en-GB" dirty="0"/>
+              <a:t>let integrate f a b d =</a:t>
+            </a:r>
+          </a:p>
+          <a:p>
+            <a:r>
+              <a:rPr lang="en-GB" dirty="0"/>
+              <a:t>  let mutable sum = 0.0</a:t>
+            </a:r>
+          </a:p>
+          <a:p>
+            <a:r>
+              <a:rPr lang="en-GB" dirty="0"/>
+              <a:t>  let mutable x = a</a:t>
+            </a:r>
+          </a:p>
+          <a:p>
+            <a:r>
+              <a:rPr lang="en-GB" dirty="0"/>
+              <a:t>  while x &lt; b do</a:t>
+            </a:r>
+          </a:p>
+          <a:p>
+            <a:r>
+              <a:rPr lang="en-GB" dirty="0"/>
+              <a:t>    sum &lt;- sum + d * (f x)</a:t>
+            </a:r>
+          </a:p>
+          <a:p>
+            <a:r>
+              <a:rPr lang="en-GB" dirty="0"/>
+              <a:t>    x &lt;- x + d</a:t>
+            </a:r>
+          </a:p>
+          <a:p>
+            <a:r>
+              <a:rPr lang="en-GB" dirty="0"/>
+              <a:t>  sum</a:t>
+            </a:r>
+          </a:p>
+          <a:p>
+            <a:endParaRPr lang="en-GB" dirty="0"/>
+          </a:p>
+          <a:p>
+            <a:r>
+              <a:rPr lang="en-GB" dirty="0"/>
+              <a:t>let a = 0.0</a:t>
+            </a:r>
+          </a:p>
+          <a:p>
+            <a:r>
+              <a:rPr lang="en-GB" dirty="0"/>
+              <a:t>let b = 1.0</a:t>
+            </a:r>
+          </a:p>
+          <a:p>
+            <a:r>
+              <a:rPr lang="en-GB" dirty="0"/>
+              <a:t>let d = 0.01</a:t>
+            </a:r>
+          </a:p>
+          <a:p>
+            <a:r>
+              <a:rPr lang="en-GB" dirty="0"/>
+              <a:t>let result = integrate </a:t>
+            </a:r>
+            <a:r>
+              <a:rPr lang="en-GB" dirty="0" err="1"/>
+              <a:t>exp</a:t>
+            </a:r>
+            <a:r>
+              <a:rPr lang="en-GB" dirty="0"/>
+              <a:t> a b d</a:t>
+            </a:r>
+          </a:p>
+          <a:p>
+            <a:r>
+              <a:rPr lang="en-GB" dirty="0" err="1"/>
+              <a:t>printfn</a:t>
+            </a:r>
+            <a:r>
+              <a:rPr lang="en-GB" dirty="0"/>
+              <a:t> "</a:t>
+            </a:r>
+            <a:r>
+              <a:rPr lang="en-GB" dirty="0" err="1"/>
+              <a:t>Int</a:t>
+            </a:r>
+            <a:r>
+              <a:rPr lang="en-GB" dirty="0"/>
+              <a:t>_%g^%g </a:t>
+            </a:r>
+            <a:r>
+              <a:rPr lang="en-GB" dirty="0" err="1"/>
+              <a:t>exp</a:t>
+            </a:r>
+            <a:r>
+              <a:rPr lang="en-GB" dirty="0"/>
+              <a:t>(x) dx = %g" a b result</a:t>
+            </a:r>
+          </a:p>
+        </p:txBody>
+      </p:sp>
+      <p:cxnSp>
+        <p:nvCxnSpPr>
+          <p:cNvPr id="6" name="Straight Connector 5">
+            <a:extLst>
+              <a:ext uri="{FF2B5EF4-FFF2-40B4-BE49-F238E27FC236}">
+                <a16:creationId xmlns:a16="http://schemas.microsoft.com/office/drawing/2014/main" id="{6AE8A229-8DBE-F24D-959E-B11FB8A1638B}"/>
+              </a:ext>
+            </a:extLst>
+          </p:cNvPr>
+          <p:cNvCxnSpPr>
+            <a:cxnSpLocks/>
+          </p:cNvCxnSpPr>
+          <p:nvPr/>
+        </p:nvCxnSpPr>
+        <p:spPr>
+          <a:xfrm>
+            <a:off x="5039266" y="1360600"/>
+            <a:ext cx="0" cy="5260571"/>
+          </a:xfrm>
+          <a:prstGeom prst="line">
+            <a:avLst/>
+          </a:prstGeom>
+        </p:spPr>
+        <p:style>
+          <a:lnRef idx="1">
+            <a:schemeClr val="accent1"/>
+          </a:lnRef>
+          <a:fillRef idx="0">
+            <a:schemeClr val="accent1"/>
+          </a:fillRef>
+          <a:effectRef idx="0">
+            <a:schemeClr val="accent1"/>
+          </a:effectRef>
+          <a:fontRef idx="minor">
+            <a:schemeClr val="tx1"/>
+          </a:fontRef>
+        </p:style>
+      </p:cxnSp>
+      <p:grpSp>
+        <p:nvGrpSpPr>
+          <p:cNvPr id="10" name="Group 9">
+            <a:extLst>
+              <a:ext uri="{FF2B5EF4-FFF2-40B4-BE49-F238E27FC236}">
+                <a16:creationId xmlns:a16="http://schemas.microsoft.com/office/drawing/2014/main" id="{C8152819-DB1D-0D43-9816-5BD3D139A86D}"/>
+              </a:ext>
+            </a:extLst>
+          </p:cNvPr>
+          <p:cNvGrpSpPr>
+            <a:grpSpLocks noChangeAspect="1"/>
+          </p:cNvGrpSpPr>
+          <p:nvPr/>
+        </p:nvGrpSpPr>
+        <p:grpSpPr>
+          <a:xfrm>
+            <a:off x="9981896" y="276383"/>
+            <a:ext cx="1841962" cy="2187448"/>
+            <a:chOff x="736441" y="1690690"/>
+            <a:chExt cx="2797993" cy="3181863"/>
+          </a:xfrm>
+        </p:grpSpPr>
+        <p:pic>
+          <p:nvPicPr>
+            <p:cNvPr id="8" name="Picture 7">
+              <a:extLst>
+                <a:ext uri="{FF2B5EF4-FFF2-40B4-BE49-F238E27FC236}">
+                  <a16:creationId xmlns:a16="http://schemas.microsoft.com/office/drawing/2014/main" id="{21BF91C1-2563-9C45-A806-0B7D5E5B9413}"/>
+                </a:ext>
+              </a:extLst>
+            </p:cNvPr>
+            <p:cNvPicPr>
+              <a:picLocks noChangeAspect="1"/>
+            </p:cNvPicPr>
+            <p:nvPr/>
+          </p:nvPicPr>
+          <p:blipFill>
+            <a:blip r:embed="rId2"/>
+            <a:stretch>
+              <a:fillRect/>
+            </a:stretch>
+          </p:blipFill>
+          <p:spPr>
+            <a:xfrm>
+              <a:off x="838199" y="1690690"/>
+              <a:ext cx="2696235" cy="2696235"/>
+            </a:xfrm>
+            <a:prstGeom prst="rect">
+              <a:avLst/>
+            </a:prstGeom>
+          </p:spPr>
+        </p:pic>
+        <p:sp>
+          <p:nvSpPr>
+            <p:cNvPr id="9" name="TextBox 8">
+              <a:extLst>
+                <a:ext uri="{FF2B5EF4-FFF2-40B4-BE49-F238E27FC236}">
+                  <a16:creationId xmlns:a16="http://schemas.microsoft.com/office/drawing/2014/main" id="{A4D0FCE7-D8ED-3D45-A206-893075CD6CC3}"/>
+                </a:ext>
+              </a:extLst>
+            </p:cNvPr>
+            <p:cNvSpPr txBox="1"/>
+            <p:nvPr/>
+          </p:nvSpPr>
+          <p:spPr>
+            <a:xfrm>
+              <a:off x="736441" y="4514400"/>
+              <a:ext cx="2730130" cy="358153"/>
+            </a:xfrm>
+            <a:prstGeom prst="rect">
+              <a:avLst/>
+            </a:prstGeom>
+            <a:noFill/>
+          </p:spPr>
+          <p:txBody>
+            <a:bodyPr wrap="none" rtlCol="0">
+              <a:spAutoFit/>
+            </a:bodyPr>
+            <a:lstStyle/>
+            <a:p>
+              <a:r>
+                <a:rPr lang="en-GB" sz="500" dirty="0"/>
+                <a:t>By I, </a:t>
+              </a:r>
+              <a:r>
+                <a:rPr lang="en-GB" sz="500" dirty="0" err="1"/>
+                <a:t>KSmrq</a:t>
+              </a:r>
+              <a:r>
+                <a:rPr lang="en-GB" sz="500" dirty="0"/>
+                <a:t>, CC BY-SA 3.0, </a:t>
+              </a:r>
+            </a:p>
+            <a:p>
+              <a:r>
+                <a:rPr lang="en-GB" sz="500" dirty="0"/>
+                <a:t>https://</a:t>
+              </a:r>
+              <a:r>
+                <a:rPr lang="en-GB" sz="500" dirty="0" err="1"/>
+                <a:t>commons.wikimedia.org</a:t>
+              </a:r>
+              <a:r>
+                <a:rPr lang="en-GB" sz="500" dirty="0"/>
+                <a:t>/w/</a:t>
+              </a:r>
+              <a:r>
+                <a:rPr lang="en-GB" sz="500" dirty="0" err="1"/>
+                <a:t>index.php?curid</a:t>
+              </a:r>
+              <a:r>
+                <a:rPr lang="en-GB" sz="500" dirty="0"/>
+                <a:t>=2347919</a:t>
+              </a:r>
+            </a:p>
+          </p:txBody>
+        </p:sp>
+      </p:grpSp>
+      <p:sp>
+        <p:nvSpPr>
+          <p:cNvPr id="11" name="Rectangle 10">
+            <a:extLst>
+              <a:ext uri="{FF2B5EF4-FFF2-40B4-BE49-F238E27FC236}">
+                <a16:creationId xmlns:a16="http://schemas.microsoft.com/office/drawing/2014/main" id="{A310A552-B417-974C-803F-97BB65050543}"/>
+              </a:ext>
+            </a:extLst>
+          </p:cNvPr>
+          <p:cNvSpPr/>
+          <p:nvPr/>
+        </p:nvSpPr>
+        <p:spPr>
+          <a:xfrm>
+            <a:off x="5397176" y="1451728"/>
+            <a:ext cx="6988788" cy="4801314"/>
+          </a:xfrm>
+          <a:prstGeom prst="rect">
+            <a:avLst/>
+          </a:prstGeom>
+        </p:spPr>
+        <p:txBody>
+          <a:bodyPr wrap="square">
+            <a:spAutoFit/>
+          </a:bodyPr>
+          <a:lstStyle/>
+          <a:p>
+            <a:r>
+              <a:rPr lang="en-GB" dirty="0"/>
+              <a:t>/// Estimate the integral of f</a:t>
+            </a:r>
+          </a:p>
+          <a:p>
+            <a:r>
+              <a:rPr lang="en-GB" dirty="0"/>
+              <a:t>/// from a to b with </a:t>
+            </a:r>
+            <a:r>
+              <a:rPr lang="en-GB" dirty="0" err="1"/>
+              <a:t>stepsize</a:t>
+            </a:r>
+            <a:r>
+              <a:rPr lang="en-GB" dirty="0"/>
+              <a:t> d</a:t>
+            </a:r>
+          </a:p>
+          <a:p>
+            <a:r>
+              <a:rPr lang="en-GB" dirty="0"/>
+              <a:t>let integrate f a b d =</a:t>
+            </a:r>
+          </a:p>
+          <a:p>
+            <a:r>
+              <a:rPr lang="en-GB" dirty="0"/>
+              <a:t>  let mutable sum = 0.0</a:t>
+            </a:r>
+          </a:p>
+          <a:p>
+            <a:r>
+              <a:rPr lang="en-GB" dirty="0"/>
+              <a:t>  let mutable x = a</a:t>
+            </a:r>
+          </a:p>
+          <a:p>
+            <a:r>
+              <a:rPr lang="en-GB" dirty="0"/>
+              <a:t>  while x &lt; b do</a:t>
+            </a:r>
+          </a:p>
+          <a:p>
+            <a:r>
+              <a:rPr lang="en-GB" dirty="0"/>
+              <a:t>    sum &lt;- sum + d * (f x)</a:t>
+            </a:r>
+          </a:p>
+          <a:p>
+            <a:r>
+              <a:rPr lang="en-GB" dirty="0"/>
+              <a:t>    x &lt;- x + d</a:t>
+            </a:r>
+          </a:p>
+          <a:p>
+            <a:r>
+              <a:rPr lang="en-GB" dirty="0"/>
+              <a:t>  sum</a:t>
+            </a:r>
+          </a:p>
+          <a:p>
+            <a:endParaRPr lang="en-GB" dirty="0"/>
+          </a:p>
+          <a:p>
+            <a:r>
+              <a:rPr lang="en-GB" dirty="0"/>
+              <a:t>let a = 0.0</a:t>
+            </a:r>
+          </a:p>
+          <a:p>
+            <a:r>
+              <a:rPr lang="en-GB" dirty="0"/>
+              <a:t>let b = 1.0</a:t>
+            </a:r>
+          </a:p>
+          <a:p>
+            <a:r>
+              <a:rPr lang="en-GB" dirty="0"/>
+              <a:t>let truth = </a:t>
+            </a:r>
+            <a:r>
+              <a:rPr lang="en-GB" dirty="0" err="1"/>
+              <a:t>exp</a:t>
+            </a:r>
+            <a:r>
+              <a:rPr lang="en-GB" dirty="0"/>
+              <a:t> 1.0 - 1.0</a:t>
+            </a:r>
+          </a:p>
+          <a:p>
+            <a:r>
+              <a:rPr lang="en-GB" dirty="0"/>
+              <a:t>for e = 0 to 6 do</a:t>
+            </a:r>
+          </a:p>
+          <a:p>
+            <a:r>
+              <a:rPr lang="en-GB" dirty="0"/>
+              <a:t>  let d = 10.0**(float -e)</a:t>
+            </a:r>
+          </a:p>
+          <a:p>
+            <a:r>
+              <a:rPr lang="en-GB" dirty="0"/>
+              <a:t>  let result = truth - integrate </a:t>
+            </a:r>
+            <a:r>
+              <a:rPr lang="en-GB" dirty="0" err="1"/>
+              <a:t>exp</a:t>
+            </a:r>
+            <a:r>
+              <a:rPr lang="en-GB" dirty="0"/>
+              <a:t> a b d</a:t>
+            </a:r>
+          </a:p>
+          <a:p>
+            <a:r>
+              <a:rPr lang="en-GB" dirty="0"/>
+              <a:t>  </a:t>
+            </a:r>
+            <a:r>
+              <a:rPr lang="en-GB" dirty="0" err="1"/>
+              <a:t>printfn</a:t>
+            </a:r>
+            <a:r>
+              <a:rPr lang="en-GB" dirty="0"/>
+              <a:t> "d = %e: </a:t>
+            </a:r>
+            <a:r>
+              <a:rPr lang="en-GB" dirty="0" err="1"/>
+              <a:t>exp</a:t>
+            </a:r>
+            <a:r>
+              <a:rPr lang="en-GB" dirty="0"/>
+              <a:t> 1.0 - 1.0 - </a:t>
+            </a:r>
+            <a:r>
+              <a:rPr lang="en-GB" dirty="0" err="1"/>
+              <a:t>Int</a:t>
+            </a:r>
+            <a:r>
+              <a:rPr lang="en-GB" dirty="0"/>
+              <a:t>_%g^%g </a:t>
+            </a:r>
+            <a:r>
+              <a:rPr lang="en-GB" dirty="0" err="1"/>
+              <a:t>exp</a:t>
+            </a:r>
+            <a:r>
+              <a:rPr lang="en-GB" dirty="0"/>
+              <a:t>(x) dx = %g" d a b result</a:t>
+            </a:r>
+          </a:p>
+        </p:txBody>
+      </p:sp>
+    </p:spTree>
+    <p:extLst>
+      <p:ext uri="{BB962C8B-B14F-4D97-AF65-F5344CB8AC3E}">
+        <p14:creationId xmlns:p14="http://schemas.microsoft.com/office/powerpoint/2010/main" val="2104077184"/>
+      </p:ext>
+    </p:extLst>
+  </p:cSld>
+  <p:clrMapOvr>
+    <a:masterClrMapping/>
+  </p:clrMapOvr>
+  <p:timing>
+    <p:tnLst>
+      <p:par>
+        <p:cTn id="1" dur="indefinite" restart="never" nodeType="tmRoot">
+          <p:childTnLst>
+            <p:seq concurrent="1" nextAc="seek">
+              <p:cTn id="2" dur="indefinite" nodeType="mainSeq">
+                <p:childTnLst>
+                  <p:par>
+                    <p:cTn id="3" fill="hold">
+                      <p:stCondLst>
+                        <p:cond delay="indefinite"/>
+                      </p:stCondLst>
+                      <p:childTnLst>
+                        <p:par>
+                          <p:cTn id="4" fill="hold">
+                            <p:stCondLst>
+                              <p:cond delay="0"/>
+                            </p:stCondLst>
+                            <p:childTnLst>
+                              <p:par>
+                                <p:cTn id="5" presetID="1" presetClass="entr" presetSubtype="0" fill="hold" grpId="0" nodeType="clickEffect">
+                                  <p:stCondLst>
+                                    <p:cond delay="0"/>
+                                  </p:stCondLst>
+                                  <p:childTnLst>
+                                    <p:set>
+                                      <p:cBhvr>
+                                        <p:cTn id="6" dur="1" fill="hold">
+                                          <p:stCondLst>
+                                            <p:cond delay="0"/>
+                                          </p:stCondLst>
+                                        </p:cTn>
+                                        <p:tgtEl>
+                                          <p:spTgt spid="11"/>
+                                        </p:tgtEl>
+                                        <p:attrNameLst>
+                                          <p:attrName>style.visibility</p:attrName>
+                                        </p:attrNameLst>
+                                      </p:cBhvr>
+                                      <p:to>
+                                        <p:strVal val="visible"/>
+                                      </p:to>
+                                    </p:set>
+                                  </p:childTnLst>
+                                </p:cTn>
+                              </p:par>
+                              <p:par>
+                                <p:cTn id="7" presetID="1" presetClass="entr" presetSubtype="0" fill="hold" nodeType="withEffect">
+                                  <p:stCondLst>
+                                    <p:cond delay="0"/>
+                                  </p:stCondLst>
+                                  <p:childTnLst>
+                                    <p:set>
+                                      <p:cBhvr>
+                                        <p:cTn id="8" dur="1" fill="hold">
+                                          <p:stCondLst>
+                                            <p:cond delay="0"/>
+                                          </p:stCondLst>
+                                        </p:cTn>
+                                        <p:tgtEl>
+                                          <p:spTgt spid="6"/>
+                                        </p:tgtEl>
+                                        <p:attrNameLst>
+                                          <p:attrName>style.visibility</p:attrName>
+                                        </p:attrNameLst>
+                                      </p:cBhvr>
+                                      <p:to>
+                                        <p:strVal val="visible"/>
+                                      </p:to>
+                                    </p:set>
+                                  </p:childTnLst>
+                                </p:cTn>
+                              </p:par>
+                            </p:childTnLst>
+                          </p:cTn>
+                        </p:par>
+                      </p:childTnLst>
+                    </p:cTn>
+                  </p:par>
+                </p:childTnLst>
+              </p:cTn>
+              <p:prevCondLst>
+                <p:cond evt="onPrev" delay="0">
+                  <p:tgtEl>
+                    <p:sldTgt/>
+                  </p:tgtEl>
+                </p:cond>
+              </p:prevCondLst>
+              <p:nextCondLst>
+                <p:cond evt="onNext" delay="0">
+                  <p:tgtEl>
+                    <p:sldTgt/>
+                  </p:tgtEl>
+                </p:cond>
+              </p:nextCondLst>
+            </p:seq>
+          </p:childTnLst>
+        </p:cTn>
+      </p:par>
+    </p:tnLst>
+    <p:bldLst>
+      <p:bldP spid="11" grpId="0"/>
+    </p:bldLst>
+  </p:timing>
+</p:sld>
+</file>
+
+<file path=ppt/slides/slide11.xml><?xml version="1.0" encoding="utf-8"?>
+<p:sld xmlns:a="http://schemas.openxmlformats.org/drawingml/2006/main" xmlns:r="http://schemas.openxmlformats.org/officeDocument/2006/relationships" xmlns:p="http://schemas.openxmlformats.org/presentationml/2006/main">
+  <p:cSld>
+    <p:spTree>
+      <p:nvGrpSpPr>
+        <p:cNvPr id="1" name=""/>
+        <p:cNvGrpSpPr/>
+        <p:nvPr/>
+      </p:nvGrpSpPr>
+      <p:grpSpPr>
+        <a:xfrm>
+          <a:off x="0" y="0"/>
+          <a:ext cx="0" cy="0"/>
+          <a:chOff x="0" y="0"/>
+          <a:chExt cx="0" cy="0"/>
+        </a:xfrm>
+      </p:grpSpPr>
+      <p:sp>
+        <p:nvSpPr>
+          <p:cNvPr id="2" name="Title 1">
+            <a:extLst>
+              <a:ext uri="{FF2B5EF4-FFF2-40B4-BE49-F238E27FC236}">
+                <a16:creationId xmlns:a16="http://schemas.microsoft.com/office/drawing/2014/main" id="{7437F6C3-039F-AD46-BC2E-F24E205E41C5}"/>
+              </a:ext>
+            </a:extLst>
+          </p:cNvPr>
+          <p:cNvSpPr>
+            <a:spLocks noGrp="1"/>
+          </p:cNvSpPr>
+          <p:nvPr>
+            <p:ph type="title"/>
+          </p:nvPr>
+        </p:nvSpPr>
+        <p:spPr/>
+        <p:txBody>
+          <a:bodyPr/>
+          <a:lstStyle/>
+          <a:p>
+            <a:r>
+              <a:rPr lang="en-GB" dirty="0" err="1"/>
+              <a:t>Anonyme</a:t>
+            </a:r>
+            <a:r>
+              <a:rPr lang="en-GB" dirty="0"/>
+              <a:t> </a:t>
+            </a:r>
+            <a:r>
+              <a:rPr lang="en-GB" dirty="0" err="1"/>
+              <a:t>funktioner</a:t>
+            </a:r>
+            <a:endParaRPr lang="en-GB" dirty="0"/>
+          </a:p>
+        </p:txBody>
+      </p:sp>
+      <p:sp>
+        <p:nvSpPr>
+          <p:cNvPr id="5" name="Rectangle 4">
+            <a:extLst>
+              <a:ext uri="{FF2B5EF4-FFF2-40B4-BE49-F238E27FC236}">
+                <a16:creationId xmlns:a16="http://schemas.microsoft.com/office/drawing/2014/main" id="{E4963D44-2416-0C4B-B077-B536CAA29CC7}"/>
+              </a:ext>
+            </a:extLst>
+          </p:cNvPr>
+          <p:cNvSpPr/>
+          <p:nvPr/>
+        </p:nvSpPr>
+        <p:spPr>
+          <a:xfrm>
+            <a:off x="5758389" y="1690690"/>
+            <a:ext cx="4920189" cy="4247317"/>
+          </a:xfrm>
+          <a:prstGeom prst="rect">
+            <a:avLst/>
+          </a:prstGeom>
+        </p:spPr>
+        <p:txBody>
+          <a:bodyPr wrap="square">
+            <a:spAutoFit/>
+          </a:bodyPr>
+          <a:lstStyle/>
+          <a:p>
+            <a:r>
+              <a:rPr lang="en-GB" dirty="0"/>
+              <a:t>/// Estimate the integral of f</a:t>
+            </a:r>
+          </a:p>
+          <a:p>
+            <a:r>
+              <a:rPr lang="en-GB" dirty="0"/>
+              <a:t>/// from a to b with </a:t>
+            </a:r>
+            <a:r>
+              <a:rPr lang="en-GB" dirty="0" err="1"/>
+              <a:t>stepsize</a:t>
+            </a:r>
+            <a:r>
+              <a:rPr lang="en-GB" dirty="0"/>
+              <a:t> d</a:t>
+            </a:r>
+          </a:p>
+          <a:p>
+            <a:r>
+              <a:rPr lang="en-GB" dirty="0"/>
+              <a:t>let integrate f a b d =</a:t>
+            </a:r>
+          </a:p>
+          <a:p>
+            <a:r>
+              <a:rPr lang="en-GB" dirty="0"/>
+              <a:t>  let mutable sum = 0.0</a:t>
+            </a:r>
+          </a:p>
+          <a:p>
+            <a:r>
+              <a:rPr lang="en-GB" dirty="0"/>
+              <a:t>  let mutable x = a</a:t>
+            </a:r>
+          </a:p>
+          <a:p>
+            <a:r>
+              <a:rPr lang="en-GB" dirty="0"/>
+              <a:t>  while x &lt; b do</a:t>
+            </a:r>
+          </a:p>
+          <a:p>
+            <a:r>
+              <a:rPr lang="en-GB" dirty="0"/>
+              <a:t>    sum &lt;- sum + d * (f x)</a:t>
+            </a:r>
+          </a:p>
+          <a:p>
+            <a:r>
+              <a:rPr lang="en-GB" dirty="0"/>
+              <a:t>    x &lt;- x + d</a:t>
+            </a:r>
+          </a:p>
+          <a:p>
+            <a:r>
+              <a:rPr lang="en-GB" dirty="0"/>
+              <a:t>  sum</a:t>
+            </a:r>
+          </a:p>
+          <a:p>
+            <a:endParaRPr lang="en-GB" dirty="0"/>
+          </a:p>
+          <a:p>
+            <a:r>
+              <a:rPr lang="en-GB" dirty="0"/>
+              <a:t>let a = 0.0</a:t>
+            </a:r>
+          </a:p>
+          <a:p>
+            <a:r>
+              <a:rPr lang="en-GB" dirty="0"/>
+              <a:t>let b = 1.0</a:t>
+            </a:r>
+          </a:p>
+          <a:p>
+            <a:r>
+              <a:rPr lang="en-GB" dirty="0"/>
+              <a:t>let d = 1e-5</a:t>
+            </a:r>
+          </a:p>
+          <a:p>
+            <a:r>
+              <a:rPr lang="en-GB" dirty="0"/>
+              <a:t>let result = integrate (fun x -&gt; x * </a:t>
+            </a:r>
+            <a:r>
+              <a:rPr lang="en-GB" dirty="0" err="1"/>
+              <a:t>exp</a:t>
+            </a:r>
+            <a:r>
+              <a:rPr lang="en-GB" dirty="0"/>
+              <a:t>(x)) a b d</a:t>
+            </a:r>
+          </a:p>
+          <a:p>
+            <a:r>
+              <a:rPr lang="en-GB" dirty="0" err="1"/>
+              <a:t>printfn</a:t>
+            </a:r>
+            <a:r>
+              <a:rPr lang="en-GB" dirty="0"/>
+              <a:t> "</a:t>
+            </a:r>
+            <a:r>
+              <a:rPr lang="en-GB" dirty="0" err="1"/>
+              <a:t>Int</a:t>
+            </a:r>
+            <a:r>
+              <a:rPr lang="en-GB" dirty="0"/>
+              <a:t>_%g^%g f(x) dx = %g" a b result</a:t>
+            </a:r>
+          </a:p>
+        </p:txBody>
+      </p:sp>
+      <p:sp>
+        <p:nvSpPr>
+          <p:cNvPr id="6" name="Rectangle 5">
+            <a:extLst>
+              <a:ext uri="{FF2B5EF4-FFF2-40B4-BE49-F238E27FC236}">
+                <a16:creationId xmlns:a16="http://schemas.microsoft.com/office/drawing/2014/main" id="{3AEC48C6-57E0-8F41-A15D-E2ED9AB3B879}"/>
+              </a:ext>
+            </a:extLst>
+          </p:cNvPr>
+          <p:cNvSpPr/>
+          <p:nvPr/>
+        </p:nvSpPr>
+        <p:spPr>
+          <a:xfrm>
+            <a:off x="838200" y="1690690"/>
+            <a:ext cx="4920189" cy="646331"/>
+          </a:xfrm>
+          <a:prstGeom prst="rect">
+            <a:avLst/>
+          </a:prstGeom>
+        </p:spPr>
+        <p:txBody>
+          <a:bodyPr wrap="square">
+            <a:spAutoFit/>
+          </a:bodyPr>
+          <a:lstStyle/>
+          <a:p>
+            <a:r>
+              <a:rPr lang="en-GB" dirty="0"/>
+              <a:t>let f </a:t>
+            </a:r>
+            <a:r>
+              <a:rPr lang="en-GB"/>
+              <a:t>x = x </a:t>
+            </a:r>
+            <a:r>
+              <a:rPr lang="en-GB" dirty="0"/>
+              <a:t>* </a:t>
+            </a:r>
+            <a:r>
+              <a:rPr lang="en-GB" dirty="0" err="1"/>
+              <a:t>exp</a:t>
+            </a:r>
+            <a:r>
+              <a:rPr lang="en-GB" dirty="0"/>
+              <a:t>(x)</a:t>
+            </a:r>
+          </a:p>
+          <a:p>
+            <a:r>
+              <a:rPr lang="en-GB" dirty="0"/>
+              <a:t>f 3.0</a:t>
+            </a:r>
+          </a:p>
+        </p:txBody>
+      </p:sp>
+      <p:cxnSp>
+        <p:nvCxnSpPr>
+          <p:cNvPr id="7" name="Straight Connector 6">
+            <a:extLst>
+              <a:ext uri="{FF2B5EF4-FFF2-40B4-BE49-F238E27FC236}">
+                <a16:creationId xmlns:a16="http://schemas.microsoft.com/office/drawing/2014/main" id="{BBF5BE65-0BF1-2C41-AC3B-31DF73DF255C}"/>
+              </a:ext>
+            </a:extLst>
+          </p:cNvPr>
+          <p:cNvCxnSpPr>
+            <a:cxnSpLocks/>
+          </p:cNvCxnSpPr>
+          <p:nvPr/>
+        </p:nvCxnSpPr>
+        <p:spPr>
+          <a:xfrm>
+            <a:off x="5039266" y="1360600"/>
+            <a:ext cx="0" cy="5260571"/>
+          </a:xfrm>
+          <a:prstGeom prst="line">
+            <a:avLst/>
+          </a:prstGeom>
+        </p:spPr>
+        <p:style>
+          <a:lnRef idx="1">
+            <a:schemeClr val="accent1"/>
+          </a:lnRef>
+          <a:fillRef idx="0">
+            <a:schemeClr val="accent1"/>
+          </a:fillRef>
+          <a:effectRef idx="0">
+            <a:schemeClr val="accent1"/>
+          </a:effectRef>
+          <a:fontRef idx="minor">
+            <a:schemeClr val="tx1"/>
+          </a:fontRef>
+        </p:style>
+      </p:cxnSp>
+      <p:sp>
+        <p:nvSpPr>
+          <p:cNvPr id="8" name="Rectangle 7">
+            <a:extLst>
+              <a:ext uri="{FF2B5EF4-FFF2-40B4-BE49-F238E27FC236}">
+                <a16:creationId xmlns:a16="http://schemas.microsoft.com/office/drawing/2014/main" id="{5B31D792-C590-F443-BFAA-291AD4C18EB2}"/>
+              </a:ext>
+            </a:extLst>
+          </p:cNvPr>
+          <p:cNvSpPr/>
+          <p:nvPr/>
+        </p:nvSpPr>
+        <p:spPr>
+          <a:xfrm>
+            <a:off x="838200" y="3168017"/>
+            <a:ext cx="4920189" cy="646331"/>
+          </a:xfrm>
+          <a:prstGeom prst="rect">
+            <a:avLst/>
+          </a:prstGeom>
+        </p:spPr>
+        <p:txBody>
+          <a:bodyPr wrap="square">
+            <a:spAutoFit/>
+          </a:bodyPr>
+          <a:lstStyle/>
+          <a:p>
+            <a:r>
+              <a:rPr lang="en-GB" dirty="0"/>
+              <a:t>let f = fun x -&gt; x * </a:t>
+            </a:r>
+            <a:r>
+              <a:rPr lang="en-GB" dirty="0" err="1"/>
+              <a:t>exp</a:t>
+            </a:r>
+            <a:r>
+              <a:rPr lang="en-GB" dirty="0"/>
+              <a:t>(x)</a:t>
+            </a:r>
+          </a:p>
+          <a:p>
+            <a:r>
+              <a:rPr lang="en-GB" dirty="0"/>
+              <a:t>f 3.0</a:t>
+            </a:r>
+          </a:p>
+        </p:txBody>
+      </p:sp>
+    </p:spTree>
+    <p:extLst>
+      <p:ext uri="{BB962C8B-B14F-4D97-AF65-F5344CB8AC3E}">
+        <p14:creationId xmlns:p14="http://schemas.microsoft.com/office/powerpoint/2010/main" val="1386538435"/>
+      </p:ext>
+    </p:extLst>
+  </p:cSld>
+  <p:clrMapOvr>
+    <a:masterClrMapping/>
+  </p:clrMapOvr>
+  <p:timing>
+    <p:tnLst>
+      <p:par>
+        <p:cTn id="1" dur="indefinite" restart="never" nodeType="tmRoot">
+          <p:childTnLst>
+            <p:seq concurrent="1" nextAc="seek">
+              <p:cTn id="2" dur="indefinite" nodeType="mainSeq">
+                <p:childTnLst>
+                  <p:par>
+                    <p:cTn id="3" fill="hold">
+                      <p:stCondLst>
+                        <p:cond delay="indefinite"/>
+                      </p:stCondLst>
+                      <p:childTnLst>
+                        <p:par>
+                          <p:cTn id="4" fill="hold">
+                            <p:stCondLst>
+                              <p:cond delay="0"/>
+                            </p:stCondLst>
+                            <p:childTnLst>
+                              <p:par>
+                                <p:cTn id="5" presetID="1" presetClass="entr" presetSubtype="0" fill="hold" grpId="0" nodeType="clickEffect">
+                                  <p:stCondLst>
+                                    <p:cond delay="0"/>
+                                  </p:stCondLst>
+                                  <p:childTnLst>
+                                    <p:set>
+                                      <p:cBhvr>
+                                        <p:cTn id="6" dur="1" fill="hold">
+                                          <p:stCondLst>
+                                            <p:cond delay="0"/>
+                                          </p:stCondLst>
+                                        </p:cTn>
+                                        <p:tgtEl>
+                                          <p:spTgt spid="8"/>
+                                        </p:tgtEl>
+                                        <p:attrNameLst>
+                                          <p:attrName>style.visibility</p:attrName>
+                                        </p:attrNameLst>
+                                      </p:cBhvr>
+                                      <p:to>
+                                        <p:strVal val="visible"/>
+                                      </p:to>
+                                    </p:set>
+                                  </p:childTnLst>
+                                </p:cTn>
+                              </p:par>
+                            </p:childTnLst>
+                          </p:cTn>
+                        </p:par>
+                      </p:childTnLst>
+                    </p:cTn>
+                  </p:par>
+                  <p:par>
+                    <p:cTn id="7" fill="hold">
+                      <p:stCondLst>
+                        <p:cond delay="indefinite"/>
+                      </p:stCondLst>
+                      <p:childTnLst>
+                        <p:par>
+                          <p:cTn id="8" fill="hold">
+                            <p:stCondLst>
+                              <p:cond delay="0"/>
+                            </p:stCondLst>
+                            <p:childTnLst>
+                              <p:par>
+                                <p:cTn id="9" presetID="1" presetClass="entr" presetSubtype="0" fill="hold" nodeType="clickEffect">
+                                  <p:stCondLst>
+                                    <p:cond delay="0"/>
+                                  </p:stCondLst>
+                                  <p:childTnLst>
+                                    <p:set>
+                                      <p:cBhvr>
+                                        <p:cTn id="10" dur="1" fill="hold">
+                                          <p:stCondLst>
+                                            <p:cond delay="0"/>
+                                          </p:stCondLst>
+                                        </p:cTn>
+                                        <p:tgtEl>
+                                          <p:spTgt spid="7"/>
+                                        </p:tgtEl>
+                                        <p:attrNameLst>
+                                          <p:attrName>style.visibility</p:attrName>
+                                        </p:attrNameLst>
+                                      </p:cBhvr>
+                                      <p:to>
+                                        <p:strVal val="visible"/>
+                                      </p:to>
+                                    </p:set>
+                                  </p:childTnLst>
+                                </p:cTn>
+                              </p:par>
+                              <p:par>
+                                <p:cTn id="11" presetID="1" presetClass="entr" presetSubtype="0" fill="hold" grpId="0" nodeType="withEffect">
+                                  <p:stCondLst>
+                                    <p:cond delay="0"/>
+                                  </p:stCondLst>
+                                  <p:childTnLst>
+                                    <p:set>
+                                      <p:cBhvr>
+                                        <p:cTn id="12" dur="1" fill="hold">
+                                          <p:stCondLst>
+                                            <p:cond delay="0"/>
+                                          </p:stCondLst>
+                                        </p:cTn>
+                                        <p:tgtEl>
+                                          <p:spTgt spid="5"/>
+                                        </p:tgtEl>
+                                        <p:attrNameLst>
+                                          <p:attrName>style.visibility</p:attrName>
+                                        </p:attrNameLst>
+                                      </p:cBhvr>
+                                      <p:to>
+                                        <p:strVal val="visible"/>
+                                      </p:to>
+                                    </p:set>
+                                  </p:childTnLst>
+                                </p:cTn>
+                              </p:par>
+                            </p:childTnLst>
+                          </p:cTn>
+                        </p:par>
+                      </p:childTnLst>
+                    </p:cTn>
+                  </p:par>
+                </p:childTnLst>
+              </p:cTn>
+              <p:prevCondLst>
+                <p:cond evt="onPrev" delay="0">
+                  <p:tgtEl>
+                    <p:sldTgt/>
+                  </p:tgtEl>
+                </p:cond>
+              </p:prevCondLst>
+              <p:nextCondLst>
+                <p:cond evt="onNext" delay="0">
+                  <p:tgtEl>
+                    <p:sldTgt/>
+                  </p:tgtEl>
+                </p:cond>
+              </p:nextCondLst>
+            </p:seq>
+          </p:childTnLst>
+        </p:cTn>
+      </p:par>
+    </p:tnLst>
+    <p:bldLst>
+      <p:bldP spid="5" grpId="0"/>
+      <p:bldP spid="8" grpId="0"/>
+    </p:bldLst>
+  </p:timing>
+</p:sld>
+</file>
+
+<file path=ppt/slides/slide12.xml><?xml version="1.0" encoding="utf-8"?>
+<p:sld xmlns:a="http://schemas.openxmlformats.org/drawingml/2006/main" xmlns:r="http://schemas.openxmlformats.org/officeDocument/2006/relationships" xmlns:p="http://schemas.openxmlformats.org/presentationml/2006/main">
+  <p:cSld>
+    <p:bg>
+      <p:bgPr>
+        <a:solidFill>
+          <a:schemeClr val="bg1"/>
+        </a:solidFill>
+        <a:effectLst/>
+      </p:bgPr>
+    </p:bg>
+    <p:spTree>
+      <p:nvGrpSpPr>
+        <p:cNvPr id="1" name=""/>
+        <p:cNvGrpSpPr/>
+        <p:nvPr/>
+      </p:nvGrpSpPr>
+      <p:grpSpPr>
+        <a:xfrm>
+          <a:off x="0" y="0"/>
+          <a:ext cx="0" cy="0"/>
+          <a:chOff x="0" y="0"/>
+          <a:chExt cx="0" cy="0"/>
+        </a:xfrm>
+      </p:grpSpPr>
+      <p:pic>
+        <p:nvPicPr>
+          <p:cNvPr id="5" name="Content Placeholder 4">
+            <a:extLst>
+              <a:ext uri="{FF2B5EF4-FFF2-40B4-BE49-F238E27FC236}">
+                <a16:creationId xmlns:a16="http://schemas.microsoft.com/office/drawing/2014/main" id="{95D78E27-81F2-7C45-8D95-8F34478A5D55}"/>
+              </a:ext>
+            </a:extLst>
+          </p:cNvPr>
+          <p:cNvPicPr>
+            <a:picLocks noGrp="1" noChangeAspect="1"/>
+          </p:cNvPicPr>
+          <p:nvPr>
+            <p:ph idx="1"/>
+          </p:nvPr>
+        </p:nvPicPr>
+        <p:blipFill rotWithShape="1">
+          <a:blip r:embed="rId2"/>
+          <a:srcRect/>
+          <a:stretch/>
+        </p:blipFill>
+        <p:spPr>
+          <a:xfrm>
+            <a:off x="20" y="10"/>
+            <a:ext cx="12191980" cy="6857990"/>
+          </a:xfrm>
+          <a:prstGeom prst="rect">
+            <a:avLst/>
+          </a:prstGeom>
+        </p:spPr>
+      </p:pic>
+      <p:sp>
+        <p:nvSpPr>
+          <p:cNvPr id="6" name="TextBox 5">
+            <a:extLst>
+              <a:ext uri="{FF2B5EF4-FFF2-40B4-BE49-F238E27FC236}">
+                <a16:creationId xmlns:a16="http://schemas.microsoft.com/office/drawing/2014/main" id="{1F1E7C31-27B9-9748-9768-3B28401008C5}"/>
+              </a:ext>
+            </a:extLst>
+          </p:cNvPr>
+          <p:cNvSpPr txBox="1"/>
+          <p:nvPr/>
+        </p:nvSpPr>
+        <p:spPr>
+          <a:xfrm>
+            <a:off x="397566" y="2564295"/>
+            <a:ext cx="5764696" cy="1200329"/>
+          </a:xfrm>
+          <a:prstGeom prst="rect">
+            <a:avLst/>
+          </a:prstGeom>
+          <a:noFill/>
+        </p:spPr>
+        <p:txBody>
+          <a:bodyPr wrap="square" rtlCol="0">
+            <a:spAutoFit/>
+          </a:bodyPr>
+          <a:lstStyle/>
+          <a:p>
+            <a:r>
+              <a:rPr lang="da-DK" sz="2400" b="1" dirty="0">
+                <a:solidFill>
+                  <a:schemeClr val="bg1"/>
+                </a:solidFill>
+              </a:rPr>
+              <a:t>Tid: 24. september 2018 kl. 12.15-13.00</a:t>
+            </a:r>
+            <a:endParaRPr lang="da-DK" sz="2400" dirty="0">
+              <a:solidFill>
+                <a:schemeClr val="bg1"/>
+              </a:solidFill>
+            </a:endParaRPr>
+          </a:p>
+          <a:p>
+            <a:r>
+              <a:rPr lang="da-DK" sz="2400" b="1" dirty="0">
+                <a:solidFill>
+                  <a:schemeClr val="bg1"/>
+                </a:solidFill>
+              </a:rPr>
+              <a:t>Sted: Lille UP1</a:t>
+            </a:r>
+            <a:endParaRPr lang="da-DK" sz="2400" dirty="0">
+              <a:solidFill>
+                <a:schemeClr val="bg1"/>
+              </a:solidFill>
+            </a:endParaRPr>
+          </a:p>
+          <a:p>
+            <a:endParaRPr lang="en-GB" sz="2400" dirty="0">
+              <a:solidFill>
+                <a:schemeClr val="bg1"/>
+              </a:solidFill>
+            </a:endParaRPr>
+          </a:p>
+        </p:txBody>
+      </p:sp>
+    </p:spTree>
+    <p:extLst>
+      <p:ext uri="{BB962C8B-B14F-4D97-AF65-F5344CB8AC3E}">
+        <p14:creationId xmlns:p14="http://schemas.microsoft.com/office/powerpoint/2010/main" val="1993438168"/>
+      </p:ext>
+    </p:extLst>
+  </p:cSld>
+  <p:clrMapOvr>
+    <a:masterClrMapping/>
+  </p:clrMapOvr>
+</p:sld>
+</file>
+
+<file path=ppt/slides/slide13.xml><?xml version="1.0" encoding="utf-8"?>
+<p:sld xmlns:a="http://schemas.openxmlformats.org/drawingml/2006/main" xmlns:r="http://schemas.openxmlformats.org/officeDocument/2006/relationships" xmlns:p="http://schemas.openxmlformats.org/presentationml/2006/main">
+  <p:cSld>
+    <p:spTree>
+      <p:nvGrpSpPr>
+        <p:cNvPr id="1" name=""/>
+        <p:cNvGrpSpPr/>
+        <p:nvPr/>
+      </p:nvGrpSpPr>
+      <p:grpSpPr>
+        <a:xfrm>
+          <a:off x="0" y="0"/>
+          <a:ext cx="0" cy="0"/>
+          <a:chOff x="0" y="0"/>
+          <a:chExt cx="0" cy="0"/>
+        </a:xfrm>
+      </p:grpSpPr>
+      <p:sp>
+        <p:nvSpPr>
+          <p:cNvPr id="2" name="Title 1">
+            <a:extLst>
+              <a:ext uri="{FF2B5EF4-FFF2-40B4-BE49-F238E27FC236}">
+                <a16:creationId xmlns:a16="http://schemas.microsoft.com/office/drawing/2014/main" id="{29104A8A-8E32-9242-8B8A-6A5E8DB2A3BD}"/>
+              </a:ext>
+            </a:extLst>
+          </p:cNvPr>
+          <p:cNvSpPr>
+            <a:spLocks noGrp="1"/>
+          </p:cNvSpPr>
+          <p:nvPr>
+            <p:ph type="title"/>
+          </p:nvPr>
+        </p:nvSpPr>
+        <p:spPr>
+          <a:xfrm>
+            <a:off x="838200" y="365127"/>
+            <a:ext cx="10515600" cy="1325563"/>
+          </a:xfrm>
+        </p:spPr>
+        <p:txBody>
+          <a:bodyPr/>
+          <a:lstStyle/>
+          <a:p>
+            <a:r>
+              <a:rPr lang="en-GB" dirty="0" err="1"/>
+              <a:t>Virkefelter</a:t>
+            </a:r>
+            <a:r>
+              <a:rPr lang="en-GB" dirty="0"/>
+              <a:t> (scope)</a:t>
+            </a:r>
+          </a:p>
+        </p:txBody>
+      </p:sp>
+      <p:sp>
+        <p:nvSpPr>
+          <p:cNvPr id="21" name="Content Placeholder 2">
+            <a:extLst>
+              <a:ext uri="{FF2B5EF4-FFF2-40B4-BE49-F238E27FC236}">
+                <a16:creationId xmlns:a16="http://schemas.microsoft.com/office/drawing/2014/main" id="{B126CC79-D1D0-0142-92F0-870AE622FD74}"/>
+              </a:ext>
+            </a:extLst>
+          </p:cNvPr>
+          <p:cNvSpPr txBox="1">
+            <a:spLocks/>
+          </p:cNvSpPr>
+          <p:nvPr/>
+        </p:nvSpPr>
+        <p:spPr>
+          <a:xfrm>
+            <a:off x="438663" y="2365624"/>
+            <a:ext cx="4123679" cy="2832914"/>
+          </a:xfrm>
+          <a:prstGeom prst="rect">
+            <a:avLst/>
+          </a:prstGeom>
+        </p:spPr>
+        <p:txBody>
+          <a:bodyPr vert="horz" lIns="91440" tIns="45720" rIns="91440" bIns="45720" rtlCol="0">
+            <a:noAutofit/>
+          </a:bodyPr>
+          <a:lstStyle>
+            <a:lvl1pPr marL="228600" indent="-228600" algn="l" defTabSz="914400" rtl="0" eaLnBrk="1" latinLnBrk="0" hangingPunct="1">
+              <a:lnSpc>
+                <a:spcPct val="90000"/>
+              </a:lnSpc>
+              <a:spcBef>
+                <a:spcPts val="1000"/>
+              </a:spcBef>
+              <a:buFont typeface="Arial" panose="020B0604020202020204" pitchFamily="34" charset="0"/>
+              <a:buChar char="•"/>
+              <a:defRPr sz="2800" kern="1200">
+                <a:solidFill>
+                  <a:schemeClr val="tx1"/>
+                </a:solidFill>
+                <a:latin typeface="+mn-lt"/>
+                <a:ea typeface="+mn-ea"/>
+                <a:cs typeface="+mn-cs"/>
+              </a:defRPr>
+            </a:lvl1pPr>
+            <a:lvl2pPr marL="685800" indent="-228600" algn="l" defTabSz="914400" rtl="0" eaLnBrk="1" latinLnBrk="0" hangingPunct="1">
+              <a:lnSpc>
+                <a:spcPct val="90000"/>
+              </a:lnSpc>
+              <a:spcBef>
+                <a:spcPts val="500"/>
+              </a:spcBef>
+              <a:buFont typeface="Arial" panose="020B0604020202020204" pitchFamily="34" charset="0"/>
+              <a:buChar char="•"/>
+              <a:defRPr sz="2400" kern="1200">
+                <a:solidFill>
+                  <a:schemeClr val="tx1"/>
+                </a:solidFill>
+                <a:latin typeface="+mn-lt"/>
+                <a:ea typeface="+mn-ea"/>
+                <a:cs typeface="+mn-cs"/>
+              </a:defRPr>
+            </a:lvl2pPr>
+            <a:lvl3pPr marL="1143000" indent="-228600" algn="l" defTabSz="914400" rtl="0" eaLnBrk="1" latinLnBrk="0" hangingPunct="1">
+              <a:lnSpc>
+                <a:spcPct val="90000"/>
+              </a:lnSpc>
+              <a:spcBef>
+                <a:spcPts val="500"/>
+              </a:spcBef>
+              <a:buFont typeface="Arial" panose="020B0604020202020204" pitchFamily="34" charset="0"/>
+              <a:buChar char="•"/>
+              <a:defRPr sz="2000" kern="1200">
+                <a:solidFill>
+                  <a:schemeClr val="tx1"/>
+                </a:solidFill>
+                <a:latin typeface="+mn-lt"/>
+                <a:ea typeface="+mn-ea"/>
+                <a:cs typeface="+mn-cs"/>
+              </a:defRPr>
+            </a:lvl3pPr>
+            <a:lvl4pPr marL="1600200" indent="-228600" algn="l" defTabSz="914400" rtl="0" eaLnBrk="1" latinLnBrk="0" hangingPunct="1">
+              <a:lnSpc>
+                <a:spcPct val="90000"/>
+              </a:lnSpc>
+              <a:spcBef>
+                <a:spcPts val="500"/>
+              </a:spcBef>
+              <a:buFont typeface="Arial" panose="020B0604020202020204" pitchFamily="34" charset="0"/>
+              <a:buChar char="•"/>
+              <a:defRPr sz="1800" kern="1200">
+                <a:solidFill>
+                  <a:schemeClr val="tx1"/>
+                </a:solidFill>
+                <a:latin typeface="+mn-lt"/>
+                <a:ea typeface="+mn-ea"/>
+                <a:cs typeface="+mn-cs"/>
+              </a:defRPr>
+            </a:lvl4pPr>
+            <a:lvl5pPr marL="2057400" indent="-228600" algn="l" defTabSz="914400" rtl="0" eaLnBrk="1" latinLnBrk="0" hangingPunct="1">
+              <a:lnSpc>
+                <a:spcPct val="90000"/>
+              </a:lnSpc>
+              <a:spcBef>
+                <a:spcPts val="500"/>
+              </a:spcBef>
+              <a:buFont typeface="Arial" panose="020B0604020202020204" pitchFamily="34" charset="0"/>
+              <a:buChar char="•"/>
+              <a:defRPr sz="1800" kern="1200">
+                <a:solidFill>
+                  <a:schemeClr val="tx1"/>
+                </a:solidFill>
+                <a:latin typeface="+mn-lt"/>
+                <a:ea typeface="+mn-ea"/>
+                <a:cs typeface="+mn-cs"/>
+              </a:defRPr>
+            </a:lvl5pPr>
+            <a:lvl6pPr marL="2514600" indent="-228600" algn="l" defTabSz="914400" rtl="0" eaLnBrk="1" latinLnBrk="0" hangingPunct="1">
+              <a:lnSpc>
+                <a:spcPct val="90000"/>
+              </a:lnSpc>
+              <a:spcBef>
+                <a:spcPts val="500"/>
+              </a:spcBef>
+              <a:buFont typeface="Arial" panose="020B0604020202020204" pitchFamily="34" charset="0"/>
+              <a:buChar char="•"/>
+              <a:defRPr sz="1800" kern="1200">
+                <a:solidFill>
+                  <a:schemeClr val="tx1"/>
+                </a:solidFill>
+                <a:latin typeface="+mn-lt"/>
+                <a:ea typeface="+mn-ea"/>
+                <a:cs typeface="+mn-cs"/>
+              </a:defRPr>
+            </a:lvl6pPr>
+            <a:lvl7pPr marL="2971800" indent="-228600" algn="l" defTabSz="914400" rtl="0" eaLnBrk="1" latinLnBrk="0" hangingPunct="1">
+              <a:lnSpc>
+                <a:spcPct val="90000"/>
+              </a:lnSpc>
+              <a:spcBef>
+                <a:spcPts val="500"/>
+              </a:spcBef>
+              <a:buFont typeface="Arial" panose="020B0604020202020204" pitchFamily="34" charset="0"/>
+              <a:buChar char="•"/>
+              <a:defRPr sz="1800" kern="1200">
+                <a:solidFill>
+                  <a:schemeClr val="tx1"/>
+                </a:solidFill>
+                <a:latin typeface="+mn-lt"/>
+                <a:ea typeface="+mn-ea"/>
+                <a:cs typeface="+mn-cs"/>
+              </a:defRPr>
+            </a:lvl7pPr>
+            <a:lvl8pPr marL="3429000" indent="-228600" algn="l" defTabSz="914400" rtl="0" eaLnBrk="1" latinLnBrk="0" hangingPunct="1">
+              <a:lnSpc>
+                <a:spcPct val="90000"/>
+              </a:lnSpc>
+              <a:spcBef>
+                <a:spcPts val="500"/>
+              </a:spcBef>
+              <a:buFont typeface="Arial" panose="020B0604020202020204" pitchFamily="34" charset="0"/>
+              <a:buChar char="•"/>
+              <a:defRPr sz="1800" kern="1200">
+                <a:solidFill>
+                  <a:schemeClr val="tx1"/>
+                </a:solidFill>
+                <a:latin typeface="+mn-lt"/>
+                <a:ea typeface="+mn-ea"/>
+                <a:cs typeface="+mn-cs"/>
+              </a:defRPr>
+            </a:lvl8pPr>
+            <a:lvl9pPr marL="3886200" indent="-228600" algn="l" defTabSz="914400" rtl="0" eaLnBrk="1" latinLnBrk="0" hangingPunct="1">
+              <a:lnSpc>
+                <a:spcPct val="90000"/>
+              </a:lnSpc>
+              <a:spcBef>
+                <a:spcPts val="500"/>
+              </a:spcBef>
+              <a:buFont typeface="Arial" panose="020B0604020202020204" pitchFamily="34" charset="0"/>
+              <a:buChar char="•"/>
+              <a:defRPr sz="1800" kern="1200">
+                <a:solidFill>
+                  <a:schemeClr val="tx1"/>
+                </a:solidFill>
+                <a:latin typeface="+mn-lt"/>
+                <a:ea typeface="+mn-ea"/>
+                <a:cs typeface="+mn-cs"/>
+              </a:defRPr>
+            </a:lvl9pPr>
+          </a:lstStyle>
+          <a:p>
+            <a:pPr marL="0" indent="0">
+              <a:lnSpc>
+                <a:spcPct val="100000"/>
+              </a:lnSpc>
+              <a:buNone/>
+            </a:pPr>
+            <a:r>
+              <a:rPr lang="en-GB" sz="1400" dirty="0">
+                <a:latin typeface="DejaVu Sans Book" panose="020B0603030804020204" pitchFamily="34" charset="0"/>
+                <a:ea typeface="DejaVu Sans Book" panose="020B0603030804020204" pitchFamily="34" charset="0"/>
+                <a:cs typeface="DejaVu Sans Book" panose="020B0603030804020204" pitchFamily="34" charset="0"/>
+              </a:rPr>
+              <a:t>let greeting = "Hello" </a:t>
+            </a:r>
+          </a:p>
+          <a:p>
+            <a:pPr marL="0" indent="0">
+              <a:lnSpc>
+                <a:spcPct val="100000"/>
+              </a:lnSpc>
+              <a:buNone/>
+            </a:pPr>
+            <a:r>
+              <a:rPr lang="en-GB" sz="1400" dirty="0">
+                <a:latin typeface="DejaVu Sans Book" panose="020B0603030804020204" pitchFamily="34" charset="0"/>
+                <a:ea typeface="DejaVu Sans Book" panose="020B0603030804020204" pitchFamily="34" charset="0"/>
+                <a:cs typeface="DejaVu Sans Book" panose="020B0603030804020204" pitchFamily="34" charset="0"/>
+              </a:rPr>
+              <a:t>let name = "Jon"</a:t>
+            </a:r>
+          </a:p>
+          <a:p>
+            <a:pPr marL="0" indent="0">
+              <a:lnSpc>
+                <a:spcPct val="100000"/>
+              </a:lnSpc>
+              <a:buNone/>
+            </a:pPr>
+            <a:r>
+              <a:rPr lang="en-GB" sz="1400" dirty="0">
+                <a:latin typeface="DejaVu Sans Book" panose="020B0603030804020204" pitchFamily="34" charset="0"/>
+                <a:ea typeface="DejaVu Sans Book" panose="020B0603030804020204" pitchFamily="34" charset="0"/>
+                <a:cs typeface="DejaVu Sans Book" panose="020B0603030804020204" pitchFamily="34" charset="0"/>
+              </a:rPr>
+              <a:t>do </a:t>
+            </a:r>
+            <a:r>
+              <a:rPr lang="en-GB" sz="1400" dirty="0" err="1">
+                <a:latin typeface="DejaVu Sans Book" panose="020B0603030804020204" pitchFamily="34" charset="0"/>
+                <a:ea typeface="DejaVu Sans Book" panose="020B0603030804020204" pitchFamily="34" charset="0"/>
+                <a:cs typeface="DejaVu Sans Book" panose="020B0603030804020204" pitchFamily="34" charset="0"/>
+              </a:rPr>
+              <a:t>printfn</a:t>
+            </a:r>
+            <a:r>
+              <a:rPr lang="en-GB" sz="1400" dirty="0">
+                <a:latin typeface="DejaVu Sans Book" panose="020B0603030804020204" pitchFamily="34" charset="0"/>
+                <a:ea typeface="DejaVu Sans Book" panose="020B0603030804020204" pitchFamily="34" charset="0"/>
+                <a:cs typeface="DejaVu Sans Book" panose="020B0603030804020204" pitchFamily="34" charset="0"/>
+              </a:rPr>
+              <a:t> "%s %s" greeting name</a:t>
+            </a:r>
+          </a:p>
+          <a:p>
+            <a:pPr marL="0" indent="0">
+              <a:lnSpc>
+                <a:spcPct val="100000"/>
+              </a:lnSpc>
+              <a:buNone/>
+            </a:pPr>
+            <a:r>
+              <a:rPr lang="en-GB" sz="1400" dirty="0">
+                <a:latin typeface="DejaVu Sans Book" panose="020B0603030804020204" pitchFamily="34" charset="0"/>
+                <a:ea typeface="DejaVu Sans Book" panose="020B0603030804020204" pitchFamily="34" charset="0"/>
+                <a:cs typeface="DejaVu Sans Book" panose="020B0603030804020204" pitchFamily="34" charset="0"/>
+              </a:rPr>
+              <a:t>(</a:t>
+            </a:r>
+          </a:p>
+          <a:p>
+            <a:pPr marL="0" indent="0">
+              <a:lnSpc>
+                <a:spcPct val="100000"/>
+              </a:lnSpc>
+              <a:buNone/>
+            </a:pPr>
+            <a:r>
+              <a:rPr lang="en-GB" sz="1400" dirty="0">
+                <a:latin typeface="DejaVu Sans Book" panose="020B0603030804020204" pitchFamily="34" charset="0"/>
+                <a:ea typeface="DejaVu Sans Book" panose="020B0603030804020204" pitchFamily="34" charset="0"/>
+                <a:cs typeface="DejaVu Sans Book" panose="020B0603030804020204" pitchFamily="34" charset="0"/>
+              </a:rPr>
+              <a:t>   let name = "Anders"</a:t>
+            </a:r>
+          </a:p>
+          <a:p>
+            <a:pPr marL="0" indent="0">
+              <a:lnSpc>
+                <a:spcPct val="100000"/>
+              </a:lnSpc>
+              <a:buNone/>
+            </a:pPr>
+            <a:r>
+              <a:rPr lang="en-GB" sz="1400" dirty="0">
+                <a:latin typeface="DejaVu Sans Book" panose="020B0603030804020204" pitchFamily="34" charset="0"/>
+                <a:ea typeface="DejaVu Sans Book" panose="020B0603030804020204" pitchFamily="34" charset="0"/>
+                <a:cs typeface="DejaVu Sans Book" panose="020B0603030804020204" pitchFamily="34" charset="0"/>
+              </a:rPr>
+              <a:t>   do </a:t>
+            </a:r>
+            <a:r>
+              <a:rPr lang="en-GB" sz="1400" dirty="0" err="1">
+                <a:latin typeface="DejaVu Sans Book" panose="020B0603030804020204" pitchFamily="34" charset="0"/>
+                <a:ea typeface="DejaVu Sans Book" panose="020B0603030804020204" pitchFamily="34" charset="0"/>
+                <a:cs typeface="DejaVu Sans Book" panose="020B0603030804020204" pitchFamily="34" charset="0"/>
+              </a:rPr>
+              <a:t>printfn</a:t>
+            </a:r>
+            <a:r>
+              <a:rPr lang="en-GB" sz="1400" dirty="0">
+                <a:latin typeface="DejaVu Sans Book" panose="020B0603030804020204" pitchFamily="34" charset="0"/>
+                <a:ea typeface="DejaVu Sans Book" panose="020B0603030804020204" pitchFamily="34" charset="0"/>
+                <a:cs typeface="DejaVu Sans Book" panose="020B0603030804020204" pitchFamily="34" charset="0"/>
+              </a:rPr>
+              <a:t> "%s %s" greeting name</a:t>
+            </a:r>
+          </a:p>
+          <a:p>
+            <a:pPr marL="0" indent="0">
+              <a:lnSpc>
+                <a:spcPct val="100000"/>
+              </a:lnSpc>
+              <a:buNone/>
+            </a:pPr>
+            <a:r>
+              <a:rPr lang="en-GB" sz="1400" dirty="0">
+                <a:latin typeface="DejaVu Sans Book" panose="020B0603030804020204" pitchFamily="34" charset="0"/>
+                <a:ea typeface="DejaVu Sans Book" panose="020B0603030804020204" pitchFamily="34" charset="0"/>
+                <a:cs typeface="DejaVu Sans Book" panose="020B0603030804020204" pitchFamily="34" charset="0"/>
+              </a:rPr>
+              <a:t>)</a:t>
+            </a:r>
+          </a:p>
+          <a:p>
+            <a:pPr marL="0" indent="0">
+              <a:lnSpc>
+                <a:spcPct val="100000"/>
+              </a:lnSpc>
+              <a:buNone/>
+            </a:pPr>
+            <a:r>
+              <a:rPr lang="en-GB" sz="1400" dirty="0">
+                <a:latin typeface="DejaVu Sans Book" panose="020B0603030804020204" pitchFamily="34" charset="0"/>
+                <a:ea typeface="DejaVu Sans Book" panose="020B0603030804020204" pitchFamily="34" charset="0"/>
+                <a:cs typeface="DejaVu Sans Book" panose="020B0603030804020204" pitchFamily="34" charset="0"/>
+              </a:rPr>
+              <a:t>do </a:t>
+            </a:r>
+            <a:r>
+              <a:rPr lang="en-GB" sz="1400" dirty="0" err="1">
+                <a:latin typeface="DejaVu Sans Book" panose="020B0603030804020204" pitchFamily="34" charset="0"/>
+                <a:ea typeface="DejaVu Sans Book" panose="020B0603030804020204" pitchFamily="34" charset="0"/>
+                <a:cs typeface="DejaVu Sans Book" panose="020B0603030804020204" pitchFamily="34" charset="0"/>
+              </a:rPr>
+              <a:t>printfn</a:t>
+            </a:r>
+            <a:r>
+              <a:rPr lang="en-GB" sz="1400" dirty="0">
+                <a:latin typeface="DejaVu Sans Book" panose="020B0603030804020204" pitchFamily="34" charset="0"/>
+                <a:ea typeface="DejaVu Sans Book" panose="020B0603030804020204" pitchFamily="34" charset="0"/>
+                <a:cs typeface="DejaVu Sans Book" panose="020B0603030804020204" pitchFamily="34" charset="0"/>
+              </a:rPr>
+              <a:t> "%s %s" greeting name</a:t>
+            </a:r>
+          </a:p>
+        </p:txBody>
+      </p:sp>
+      <p:sp>
+        <p:nvSpPr>
+          <p:cNvPr id="22" name="TextBox 21">
+            <a:extLst>
+              <a:ext uri="{FF2B5EF4-FFF2-40B4-BE49-F238E27FC236}">
+                <a16:creationId xmlns:a16="http://schemas.microsoft.com/office/drawing/2014/main" id="{0EE629AA-59CF-8545-8E76-2CB626811C2A}"/>
+              </a:ext>
+            </a:extLst>
+          </p:cNvPr>
+          <p:cNvSpPr txBox="1"/>
+          <p:nvPr/>
+        </p:nvSpPr>
+        <p:spPr>
+          <a:xfrm>
+            <a:off x="188282" y="1768432"/>
+            <a:ext cx="3345531" cy="461665"/>
+          </a:xfrm>
+          <a:prstGeom prst="rect">
+            <a:avLst/>
+          </a:prstGeom>
+          <a:noFill/>
+        </p:spPr>
+        <p:txBody>
+          <a:bodyPr wrap="none" rtlCol="0">
+            <a:spAutoFit/>
+          </a:bodyPr>
+          <a:lstStyle/>
+          <a:p>
+            <a:r>
+              <a:rPr lang="en-GB" sz="2400" dirty="0" err="1"/>
+              <a:t>Virkefelter</a:t>
+            </a:r>
+            <a:r>
+              <a:rPr lang="en-GB" sz="2400" dirty="0"/>
+              <a:t> via </a:t>
+            </a:r>
+            <a:r>
+              <a:rPr lang="en-GB" sz="2400" dirty="0" err="1"/>
+              <a:t>parenteser</a:t>
+            </a:r>
+            <a:endParaRPr lang="en-GB" sz="2400" dirty="0"/>
+          </a:p>
+        </p:txBody>
+      </p:sp>
+      <p:sp>
+        <p:nvSpPr>
+          <p:cNvPr id="11" name="Frame 10">
+            <a:extLst>
+              <a:ext uri="{FF2B5EF4-FFF2-40B4-BE49-F238E27FC236}">
+                <a16:creationId xmlns:a16="http://schemas.microsoft.com/office/drawing/2014/main" id="{1589F8F8-BFCD-0C4F-A8F5-A055BD6FA203}"/>
+              </a:ext>
+            </a:extLst>
+          </p:cNvPr>
+          <p:cNvSpPr/>
+          <p:nvPr/>
+        </p:nvSpPr>
+        <p:spPr>
+          <a:xfrm>
+            <a:off x="404794" y="2348693"/>
+            <a:ext cx="3963019" cy="2849848"/>
+          </a:xfrm>
+          <a:prstGeom prst="frame">
+            <a:avLst>
+              <a:gd name="adj1" fmla="val 1746"/>
+            </a:avLst>
+          </a:prstGeom>
+        </p:spPr>
+        <p:style>
+          <a:lnRef idx="2">
+            <a:schemeClr val="accent1">
+              <a:shade val="50000"/>
+            </a:schemeClr>
+          </a:lnRef>
+          <a:fillRef idx="1">
+            <a:schemeClr val="accent1"/>
+          </a:fillRef>
+          <a:effectRef idx="0">
+            <a:schemeClr val="accent1"/>
+          </a:effectRef>
+          <a:fontRef idx="minor">
+            <a:schemeClr val="lt1"/>
+          </a:fontRef>
+        </p:style>
+        <p:txBody>
+          <a:bodyPr rot="0" spcFirstLastPara="0" vertOverflow="overflow" horzOverflow="overflow" vert="horz" wrap="square" lIns="91440" tIns="45720" rIns="91440" bIns="45720" numCol="1" spcCol="0" rtlCol="0" fromWordArt="0" anchor="ctr" anchorCtr="0" forceAA="0" compatLnSpc="1">
+            <a:prstTxWarp prst="textNoShape">
+              <a:avLst/>
+            </a:prstTxWarp>
+            <a:noAutofit/>
+          </a:bodyPr>
+          <a:lstStyle/>
+          <a:p>
+            <a:pPr algn="ctr"/>
+            <a:endParaRPr lang="en-GB" sz="2520">
+              <a:solidFill>
+                <a:schemeClr val="tx1"/>
+              </a:solidFill>
+            </a:endParaRPr>
+          </a:p>
+        </p:txBody>
+      </p:sp>
+      <p:sp>
+        <p:nvSpPr>
+          <p:cNvPr id="25" name="Frame 24">
+            <a:extLst>
+              <a:ext uri="{FF2B5EF4-FFF2-40B4-BE49-F238E27FC236}">
+                <a16:creationId xmlns:a16="http://schemas.microsoft.com/office/drawing/2014/main" id="{16DD260F-77CB-F443-A7F1-CB3D5A802CD3}"/>
+              </a:ext>
+            </a:extLst>
+          </p:cNvPr>
+          <p:cNvSpPr/>
+          <p:nvPr/>
+        </p:nvSpPr>
+        <p:spPr>
+          <a:xfrm>
+            <a:off x="583214" y="3698231"/>
+            <a:ext cx="3276599" cy="771248"/>
+          </a:xfrm>
+          <a:prstGeom prst="frame">
+            <a:avLst>
+              <a:gd name="adj1" fmla="val 1746"/>
+            </a:avLst>
+          </a:prstGeom>
+        </p:spPr>
+        <p:style>
+          <a:lnRef idx="2">
+            <a:schemeClr val="accent1">
+              <a:shade val="50000"/>
+            </a:schemeClr>
+          </a:lnRef>
+          <a:fillRef idx="1">
+            <a:schemeClr val="accent1"/>
+          </a:fillRef>
+          <a:effectRef idx="0">
+            <a:schemeClr val="accent1"/>
+          </a:effectRef>
+          <a:fontRef idx="minor">
+            <a:schemeClr val="lt1"/>
+          </a:fontRef>
+        </p:style>
+        <p:txBody>
+          <a:bodyPr rot="0" spcFirstLastPara="0" vertOverflow="overflow" horzOverflow="overflow" vert="horz" wrap="square" lIns="91440" tIns="45720" rIns="91440" bIns="45720" numCol="1" spcCol="0" rtlCol="0" fromWordArt="0" anchor="ctr" anchorCtr="0" forceAA="0" compatLnSpc="1">
+            <a:prstTxWarp prst="textNoShape">
+              <a:avLst/>
+            </a:prstTxWarp>
+            <a:noAutofit/>
+          </a:bodyPr>
+          <a:lstStyle/>
+          <a:p>
+            <a:pPr algn="ctr"/>
+            <a:endParaRPr lang="en-GB" sz="2520">
+              <a:solidFill>
+                <a:schemeClr val="tx1"/>
+              </a:solidFill>
+            </a:endParaRPr>
+          </a:p>
+        </p:txBody>
+      </p:sp>
+      <p:sp>
+        <p:nvSpPr>
+          <p:cNvPr id="14" name="TextBox 13">
+            <a:extLst>
+              <a:ext uri="{FF2B5EF4-FFF2-40B4-BE49-F238E27FC236}">
+                <a16:creationId xmlns:a16="http://schemas.microsoft.com/office/drawing/2014/main" id="{4DAA077A-15B8-7A41-B80A-C87683361FE3}"/>
+              </a:ext>
+            </a:extLst>
+          </p:cNvPr>
+          <p:cNvSpPr txBox="1"/>
+          <p:nvPr/>
+        </p:nvSpPr>
+        <p:spPr>
+          <a:xfrm>
+            <a:off x="4367810" y="2252681"/>
+            <a:ext cx="348172" cy="480131"/>
+          </a:xfrm>
+          <a:prstGeom prst="rect">
+            <a:avLst/>
+          </a:prstGeom>
+          <a:noFill/>
+        </p:spPr>
+        <p:txBody>
+          <a:bodyPr wrap="none" rtlCol="0">
+            <a:spAutoFit/>
+          </a:bodyPr>
+          <a:lstStyle/>
+          <a:p>
+            <a:r>
+              <a:rPr lang="en-GB" sz="2520" dirty="0"/>
+              <a:t>0</a:t>
+            </a:r>
+          </a:p>
+        </p:txBody>
+      </p:sp>
+      <p:sp>
+        <p:nvSpPr>
+          <p:cNvPr id="15" name="TextBox 14">
+            <a:extLst>
+              <a:ext uri="{FF2B5EF4-FFF2-40B4-BE49-F238E27FC236}">
+                <a16:creationId xmlns:a16="http://schemas.microsoft.com/office/drawing/2014/main" id="{82463494-A9FF-2F41-B3E9-47CFC3C8FA2D}"/>
+              </a:ext>
+            </a:extLst>
+          </p:cNvPr>
+          <p:cNvSpPr txBox="1"/>
+          <p:nvPr/>
+        </p:nvSpPr>
+        <p:spPr>
+          <a:xfrm>
+            <a:off x="3829055" y="3582352"/>
+            <a:ext cx="348172" cy="480131"/>
+          </a:xfrm>
+          <a:prstGeom prst="rect">
+            <a:avLst/>
+          </a:prstGeom>
+          <a:noFill/>
+        </p:spPr>
+        <p:txBody>
+          <a:bodyPr wrap="none" rtlCol="0">
+            <a:spAutoFit/>
+          </a:bodyPr>
+          <a:lstStyle/>
+          <a:p>
+            <a:r>
+              <a:rPr lang="en-GB" sz="2520" dirty="0"/>
+              <a:t>1</a:t>
+            </a:r>
+          </a:p>
+        </p:txBody>
+      </p:sp>
+      <p:graphicFrame>
+        <p:nvGraphicFramePr>
+          <p:cNvPr id="3" name="Diagram 2">
+            <a:extLst>
+              <a:ext uri="{FF2B5EF4-FFF2-40B4-BE49-F238E27FC236}">
+                <a16:creationId xmlns:a16="http://schemas.microsoft.com/office/drawing/2014/main" id="{68EF561C-811D-7346-83A4-19C60F47458D}"/>
+              </a:ext>
+            </a:extLst>
+          </p:cNvPr>
+          <p:cNvGraphicFramePr/>
+          <p:nvPr>
+            <p:extLst>
+              <p:ext uri="{D42A27DB-BD31-4B8C-83A1-F6EECF244321}">
+                <p14:modId xmlns:p14="http://schemas.microsoft.com/office/powerpoint/2010/main" val="2123191327"/>
+              </p:ext>
+            </p:extLst>
+          </p:nvPr>
+        </p:nvGraphicFramePr>
+        <p:xfrm>
+          <a:off x="4993761" y="1768432"/>
+          <a:ext cx="7160099" cy="4029193"/>
+        </p:xfrm>
+        <a:graphic>
+          <a:graphicData uri="http://schemas.openxmlformats.org/drawingml/2006/diagram">
+            <dgm:relIds xmlns:dgm="http://schemas.openxmlformats.org/drawingml/2006/diagram" xmlns:r="http://schemas.openxmlformats.org/officeDocument/2006/relationships" r:dm="rId2" r:lo="rId3" r:qs="rId4" r:cs="rId5"/>
+          </a:graphicData>
+        </a:graphic>
+      </p:graphicFrame>
+    </p:spTree>
+    <p:extLst>
+      <p:ext uri="{BB962C8B-B14F-4D97-AF65-F5344CB8AC3E}">
+        <p14:creationId xmlns:p14="http://schemas.microsoft.com/office/powerpoint/2010/main" val="1490876304"/>
+      </p:ext>
+    </p:extLst>
+  </p:cSld>
+  <p:clrMapOvr>
+    <a:masterClrMapping/>
+  </p:clrMapOvr>
+  <p:timing>
+    <p:tnLst>
+      <p:par>
+        <p:cTn id="1" dur="indefinite" restart="never" nodeType="tmRoot">
+          <p:childTnLst>
+            <p:seq concurrent="1" nextAc="seek">
+              <p:cTn id="2" dur="indefinite" nodeType="mainSeq">
+                <p:childTnLst>
+                  <p:par>
+                    <p:cTn id="3" fill="hold">
+                      <p:stCondLst>
+                        <p:cond delay="indefinite"/>
+                        <p:cond evt="onBegin" delay="0">
+                          <p:tn val="2"/>
+                        </p:cond>
+                      </p:stCondLst>
+                      <p:childTnLst>
+                        <p:par>
+                          <p:cTn id="4" fill="hold">
+                            <p:stCondLst>
+                              <p:cond delay="0"/>
+                            </p:stCondLst>
+                            <p:childTnLst>
+                              <p:par>
+                                <p:cTn id="5" presetID="1" presetClass="entr" presetSubtype="0" fill="hold" grpId="0" nodeType="withEffect">
+                                  <p:stCondLst>
+                                    <p:cond delay="0"/>
+                                  </p:stCondLst>
+                                  <p:childTnLst>
+                                    <p:set>
+                                      <p:cBhvr>
+                                        <p:cTn id="6" dur="1" fill="hold">
+                                          <p:stCondLst>
+                                            <p:cond delay="0"/>
+                                          </p:stCondLst>
+                                        </p:cTn>
+                                        <p:tgtEl>
+                                          <p:spTgt spid="22"/>
+                                        </p:tgtEl>
+                                        <p:attrNameLst>
+                                          <p:attrName>style.visibility</p:attrName>
+                                        </p:attrNameLst>
+                                      </p:cBhvr>
+                                      <p:to>
+                                        <p:strVal val="visible"/>
+                                      </p:to>
+                                    </p:set>
+                                  </p:childTnLst>
+                                </p:cTn>
+                              </p:par>
+                              <p:par>
+                                <p:cTn id="7" presetID="1" presetClass="entr" presetSubtype="0" fill="hold" grpId="0" nodeType="withEffect">
+                                  <p:stCondLst>
+                                    <p:cond delay="0"/>
+                                  </p:stCondLst>
+                                  <p:childTnLst>
+                                    <p:set>
+                                      <p:cBhvr>
+                                        <p:cTn id="8" dur="1" fill="hold">
+                                          <p:stCondLst>
+                                            <p:cond delay="0"/>
+                                          </p:stCondLst>
+                                        </p:cTn>
+                                        <p:tgtEl>
+                                          <p:spTgt spid="21"/>
+                                        </p:tgtEl>
+                                        <p:attrNameLst>
+                                          <p:attrName>style.visibility</p:attrName>
+                                        </p:attrNameLst>
+                                      </p:cBhvr>
+                                      <p:to>
+                                        <p:strVal val="visible"/>
+                                      </p:to>
+                                    </p:set>
+                                  </p:childTnLst>
+                                </p:cTn>
+                              </p:par>
+                            </p:childTnLst>
+                          </p:cTn>
+                        </p:par>
+                      </p:childTnLst>
+                    </p:cTn>
+                  </p:par>
+                  <p:par>
+                    <p:cTn id="9" fill="hold">
+                      <p:stCondLst>
+                        <p:cond delay="indefinite"/>
+                      </p:stCondLst>
+                      <p:childTnLst>
+                        <p:par>
+                          <p:cTn id="10" fill="hold">
+                            <p:stCondLst>
+                              <p:cond delay="0"/>
+                            </p:stCondLst>
+                            <p:childTnLst>
+                              <p:par>
+                                <p:cTn id="11" presetID="1" presetClass="entr" presetSubtype="0" fill="hold" grpId="0" nodeType="clickEffect">
+                                  <p:stCondLst>
+                                    <p:cond delay="0"/>
+                                  </p:stCondLst>
+                                  <p:childTnLst>
+                                    <p:set>
+                                      <p:cBhvr>
+                                        <p:cTn id="12" dur="1" fill="hold">
+                                          <p:stCondLst>
+                                            <p:cond delay="0"/>
+                                          </p:stCondLst>
+                                        </p:cTn>
+                                        <p:tgtEl>
+                                          <p:spTgt spid="11"/>
+                                        </p:tgtEl>
+                                        <p:attrNameLst>
+                                          <p:attrName>style.visibility</p:attrName>
+                                        </p:attrNameLst>
+                                      </p:cBhvr>
+                                      <p:to>
+                                        <p:strVal val="visible"/>
+                                      </p:to>
+                                    </p:set>
+                                  </p:childTnLst>
+                                </p:cTn>
+                              </p:par>
+                              <p:par>
+                                <p:cTn id="13" presetID="1" presetClass="entr" presetSubtype="0" fill="hold" grpId="0" nodeType="withEffect">
+                                  <p:stCondLst>
+                                    <p:cond delay="0"/>
+                                  </p:stCondLst>
+                                  <p:childTnLst>
+                                    <p:set>
+                                      <p:cBhvr>
+                                        <p:cTn id="14" dur="1" fill="hold">
+                                          <p:stCondLst>
+                                            <p:cond delay="0"/>
+                                          </p:stCondLst>
+                                        </p:cTn>
+                                        <p:tgtEl>
+                                          <p:spTgt spid="14"/>
+                                        </p:tgtEl>
+                                        <p:attrNameLst>
+                                          <p:attrName>style.visibility</p:attrName>
+                                        </p:attrNameLst>
+                                      </p:cBhvr>
+                                      <p:to>
+                                        <p:strVal val="visible"/>
+                                      </p:to>
+                                    </p:set>
+                                  </p:childTnLst>
+                                </p:cTn>
+                              </p:par>
+                              <p:par>
+                                <p:cTn id="15" presetID="1" presetClass="entr" presetSubtype="0" fill="hold" grpId="0" nodeType="withEffect">
+                                  <p:stCondLst>
+                                    <p:cond delay="0"/>
+                                  </p:stCondLst>
+                                  <p:childTnLst>
+                                    <p:set>
+                                      <p:cBhvr>
+                                        <p:cTn id="16" dur="1" fill="hold">
+                                          <p:stCondLst>
+                                            <p:cond delay="0"/>
+                                          </p:stCondLst>
+                                        </p:cTn>
+                                        <p:tgtEl>
+                                          <p:spTgt spid="25"/>
+                                        </p:tgtEl>
+                                        <p:attrNameLst>
+                                          <p:attrName>style.visibility</p:attrName>
+                                        </p:attrNameLst>
+                                      </p:cBhvr>
+                                      <p:to>
+                                        <p:strVal val="visible"/>
+                                      </p:to>
+                                    </p:set>
+                                  </p:childTnLst>
+                                </p:cTn>
+                              </p:par>
+                              <p:par>
+                                <p:cTn id="17" presetID="1" presetClass="entr" presetSubtype="0" fill="hold" grpId="0" nodeType="withEffect">
+                                  <p:stCondLst>
+                                    <p:cond delay="0"/>
+                                  </p:stCondLst>
+                                  <p:childTnLst>
+                                    <p:set>
+                                      <p:cBhvr>
+                                        <p:cTn id="18" dur="1" fill="hold">
+                                          <p:stCondLst>
+                                            <p:cond delay="0"/>
+                                          </p:stCondLst>
+                                        </p:cTn>
+                                        <p:tgtEl>
+                                          <p:spTgt spid="15"/>
+                                        </p:tgtEl>
+                                        <p:attrNameLst>
+                                          <p:attrName>style.visibility</p:attrName>
+                                        </p:attrNameLst>
+                                      </p:cBhvr>
+                                      <p:to>
+                                        <p:strVal val="visible"/>
+                                      </p:to>
+                                    </p:set>
+                                  </p:childTnLst>
+                                </p:cTn>
+                              </p:par>
+                            </p:childTnLst>
+                          </p:cTn>
+                        </p:par>
+                      </p:childTnLst>
+                    </p:cTn>
+                  </p:par>
+                  <p:par>
+                    <p:cTn id="19" fill="hold">
+                      <p:stCondLst>
+                        <p:cond delay="indefinite"/>
+                      </p:stCondLst>
+                      <p:childTnLst>
+                        <p:par>
+                          <p:cTn id="20" fill="hold">
+                            <p:stCondLst>
+                              <p:cond delay="0"/>
+                            </p:stCondLst>
+                            <p:childTnLst>
+                              <p:par>
+                                <p:cTn id="21" presetID="1" presetClass="entr" presetSubtype="0" fill="hold" grpId="0" nodeType="clickEffect">
+                                  <p:stCondLst>
+                                    <p:cond delay="0"/>
+                                  </p:stCondLst>
+                                  <p:childTnLst>
+                                    <p:set>
+                                      <p:cBhvr>
+                                        <p:cTn id="22" dur="1" fill="hold">
+                                          <p:stCondLst>
+                                            <p:cond delay="0"/>
+                                          </p:stCondLst>
+                                        </p:cTn>
+                                        <p:tgtEl>
+                                          <p:spTgt spid="3"/>
+                                        </p:tgtEl>
+                                        <p:attrNameLst>
+                                          <p:attrName>style.visibility</p:attrName>
+                                        </p:attrNameLst>
+                                      </p:cBhvr>
+                                      <p:to>
+                                        <p:strVal val="visible"/>
+                                      </p:to>
+                                    </p:set>
+                                  </p:childTnLst>
+                                </p:cTn>
+                              </p:par>
+                            </p:childTnLst>
+                          </p:cTn>
+                        </p:par>
+                      </p:childTnLst>
+                    </p:cTn>
+                  </p:par>
+                </p:childTnLst>
+              </p:cTn>
+              <p:prevCondLst>
+                <p:cond evt="onPrev" delay="0">
+                  <p:tgtEl>
+                    <p:sldTgt/>
+                  </p:tgtEl>
+                </p:cond>
+              </p:prevCondLst>
+              <p:nextCondLst>
+                <p:cond evt="onNext" delay="0">
+                  <p:tgtEl>
+                    <p:sldTgt/>
+                  </p:tgtEl>
+                </p:cond>
+              </p:nextCondLst>
+            </p:seq>
+          </p:childTnLst>
+        </p:cTn>
+      </p:par>
+    </p:tnLst>
+    <p:bldLst>
+      <p:bldP spid="21" grpId="0"/>
+      <p:bldP spid="22" grpId="0"/>
+      <p:bldP spid="11" grpId="0" animBg="1"/>
+      <p:bldP spid="25" grpId="0" animBg="1"/>
+      <p:bldP spid="14" grpId="0"/>
+      <p:bldP spid="15" grpId="0"/>
+      <p:bldGraphic spid="3" grpId="0">
+        <p:bldAsOne/>
+      </p:bldGraphic>
+    </p:bldLst>
+  </p:timing>
+</p:sld>
+</file>
+
+<file path=ppt/slides/slide14.xml><?xml version="1.0" encoding="utf-8"?>
+<p:sld xmlns:a="http://schemas.openxmlformats.org/drawingml/2006/main" xmlns:r="http://schemas.openxmlformats.org/officeDocument/2006/relationships" xmlns:p="http://schemas.openxmlformats.org/presentationml/2006/main">
+  <p:cSld>
+    <p:spTree>
+      <p:nvGrpSpPr>
+        <p:cNvPr id="1" name=""/>
+        <p:cNvGrpSpPr/>
+        <p:nvPr/>
+      </p:nvGrpSpPr>
+      <p:grpSpPr>
+        <a:xfrm>
+          <a:off x="0" y="0"/>
+          <a:ext cx="0" cy="0"/>
+          <a:chOff x="0" y="0"/>
+          <a:chExt cx="0" cy="0"/>
+        </a:xfrm>
+      </p:grpSpPr>
+      <p:sp>
+        <p:nvSpPr>
+          <p:cNvPr id="2" name="Title 1">
+            <a:extLst>
+              <a:ext uri="{FF2B5EF4-FFF2-40B4-BE49-F238E27FC236}">
+                <a16:creationId xmlns:a16="http://schemas.microsoft.com/office/drawing/2014/main" id="{83641885-65BE-294A-AC00-AFBE12CF87FF}"/>
+              </a:ext>
+            </a:extLst>
+          </p:cNvPr>
+          <p:cNvSpPr>
+            <a:spLocks noGrp="1"/>
+          </p:cNvSpPr>
+          <p:nvPr>
+            <p:ph type="title"/>
+          </p:nvPr>
+        </p:nvSpPr>
+        <p:spPr/>
+        <p:txBody>
+          <a:bodyPr/>
+          <a:lstStyle/>
+          <a:p>
+            <a:r>
+              <a:rPr lang="en-GB" dirty="0" err="1"/>
+              <a:t>Funktioner</a:t>
+            </a:r>
+            <a:endParaRPr lang="en-GB" dirty="0"/>
+          </a:p>
+        </p:txBody>
+      </p:sp>
+      <p:sp>
+        <p:nvSpPr>
+          <p:cNvPr id="4" name="Content Placeholder 2">
+            <a:extLst>
+              <a:ext uri="{FF2B5EF4-FFF2-40B4-BE49-F238E27FC236}">
+                <a16:creationId xmlns:a16="http://schemas.microsoft.com/office/drawing/2014/main" id="{848137C9-E160-A642-9953-B62FC27B65C7}"/>
+              </a:ext>
+            </a:extLst>
+          </p:cNvPr>
+          <p:cNvSpPr txBox="1">
+            <a:spLocks/>
+          </p:cNvSpPr>
+          <p:nvPr/>
+        </p:nvSpPr>
+        <p:spPr>
+          <a:xfrm>
+            <a:off x="1390651" y="2054629"/>
+            <a:ext cx="4381500" cy="2650721"/>
+          </a:xfrm>
+          <a:prstGeom prst="rect">
+            <a:avLst/>
+          </a:prstGeom>
+        </p:spPr>
+        <p:txBody>
+          <a:bodyPr vert="horz" lIns="91440" tIns="45720" rIns="91440" bIns="45720" rtlCol="0">
+            <a:noAutofit/>
+          </a:bodyPr>
+          <a:lstStyle>
+            <a:lvl1pPr marL="228600" indent="-228600" algn="l" defTabSz="914400" rtl="0" eaLnBrk="1" latinLnBrk="0" hangingPunct="1">
+              <a:lnSpc>
+                <a:spcPct val="90000"/>
+              </a:lnSpc>
+              <a:spcBef>
+                <a:spcPts val="1000"/>
+              </a:spcBef>
+              <a:buFont typeface="Arial" panose="020B0604020202020204" pitchFamily="34" charset="0"/>
+              <a:buChar char="•"/>
+              <a:defRPr sz="2800" kern="1200">
+                <a:solidFill>
+                  <a:schemeClr val="tx1"/>
+                </a:solidFill>
+                <a:latin typeface="+mn-lt"/>
+                <a:ea typeface="+mn-ea"/>
+                <a:cs typeface="+mn-cs"/>
+              </a:defRPr>
+            </a:lvl1pPr>
+            <a:lvl2pPr marL="685800" indent="-228600" algn="l" defTabSz="914400" rtl="0" eaLnBrk="1" latinLnBrk="0" hangingPunct="1">
+              <a:lnSpc>
+                <a:spcPct val="90000"/>
+              </a:lnSpc>
+              <a:spcBef>
+                <a:spcPts val="500"/>
+              </a:spcBef>
+              <a:buFont typeface="Arial" panose="020B0604020202020204" pitchFamily="34" charset="0"/>
+              <a:buChar char="•"/>
+              <a:defRPr sz="2400" kern="1200">
+                <a:solidFill>
+                  <a:schemeClr val="tx1"/>
+                </a:solidFill>
+                <a:latin typeface="+mn-lt"/>
+                <a:ea typeface="+mn-ea"/>
+                <a:cs typeface="+mn-cs"/>
+              </a:defRPr>
+            </a:lvl2pPr>
+            <a:lvl3pPr marL="1143000" indent="-228600" algn="l" defTabSz="914400" rtl="0" eaLnBrk="1" latinLnBrk="0" hangingPunct="1">
+              <a:lnSpc>
+                <a:spcPct val="90000"/>
+              </a:lnSpc>
+              <a:spcBef>
+                <a:spcPts val="500"/>
+              </a:spcBef>
+              <a:buFont typeface="Arial" panose="020B0604020202020204" pitchFamily="34" charset="0"/>
+              <a:buChar char="•"/>
+              <a:defRPr sz="2000" kern="1200">
+                <a:solidFill>
+                  <a:schemeClr val="tx1"/>
+                </a:solidFill>
+                <a:latin typeface="+mn-lt"/>
+                <a:ea typeface="+mn-ea"/>
+                <a:cs typeface="+mn-cs"/>
+              </a:defRPr>
+            </a:lvl3pPr>
+            <a:lvl4pPr marL="1600200" indent="-228600" algn="l" defTabSz="914400" rtl="0" eaLnBrk="1" latinLnBrk="0" hangingPunct="1">
+              <a:lnSpc>
+                <a:spcPct val="90000"/>
+              </a:lnSpc>
+              <a:spcBef>
+                <a:spcPts val="500"/>
+              </a:spcBef>
+              <a:buFont typeface="Arial" panose="020B0604020202020204" pitchFamily="34" charset="0"/>
+              <a:buChar char="•"/>
+              <a:defRPr sz="1800" kern="1200">
+                <a:solidFill>
+                  <a:schemeClr val="tx1"/>
+                </a:solidFill>
+                <a:latin typeface="+mn-lt"/>
+                <a:ea typeface="+mn-ea"/>
+                <a:cs typeface="+mn-cs"/>
+              </a:defRPr>
+            </a:lvl4pPr>
+            <a:lvl5pPr marL="2057400" indent="-228600" algn="l" defTabSz="914400" rtl="0" eaLnBrk="1" latinLnBrk="0" hangingPunct="1">
+              <a:lnSpc>
+                <a:spcPct val="90000"/>
+              </a:lnSpc>
+              <a:spcBef>
+                <a:spcPts val="500"/>
+              </a:spcBef>
+              <a:buFont typeface="Arial" panose="020B0604020202020204" pitchFamily="34" charset="0"/>
+              <a:buChar char="•"/>
+              <a:defRPr sz="1800" kern="1200">
+                <a:solidFill>
+                  <a:schemeClr val="tx1"/>
+                </a:solidFill>
+                <a:latin typeface="+mn-lt"/>
+                <a:ea typeface="+mn-ea"/>
+                <a:cs typeface="+mn-cs"/>
+              </a:defRPr>
+            </a:lvl5pPr>
+            <a:lvl6pPr marL="2514600" indent="-228600" algn="l" defTabSz="914400" rtl="0" eaLnBrk="1" latinLnBrk="0" hangingPunct="1">
+              <a:lnSpc>
+                <a:spcPct val="90000"/>
+              </a:lnSpc>
+              <a:spcBef>
+                <a:spcPts val="500"/>
+              </a:spcBef>
+              <a:buFont typeface="Arial" panose="020B0604020202020204" pitchFamily="34" charset="0"/>
+              <a:buChar char="•"/>
+              <a:defRPr sz="1800" kern="1200">
+                <a:solidFill>
+                  <a:schemeClr val="tx1"/>
+                </a:solidFill>
+                <a:latin typeface="+mn-lt"/>
+                <a:ea typeface="+mn-ea"/>
+                <a:cs typeface="+mn-cs"/>
+              </a:defRPr>
+            </a:lvl6pPr>
+            <a:lvl7pPr marL="2971800" indent="-228600" algn="l" defTabSz="914400" rtl="0" eaLnBrk="1" latinLnBrk="0" hangingPunct="1">
+              <a:lnSpc>
+                <a:spcPct val="90000"/>
+              </a:lnSpc>
+              <a:spcBef>
+                <a:spcPts val="500"/>
+              </a:spcBef>
+              <a:buFont typeface="Arial" panose="020B0604020202020204" pitchFamily="34" charset="0"/>
+              <a:buChar char="•"/>
+              <a:defRPr sz="1800" kern="1200">
+                <a:solidFill>
+                  <a:schemeClr val="tx1"/>
+                </a:solidFill>
+                <a:latin typeface="+mn-lt"/>
+                <a:ea typeface="+mn-ea"/>
+                <a:cs typeface="+mn-cs"/>
+              </a:defRPr>
+            </a:lvl7pPr>
+            <a:lvl8pPr marL="3429000" indent="-228600" algn="l" defTabSz="914400" rtl="0" eaLnBrk="1" latinLnBrk="0" hangingPunct="1">
+              <a:lnSpc>
+                <a:spcPct val="90000"/>
+              </a:lnSpc>
+              <a:spcBef>
+                <a:spcPts val="500"/>
+              </a:spcBef>
+              <a:buFont typeface="Arial" panose="020B0604020202020204" pitchFamily="34" charset="0"/>
+              <a:buChar char="•"/>
+              <a:defRPr sz="1800" kern="1200">
+                <a:solidFill>
+                  <a:schemeClr val="tx1"/>
+                </a:solidFill>
+                <a:latin typeface="+mn-lt"/>
+                <a:ea typeface="+mn-ea"/>
+                <a:cs typeface="+mn-cs"/>
+              </a:defRPr>
+            </a:lvl8pPr>
+            <a:lvl9pPr marL="3886200" indent="-228600" algn="l" defTabSz="914400" rtl="0" eaLnBrk="1" latinLnBrk="0" hangingPunct="1">
+              <a:lnSpc>
+                <a:spcPct val="90000"/>
+              </a:lnSpc>
+              <a:spcBef>
+                <a:spcPts val="500"/>
+              </a:spcBef>
+              <a:buFont typeface="Arial" panose="020B0604020202020204" pitchFamily="34" charset="0"/>
+              <a:buChar char="•"/>
+              <a:defRPr sz="1800" kern="1200">
+                <a:solidFill>
+                  <a:schemeClr val="tx1"/>
+                </a:solidFill>
+                <a:latin typeface="+mn-lt"/>
+                <a:ea typeface="+mn-ea"/>
+                <a:cs typeface="+mn-cs"/>
+              </a:defRPr>
+            </a:lvl9pPr>
+          </a:lstStyle>
+          <a:p>
+            <a:pPr marL="0" indent="0">
+              <a:lnSpc>
+                <a:spcPct val="100000"/>
+              </a:lnSpc>
+              <a:buNone/>
+            </a:pPr>
+            <a:r>
+              <a:rPr lang="en-GB" sz="1600" dirty="0">
+                <a:latin typeface="DejaVu Sans Book" panose="020B0603030804020204" pitchFamily="34" charset="0"/>
+                <a:ea typeface="DejaVu Sans Book" panose="020B0603030804020204" pitchFamily="34" charset="0"/>
+                <a:cs typeface="DejaVu Sans Book" panose="020B0603030804020204" pitchFamily="34" charset="0"/>
+              </a:rPr>
+              <a:t>let greetings (name : string) : string =</a:t>
+            </a:r>
+          </a:p>
+          <a:p>
+            <a:pPr marL="0" indent="0">
+              <a:lnSpc>
+                <a:spcPct val="100000"/>
+              </a:lnSpc>
+              <a:buNone/>
+            </a:pPr>
+            <a:r>
+              <a:rPr lang="en-GB" sz="1600" dirty="0">
+                <a:latin typeface="DejaVu Sans Book" panose="020B0603030804020204" pitchFamily="34" charset="0"/>
+                <a:ea typeface="DejaVu Sans Book" panose="020B0603030804020204" pitchFamily="34" charset="0"/>
+                <a:cs typeface="DejaVu Sans Book" panose="020B0603030804020204" pitchFamily="34" charset="0"/>
+              </a:rPr>
+              <a:t>  "Hello " + name</a:t>
+            </a:r>
+          </a:p>
+          <a:p>
+            <a:pPr marL="0" indent="0">
+              <a:lnSpc>
+                <a:spcPct val="100000"/>
+              </a:lnSpc>
+              <a:buNone/>
+            </a:pPr>
+            <a:endParaRPr lang="en-GB" sz="1600" dirty="0">
+              <a:latin typeface="DejaVu Sans Book" panose="020B0603030804020204" pitchFamily="34" charset="0"/>
+              <a:ea typeface="DejaVu Sans Book" panose="020B0603030804020204" pitchFamily="34" charset="0"/>
+              <a:cs typeface="DejaVu Sans Book" panose="020B0603030804020204" pitchFamily="34" charset="0"/>
+            </a:endParaRPr>
+          </a:p>
+          <a:p>
+            <a:pPr marL="0" indent="0">
+              <a:lnSpc>
+                <a:spcPct val="100000"/>
+              </a:lnSpc>
+              <a:buNone/>
+            </a:pPr>
+            <a:r>
+              <a:rPr lang="en-GB" sz="1600" dirty="0">
+                <a:latin typeface="DejaVu Sans Book" panose="020B0603030804020204" pitchFamily="34" charset="0"/>
+                <a:ea typeface="DejaVu Sans Book" panose="020B0603030804020204" pitchFamily="34" charset="0"/>
+                <a:cs typeface="DejaVu Sans Book" panose="020B0603030804020204" pitchFamily="34" charset="0"/>
+              </a:rPr>
+              <a:t>let </a:t>
+            </a:r>
+            <a:r>
+              <a:rPr lang="en-GB" sz="1600" dirty="0" err="1">
+                <a:latin typeface="DejaVu Sans Book" panose="020B0603030804020204" pitchFamily="34" charset="0"/>
+                <a:ea typeface="DejaVu Sans Book" panose="020B0603030804020204" pitchFamily="34" charset="0"/>
+                <a:cs typeface="DejaVu Sans Book" panose="020B0603030804020204" pitchFamily="34" charset="0"/>
+              </a:rPr>
+              <a:t>str</a:t>
+            </a:r>
+            <a:r>
+              <a:rPr lang="en-GB" sz="1600" dirty="0">
+                <a:latin typeface="DejaVu Sans Book" panose="020B0603030804020204" pitchFamily="34" charset="0"/>
+                <a:ea typeface="DejaVu Sans Book" panose="020B0603030804020204" pitchFamily="34" charset="0"/>
+                <a:cs typeface="DejaVu Sans Book" panose="020B0603030804020204" pitchFamily="34" charset="0"/>
+              </a:rPr>
+              <a:t> = greetings "Jon"</a:t>
+            </a:r>
+          </a:p>
+          <a:p>
+            <a:pPr marL="0" indent="0">
+              <a:lnSpc>
+                <a:spcPct val="100000"/>
+              </a:lnSpc>
+              <a:buNone/>
+            </a:pPr>
+            <a:r>
+              <a:rPr lang="en-GB" sz="1600" dirty="0">
+                <a:latin typeface="DejaVu Sans Book" panose="020B0603030804020204" pitchFamily="34" charset="0"/>
+                <a:ea typeface="DejaVu Sans Book" panose="020B0603030804020204" pitchFamily="34" charset="0"/>
+                <a:cs typeface="DejaVu Sans Book" panose="020B0603030804020204" pitchFamily="34" charset="0"/>
+              </a:rPr>
+              <a:t>do </a:t>
+            </a:r>
+            <a:r>
+              <a:rPr lang="en-GB" sz="1600" dirty="0" err="1">
+                <a:latin typeface="DejaVu Sans Book" panose="020B0603030804020204" pitchFamily="34" charset="0"/>
+                <a:ea typeface="DejaVu Sans Book" panose="020B0603030804020204" pitchFamily="34" charset="0"/>
+                <a:cs typeface="DejaVu Sans Book" panose="020B0603030804020204" pitchFamily="34" charset="0"/>
+              </a:rPr>
+              <a:t>printfn</a:t>
+            </a:r>
+            <a:r>
+              <a:rPr lang="en-GB" sz="1600" dirty="0">
+                <a:latin typeface="DejaVu Sans Book" panose="020B0603030804020204" pitchFamily="34" charset="0"/>
+                <a:ea typeface="DejaVu Sans Book" panose="020B0603030804020204" pitchFamily="34" charset="0"/>
+                <a:cs typeface="DejaVu Sans Book" panose="020B0603030804020204" pitchFamily="34" charset="0"/>
+              </a:rPr>
+              <a:t> "%s" </a:t>
+            </a:r>
+            <a:r>
+              <a:rPr lang="en-GB" sz="1600" dirty="0" err="1">
+                <a:latin typeface="DejaVu Sans Book" panose="020B0603030804020204" pitchFamily="34" charset="0"/>
+                <a:ea typeface="DejaVu Sans Book" panose="020B0603030804020204" pitchFamily="34" charset="0"/>
+                <a:cs typeface="DejaVu Sans Book" panose="020B0603030804020204" pitchFamily="34" charset="0"/>
+              </a:rPr>
+              <a:t>str</a:t>
+            </a:r>
+            <a:endParaRPr lang="en-GB" sz="1600" dirty="0">
+              <a:latin typeface="DejaVu Sans Book" panose="020B0603030804020204" pitchFamily="34" charset="0"/>
+              <a:ea typeface="DejaVu Sans Book" panose="020B0603030804020204" pitchFamily="34" charset="0"/>
+              <a:cs typeface="DejaVu Sans Book" panose="020B0603030804020204" pitchFamily="34" charset="0"/>
+            </a:endParaRPr>
+          </a:p>
+          <a:p>
+            <a:pPr marL="0" indent="0">
+              <a:lnSpc>
+                <a:spcPct val="100000"/>
+              </a:lnSpc>
+              <a:buNone/>
+            </a:pPr>
+            <a:r>
+              <a:rPr lang="en-GB" sz="1600" dirty="0">
+                <a:latin typeface="DejaVu Sans Book" panose="020B0603030804020204" pitchFamily="34" charset="0"/>
+                <a:ea typeface="DejaVu Sans Book" panose="020B0603030804020204" pitchFamily="34" charset="0"/>
+                <a:cs typeface="DejaVu Sans Book" panose="020B0603030804020204" pitchFamily="34" charset="0"/>
+              </a:rPr>
+              <a:t>do </a:t>
+            </a:r>
+            <a:r>
+              <a:rPr lang="en-GB" sz="1600" dirty="0" err="1">
+                <a:latin typeface="DejaVu Sans Book" panose="020B0603030804020204" pitchFamily="34" charset="0"/>
+                <a:ea typeface="DejaVu Sans Book" panose="020B0603030804020204" pitchFamily="34" charset="0"/>
+                <a:cs typeface="DejaVu Sans Book" panose="020B0603030804020204" pitchFamily="34" charset="0"/>
+              </a:rPr>
+              <a:t>printfn</a:t>
+            </a:r>
+            <a:r>
+              <a:rPr lang="en-GB" sz="1600" dirty="0">
+                <a:latin typeface="DejaVu Sans Book" panose="020B0603030804020204" pitchFamily="34" charset="0"/>
+                <a:ea typeface="DejaVu Sans Book" panose="020B0603030804020204" pitchFamily="34" charset="0"/>
+                <a:cs typeface="DejaVu Sans Book" panose="020B0603030804020204" pitchFamily="34" charset="0"/>
+              </a:rPr>
+              <a:t> "%s" (greetings "World")</a:t>
+            </a:r>
+          </a:p>
+        </p:txBody>
+      </p:sp>
+      <p:sp>
+        <p:nvSpPr>
+          <p:cNvPr id="5" name="TextBox 4">
+            <a:extLst>
+              <a:ext uri="{FF2B5EF4-FFF2-40B4-BE49-F238E27FC236}">
+                <a16:creationId xmlns:a16="http://schemas.microsoft.com/office/drawing/2014/main" id="{2E0EE527-3E96-D941-96E2-1F9ACAD7EFDD}"/>
+              </a:ext>
+            </a:extLst>
+          </p:cNvPr>
+          <p:cNvSpPr txBox="1"/>
+          <p:nvPr/>
+        </p:nvSpPr>
+        <p:spPr>
+          <a:xfrm>
+            <a:off x="1196811" y="1466379"/>
+            <a:ext cx="6420604" cy="461665"/>
+          </a:xfrm>
+          <a:prstGeom prst="rect">
+            <a:avLst/>
+          </a:prstGeom>
+          <a:noFill/>
+        </p:spPr>
+        <p:txBody>
+          <a:bodyPr wrap="none" rtlCol="0">
+            <a:spAutoFit/>
+          </a:bodyPr>
+          <a:lstStyle/>
+          <a:p>
+            <a:r>
+              <a:rPr lang="en-GB" sz="2400" dirty="0" err="1"/>
+              <a:t>Organisering</a:t>
+            </a:r>
+            <a:r>
+              <a:rPr lang="en-GB" sz="2400" dirty="0"/>
+              <a:t> = </a:t>
+            </a:r>
+            <a:r>
+              <a:rPr lang="en-GB" sz="2400" dirty="0" err="1"/>
+              <a:t>nemmere</a:t>
+            </a:r>
+            <a:r>
+              <a:rPr lang="en-GB" sz="2400" dirty="0"/>
+              <a:t> at </a:t>
+            </a:r>
+            <a:r>
+              <a:rPr lang="en-GB" sz="2400" dirty="0" err="1"/>
+              <a:t>forstå</a:t>
+            </a:r>
+            <a:r>
+              <a:rPr lang="en-GB" sz="2400" dirty="0"/>
+              <a:t> </a:t>
+            </a:r>
+            <a:r>
+              <a:rPr lang="en-GB" sz="2400" dirty="0" err="1"/>
+              <a:t>og</a:t>
+            </a:r>
+            <a:r>
+              <a:rPr lang="en-GB" sz="2400" dirty="0"/>
+              <a:t> </a:t>
+            </a:r>
+            <a:r>
+              <a:rPr lang="en-GB" sz="2400" dirty="0" err="1"/>
+              <a:t>vedligeholde</a:t>
+            </a:r>
+            <a:endParaRPr lang="en-GB" sz="2400" dirty="0"/>
+          </a:p>
+        </p:txBody>
+      </p:sp>
+      <p:sp>
+        <p:nvSpPr>
+          <p:cNvPr id="6" name="Content Placeholder 2">
+            <a:extLst>
+              <a:ext uri="{FF2B5EF4-FFF2-40B4-BE49-F238E27FC236}">
+                <a16:creationId xmlns:a16="http://schemas.microsoft.com/office/drawing/2014/main" id="{B61F2583-9005-7B47-9A5B-1BB95AEA106A}"/>
+              </a:ext>
+            </a:extLst>
+          </p:cNvPr>
+          <p:cNvSpPr txBox="1">
+            <a:spLocks/>
+          </p:cNvSpPr>
+          <p:nvPr/>
+        </p:nvSpPr>
+        <p:spPr>
+          <a:xfrm>
+            <a:off x="6458192" y="2054637"/>
+            <a:ext cx="4076457" cy="2650713"/>
+          </a:xfrm>
+          <a:prstGeom prst="rect">
+            <a:avLst/>
+          </a:prstGeom>
+        </p:spPr>
+        <p:txBody>
+          <a:bodyPr vert="horz" lIns="91440" tIns="45720" rIns="91440" bIns="45720" rtlCol="0">
+            <a:noAutofit/>
+          </a:bodyPr>
+          <a:lstStyle>
+            <a:lvl1pPr marL="228600" indent="-228600" algn="l" defTabSz="914400" rtl="0" eaLnBrk="1" latinLnBrk="0" hangingPunct="1">
+              <a:lnSpc>
+                <a:spcPct val="90000"/>
+              </a:lnSpc>
+              <a:spcBef>
+                <a:spcPts val="1000"/>
+              </a:spcBef>
+              <a:buFont typeface="Arial" panose="020B0604020202020204" pitchFamily="34" charset="0"/>
+              <a:buChar char="•"/>
+              <a:defRPr sz="2800" kern="1200">
+                <a:solidFill>
+                  <a:schemeClr val="tx1"/>
+                </a:solidFill>
+                <a:latin typeface="+mn-lt"/>
+                <a:ea typeface="+mn-ea"/>
+                <a:cs typeface="+mn-cs"/>
+              </a:defRPr>
+            </a:lvl1pPr>
+            <a:lvl2pPr marL="685800" indent="-228600" algn="l" defTabSz="914400" rtl="0" eaLnBrk="1" latinLnBrk="0" hangingPunct="1">
+              <a:lnSpc>
+                <a:spcPct val="90000"/>
+              </a:lnSpc>
+              <a:spcBef>
+                <a:spcPts val="500"/>
+              </a:spcBef>
+              <a:buFont typeface="Arial" panose="020B0604020202020204" pitchFamily="34" charset="0"/>
+              <a:buChar char="•"/>
+              <a:defRPr sz="2400" kern="1200">
+                <a:solidFill>
+                  <a:schemeClr val="tx1"/>
+                </a:solidFill>
+                <a:latin typeface="+mn-lt"/>
+                <a:ea typeface="+mn-ea"/>
+                <a:cs typeface="+mn-cs"/>
+              </a:defRPr>
+            </a:lvl2pPr>
+            <a:lvl3pPr marL="1143000" indent="-228600" algn="l" defTabSz="914400" rtl="0" eaLnBrk="1" latinLnBrk="0" hangingPunct="1">
+              <a:lnSpc>
+                <a:spcPct val="90000"/>
+              </a:lnSpc>
+              <a:spcBef>
+                <a:spcPts val="500"/>
+              </a:spcBef>
+              <a:buFont typeface="Arial" panose="020B0604020202020204" pitchFamily="34" charset="0"/>
+              <a:buChar char="•"/>
+              <a:defRPr sz="2000" kern="1200">
+                <a:solidFill>
+                  <a:schemeClr val="tx1"/>
+                </a:solidFill>
+                <a:latin typeface="+mn-lt"/>
+                <a:ea typeface="+mn-ea"/>
+                <a:cs typeface="+mn-cs"/>
+              </a:defRPr>
+            </a:lvl3pPr>
+            <a:lvl4pPr marL="1600200" indent="-228600" algn="l" defTabSz="914400" rtl="0" eaLnBrk="1" latinLnBrk="0" hangingPunct="1">
+              <a:lnSpc>
+                <a:spcPct val="90000"/>
+              </a:lnSpc>
+              <a:spcBef>
+                <a:spcPts val="500"/>
+              </a:spcBef>
+              <a:buFont typeface="Arial" panose="020B0604020202020204" pitchFamily="34" charset="0"/>
+              <a:buChar char="•"/>
+              <a:defRPr sz="1800" kern="1200">
+                <a:solidFill>
+                  <a:schemeClr val="tx1"/>
+                </a:solidFill>
+                <a:latin typeface="+mn-lt"/>
+                <a:ea typeface="+mn-ea"/>
+                <a:cs typeface="+mn-cs"/>
+              </a:defRPr>
+            </a:lvl4pPr>
+            <a:lvl5pPr marL="2057400" indent="-228600" algn="l" defTabSz="914400" rtl="0" eaLnBrk="1" latinLnBrk="0" hangingPunct="1">
+              <a:lnSpc>
+                <a:spcPct val="90000"/>
+              </a:lnSpc>
+              <a:spcBef>
+                <a:spcPts val="500"/>
+              </a:spcBef>
+              <a:buFont typeface="Arial" panose="020B0604020202020204" pitchFamily="34" charset="0"/>
+              <a:buChar char="•"/>
+              <a:defRPr sz="1800" kern="1200">
+                <a:solidFill>
+                  <a:schemeClr val="tx1"/>
+                </a:solidFill>
+                <a:latin typeface="+mn-lt"/>
+                <a:ea typeface="+mn-ea"/>
+                <a:cs typeface="+mn-cs"/>
+              </a:defRPr>
+            </a:lvl5pPr>
+            <a:lvl6pPr marL="2514600" indent="-228600" algn="l" defTabSz="914400" rtl="0" eaLnBrk="1" latinLnBrk="0" hangingPunct="1">
+              <a:lnSpc>
+                <a:spcPct val="90000"/>
+              </a:lnSpc>
+              <a:spcBef>
+                <a:spcPts val="500"/>
+              </a:spcBef>
+              <a:buFont typeface="Arial" panose="020B0604020202020204" pitchFamily="34" charset="0"/>
+              <a:buChar char="•"/>
+              <a:defRPr sz="1800" kern="1200">
+                <a:solidFill>
+                  <a:schemeClr val="tx1"/>
+                </a:solidFill>
+                <a:latin typeface="+mn-lt"/>
+                <a:ea typeface="+mn-ea"/>
+                <a:cs typeface="+mn-cs"/>
+              </a:defRPr>
+            </a:lvl6pPr>
+            <a:lvl7pPr marL="2971800" indent="-228600" algn="l" defTabSz="914400" rtl="0" eaLnBrk="1" latinLnBrk="0" hangingPunct="1">
+              <a:lnSpc>
+                <a:spcPct val="90000"/>
+              </a:lnSpc>
+              <a:spcBef>
+                <a:spcPts val="500"/>
+              </a:spcBef>
+              <a:buFont typeface="Arial" panose="020B0604020202020204" pitchFamily="34" charset="0"/>
+              <a:buChar char="•"/>
+              <a:defRPr sz="1800" kern="1200">
+                <a:solidFill>
+                  <a:schemeClr val="tx1"/>
+                </a:solidFill>
+                <a:latin typeface="+mn-lt"/>
+                <a:ea typeface="+mn-ea"/>
+                <a:cs typeface="+mn-cs"/>
+              </a:defRPr>
+            </a:lvl7pPr>
+            <a:lvl8pPr marL="3429000" indent="-228600" algn="l" defTabSz="914400" rtl="0" eaLnBrk="1" latinLnBrk="0" hangingPunct="1">
+              <a:lnSpc>
+                <a:spcPct val="90000"/>
+              </a:lnSpc>
+              <a:spcBef>
+                <a:spcPts val="500"/>
+              </a:spcBef>
+              <a:buFont typeface="Arial" panose="020B0604020202020204" pitchFamily="34" charset="0"/>
+              <a:buChar char="•"/>
+              <a:defRPr sz="1800" kern="1200">
+                <a:solidFill>
+                  <a:schemeClr val="tx1"/>
+                </a:solidFill>
+                <a:latin typeface="+mn-lt"/>
+                <a:ea typeface="+mn-ea"/>
+                <a:cs typeface="+mn-cs"/>
+              </a:defRPr>
+            </a:lvl8pPr>
+            <a:lvl9pPr marL="3886200" indent="-228600" algn="l" defTabSz="914400" rtl="0" eaLnBrk="1" latinLnBrk="0" hangingPunct="1">
+              <a:lnSpc>
+                <a:spcPct val="90000"/>
+              </a:lnSpc>
+              <a:spcBef>
+                <a:spcPts val="500"/>
+              </a:spcBef>
+              <a:buFont typeface="Arial" panose="020B0604020202020204" pitchFamily="34" charset="0"/>
+              <a:buChar char="•"/>
+              <a:defRPr sz="1800" kern="1200">
+                <a:solidFill>
+                  <a:schemeClr val="tx1"/>
+                </a:solidFill>
+                <a:latin typeface="+mn-lt"/>
+                <a:ea typeface="+mn-ea"/>
+                <a:cs typeface="+mn-cs"/>
+              </a:defRPr>
+            </a:lvl9pPr>
+          </a:lstStyle>
+          <a:p>
+            <a:pPr marL="0" indent="0">
+              <a:lnSpc>
+                <a:spcPct val="100000"/>
+              </a:lnSpc>
+              <a:buNone/>
+            </a:pPr>
+            <a:r>
+              <a:rPr lang="en-GB" sz="1600" dirty="0">
+                <a:latin typeface="DejaVu Sans Book" panose="020B0603030804020204" pitchFamily="34" charset="0"/>
+                <a:ea typeface="DejaVu Sans Book" panose="020B0603030804020204" pitchFamily="34" charset="0"/>
+                <a:cs typeface="DejaVu Sans Book" panose="020B0603030804020204" pitchFamily="34" charset="0"/>
+              </a:rPr>
+              <a:t>let greetings name =</a:t>
+            </a:r>
+          </a:p>
+          <a:p>
+            <a:pPr marL="0" indent="0">
+              <a:lnSpc>
+                <a:spcPct val="100000"/>
+              </a:lnSpc>
+              <a:buNone/>
+            </a:pPr>
+            <a:r>
+              <a:rPr lang="en-GB" sz="1600" dirty="0">
+                <a:latin typeface="DejaVu Sans Book" panose="020B0603030804020204" pitchFamily="34" charset="0"/>
+                <a:ea typeface="DejaVu Sans Book" panose="020B0603030804020204" pitchFamily="34" charset="0"/>
+                <a:cs typeface="DejaVu Sans Book" panose="020B0603030804020204" pitchFamily="34" charset="0"/>
+              </a:rPr>
+              <a:t>  "Hello " + name</a:t>
+            </a:r>
+          </a:p>
+          <a:p>
+            <a:pPr marL="0" indent="0">
+              <a:lnSpc>
+                <a:spcPct val="100000"/>
+              </a:lnSpc>
+              <a:buNone/>
+            </a:pPr>
+            <a:endParaRPr lang="en-GB" sz="1600" dirty="0">
+              <a:latin typeface="DejaVu Sans Book" panose="020B0603030804020204" pitchFamily="34" charset="0"/>
+              <a:ea typeface="DejaVu Sans Book" panose="020B0603030804020204" pitchFamily="34" charset="0"/>
+              <a:cs typeface="DejaVu Sans Book" panose="020B0603030804020204" pitchFamily="34" charset="0"/>
+            </a:endParaRPr>
+          </a:p>
+          <a:p>
+            <a:pPr marL="0" indent="0">
+              <a:lnSpc>
+                <a:spcPct val="100000"/>
+              </a:lnSpc>
+              <a:buNone/>
+            </a:pPr>
+            <a:r>
+              <a:rPr lang="en-GB" sz="1600" dirty="0">
+                <a:latin typeface="DejaVu Sans Book" panose="020B0603030804020204" pitchFamily="34" charset="0"/>
+                <a:ea typeface="DejaVu Sans Book" panose="020B0603030804020204" pitchFamily="34" charset="0"/>
+                <a:cs typeface="DejaVu Sans Book" panose="020B0603030804020204" pitchFamily="34" charset="0"/>
+              </a:rPr>
+              <a:t>let </a:t>
+            </a:r>
+            <a:r>
+              <a:rPr lang="en-GB" sz="1600" dirty="0" err="1">
+                <a:latin typeface="DejaVu Sans Book" panose="020B0603030804020204" pitchFamily="34" charset="0"/>
+                <a:ea typeface="DejaVu Sans Book" panose="020B0603030804020204" pitchFamily="34" charset="0"/>
+                <a:cs typeface="DejaVu Sans Book" panose="020B0603030804020204" pitchFamily="34" charset="0"/>
+              </a:rPr>
+              <a:t>str</a:t>
+            </a:r>
+            <a:r>
+              <a:rPr lang="en-GB" sz="1600" dirty="0">
+                <a:latin typeface="DejaVu Sans Book" panose="020B0603030804020204" pitchFamily="34" charset="0"/>
+                <a:ea typeface="DejaVu Sans Book" panose="020B0603030804020204" pitchFamily="34" charset="0"/>
+                <a:cs typeface="DejaVu Sans Book" panose="020B0603030804020204" pitchFamily="34" charset="0"/>
+              </a:rPr>
+              <a:t> = greetings "Jon"</a:t>
+            </a:r>
+          </a:p>
+          <a:p>
+            <a:pPr marL="0" indent="0">
+              <a:lnSpc>
+                <a:spcPct val="100000"/>
+              </a:lnSpc>
+              <a:buNone/>
+            </a:pPr>
+            <a:r>
+              <a:rPr lang="en-GB" sz="1600" dirty="0">
+                <a:latin typeface="DejaVu Sans Book" panose="020B0603030804020204" pitchFamily="34" charset="0"/>
+                <a:ea typeface="DejaVu Sans Book" panose="020B0603030804020204" pitchFamily="34" charset="0"/>
+                <a:cs typeface="DejaVu Sans Book" panose="020B0603030804020204" pitchFamily="34" charset="0"/>
+              </a:rPr>
+              <a:t>do </a:t>
+            </a:r>
+            <a:r>
+              <a:rPr lang="en-GB" sz="1600" dirty="0" err="1">
+                <a:latin typeface="DejaVu Sans Book" panose="020B0603030804020204" pitchFamily="34" charset="0"/>
+                <a:ea typeface="DejaVu Sans Book" panose="020B0603030804020204" pitchFamily="34" charset="0"/>
+                <a:cs typeface="DejaVu Sans Book" panose="020B0603030804020204" pitchFamily="34" charset="0"/>
+              </a:rPr>
+              <a:t>printfn</a:t>
+            </a:r>
+            <a:r>
+              <a:rPr lang="en-GB" sz="1600" dirty="0">
+                <a:latin typeface="DejaVu Sans Book" panose="020B0603030804020204" pitchFamily="34" charset="0"/>
+                <a:ea typeface="DejaVu Sans Book" panose="020B0603030804020204" pitchFamily="34" charset="0"/>
+                <a:cs typeface="DejaVu Sans Book" panose="020B0603030804020204" pitchFamily="34" charset="0"/>
+              </a:rPr>
+              <a:t> "%s" </a:t>
+            </a:r>
+            <a:r>
+              <a:rPr lang="en-GB" sz="1600" dirty="0" err="1">
+                <a:latin typeface="DejaVu Sans Book" panose="020B0603030804020204" pitchFamily="34" charset="0"/>
+                <a:ea typeface="DejaVu Sans Book" panose="020B0603030804020204" pitchFamily="34" charset="0"/>
+                <a:cs typeface="DejaVu Sans Book" panose="020B0603030804020204" pitchFamily="34" charset="0"/>
+              </a:rPr>
+              <a:t>str</a:t>
+            </a:r>
+            <a:endParaRPr lang="en-GB" sz="1600" dirty="0">
+              <a:latin typeface="DejaVu Sans Book" panose="020B0603030804020204" pitchFamily="34" charset="0"/>
+              <a:ea typeface="DejaVu Sans Book" panose="020B0603030804020204" pitchFamily="34" charset="0"/>
+              <a:cs typeface="DejaVu Sans Book" panose="020B0603030804020204" pitchFamily="34" charset="0"/>
+            </a:endParaRPr>
+          </a:p>
+          <a:p>
+            <a:pPr marL="0" indent="0">
+              <a:lnSpc>
+                <a:spcPct val="100000"/>
+              </a:lnSpc>
+              <a:buNone/>
+            </a:pPr>
+            <a:r>
+              <a:rPr lang="en-GB" sz="1600" dirty="0">
+                <a:latin typeface="DejaVu Sans Book" panose="020B0603030804020204" pitchFamily="34" charset="0"/>
+                <a:ea typeface="DejaVu Sans Book" panose="020B0603030804020204" pitchFamily="34" charset="0"/>
+                <a:cs typeface="DejaVu Sans Book" panose="020B0603030804020204" pitchFamily="34" charset="0"/>
+              </a:rPr>
+              <a:t>do </a:t>
+            </a:r>
+            <a:r>
+              <a:rPr lang="en-GB" sz="1600" dirty="0" err="1">
+                <a:latin typeface="DejaVu Sans Book" panose="020B0603030804020204" pitchFamily="34" charset="0"/>
+                <a:ea typeface="DejaVu Sans Book" panose="020B0603030804020204" pitchFamily="34" charset="0"/>
+                <a:cs typeface="DejaVu Sans Book" panose="020B0603030804020204" pitchFamily="34" charset="0"/>
+              </a:rPr>
+              <a:t>printfn</a:t>
+            </a:r>
+            <a:r>
+              <a:rPr lang="en-GB" sz="1600" dirty="0">
+                <a:latin typeface="DejaVu Sans Book" panose="020B0603030804020204" pitchFamily="34" charset="0"/>
+                <a:ea typeface="DejaVu Sans Book" panose="020B0603030804020204" pitchFamily="34" charset="0"/>
+                <a:cs typeface="DejaVu Sans Book" panose="020B0603030804020204" pitchFamily="34" charset="0"/>
+              </a:rPr>
+              <a:t> "%s" (greetings "World")</a:t>
+            </a:r>
+          </a:p>
+        </p:txBody>
+      </p:sp>
+      <p:cxnSp>
+        <p:nvCxnSpPr>
+          <p:cNvPr id="7" name="Straight Connector 6">
+            <a:extLst>
+              <a:ext uri="{FF2B5EF4-FFF2-40B4-BE49-F238E27FC236}">
+                <a16:creationId xmlns:a16="http://schemas.microsoft.com/office/drawing/2014/main" id="{1770E39D-455E-714C-B644-7F4A3C481E82}"/>
+              </a:ext>
+            </a:extLst>
+          </p:cNvPr>
+          <p:cNvCxnSpPr>
+            <a:cxnSpLocks/>
+          </p:cNvCxnSpPr>
+          <p:nvPr/>
+        </p:nvCxnSpPr>
+        <p:spPr>
+          <a:xfrm>
+            <a:off x="6053418" y="2054629"/>
+            <a:ext cx="0" cy="2436689"/>
+          </a:xfrm>
+          <a:prstGeom prst="line">
+            <a:avLst/>
+          </a:prstGeom>
+        </p:spPr>
+        <p:style>
+          <a:lnRef idx="1">
+            <a:schemeClr val="accent1"/>
+          </a:lnRef>
+          <a:fillRef idx="0">
+            <a:schemeClr val="accent1"/>
+          </a:fillRef>
+          <a:effectRef idx="0">
+            <a:schemeClr val="accent1"/>
+          </a:effectRef>
+          <a:fontRef idx="minor">
+            <a:schemeClr val="tx1"/>
+          </a:fontRef>
+        </p:style>
+      </p:cxnSp>
+    </p:spTree>
+    <p:extLst>
+      <p:ext uri="{BB962C8B-B14F-4D97-AF65-F5344CB8AC3E}">
+        <p14:creationId xmlns:p14="http://schemas.microsoft.com/office/powerpoint/2010/main" val="1610882912"/>
+      </p:ext>
+    </p:extLst>
+  </p:cSld>
+  <p:clrMapOvr>
+    <a:masterClrMapping/>
+  </p:clrMapOvr>
+  <p:timing>
+    <p:tnLst>
+      <p:par>
+        <p:cTn id="1" dur="indefinite" restart="never" nodeType="tmRoot">
+          <p:childTnLst>
+            <p:seq concurrent="1" nextAc="seek">
+              <p:cTn id="2" dur="indefinite" nodeType="mainSeq">
+                <p:childTnLst>
+                  <p:par>
+                    <p:cTn id="3" fill="hold">
+                      <p:stCondLst>
+                        <p:cond delay="indefinite"/>
+                      </p:stCondLst>
+                      <p:childTnLst>
+                        <p:par>
+                          <p:cTn id="4" fill="hold">
+                            <p:stCondLst>
+                              <p:cond delay="0"/>
+                            </p:stCondLst>
+                            <p:childTnLst>
+                              <p:par>
+                                <p:cTn id="5" presetID="1" presetClass="entr" presetSubtype="0" fill="hold" nodeType="clickEffect">
+                                  <p:stCondLst>
+                                    <p:cond delay="0"/>
+                                  </p:stCondLst>
+                                  <p:childTnLst>
+                                    <p:set>
+                                      <p:cBhvr>
+                                        <p:cTn id="6" dur="1" fill="hold">
+                                          <p:stCondLst>
+                                            <p:cond delay="0"/>
+                                          </p:stCondLst>
+                                        </p:cTn>
+                                        <p:tgtEl>
+                                          <p:spTgt spid="7"/>
+                                        </p:tgtEl>
+                                        <p:attrNameLst>
+                                          <p:attrName>style.visibility</p:attrName>
+                                        </p:attrNameLst>
+                                      </p:cBhvr>
+                                      <p:to>
+                                        <p:strVal val="visible"/>
+                                      </p:to>
+                                    </p:set>
+                                  </p:childTnLst>
+                                </p:cTn>
+                              </p:par>
+                              <p:par>
+                                <p:cTn id="7" presetID="1" presetClass="entr" presetSubtype="0" fill="hold" grpId="0" nodeType="withEffect">
+                                  <p:stCondLst>
+                                    <p:cond delay="0"/>
+                                  </p:stCondLst>
+                                  <p:childTnLst>
+                                    <p:set>
+                                      <p:cBhvr>
+                                        <p:cTn id="8" dur="1" fill="hold">
+                                          <p:stCondLst>
+                                            <p:cond delay="0"/>
+                                          </p:stCondLst>
+                                        </p:cTn>
+                                        <p:tgtEl>
+                                          <p:spTgt spid="6"/>
+                                        </p:tgtEl>
+                                        <p:attrNameLst>
+                                          <p:attrName>style.visibility</p:attrName>
+                                        </p:attrNameLst>
+                                      </p:cBhvr>
+                                      <p:to>
+                                        <p:strVal val="visible"/>
+                                      </p:to>
+                                    </p:set>
+                                  </p:childTnLst>
+                                </p:cTn>
+                              </p:par>
+                            </p:childTnLst>
+                          </p:cTn>
+                        </p:par>
+                      </p:childTnLst>
+                    </p:cTn>
+                  </p:par>
+                </p:childTnLst>
+              </p:cTn>
+              <p:prevCondLst>
+                <p:cond evt="onPrev" delay="0">
+                  <p:tgtEl>
+                    <p:sldTgt/>
+                  </p:tgtEl>
+                </p:cond>
+              </p:prevCondLst>
+              <p:nextCondLst>
+                <p:cond evt="onNext" delay="0">
+                  <p:tgtEl>
+                    <p:sldTgt/>
+                  </p:tgtEl>
+                </p:cond>
+              </p:nextCondLst>
+            </p:seq>
+          </p:childTnLst>
+        </p:cTn>
+      </p:par>
+    </p:tnLst>
+    <p:bldLst>
+      <p:bldP spid="6" grpId="0"/>
+    </p:bldLst>
+  </p:timing>
+</p:sld>
+</file>
+
+<file path=ppt/slides/slide15.xml><?xml version="1.0" encoding="utf-8"?>
+<p:sld xmlns:a="http://schemas.openxmlformats.org/drawingml/2006/main" xmlns:r="http://schemas.openxmlformats.org/officeDocument/2006/relationships" xmlns:p="http://schemas.openxmlformats.org/presentationml/2006/main">
+  <p:cSld>
+    <p:spTree>
+      <p:nvGrpSpPr>
+        <p:cNvPr id="1" name=""/>
+        <p:cNvGrpSpPr/>
+        <p:nvPr/>
+      </p:nvGrpSpPr>
+      <p:grpSpPr>
+        <a:xfrm>
+          <a:off x="0" y="0"/>
+          <a:ext cx="0" cy="0"/>
+          <a:chOff x="0" y="0"/>
+          <a:chExt cx="0" cy="0"/>
+        </a:xfrm>
+      </p:grpSpPr>
+      <p:sp>
+        <p:nvSpPr>
+          <p:cNvPr id="2" name="Title 1">
+            <a:extLst>
+              <a:ext uri="{FF2B5EF4-FFF2-40B4-BE49-F238E27FC236}">
                 <a16:creationId xmlns:a16="http://schemas.microsoft.com/office/drawing/2014/main" id="{77C9BE55-A8BA-9942-AB4E-76148FB49765}"/>
               </a:ext>
             </a:extLst>
@@ -9104,7 +12360,7 @@
 </p:sld>
 </file>
 
-<file path=ppt/slides/slide11.xml><?xml version="1.0" encoding="utf-8"?>
+<file path=ppt/slides/slide16.xml><?xml version="1.0" encoding="utf-8"?>
 <p:sld xmlns:a="http://schemas.openxmlformats.org/drawingml/2006/main" xmlns:r="http://schemas.openxmlformats.org/officeDocument/2006/relationships" xmlns:p="http://schemas.openxmlformats.org/presentationml/2006/main">
   <p:cSld>
     <p:spTree>
@@ -9387,7 +12643,7 @@
 </p:sld>
 </file>
 
-<file path=ppt/slides/slide12.xml><?xml version="1.0" encoding="utf-8"?>
+<file path=ppt/slides/slide17.xml><?xml version="1.0" encoding="utf-8"?>
 <p:sld xmlns:a="http://schemas.openxmlformats.org/drawingml/2006/main" xmlns:r="http://schemas.openxmlformats.org/officeDocument/2006/relationships" xmlns:p="http://schemas.openxmlformats.org/presentationml/2006/main">
   <p:cSld>
     <p:spTree>
@@ -10200,7 +13456,7 @@
 </p:sld>
 </file>
 
-<file path=ppt/slides/slide13.xml><?xml version="1.0" encoding="utf-8"?>
+<file path=ppt/slides/slide18.xml><?xml version="1.0" encoding="utf-8"?>
 <p:sld xmlns:a="http://schemas.openxmlformats.org/drawingml/2006/main" xmlns:r="http://schemas.openxmlformats.org/officeDocument/2006/relationships" xmlns:p="http://schemas.openxmlformats.org/presentationml/2006/main">
   <p:cSld>
     <p:spTree>
@@ -11220,7 +14476,7 @@
 </p:sld>
 </file>
 
-<file path=ppt/slides/slide14.xml><?xml version="1.0" encoding="utf-8"?>
+<file path=ppt/slides/slide19.xml><?xml version="1.0" encoding="utf-8"?>
 <p:sld xmlns:a="http://schemas.openxmlformats.org/drawingml/2006/main" xmlns:r="http://schemas.openxmlformats.org/officeDocument/2006/relationships" xmlns:p="http://schemas.openxmlformats.org/presentationml/2006/main">
   <p:cSld>
     <p:spTree>
@@ -11805,7 +15061,726 @@
 </p:sld>
 </file>
 
-<file path=ppt/slides/slide15.xml><?xml version="1.0" encoding="utf-8"?>
+<file path=ppt/slides/slide2.xml><?xml version="1.0" encoding="utf-8"?>
+<p:sld xmlns:a="http://schemas.openxmlformats.org/drawingml/2006/main" xmlns:r="http://schemas.openxmlformats.org/officeDocument/2006/relationships" xmlns:p="http://schemas.openxmlformats.org/presentationml/2006/main">
+  <p:cSld>
+    <p:bg>
+      <p:bgPr>
+        <a:solidFill>
+          <a:schemeClr val="bg1"/>
+        </a:solidFill>
+        <a:effectLst/>
+      </p:bgPr>
+    </p:bg>
+    <p:spTree>
+      <p:nvGrpSpPr>
+        <p:cNvPr id="1" name=""/>
+        <p:cNvGrpSpPr/>
+        <p:nvPr/>
+      </p:nvGrpSpPr>
+      <p:grpSpPr>
+        <a:xfrm>
+          <a:off x="0" y="0"/>
+          <a:ext cx="0" cy="0"/>
+          <a:chOff x="0" y="0"/>
+          <a:chExt cx="0" cy="0"/>
+        </a:xfrm>
+      </p:grpSpPr>
+      <p:sp>
+        <p:nvSpPr>
+          <p:cNvPr id="2" name="Title 1">
+            <a:extLst>
+              <a:ext uri="{FF2B5EF4-FFF2-40B4-BE49-F238E27FC236}">
+                <a16:creationId xmlns:a16="http://schemas.microsoft.com/office/drawing/2014/main" id="{6B7B5506-8EDB-D847-8FE9-3643EB4D4F62}"/>
+              </a:ext>
+            </a:extLst>
+          </p:cNvPr>
+          <p:cNvSpPr>
+            <a:spLocks noGrp="1"/>
+          </p:cNvSpPr>
+          <p:nvPr>
+            <p:ph type="title"/>
+          </p:nvPr>
+        </p:nvSpPr>
+        <p:spPr>
+          <a:xfrm>
+            <a:off x="394855" y="331394"/>
+            <a:ext cx="7019562" cy="905743"/>
+          </a:xfrm>
+        </p:spPr>
+        <p:txBody>
+          <a:bodyPr>
+            <a:normAutofit/>
+          </a:bodyPr>
+          <a:lstStyle/>
+          <a:p>
+            <a:r>
+              <a:rPr lang="da-DK" dirty="0"/>
+              <a:t>Repetition af Nøglekoncepter</a:t>
+            </a:r>
+          </a:p>
+        </p:txBody>
+      </p:sp>
+      <p:sp>
+        <p:nvSpPr>
+          <p:cNvPr id="3" name="Content Placeholder 2">
+            <a:extLst>
+              <a:ext uri="{FF2B5EF4-FFF2-40B4-BE49-F238E27FC236}">
+                <a16:creationId xmlns:a16="http://schemas.microsoft.com/office/drawing/2014/main" id="{9C13CA59-EE31-B244-B01E-FDD597FFCEDA}"/>
+              </a:ext>
+            </a:extLst>
+          </p:cNvPr>
+          <p:cNvSpPr>
+            <a:spLocks noGrp="1"/>
+          </p:cNvSpPr>
+          <p:nvPr>
+            <p:ph idx="1"/>
+          </p:nvPr>
+        </p:nvSpPr>
+        <p:spPr>
+          <a:xfrm>
+            <a:off x="671098" y="1321054"/>
+            <a:ext cx="5127029" cy="1809582"/>
+          </a:xfrm>
+        </p:spPr>
+        <p:txBody>
+          <a:bodyPr>
+            <a:normAutofit fontScale="92500" lnSpcReduction="10000"/>
+          </a:bodyPr>
+          <a:lstStyle/>
+          <a:p>
+            <a:r>
+              <a:rPr lang="da-DK" dirty="0"/>
+              <a:t>Præcedens og association</a:t>
+            </a:r>
+          </a:p>
+          <a:p>
+            <a:r>
+              <a:rPr lang="da-DK" dirty="0"/>
+              <a:t>Verbose og letvægtssyntaks</a:t>
+            </a:r>
+          </a:p>
+          <a:p>
+            <a:r>
+              <a:rPr lang="da-DK" dirty="0"/>
+              <a:t>Virkefelter</a:t>
+            </a:r>
+          </a:p>
+          <a:p>
+            <a:r>
+              <a:rPr lang="da-DK" dirty="0"/>
+              <a:t>Nøgleord</a:t>
+            </a:r>
+          </a:p>
+        </p:txBody>
+      </p:sp>
+      <p:cxnSp>
+        <p:nvCxnSpPr>
+          <p:cNvPr id="8" name="Straight Connector 7">
+            <a:extLst>
+              <a:ext uri="{FF2B5EF4-FFF2-40B4-BE49-F238E27FC236}">
+                <a16:creationId xmlns:a16="http://schemas.microsoft.com/office/drawing/2014/main" id="{C2060383-286E-E84D-B7A6-3D64823B2436}"/>
+              </a:ext>
+            </a:extLst>
+          </p:cNvPr>
+          <p:cNvCxnSpPr>
+            <a:cxnSpLocks/>
+          </p:cNvCxnSpPr>
+          <p:nvPr/>
+        </p:nvCxnSpPr>
+        <p:spPr>
+          <a:xfrm>
+            <a:off x="5465617" y="1154009"/>
+            <a:ext cx="0" cy="2176180"/>
+          </a:xfrm>
+          <a:prstGeom prst="line">
+            <a:avLst/>
+          </a:prstGeom>
+        </p:spPr>
+        <p:style>
+          <a:lnRef idx="1">
+            <a:schemeClr val="accent1"/>
+          </a:lnRef>
+          <a:fillRef idx="0">
+            <a:schemeClr val="accent1"/>
+          </a:fillRef>
+          <a:effectRef idx="0">
+            <a:schemeClr val="accent1"/>
+          </a:effectRef>
+          <a:fontRef idx="minor">
+            <a:schemeClr val="tx1"/>
+          </a:fontRef>
+        </p:style>
+      </p:cxnSp>
+      <p:sp>
+        <p:nvSpPr>
+          <p:cNvPr id="9" name="Content Placeholder 2">
+            <a:extLst>
+              <a:ext uri="{FF2B5EF4-FFF2-40B4-BE49-F238E27FC236}">
+                <a16:creationId xmlns:a16="http://schemas.microsoft.com/office/drawing/2014/main" id="{EDD97D87-9B06-6948-A4E2-4B8370B54A71}"/>
+              </a:ext>
+            </a:extLst>
+          </p:cNvPr>
+          <p:cNvSpPr txBox="1">
+            <a:spLocks/>
+          </p:cNvSpPr>
+          <p:nvPr/>
+        </p:nvSpPr>
+        <p:spPr>
+          <a:xfrm>
+            <a:off x="6130636" y="1158038"/>
+            <a:ext cx="5392770" cy="2192933"/>
+          </a:xfrm>
+          <a:prstGeom prst="rect">
+            <a:avLst/>
+          </a:prstGeom>
+        </p:spPr>
+        <p:txBody>
+          <a:bodyPr vert="horz" lIns="91440" tIns="45720" rIns="91440" bIns="45720" rtlCol="0">
+            <a:normAutofit fontScale="92500" lnSpcReduction="10000"/>
+          </a:bodyPr>
+          <a:lstStyle>
+            <a:lvl1pPr marL="228600" indent="-228600" algn="l" defTabSz="914400" rtl="0" eaLnBrk="1" latinLnBrk="0" hangingPunct="1">
+              <a:lnSpc>
+                <a:spcPct val="90000"/>
+              </a:lnSpc>
+              <a:spcBef>
+                <a:spcPts val="1000"/>
+              </a:spcBef>
+              <a:buFont typeface="Arial" panose="020B0604020202020204" pitchFamily="34" charset="0"/>
+              <a:buChar char="•"/>
+              <a:defRPr sz="2800" kern="1200">
+                <a:solidFill>
+                  <a:schemeClr val="tx1"/>
+                </a:solidFill>
+                <a:latin typeface="+mn-lt"/>
+                <a:ea typeface="+mn-ea"/>
+                <a:cs typeface="+mn-cs"/>
+              </a:defRPr>
+            </a:lvl1pPr>
+            <a:lvl2pPr marL="685800" indent="-228600" algn="l" defTabSz="914400" rtl="0" eaLnBrk="1" latinLnBrk="0" hangingPunct="1">
+              <a:lnSpc>
+                <a:spcPct val="90000"/>
+              </a:lnSpc>
+              <a:spcBef>
+                <a:spcPts val="500"/>
+              </a:spcBef>
+              <a:buFont typeface="Arial" panose="020B0604020202020204" pitchFamily="34" charset="0"/>
+              <a:buChar char="•"/>
+              <a:defRPr sz="2400" kern="1200">
+                <a:solidFill>
+                  <a:schemeClr val="tx1"/>
+                </a:solidFill>
+                <a:latin typeface="+mn-lt"/>
+                <a:ea typeface="+mn-ea"/>
+                <a:cs typeface="+mn-cs"/>
+              </a:defRPr>
+            </a:lvl2pPr>
+            <a:lvl3pPr marL="1143000" indent="-228600" algn="l" defTabSz="914400" rtl="0" eaLnBrk="1" latinLnBrk="0" hangingPunct="1">
+              <a:lnSpc>
+                <a:spcPct val="90000"/>
+              </a:lnSpc>
+              <a:spcBef>
+                <a:spcPts val="500"/>
+              </a:spcBef>
+              <a:buFont typeface="Arial" panose="020B0604020202020204" pitchFamily="34" charset="0"/>
+              <a:buChar char="•"/>
+              <a:defRPr sz="2000" kern="1200">
+                <a:solidFill>
+                  <a:schemeClr val="tx1"/>
+                </a:solidFill>
+                <a:latin typeface="+mn-lt"/>
+                <a:ea typeface="+mn-ea"/>
+                <a:cs typeface="+mn-cs"/>
+              </a:defRPr>
+            </a:lvl3pPr>
+            <a:lvl4pPr marL="1600200" indent="-228600" algn="l" defTabSz="914400" rtl="0" eaLnBrk="1" latinLnBrk="0" hangingPunct="1">
+              <a:lnSpc>
+                <a:spcPct val="90000"/>
+              </a:lnSpc>
+              <a:spcBef>
+                <a:spcPts val="500"/>
+              </a:spcBef>
+              <a:buFont typeface="Arial" panose="020B0604020202020204" pitchFamily="34" charset="0"/>
+              <a:buChar char="•"/>
+              <a:defRPr sz="1800" kern="1200">
+                <a:solidFill>
+                  <a:schemeClr val="tx1"/>
+                </a:solidFill>
+                <a:latin typeface="+mn-lt"/>
+                <a:ea typeface="+mn-ea"/>
+                <a:cs typeface="+mn-cs"/>
+              </a:defRPr>
+            </a:lvl4pPr>
+            <a:lvl5pPr marL="2057400" indent="-228600" algn="l" defTabSz="914400" rtl="0" eaLnBrk="1" latinLnBrk="0" hangingPunct="1">
+              <a:lnSpc>
+                <a:spcPct val="90000"/>
+              </a:lnSpc>
+              <a:spcBef>
+                <a:spcPts val="500"/>
+              </a:spcBef>
+              <a:buFont typeface="Arial" panose="020B0604020202020204" pitchFamily="34" charset="0"/>
+              <a:buChar char="•"/>
+              <a:defRPr sz="1800" kern="1200">
+                <a:solidFill>
+                  <a:schemeClr val="tx1"/>
+                </a:solidFill>
+                <a:latin typeface="+mn-lt"/>
+                <a:ea typeface="+mn-ea"/>
+                <a:cs typeface="+mn-cs"/>
+              </a:defRPr>
+            </a:lvl5pPr>
+            <a:lvl6pPr marL="2514600" indent="-228600" algn="l" defTabSz="914400" rtl="0" eaLnBrk="1" latinLnBrk="0" hangingPunct="1">
+              <a:lnSpc>
+                <a:spcPct val="90000"/>
+              </a:lnSpc>
+              <a:spcBef>
+                <a:spcPts val="500"/>
+              </a:spcBef>
+              <a:buFont typeface="Arial" panose="020B0604020202020204" pitchFamily="34" charset="0"/>
+              <a:buChar char="•"/>
+              <a:defRPr sz="1800" kern="1200">
+                <a:solidFill>
+                  <a:schemeClr val="tx1"/>
+                </a:solidFill>
+                <a:latin typeface="+mn-lt"/>
+                <a:ea typeface="+mn-ea"/>
+                <a:cs typeface="+mn-cs"/>
+              </a:defRPr>
+            </a:lvl6pPr>
+            <a:lvl7pPr marL="2971800" indent="-228600" algn="l" defTabSz="914400" rtl="0" eaLnBrk="1" latinLnBrk="0" hangingPunct="1">
+              <a:lnSpc>
+                <a:spcPct val="90000"/>
+              </a:lnSpc>
+              <a:spcBef>
+                <a:spcPts val="500"/>
+              </a:spcBef>
+              <a:buFont typeface="Arial" panose="020B0604020202020204" pitchFamily="34" charset="0"/>
+              <a:buChar char="•"/>
+              <a:defRPr sz="1800" kern="1200">
+                <a:solidFill>
+                  <a:schemeClr val="tx1"/>
+                </a:solidFill>
+                <a:latin typeface="+mn-lt"/>
+                <a:ea typeface="+mn-ea"/>
+                <a:cs typeface="+mn-cs"/>
+              </a:defRPr>
+            </a:lvl7pPr>
+            <a:lvl8pPr marL="3429000" indent="-228600" algn="l" defTabSz="914400" rtl="0" eaLnBrk="1" latinLnBrk="0" hangingPunct="1">
+              <a:lnSpc>
+                <a:spcPct val="90000"/>
+              </a:lnSpc>
+              <a:spcBef>
+                <a:spcPts val="500"/>
+              </a:spcBef>
+              <a:buFont typeface="Arial" panose="020B0604020202020204" pitchFamily="34" charset="0"/>
+              <a:buChar char="•"/>
+              <a:defRPr sz="1800" kern="1200">
+                <a:solidFill>
+                  <a:schemeClr val="tx1"/>
+                </a:solidFill>
+                <a:latin typeface="+mn-lt"/>
+                <a:ea typeface="+mn-ea"/>
+                <a:cs typeface="+mn-cs"/>
+              </a:defRPr>
+            </a:lvl8pPr>
+            <a:lvl9pPr marL="3886200" indent="-228600" algn="l" defTabSz="914400" rtl="0" eaLnBrk="1" latinLnBrk="0" hangingPunct="1">
+              <a:lnSpc>
+                <a:spcPct val="90000"/>
+              </a:lnSpc>
+              <a:spcBef>
+                <a:spcPts val="500"/>
+              </a:spcBef>
+              <a:buFont typeface="Arial" panose="020B0604020202020204" pitchFamily="34" charset="0"/>
+              <a:buChar char="•"/>
+              <a:defRPr sz="1800" kern="1200">
+                <a:solidFill>
+                  <a:schemeClr val="tx1"/>
+                </a:solidFill>
+                <a:latin typeface="+mn-lt"/>
+                <a:ea typeface="+mn-ea"/>
+                <a:cs typeface="+mn-cs"/>
+              </a:defRPr>
+            </a:lvl9pPr>
+          </a:lstStyle>
+          <a:p>
+            <a:r>
+              <a:rPr lang="da-DK" dirty="0"/>
+              <a:t>Virkefelter</a:t>
+            </a:r>
+          </a:p>
+          <a:p>
+            <a:r>
+              <a:rPr lang="da-DK" dirty="0"/>
+              <a:t>Funktioner</a:t>
+            </a:r>
+          </a:p>
+          <a:p>
+            <a:r>
+              <a:rPr lang="da-DK" dirty="0"/>
+              <a:t>Programmer ‘baglæns’</a:t>
+            </a:r>
+          </a:p>
+          <a:p>
+            <a:r>
+              <a:rPr lang="da-DK" dirty="0"/>
+              <a:t>Dokumentation</a:t>
+            </a:r>
+          </a:p>
+          <a:p>
+            <a:r>
+              <a:rPr lang="da-DK" dirty="0"/>
+              <a:t>Løkker</a:t>
+            </a:r>
+          </a:p>
+          <a:p>
+            <a:endParaRPr lang="da-DK" dirty="0"/>
+          </a:p>
+          <a:p>
+            <a:endParaRPr lang="da-DK" dirty="0"/>
+          </a:p>
+          <a:p>
+            <a:endParaRPr lang="da-DK" dirty="0"/>
+          </a:p>
+        </p:txBody>
+      </p:sp>
+      <p:cxnSp>
+        <p:nvCxnSpPr>
+          <p:cNvPr id="11" name="Straight Connector 10">
+            <a:extLst>
+              <a:ext uri="{FF2B5EF4-FFF2-40B4-BE49-F238E27FC236}">
+                <a16:creationId xmlns:a16="http://schemas.microsoft.com/office/drawing/2014/main" id="{E89BB09E-7BA9-F948-A0E8-977F40D82B24}"/>
+              </a:ext>
+            </a:extLst>
+          </p:cNvPr>
+          <p:cNvCxnSpPr>
+            <a:cxnSpLocks/>
+          </p:cNvCxnSpPr>
+          <p:nvPr/>
+        </p:nvCxnSpPr>
+        <p:spPr>
+          <a:xfrm flipV="1">
+            <a:off x="394855" y="3337113"/>
+            <a:ext cx="11471563" cy="13858"/>
+          </a:xfrm>
+          <a:prstGeom prst="line">
+            <a:avLst/>
+          </a:prstGeom>
+        </p:spPr>
+        <p:style>
+          <a:lnRef idx="1">
+            <a:schemeClr val="accent1"/>
+          </a:lnRef>
+          <a:fillRef idx="0">
+            <a:schemeClr val="accent1"/>
+          </a:fillRef>
+          <a:effectRef idx="0">
+            <a:schemeClr val="accent1"/>
+          </a:effectRef>
+          <a:fontRef idx="minor">
+            <a:schemeClr val="tx1"/>
+          </a:fontRef>
+        </p:style>
+      </p:cxnSp>
+      <p:sp>
+        <p:nvSpPr>
+          <p:cNvPr id="4" name="TextBox 3">
+            <a:extLst>
+              <a:ext uri="{FF2B5EF4-FFF2-40B4-BE49-F238E27FC236}">
+                <a16:creationId xmlns:a16="http://schemas.microsoft.com/office/drawing/2014/main" id="{DE219C4B-716A-E34C-BD60-349CC37F942C}"/>
+              </a:ext>
+            </a:extLst>
+          </p:cNvPr>
+          <p:cNvSpPr txBox="1"/>
+          <p:nvPr/>
+        </p:nvSpPr>
+        <p:spPr>
+          <a:xfrm>
+            <a:off x="6485858" y="6309516"/>
+            <a:ext cx="4016741" cy="461665"/>
+          </a:xfrm>
+          <a:prstGeom prst="rect">
+            <a:avLst/>
+          </a:prstGeom>
+          <a:noFill/>
+        </p:spPr>
+        <p:txBody>
+          <a:bodyPr wrap="none" rtlCol="0">
+            <a:spAutoFit/>
+          </a:bodyPr>
+          <a:lstStyle/>
+          <a:p>
+            <a:r>
+              <a:rPr lang="da-DK" sz="2400" b="1" dirty="0" err="1"/>
+              <a:t>https</a:t>
+            </a:r>
+            <a:r>
+              <a:rPr lang="da-DK" sz="2400" b="1" dirty="0"/>
+              <a:t>://</a:t>
+            </a:r>
+            <a:r>
+              <a:rPr lang="da-DK" sz="2400" b="1" dirty="0" err="1"/>
+              <a:t>tinyurl.com</a:t>
+            </a:r>
+            <a:r>
+              <a:rPr lang="da-DK" sz="2400" b="1" dirty="0"/>
+              <a:t>/y8yuuyy4</a:t>
+            </a:r>
+            <a:endParaRPr lang="en-GB" sz="4000" dirty="0"/>
+          </a:p>
+        </p:txBody>
+      </p:sp>
+      <p:pic>
+        <p:nvPicPr>
+          <p:cNvPr id="12" name="Content Placeholder 3">
+            <a:extLst>
+              <a:ext uri="{FF2B5EF4-FFF2-40B4-BE49-F238E27FC236}">
+                <a16:creationId xmlns:a16="http://schemas.microsoft.com/office/drawing/2014/main" id="{E127A720-EAC7-574B-B594-5668580DF4BF}"/>
+              </a:ext>
+            </a:extLst>
+          </p:cNvPr>
+          <p:cNvPicPr>
+            <a:picLocks noChangeAspect="1"/>
+          </p:cNvPicPr>
+          <p:nvPr/>
+        </p:nvPicPr>
+        <p:blipFill rotWithShape="1">
+          <a:blip r:embed="rId2">
+            <a:extLst>
+              <a:ext uri="{28A0092B-C50C-407E-A947-70E740481C1C}">
+                <a14:useLocalDpi xmlns:a14="http://schemas.microsoft.com/office/drawing/2010/main" val="0"/>
+              </a:ext>
+            </a:extLst>
+          </a:blip>
+          <a:srcRect b="6127"/>
+          <a:stretch/>
+        </p:blipFill>
+        <p:spPr>
+          <a:xfrm>
+            <a:off x="200532" y="3763926"/>
+            <a:ext cx="4967185" cy="3036625"/>
+          </a:xfrm>
+          <a:prstGeom prst="rect">
+            <a:avLst/>
+          </a:prstGeom>
+        </p:spPr>
+      </p:pic>
+      <p:pic>
+        <p:nvPicPr>
+          <p:cNvPr id="13" name="Picture 12">
+            <a:extLst>
+              <a:ext uri="{FF2B5EF4-FFF2-40B4-BE49-F238E27FC236}">
+                <a16:creationId xmlns:a16="http://schemas.microsoft.com/office/drawing/2014/main" id="{D4E59253-C872-2249-8984-19E3C3378D94}"/>
+              </a:ext>
+            </a:extLst>
+          </p:cNvPr>
+          <p:cNvPicPr>
+            <a:picLocks noChangeAspect="1"/>
+          </p:cNvPicPr>
+          <p:nvPr/>
+        </p:nvPicPr>
+        <p:blipFill>
+          <a:blip r:embed="rId3"/>
+          <a:stretch>
+            <a:fillRect/>
+          </a:stretch>
+        </p:blipFill>
+        <p:spPr>
+          <a:xfrm>
+            <a:off x="7210303" y="3763926"/>
+            <a:ext cx="1816100" cy="1993900"/>
+          </a:xfrm>
+          <a:prstGeom prst="rect">
+            <a:avLst/>
+          </a:prstGeom>
+        </p:spPr>
+      </p:pic>
+      <p:sp>
+        <p:nvSpPr>
+          <p:cNvPr id="10" name="TextBox 9">
+            <a:extLst>
+              <a:ext uri="{FF2B5EF4-FFF2-40B4-BE49-F238E27FC236}">
+                <a16:creationId xmlns:a16="http://schemas.microsoft.com/office/drawing/2014/main" id="{4F8B70C6-A60A-9142-B818-11876B19A0B4}"/>
+              </a:ext>
+            </a:extLst>
+          </p:cNvPr>
+          <p:cNvSpPr txBox="1"/>
+          <p:nvPr/>
+        </p:nvSpPr>
+        <p:spPr>
+          <a:xfrm>
+            <a:off x="6485857" y="5847851"/>
+            <a:ext cx="4016741" cy="461665"/>
+          </a:xfrm>
+          <a:prstGeom prst="rect">
+            <a:avLst/>
+          </a:prstGeom>
+          <a:noFill/>
+        </p:spPr>
+        <p:txBody>
+          <a:bodyPr wrap="none" rtlCol="0">
+            <a:spAutoFit/>
+          </a:bodyPr>
+          <a:lstStyle/>
+          <a:p>
+            <a:r>
+              <a:rPr lang="da-DK" sz="2400" b="1" dirty="0" err="1"/>
+              <a:t>https</a:t>
+            </a:r>
+            <a:r>
+              <a:rPr lang="da-DK" sz="2400" b="1" dirty="0"/>
+              <a:t>://</a:t>
+            </a:r>
+            <a:r>
+              <a:rPr lang="da-DK" sz="2400" b="1" dirty="0" err="1"/>
+              <a:t>tinyurl.com</a:t>
+            </a:r>
+            <a:r>
+              <a:rPr lang="da-DK" sz="2400" b="1" dirty="0"/>
+              <a:t>/y923467c</a:t>
+            </a:r>
+            <a:endParaRPr lang="en-GB" sz="4000" dirty="0"/>
+          </a:p>
+        </p:txBody>
+      </p:sp>
+    </p:spTree>
+    <p:extLst>
+      <p:ext uri="{BB962C8B-B14F-4D97-AF65-F5344CB8AC3E}">
+        <p14:creationId xmlns:p14="http://schemas.microsoft.com/office/powerpoint/2010/main" val="4121573176"/>
+      </p:ext>
+    </p:extLst>
+  </p:cSld>
+  <p:clrMapOvr>
+    <a:masterClrMapping/>
+  </p:clrMapOvr>
+  <p:timing>
+    <p:tnLst>
+      <p:par>
+        <p:cTn id="1" dur="indefinite" restart="never" nodeType="tmRoot">
+          <p:childTnLst>
+            <p:seq concurrent="1" nextAc="seek">
+              <p:cTn id="2" dur="indefinite" nodeType="mainSeq">
+                <p:childTnLst>
+                  <p:par>
+                    <p:cTn id="3" fill="hold">
+                      <p:stCondLst>
+                        <p:cond delay="indefinite"/>
+                      </p:stCondLst>
+                      <p:childTnLst>
+                        <p:par>
+                          <p:cTn id="4" fill="hold">
+                            <p:stCondLst>
+                              <p:cond delay="0"/>
+                            </p:stCondLst>
+                            <p:childTnLst>
+                              <p:par>
+                                <p:cTn id="5" presetID="1" presetClass="entr" presetSubtype="0" fill="hold" grpId="0" nodeType="clickEffect">
+                                  <p:stCondLst>
+                                    <p:cond delay="0"/>
+                                  </p:stCondLst>
+                                  <p:childTnLst>
+                                    <p:set>
+                                      <p:cBhvr>
+                                        <p:cTn id="6" dur="1" fill="hold">
+                                          <p:stCondLst>
+                                            <p:cond delay="0"/>
+                                          </p:stCondLst>
+                                        </p:cTn>
+                                        <p:tgtEl>
+                                          <p:spTgt spid="10"/>
+                                        </p:tgtEl>
+                                        <p:attrNameLst>
+                                          <p:attrName>style.visibility</p:attrName>
+                                        </p:attrNameLst>
+                                      </p:cBhvr>
+                                      <p:to>
+                                        <p:strVal val="visible"/>
+                                      </p:to>
+                                    </p:set>
+                                  </p:childTnLst>
+                                </p:cTn>
+                              </p:par>
+                            </p:childTnLst>
+                          </p:cTn>
+                        </p:par>
+                      </p:childTnLst>
+                    </p:cTn>
+                  </p:par>
+                  <p:par>
+                    <p:cTn id="7" fill="hold">
+                      <p:stCondLst>
+                        <p:cond delay="indefinite"/>
+                      </p:stCondLst>
+                      <p:childTnLst>
+                        <p:par>
+                          <p:cTn id="8" fill="hold">
+                            <p:stCondLst>
+                              <p:cond delay="0"/>
+                            </p:stCondLst>
+                            <p:childTnLst>
+                              <p:par>
+                                <p:cTn id="9" presetID="1" presetClass="entr" presetSubtype="0" fill="hold" grpId="0" nodeType="clickEffect">
+                                  <p:stCondLst>
+                                    <p:cond delay="0"/>
+                                  </p:stCondLst>
+                                  <p:childTnLst>
+                                    <p:set>
+                                      <p:cBhvr>
+                                        <p:cTn id="10" dur="1" fill="hold">
+                                          <p:stCondLst>
+                                            <p:cond delay="0"/>
+                                          </p:stCondLst>
+                                        </p:cTn>
+                                        <p:tgtEl>
+                                          <p:spTgt spid="4"/>
+                                        </p:tgtEl>
+                                        <p:attrNameLst>
+                                          <p:attrName>style.visibility</p:attrName>
+                                        </p:attrNameLst>
+                                      </p:cBhvr>
+                                      <p:to>
+                                        <p:strVal val="visible"/>
+                                      </p:to>
+                                    </p:set>
+                                  </p:childTnLst>
+                                </p:cTn>
+                              </p:par>
+                            </p:childTnLst>
+                          </p:cTn>
+                        </p:par>
+                      </p:childTnLst>
+                    </p:cTn>
+                  </p:par>
+                </p:childTnLst>
+              </p:cTn>
+              <p:prevCondLst>
+                <p:cond evt="onPrev" delay="0">
+                  <p:tgtEl>
+                    <p:sldTgt/>
+                  </p:tgtEl>
+                </p:cond>
+              </p:prevCondLst>
+              <p:nextCondLst>
+                <p:cond evt="onNext" delay="0">
+                  <p:tgtEl>
+                    <p:sldTgt/>
+                  </p:tgtEl>
+                </p:cond>
+              </p:nextCondLst>
+            </p:seq>
+          </p:childTnLst>
+        </p:cTn>
+      </p:par>
+    </p:tnLst>
+    <p:bldLst>
+      <p:bldP spid="4" grpId="0"/>
+      <p:bldP spid="10" grpId="0"/>
+    </p:bldLst>
+  </p:timing>
+</p:sld>
+</file>
+
+<file path=ppt/slides/slide20.xml><?xml version="1.0" encoding="utf-8"?>
 <p:sld xmlns:a="http://schemas.openxmlformats.org/drawingml/2006/main" xmlns:r="http://schemas.openxmlformats.org/officeDocument/2006/relationships" xmlns:p="http://schemas.openxmlformats.org/presentationml/2006/main">
   <p:cSld>
     <p:spTree>
@@ -13126,17 +17101,9 @@
 </p:sld>
 </file>
 
-<file path=ppt/slides/slide2.xml><?xml version="1.0" encoding="utf-8"?>
+<file path=ppt/slides/slide3.xml><?xml version="1.0" encoding="utf-8"?>
 <p:sld xmlns:a="http://schemas.openxmlformats.org/drawingml/2006/main" xmlns:r="http://schemas.openxmlformats.org/officeDocument/2006/relationships" xmlns:p="http://schemas.openxmlformats.org/presentationml/2006/main">
   <p:cSld>
-    <p:bg>
-      <p:bgPr>
-        <a:solidFill>
-          <a:schemeClr val="bg1"/>
-        </a:solidFill>
-        <a:effectLst/>
-      </p:bgPr>
-    </p:bg>
     <p:spTree>
       <p:nvGrpSpPr>
         <p:cNvPr id="1" name=""/>
@@ -13156,7 +17123,7 @@
           <p:cNvPr id="2" name="Title 1">
             <a:extLst>
               <a:ext uri="{FF2B5EF4-FFF2-40B4-BE49-F238E27FC236}">
-                <a16:creationId xmlns:a16="http://schemas.microsoft.com/office/drawing/2014/main" id="{6B7B5506-8EDB-D847-8FE9-3643EB4D4F62}"/>
+                <a16:creationId xmlns:a16="http://schemas.microsoft.com/office/drawing/2014/main" id="{F35FD2AD-D903-0B42-95BA-C317247632AE}"/>
               </a:ext>
             </a:extLst>
           </p:cNvPr>
@@ -13167,84 +17134,794 @@
             <p:ph type="title"/>
           </p:nvPr>
         </p:nvSpPr>
-        <p:spPr>
-          <a:xfrm>
-            <a:off x="394855" y="331394"/>
-            <a:ext cx="7019562" cy="905743"/>
-          </a:xfrm>
-        </p:spPr>
+        <p:spPr/>
         <p:txBody>
-          <a:bodyPr>
-            <a:normAutofit/>
-          </a:bodyPr>
+          <a:bodyPr/>
           <a:lstStyle/>
           <a:p>
             <a:r>
-              <a:rPr lang="da-DK" dirty="0"/>
-              <a:t>Repetition af Nøglekoncepter</a:t>
+              <a:rPr lang="en-GB" dirty="0"/>
+              <a:t>Fibonacci</a:t>
             </a:r>
           </a:p>
         </p:txBody>
       </p:sp>
       <p:sp>
         <p:nvSpPr>
-          <p:cNvPr id="3" name="Content Placeholder 2">
+          <p:cNvPr id="4" name="Content Placeholder 2">
             <a:extLst>
               <a:ext uri="{FF2B5EF4-FFF2-40B4-BE49-F238E27FC236}">
-                <a16:creationId xmlns:a16="http://schemas.microsoft.com/office/drawing/2014/main" id="{9C13CA59-EE31-B244-B01E-FDD597FFCEDA}"/>
+                <a16:creationId xmlns:a16="http://schemas.microsoft.com/office/drawing/2014/main" id="{57486AE1-C11A-F041-B70F-3D7964CB9D40}"/>
               </a:ext>
             </a:extLst>
           </p:cNvPr>
-          <p:cNvSpPr>
-            <a:spLocks noGrp="1"/>
+          <p:cNvSpPr txBox="1">
+            <a:spLocks/>
           </p:cNvSpPr>
-          <p:nvPr>
-            <p:ph idx="1"/>
-          </p:nvPr>
+          <p:nvPr/>
         </p:nvSpPr>
         <p:spPr>
           <a:xfrm>
-            <a:off x="671098" y="1321054"/>
-            <a:ext cx="5127029" cy="1809582"/>
+            <a:off x="1243900" y="1894546"/>
+            <a:ext cx="2340548" cy="3244382"/>
           </a:xfrm>
+          <a:prstGeom prst="rect">
+            <a:avLst/>
+          </a:prstGeom>
         </p:spPr>
         <p:txBody>
-          <a:bodyPr>
-            <a:normAutofit fontScale="92500" lnSpcReduction="10000"/>
+          <a:bodyPr vert="horz" lIns="91440" tIns="45720" rIns="91440" bIns="45720" rtlCol="0">
+            <a:noAutofit/>
           </a:bodyPr>
-          <a:lstStyle/>
-          <a:p>
-            <a:r>
-              <a:rPr lang="da-DK" dirty="0"/>
-              <a:t>Præcedens og association</a:t>
-            </a:r>
-          </a:p>
-          <a:p>
-            <a:r>
-              <a:rPr lang="da-DK" dirty="0"/>
-              <a:t>Verbose og letvægtssyntaks</a:t>
-            </a:r>
-          </a:p>
-          <a:p>
-            <a:r>
-              <a:rPr lang="da-DK" dirty="0"/>
-              <a:t>Virkefelter</a:t>
-            </a:r>
-          </a:p>
-          <a:p>
-            <a:r>
-              <a:rPr lang="da-DK" dirty="0"/>
-              <a:t>Nøgleord</a:t>
+          <a:lstStyle>
+            <a:lvl1pPr marL="228600" indent="-228600" algn="l" defTabSz="914400" rtl="0" eaLnBrk="1" latinLnBrk="0" hangingPunct="1">
+              <a:lnSpc>
+                <a:spcPct val="90000"/>
+              </a:lnSpc>
+              <a:spcBef>
+                <a:spcPts val="1000"/>
+              </a:spcBef>
+              <a:buFont typeface="Arial" panose="020B0604020202020204" pitchFamily="34" charset="0"/>
+              <a:buChar char="•"/>
+              <a:defRPr sz="2800" kern="1200">
+                <a:solidFill>
+                  <a:schemeClr val="tx1"/>
+                </a:solidFill>
+                <a:latin typeface="+mn-lt"/>
+                <a:ea typeface="+mn-ea"/>
+                <a:cs typeface="+mn-cs"/>
+              </a:defRPr>
+            </a:lvl1pPr>
+            <a:lvl2pPr marL="685800" indent="-228600" algn="l" defTabSz="914400" rtl="0" eaLnBrk="1" latinLnBrk="0" hangingPunct="1">
+              <a:lnSpc>
+                <a:spcPct val="90000"/>
+              </a:lnSpc>
+              <a:spcBef>
+                <a:spcPts val="500"/>
+              </a:spcBef>
+              <a:buFont typeface="Arial" panose="020B0604020202020204" pitchFamily="34" charset="0"/>
+              <a:buChar char="•"/>
+              <a:defRPr sz="2400" kern="1200">
+                <a:solidFill>
+                  <a:schemeClr val="tx1"/>
+                </a:solidFill>
+                <a:latin typeface="+mn-lt"/>
+                <a:ea typeface="+mn-ea"/>
+                <a:cs typeface="+mn-cs"/>
+              </a:defRPr>
+            </a:lvl2pPr>
+            <a:lvl3pPr marL="1143000" indent="-228600" algn="l" defTabSz="914400" rtl="0" eaLnBrk="1" latinLnBrk="0" hangingPunct="1">
+              <a:lnSpc>
+                <a:spcPct val="90000"/>
+              </a:lnSpc>
+              <a:spcBef>
+                <a:spcPts val="500"/>
+              </a:spcBef>
+              <a:buFont typeface="Arial" panose="020B0604020202020204" pitchFamily="34" charset="0"/>
+              <a:buChar char="•"/>
+              <a:defRPr sz="2000" kern="1200">
+                <a:solidFill>
+                  <a:schemeClr val="tx1"/>
+                </a:solidFill>
+                <a:latin typeface="+mn-lt"/>
+                <a:ea typeface="+mn-ea"/>
+                <a:cs typeface="+mn-cs"/>
+              </a:defRPr>
+            </a:lvl3pPr>
+            <a:lvl4pPr marL="1600200" indent="-228600" algn="l" defTabSz="914400" rtl="0" eaLnBrk="1" latinLnBrk="0" hangingPunct="1">
+              <a:lnSpc>
+                <a:spcPct val="90000"/>
+              </a:lnSpc>
+              <a:spcBef>
+                <a:spcPts val="500"/>
+              </a:spcBef>
+              <a:buFont typeface="Arial" panose="020B0604020202020204" pitchFamily="34" charset="0"/>
+              <a:buChar char="•"/>
+              <a:defRPr sz="1800" kern="1200">
+                <a:solidFill>
+                  <a:schemeClr val="tx1"/>
+                </a:solidFill>
+                <a:latin typeface="+mn-lt"/>
+                <a:ea typeface="+mn-ea"/>
+                <a:cs typeface="+mn-cs"/>
+              </a:defRPr>
+            </a:lvl4pPr>
+            <a:lvl5pPr marL="2057400" indent="-228600" algn="l" defTabSz="914400" rtl="0" eaLnBrk="1" latinLnBrk="0" hangingPunct="1">
+              <a:lnSpc>
+                <a:spcPct val="90000"/>
+              </a:lnSpc>
+              <a:spcBef>
+                <a:spcPts val="500"/>
+              </a:spcBef>
+              <a:buFont typeface="Arial" panose="020B0604020202020204" pitchFamily="34" charset="0"/>
+              <a:buChar char="•"/>
+              <a:defRPr sz="1800" kern="1200">
+                <a:solidFill>
+                  <a:schemeClr val="tx1"/>
+                </a:solidFill>
+                <a:latin typeface="+mn-lt"/>
+                <a:ea typeface="+mn-ea"/>
+                <a:cs typeface="+mn-cs"/>
+              </a:defRPr>
+            </a:lvl5pPr>
+            <a:lvl6pPr marL="2514600" indent="-228600" algn="l" defTabSz="914400" rtl="0" eaLnBrk="1" latinLnBrk="0" hangingPunct="1">
+              <a:lnSpc>
+                <a:spcPct val="90000"/>
+              </a:lnSpc>
+              <a:spcBef>
+                <a:spcPts val="500"/>
+              </a:spcBef>
+              <a:buFont typeface="Arial" panose="020B0604020202020204" pitchFamily="34" charset="0"/>
+              <a:buChar char="•"/>
+              <a:defRPr sz="1800" kern="1200">
+                <a:solidFill>
+                  <a:schemeClr val="tx1"/>
+                </a:solidFill>
+                <a:latin typeface="+mn-lt"/>
+                <a:ea typeface="+mn-ea"/>
+                <a:cs typeface="+mn-cs"/>
+              </a:defRPr>
+            </a:lvl6pPr>
+            <a:lvl7pPr marL="2971800" indent="-228600" algn="l" defTabSz="914400" rtl="0" eaLnBrk="1" latinLnBrk="0" hangingPunct="1">
+              <a:lnSpc>
+                <a:spcPct val="90000"/>
+              </a:lnSpc>
+              <a:spcBef>
+                <a:spcPts val="500"/>
+              </a:spcBef>
+              <a:buFont typeface="Arial" panose="020B0604020202020204" pitchFamily="34" charset="0"/>
+              <a:buChar char="•"/>
+              <a:defRPr sz="1800" kern="1200">
+                <a:solidFill>
+                  <a:schemeClr val="tx1"/>
+                </a:solidFill>
+                <a:latin typeface="+mn-lt"/>
+                <a:ea typeface="+mn-ea"/>
+                <a:cs typeface="+mn-cs"/>
+              </a:defRPr>
+            </a:lvl7pPr>
+            <a:lvl8pPr marL="3429000" indent="-228600" algn="l" defTabSz="914400" rtl="0" eaLnBrk="1" latinLnBrk="0" hangingPunct="1">
+              <a:lnSpc>
+                <a:spcPct val="90000"/>
+              </a:lnSpc>
+              <a:spcBef>
+                <a:spcPts val="500"/>
+              </a:spcBef>
+              <a:buFont typeface="Arial" panose="020B0604020202020204" pitchFamily="34" charset="0"/>
+              <a:buChar char="•"/>
+              <a:defRPr sz="1800" kern="1200">
+                <a:solidFill>
+                  <a:schemeClr val="tx1"/>
+                </a:solidFill>
+                <a:latin typeface="+mn-lt"/>
+                <a:ea typeface="+mn-ea"/>
+                <a:cs typeface="+mn-cs"/>
+              </a:defRPr>
+            </a:lvl8pPr>
+            <a:lvl9pPr marL="3886200" indent="-228600" algn="l" defTabSz="914400" rtl="0" eaLnBrk="1" latinLnBrk="0" hangingPunct="1">
+              <a:lnSpc>
+                <a:spcPct val="90000"/>
+              </a:lnSpc>
+              <a:spcBef>
+                <a:spcPts val="500"/>
+              </a:spcBef>
+              <a:buFont typeface="Arial" panose="020B0604020202020204" pitchFamily="34" charset="0"/>
+              <a:buChar char="•"/>
+              <a:defRPr sz="1800" kern="1200">
+                <a:solidFill>
+                  <a:schemeClr val="tx1"/>
+                </a:solidFill>
+                <a:latin typeface="+mn-lt"/>
+                <a:ea typeface="+mn-ea"/>
+                <a:cs typeface="+mn-cs"/>
+              </a:defRPr>
+            </a:lvl9pPr>
+          </a:lstStyle>
+          <a:p>
+            <a:pPr marL="0" indent="0">
+              <a:lnSpc>
+                <a:spcPct val="100000"/>
+              </a:lnSpc>
+              <a:buNone/>
+            </a:pPr>
+            <a:r>
+              <a:rPr lang="en-GB" sz="1600" dirty="0">
+                <a:latin typeface="DejaVu Sans Book" panose="020B0603030804020204" pitchFamily="34" charset="0"/>
+                <a:ea typeface="DejaVu Sans Book" panose="020B0603030804020204" pitchFamily="34" charset="0"/>
+                <a:cs typeface="DejaVu Sans Book" panose="020B0603030804020204" pitchFamily="34" charset="0"/>
+              </a:rPr>
+              <a:t>let mutable m = 1</a:t>
+            </a:r>
+          </a:p>
+          <a:p>
+            <a:pPr marL="0" indent="0">
+              <a:lnSpc>
+                <a:spcPct val="100000"/>
+              </a:lnSpc>
+              <a:buNone/>
+            </a:pPr>
+            <a:r>
+              <a:rPr lang="en-GB" sz="1600" dirty="0">
+                <a:latin typeface="DejaVu Sans Book" panose="020B0603030804020204" pitchFamily="34" charset="0"/>
+                <a:ea typeface="DejaVu Sans Book" panose="020B0603030804020204" pitchFamily="34" charset="0"/>
+                <a:cs typeface="DejaVu Sans Book" panose="020B0603030804020204" pitchFamily="34" charset="0"/>
+              </a:rPr>
+              <a:t>let mutable n = 1</a:t>
+            </a:r>
+          </a:p>
+          <a:p>
+            <a:pPr marL="0" indent="0">
+              <a:lnSpc>
+                <a:spcPct val="100000"/>
+              </a:lnSpc>
+              <a:buNone/>
+            </a:pPr>
+            <a:r>
+              <a:rPr lang="en-GB" sz="1600" dirty="0">
+                <a:latin typeface="DejaVu Sans Book" panose="020B0603030804020204" pitchFamily="34" charset="0"/>
+                <a:ea typeface="DejaVu Sans Book" panose="020B0603030804020204" pitchFamily="34" charset="0"/>
+                <a:cs typeface="DejaVu Sans Book" panose="020B0603030804020204" pitchFamily="34" charset="0"/>
+              </a:rPr>
+              <a:t>let N = 5</a:t>
+            </a:r>
+          </a:p>
+          <a:p>
+            <a:pPr marL="0" indent="0">
+              <a:lnSpc>
+                <a:spcPct val="100000"/>
+              </a:lnSpc>
+              <a:buNone/>
+            </a:pPr>
+            <a:r>
+              <a:rPr lang="en-GB" sz="1600" dirty="0">
+                <a:latin typeface="DejaVu Sans Book" panose="020B0603030804020204" pitchFamily="34" charset="0"/>
+                <a:ea typeface="DejaVu Sans Book" panose="020B0603030804020204" pitchFamily="34" charset="0"/>
+                <a:cs typeface="DejaVu Sans Book" panose="020B0603030804020204" pitchFamily="34" charset="0"/>
+              </a:rPr>
+              <a:t>for </a:t>
+            </a:r>
+            <a:r>
+              <a:rPr lang="en-GB" sz="1600" dirty="0" err="1">
+                <a:latin typeface="DejaVu Sans Book" panose="020B0603030804020204" pitchFamily="34" charset="0"/>
+                <a:ea typeface="DejaVu Sans Book" panose="020B0603030804020204" pitchFamily="34" charset="0"/>
+                <a:cs typeface="DejaVu Sans Book" panose="020B0603030804020204" pitchFamily="34" charset="0"/>
+              </a:rPr>
+              <a:t>i</a:t>
+            </a:r>
+            <a:r>
+              <a:rPr lang="en-GB" sz="1600" dirty="0">
+                <a:latin typeface="DejaVu Sans Book" panose="020B0603030804020204" pitchFamily="34" charset="0"/>
+                <a:ea typeface="DejaVu Sans Book" panose="020B0603030804020204" pitchFamily="34" charset="0"/>
+                <a:cs typeface="DejaVu Sans Book" panose="020B0603030804020204" pitchFamily="34" charset="0"/>
+              </a:rPr>
+              <a:t> = 3 to N do</a:t>
+            </a:r>
+          </a:p>
+          <a:p>
+            <a:pPr marL="0" indent="0">
+              <a:lnSpc>
+                <a:spcPct val="100000"/>
+              </a:lnSpc>
+              <a:buNone/>
+            </a:pPr>
+            <a:r>
+              <a:rPr lang="en-GB" sz="1600" dirty="0">
+                <a:latin typeface="DejaVu Sans Book" panose="020B0603030804020204" pitchFamily="34" charset="0"/>
+                <a:ea typeface="DejaVu Sans Book" panose="020B0603030804020204" pitchFamily="34" charset="0"/>
+                <a:cs typeface="DejaVu Sans Book" panose="020B0603030804020204" pitchFamily="34" charset="0"/>
+              </a:rPr>
+              <a:t>  let p = m + n</a:t>
+            </a:r>
+          </a:p>
+          <a:p>
+            <a:pPr marL="0" indent="0">
+              <a:lnSpc>
+                <a:spcPct val="100000"/>
+              </a:lnSpc>
+              <a:buNone/>
+            </a:pPr>
+            <a:r>
+              <a:rPr lang="en-GB" sz="1600" dirty="0">
+                <a:latin typeface="DejaVu Sans Book" panose="020B0603030804020204" pitchFamily="34" charset="0"/>
+                <a:ea typeface="DejaVu Sans Book" panose="020B0603030804020204" pitchFamily="34" charset="0"/>
+                <a:cs typeface="DejaVu Sans Book" panose="020B0603030804020204" pitchFamily="34" charset="0"/>
+              </a:rPr>
+              <a:t>  m &lt;- n</a:t>
+            </a:r>
+          </a:p>
+          <a:p>
+            <a:pPr marL="0" indent="0">
+              <a:lnSpc>
+                <a:spcPct val="100000"/>
+              </a:lnSpc>
+              <a:buNone/>
+            </a:pPr>
+            <a:r>
+              <a:rPr lang="en-GB" sz="1600" dirty="0">
+                <a:latin typeface="DejaVu Sans Book" panose="020B0603030804020204" pitchFamily="34" charset="0"/>
+                <a:ea typeface="DejaVu Sans Book" panose="020B0603030804020204" pitchFamily="34" charset="0"/>
+                <a:cs typeface="DejaVu Sans Book" panose="020B0603030804020204" pitchFamily="34" charset="0"/>
+              </a:rPr>
+              <a:t>  n &lt;- p</a:t>
+            </a:r>
+          </a:p>
+          <a:p>
+            <a:pPr marL="0" indent="0">
+              <a:lnSpc>
+                <a:spcPct val="100000"/>
+              </a:lnSpc>
+              <a:buNone/>
+            </a:pPr>
+            <a:r>
+              <a:rPr lang="en-GB" sz="1600" dirty="0" err="1">
+                <a:latin typeface="DejaVu Sans Book" panose="020B0603030804020204" pitchFamily="34" charset="0"/>
+                <a:ea typeface="DejaVu Sans Book" panose="020B0603030804020204" pitchFamily="34" charset="0"/>
+                <a:cs typeface="DejaVu Sans Book" panose="020B0603030804020204" pitchFamily="34" charset="0"/>
+              </a:rPr>
+              <a:t>printfn</a:t>
+            </a:r>
+            <a:r>
+              <a:rPr lang="en-GB" sz="1600" dirty="0">
+                <a:latin typeface="DejaVu Sans Book" panose="020B0603030804020204" pitchFamily="34" charset="0"/>
+                <a:ea typeface="DejaVu Sans Book" panose="020B0603030804020204" pitchFamily="34" charset="0"/>
+                <a:cs typeface="DejaVu Sans Book" panose="020B0603030804020204" pitchFamily="34" charset="0"/>
+              </a:rPr>
+              <a:t> "%d: %d" N n </a:t>
+            </a:r>
+          </a:p>
+        </p:txBody>
+      </p:sp>
+      <p:sp>
+        <p:nvSpPr>
+          <p:cNvPr id="5" name="Content Placeholder 2">
+            <a:extLst>
+              <a:ext uri="{FF2B5EF4-FFF2-40B4-BE49-F238E27FC236}">
+                <a16:creationId xmlns:a16="http://schemas.microsoft.com/office/drawing/2014/main" id="{83285D7F-8264-344E-B55D-077954F3D85B}"/>
+              </a:ext>
+            </a:extLst>
+          </p:cNvPr>
+          <p:cNvSpPr txBox="1">
+            <a:spLocks/>
+          </p:cNvSpPr>
+          <p:nvPr/>
+        </p:nvSpPr>
+        <p:spPr>
+          <a:xfrm>
+            <a:off x="4646113" y="1928996"/>
+            <a:ext cx="2541071" cy="3744921"/>
+          </a:xfrm>
+          <a:prstGeom prst="rect">
+            <a:avLst/>
+          </a:prstGeom>
+        </p:spPr>
+        <p:txBody>
+          <a:bodyPr vert="horz" lIns="91440" tIns="45720" rIns="91440" bIns="45720" rtlCol="0">
+            <a:noAutofit/>
+          </a:bodyPr>
+          <a:lstStyle>
+            <a:lvl1pPr marL="228600" indent="-228600" algn="l" defTabSz="914400" rtl="0" eaLnBrk="1" latinLnBrk="0" hangingPunct="1">
+              <a:lnSpc>
+                <a:spcPct val="90000"/>
+              </a:lnSpc>
+              <a:spcBef>
+                <a:spcPts val="1000"/>
+              </a:spcBef>
+              <a:buFont typeface="Arial" panose="020B0604020202020204" pitchFamily="34" charset="0"/>
+              <a:buChar char="•"/>
+              <a:defRPr sz="2800" kern="1200">
+                <a:solidFill>
+                  <a:schemeClr val="tx1"/>
+                </a:solidFill>
+                <a:latin typeface="+mn-lt"/>
+                <a:ea typeface="+mn-ea"/>
+                <a:cs typeface="+mn-cs"/>
+              </a:defRPr>
+            </a:lvl1pPr>
+            <a:lvl2pPr marL="685800" indent="-228600" algn="l" defTabSz="914400" rtl="0" eaLnBrk="1" latinLnBrk="0" hangingPunct="1">
+              <a:lnSpc>
+                <a:spcPct val="90000"/>
+              </a:lnSpc>
+              <a:spcBef>
+                <a:spcPts val="500"/>
+              </a:spcBef>
+              <a:buFont typeface="Arial" panose="020B0604020202020204" pitchFamily="34" charset="0"/>
+              <a:buChar char="•"/>
+              <a:defRPr sz="2400" kern="1200">
+                <a:solidFill>
+                  <a:schemeClr val="tx1"/>
+                </a:solidFill>
+                <a:latin typeface="+mn-lt"/>
+                <a:ea typeface="+mn-ea"/>
+                <a:cs typeface="+mn-cs"/>
+              </a:defRPr>
+            </a:lvl2pPr>
+            <a:lvl3pPr marL="1143000" indent="-228600" algn="l" defTabSz="914400" rtl="0" eaLnBrk="1" latinLnBrk="0" hangingPunct="1">
+              <a:lnSpc>
+                <a:spcPct val="90000"/>
+              </a:lnSpc>
+              <a:spcBef>
+                <a:spcPts val="500"/>
+              </a:spcBef>
+              <a:buFont typeface="Arial" panose="020B0604020202020204" pitchFamily="34" charset="0"/>
+              <a:buChar char="•"/>
+              <a:defRPr sz="2000" kern="1200">
+                <a:solidFill>
+                  <a:schemeClr val="tx1"/>
+                </a:solidFill>
+                <a:latin typeface="+mn-lt"/>
+                <a:ea typeface="+mn-ea"/>
+                <a:cs typeface="+mn-cs"/>
+              </a:defRPr>
+            </a:lvl3pPr>
+            <a:lvl4pPr marL="1600200" indent="-228600" algn="l" defTabSz="914400" rtl="0" eaLnBrk="1" latinLnBrk="0" hangingPunct="1">
+              <a:lnSpc>
+                <a:spcPct val="90000"/>
+              </a:lnSpc>
+              <a:spcBef>
+                <a:spcPts val="500"/>
+              </a:spcBef>
+              <a:buFont typeface="Arial" panose="020B0604020202020204" pitchFamily="34" charset="0"/>
+              <a:buChar char="•"/>
+              <a:defRPr sz="1800" kern="1200">
+                <a:solidFill>
+                  <a:schemeClr val="tx1"/>
+                </a:solidFill>
+                <a:latin typeface="+mn-lt"/>
+                <a:ea typeface="+mn-ea"/>
+                <a:cs typeface="+mn-cs"/>
+              </a:defRPr>
+            </a:lvl4pPr>
+            <a:lvl5pPr marL="2057400" indent="-228600" algn="l" defTabSz="914400" rtl="0" eaLnBrk="1" latinLnBrk="0" hangingPunct="1">
+              <a:lnSpc>
+                <a:spcPct val="90000"/>
+              </a:lnSpc>
+              <a:spcBef>
+                <a:spcPts val="500"/>
+              </a:spcBef>
+              <a:buFont typeface="Arial" panose="020B0604020202020204" pitchFamily="34" charset="0"/>
+              <a:buChar char="•"/>
+              <a:defRPr sz="1800" kern="1200">
+                <a:solidFill>
+                  <a:schemeClr val="tx1"/>
+                </a:solidFill>
+                <a:latin typeface="+mn-lt"/>
+                <a:ea typeface="+mn-ea"/>
+                <a:cs typeface="+mn-cs"/>
+              </a:defRPr>
+            </a:lvl5pPr>
+            <a:lvl6pPr marL="2514600" indent="-228600" algn="l" defTabSz="914400" rtl="0" eaLnBrk="1" latinLnBrk="0" hangingPunct="1">
+              <a:lnSpc>
+                <a:spcPct val="90000"/>
+              </a:lnSpc>
+              <a:spcBef>
+                <a:spcPts val="500"/>
+              </a:spcBef>
+              <a:buFont typeface="Arial" panose="020B0604020202020204" pitchFamily="34" charset="0"/>
+              <a:buChar char="•"/>
+              <a:defRPr sz="1800" kern="1200">
+                <a:solidFill>
+                  <a:schemeClr val="tx1"/>
+                </a:solidFill>
+                <a:latin typeface="+mn-lt"/>
+                <a:ea typeface="+mn-ea"/>
+                <a:cs typeface="+mn-cs"/>
+              </a:defRPr>
+            </a:lvl6pPr>
+            <a:lvl7pPr marL="2971800" indent="-228600" algn="l" defTabSz="914400" rtl="0" eaLnBrk="1" latinLnBrk="0" hangingPunct="1">
+              <a:lnSpc>
+                <a:spcPct val="90000"/>
+              </a:lnSpc>
+              <a:spcBef>
+                <a:spcPts val="500"/>
+              </a:spcBef>
+              <a:buFont typeface="Arial" panose="020B0604020202020204" pitchFamily="34" charset="0"/>
+              <a:buChar char="•"/>
+              <a:defRPr sz="1800" kern="1200">
+                <a:solidFill>
+                  <a:schemeClr val="tx1"/>
+                </a:solidFill>
+                <a:latin typeface="+mn-lt"/>
+                <a:ea typeface="+mn-ea"/>
+                <a:cs typeface="+mn-cs"/>
+              </a:defRPr>
+            </a:lvl7pPr>
+            <a:lvl8pPr marL="3429000" indent="-228600" algn="l" defTabSz="914400" rtl="0" eaLnBrk="1" latinLnBrk="0" hangingPunct="1">
+              <a:lnSpc>
+                <a:spcPct val="90000"/>
+              </a:lnSpc>
+              <a:spcBef>
+                <a:spcPts val="500"/>
+              </a:spcBef>
+              <a:buFont typeface="Arial" panose="020B0604020202020204" pitchFamily="34" charset="0"/>
+              <a:buChar char="•"/>
+              <a:defRPr sz="1800" kern="1200">
+                <a:solidFill>
+                  <a:schemeClr val="tx1"/>
+                </a:solidFill>
+                <a:latin typeface="+mn-lt"/>
+                <a:ea typeface="+mn-ea"/>
+                <a:cs typeface="+mn-cs"/>
+              </a:defRPr>
+            </a:lvl8pPr>
+            <a:lvl9pPr marL="3886200" indent="-228600" algn="l" defTabSz="914400" rtl="0" eaLnBrk="1" latinLnBrk="0" hangingPunct="1">
+              <a:lnSpc>
+                <a:spcPct val="90000"/>
+              </a:lnSpc>
+              <a:spcBef>
+                <a:spcPts val="500"/>
+              </a:spcBef>
+              <a:buFont typeface="Arial" panose="020B0604020202020204" pitchFamily="34" charset="0"/>
+              <a:buChar char="•"/>
+              <a:defRPr sz="1800" kern="1200">
+                <a:solidFill>
+                  <a:schemeClr val="tx1"/>
+                </a:solidFill>
+                <a:latin typeface="+mn-lt"/>
+                <a:ea typeface="+mn-ea"/>
+                <a:cs typeface="+mn-cs"/>
+              </a:defRPr>
+            </a:lvl9pPr>
+          </a:lstStyle>
+          <a:p>
+            <a:pPr marL="0" indent="0">
+              <a:lnSpc>
+                <a:spcPct val="100000"/>
+              </a:lnSpc>
+              <a:buNone/>
+            </a:pPr>
+            <a:r>
+              <a:rPr lang="en-GB" sz="1600" dirty="0">
+                <a:latin typeface="DejaVu Sans Book" panose="020B0603030804020204" pitchFamily="34" charset="0"/>
+                <a:ea typeface="DejaVu Sans Book" panose="020B0603030804020204" pitchFamily="34" charset="0"/>
+                <a:cs typeface="DejaVu Sans Book" panose="020B0603030804020204" pitchFamily="34" charset="0"/>
+              </a:rPr>
+              <a:t>let mutable m = 1</a:t>
+            </a:r>
+          </a:p>
+          <a:p>
+            <a:pPr marL="0" indent="0">
+              <a:lnSpc>
+                <a:spcPct val="100000"/>
+              </a:lnSpc>
+              <a:buNone/>
+            </a:pPr>
+            <a:r>
+              <a:rPr lang="en-GB" sz="1600" dirty="0">
+                <a:latin typeface="DejaVu Sans Book" panose="020B0603030804020204" pitchFamily="34" charset="0"/>
+                <a:ea typeface="DejaVu Sans Book" panose="020B0603030804020204" pitchFamily="34" charset="0"/>
+                <a:cs typeface="DejaVu Sans Book" panose="020B0603030804020204" pitchFamily="34" charset="0"/>
+              </a:rPr>
+              <a:t>let mutable n = 1</a:t>
+            </a:r>
+          </a:p>
+          <a:p>
+            <a:pPr marL="0" indent="0">
+              <a:lnSpc>
+                <a:spcPct val="100000"/>
+              </a:lnSpc>
+              <a:buNone/>
+            </a:pPr>
+            <a:r>
+              <a:rPr lang="en-GB" sz="1600" dirty="0">
+                <a:latin typeface="DejaVu Sans Book" panose="020B0603030804020204" pitchFamily="34" charset="0"/>
+                <a:ea typeface="DejaVu Sans Book" panose="020B0603030804020204" pitchFamily="34" charset="0"/>
+                <a:cs typeface="DejaVu Sans Book" panose="020B0603030804020204" pitchFamily="34" charset="0"/>
+              </a:rPr>
+              <a:t>let mutable </a:t>
+            </a:r>
+            <a:r>
+              <a:rPr lang="en-GB" sz="1600" dirty="0" err="1">
+                <a:latin typeface="DejaVu Sans Book" panose="020B0603030804020204" pitchFamily="34" charset="0"/>
+                <a:ea typeface="DejaVu Sans Book" panose="020B0603030804020204" pitchFamily="34" charset="0"/>
+                <a:cs typeface="DejaVu Sans Book" panose="020B0603030804020204" pitchFamily="34" charset="0"/>
+              </a:rPr>
+              <a:t>i</a:t>
+            </a:r>
+            <a:r>
+              <a:rPr lang="en-GB" sz="1600" dirty="0">
+                <a:latin typeface="DejaVu Sans Book" panose="020B0603030804020204" pitchFamily="34" charset="0"/>
+                <a:ea typeface="DejaVu Sans Book" panose="020B0603030804020204" pitchFamily="34" charset="0"/>
+                <a:cs typeface="DejaVu Sans Book" panose="020B0603030804020204" pitchFamily="34" charset="0"/>
+              </a:rPr>
+              <a:t> = 3</a:t>
+            </a:r>
+          </a:p>
+          <a:p>
+            <a:pPr marL="0" indent="0">
+              <a:lnSpc>
+                <a:spcPct val="100000"/>
+              </a:lnSpc>
+              <a:buNone/>
+            </a:pPr>
+            <a:r>
+              <a:rPr lang="en-GB" sz="1600" dirty="0">
+                <a:latin typeface="DejaVu Sans Book" panose="020B0603030804020204" pitchFamily="34" charset="0"/>
+                <a:ea typeface="DejaVu Sans Book" panose="020B0603030804020204" pitchFamily="34" charset="0"/>
+                <a:cs typeface="DejaVu Sans Book" panose="020B0603030804020204" pitchFamily="34" charset="0"/>
+              </a:rPr>
+              <a:t>let N = 5</a:t>
+            </a:r>
+          </a:p>
+          <a:p>
+            <a:pPr marL="0" indent="0">
+              <a:lnSpc>
+                <a:spcPct val="100000"/>
+              </a:lnSpc>
+              <a:buNone/>
+            </a:pPr>
+            <a:r>
+              <a:rPr lang="en-GB" sz="1600" dirty="0">
+                <a:latin typeface="DejaVu Sans Book" panose="020B0603030804020204" pitchFamily="34" charset="0"/>
+                <a:ea typeface="DejaVu Sans Book" panose="020B0603030804020204" pitchFamily="34" charset="0"/>
+                <a:cs typeface="DejaVu Sans Book" panose="020B0603030804020204" pitchFamily="34" charset="0"/>
+              </a:rPr>
+              <a:t>while </a:t>
+            </a:r>
+            <a:r>
+              <a:rPr lang="en-GB" sz="1600" dirty="0" err="1">
+                <a:latin typeface="DejaVu Sans Book" panose="020B0603030804020204" pitchFamily="34" charset="0"/>
+                <a:ea typeface="DejaVu Sans Book" panose="020B0603030804020204" pitchFamily="34" charset="0"/>
+                <a:cs typeface="DejaVu Sans Book" panose="020B0603030804020204" pitchFamily="34" charset="0"/>
+              </a:rPr>
+              <a:t>i</a:t>
+            </a:r>
+            <a:r>
+              <a:rPr lang="en-GB" sz="1600" dirty="0">
+                <a:latin typeface="DejaVu Sans Book" panose="020B0603030804020204" pitchFamily="34" charset="0"/>
+                <a:ea typeface="DejaVu Sans Book" panose="020B0603030804020204" pitchFamily="34" charset="0"/>
+                <a:cs typeface="DejaVu Sans Book" panose="020B0603030804020204" pitchFamily="34" charset="0"/>
+              </a:rPr>
+              <a:t> &lt;= 5 do</a:t>
+            </a:r>
+          </a:p>
+          <a:p>
+            <a:pPr marL="0" indent="0">
+              <a:lnSpc>
+                <a:spcPct val="100000"/>
+              </a:lnSpc>
+              <a:buNone/>
+            </a:pPr>
+            <a:r>
+              <a:rPr lang="en-GB" sz="1600" dirty="0">
+                <a:latin typeface="DejaVu Sans Book" panose="020B0603030804020204" pitchFamily="34" charset="0"/>
+                <a:ea typeface="DejaVu Sans Book" panose="020B0603030804020204" pitchFamily="34" charset="0"/>
+                <a:cs typeface="DejaVu Sans Book" panose="020B0603030804020204" pitchFamily="34" charset="0"/>
+              </a:rPr>
+              <a:t>  let p = m + n</a:t>
+            </a:r>
+          </a:p>
+          <a:p>
+            <a:pPr marL="0" indent="0">
+              <a:lnSpc>
+                <a:spcPct val="100000"/>
+              </a:lnSpc>
+              <a:buNone/>
+            </a:pPr>
+            <a:r>
+              <a:rPr lang="en-GB" sz="1600" dirty="0">
+                <a:latin typeface="DejaVu Sans Book" panose="020B0603030804020204" pitchFamily="34" charset="0"/>
+                <a:ea typeface="DejaVu Sans Book" panose="020B0603030804020204" pitchFamily="34" charset="0"/>
+                <a:cs typeface="DejaVu Sans Book" panose="020B0603030804020204" pitchFamily="34" charset="0"/>
+              </a:rPr>
+              <a:t>  m &lt;- n</a:t>
+            </a:r>
+          </a:p>
+          <a:p>
+            <a:pPr marL="0" indent="0">
+              <a:lnSpc>
+                <a:spcPct val="100000"/>
+              </a:lnSpc>
+              <a:buNone/>
+            </a:pPr>
+            <a:r>
+              <a:rPr lang="en-GB" sz="1600" dirty="0">
+                <a:latin typeface="DejaVu Sans Book" panose="020B0603030804020204" pitchFamily="34" charset="0"/>
+                <a:ea typeface="DejaVu Sans Book" panose="020B0603030804020204" pitchFamily="34" charset="0"/>
+                <a:cs typeface="DejaVu Sans Book" panose="020B0603030804020204" pitchFamily="34" charset="0"/>
+              </a:rPr>
+              <a:t>  n &lt;- p</a:t>
+            </a:r>
+          </a:p>
+          <a:p>
+            <a:pPr marL="0" indent="0">
+              <a:lnSpc>
+                <a:spcPct val="100000"/>
+              </a:lnSpc>
+              <a:buNone/>
+            </a:pPr>
+            <a:r>
+              <a:rPr lang="en-GB" sz="1600" dirty="0">
+                <a:latin typeface="DejaVu Sans Book" panose="020B0603030804020204" pitchFamily="34" charset="0"/>
+                <a:ea typeface="DejaVu Sans Book" panose="020B0603030804020204" pitchFamily="34" charset="0"/>
+                <a:cs typeface="DejaVu Sans Book" panose="020B0603030804020204" pitchFamily="34" charset="0"/>
+              </a:rPr>
+              <a:t>  </a:t>
+            </a:r>
+            <a:r>
+              <a:rPr lang="en-GB" sz="1600" dirty="0" err="1">
+                <a:latin typeface="DejaVu Sans Book" panose="020B0603030804020204" pitchFamily="34" charset="0"/>
+                <a:ea typeface="DejaVu Sans Book" panose="020B0603030804020204" pitchFamily="34" charset="0"/>
+                <a:cs typeface="DejaVu Sans Book" panose="020B0603030804020204" pitchFamily="34" charset="0"/>
+              </a:rPr>
+              <a:t>i</a:t>
+            </a:r>
+            <a:r>
+              <a:rPr lang="en-GB" sz="1600" dirty="0">
+                <a:latin typeface="DejaVu Sans Book" panose="020B0603030804020204" pitchFamily="34" charset="0"/>
+                <a:ea typeface="DejaVu Sans Book" panose="020B0603030804020204" pitchFamily="34" charset="0"/>
+                <a:cs typeface="DejaVu Sans Book" panose="020B0603030804020204" pitchFamily="34" charset="0"/>
+              </a:rPr>
+              <a:t> &lt;- </a:t>
+            </a:r>
+            <a:r>
+              <a:rPr lang="en-GB" sz="1600" dirty="0" err="1">
+                <a:latin typeface="DejaVu Sans Book" panose="020B0603030804020204" pitchFamily="34" charset="0"/>
+                <a:ea typeface="DejaVu Sans Book" panose="020B0603030804020204" pitchFamily="34" charset="0"/>
+                <a:cs typeface="DejaVu Sans Book" panose="020B0603030804020204" pitchFamily="34" charset="0"/>
+              </a:rPr>
+              <a:t>i</a:t>
+            </a:r>
+            <a:r>
+              <a:rPr lang="en-GB" sz="1600" dirty="0">
+                <a:latin typeface="DejaVu Sans Book" panose="020B0603030804020204" pitchFamily="34" charset="0"/>
+                <a:ea typeface="DejaVu Sans Book" panose="020B0603030804020204" pitchFamily="34" charset="0"/>
+                <a:cs typeface="DejaVu Sans Book" panose="020B0603030804020204" pitchFamily="34" charset="0"/>
+              </a:rPr>
+              <a:t> + 1;</a:t>
+            </a:r>
+          </a:p>
+          <a:p>
+            <a:pPr marL="0" indent="0">
+              <a:lnSpc>
+                <a:spcPct val="100000"/>
+              </a:lnSpc>
+              <a:buNone/>
+            </a:pPr>
+            <a:r>
+              <a:rPr lang="en-GB" sz="1600" dirty="0" err="1">
+                <a:latin typeface="DejaVu Sans Book" panose="020B0603030804020204" pitchFamily="34" charset="0"/>
+                <a:ea typeface="DejaVu Sans Book" panose="020B0603030804020204" pitchFamily="34" charset="0"/>
+                <a:cs typeface="DejaVu Sans Book" panose="020B0603030804020204" pitchFamily="34" charset="0"/>
+              </a:rPr>
+              <a:t>printfn</a:t>
+            </a:r>
+            <a:r>
+              <a:rPr lang="en-GB" sz="1600" dirty="0">
+                <a:latin typeface="DejaVu Sans Book" panose="020B0603030804020204" pitchFamily="34" charset="0"/>
+                <a:ea typeface="DejaVu Sans Book" panose="020B0603030804020204" pitchFamily="34" charset="0"/>
+                <a:cs typeface="DejaVu Sans Book" panose="020B0603030804020204" pitchFamily="34" charset="0"/>
+              </a:rPr>
+              <a:t> "%d: %d" N n</a:t>
             </a:r>
           </a:p>
         </p:txBody>
       </p:sp>
       <p:cxnSp>
         <p:nvCxnSpPr>
-          <p:cNvPr id="8" name="Straight Connector 7">
+          <p:cNvPr id="7" name="Straight Connector 6">
             <a:extLst>
               <a:ext uri="{FF2B5EF4-FFF2-40B4-BE49-F238E27FC236}">
-                <a16:creationId xmlns:a16="http://schemas.microsoft.com/office/drawing/2014/main" id="{C2060383-286E-E84D-B7A6-3D64823B2436}"/>
+                <a16:creationId xmlns:a16="http://schemas.microsoft.com/office/drawing/2014/main" id="{47932F52-5E6F-B74D-A022-A4DD1702E282}"/>
               </a:ext>
             </a:extLst>
           </p:cNvPr>
@@ -13255,8 +17932,8 @@
         </p:nvCxnSpPr>
         <p:spPr>
           <a:xfrm>
-            <a:off x="5465617" y="1154009"/>
-            <a:ext cx="0" cy="2176180"/>
+            <a:off x="4041738" y="1179190"/>
+            <a:ext cx="0" cy="5260571"/>
           </a:xfrm>
           <a:prstGeom prst="line">
             <a:avLst/>
@@ -13279,280 +17956,10 @@
       </p:cxnSp>
       <p:sp>
         <p:nvSpPr>
-          <p:cNvPr id="9" name="Content Placeholder 2">
+          <p:cNvPr id="9" name="TextBox 8">
             <a:extLst>
               <a:ext uri="{FF2B5EF4-FFF2-40B4-BE49-F238E27FC236}">
-                <a16:creationId xmlns:a16="http://schemas.microsoft.com/office/drawing/2014/main" id="{EDD97D87-9B06-6948-A4E2-4B8370B54A71}"/>
-              </a:ext>
-            </a:extLst>
-          </p:cNvPr>
-          <p:cNvSpPr txBox="1">
-            <a:spLocks/>
-          </p:cNvSpPr>
-          <p:nvPr/>
-        </p:nvSpPr>
-        <p:spPr>
-          <a:xfrm>
-            <a:off x="6130636" y="1158038"/>
-            <a:ext cx="5392770" cy="2192933"/>
-          </a:xfrm>
-          <a:prstGeom prst="rect">
-            <a:avLst/>
-          </a:prstGeom>
-        </p:spPr>
-        <p:txBody>
-          <a:bodyPr vert="horz" lIns="91440" tIns="45720" rIns="91440" bIns="45720" rtlCol="0">
-            <a:normAutofit fontScale="92500" lnSpcReduction="10000"/>
-          </a:bodyPr>
-          <a:lstStyle>
-            <a:lvl1pPr marL="228600" indent="-228600" algn="l" defTabSz="914400" rtl="0" eaLnBrk="1" latinLnBrk="0" hangingPunct="1">
-              <a:lnSpc>
-                <a:spcPct val="90000"/>
-              </a:lnSpc>
-              <a:spcBef>
-                <a:spcPts val="1000"/>
-              </a:spcBef>
-              <a:buFont typeface="Arial" panose="020B0604020202020204" pitchFamily="34" charset="0"/>
-              <a:buChar char="•"/>
-              <a:defRPr sz="2800" kern="1200">
-                <a:solidFill>
-                  <a:schemeClr val="tx1"/>
-                </a:solidFill>
-                <a:latin typeface="+mn-lt"/>
-                <a:ea typeface="+mn-ea"/>
-                <a:cs typeface="+mn-cs"/>
-              </a:defRPr>
-            </a:lvl1pPr>
-            <a:lvl2pPr marL="685800" indent="-228600" algn="l" defTabSz="914400" rtl="0" eaLnBrk="1" latinLnBrk="0" hangingPunct="1">
-              <a:lnSpc>
-                <a:spcPct val="90000"/>
-              </a:lnSpc>
-              <a:spcBef>
-                <a:spcPts val="500"/>
-              </a:spcBef>
-              <a:buFont typeface="Arial" panose="020B0604020202020204" pitchFamily="34" charset="0"/>
-              <a:buChar char="•"/>
-              <a:defRPr sz="2400" kern="1200">
-                <a:solidFill>
-                  <a:schemeClr val="tx1"/>
-                </a:solidFill>
-                <a:latin typeface="+mn-lt"/>
-                <a:ea typeface="+mn-ea"/>
-                <a:cs typeface="+mn-cs"/>
-              </a:defRPr>
-            </a:lvl2pPr>
-            <a:lvl3pPr marL="1143000" indent="-228600" algn="l" defTabSz="914400" rtl="0" eaLnBrk="1" latinLnBrk="0" hangingPunct="1">
-              <a:lnSpc>
-                <a:spcPct val="90000"/>
-              </a:lnSpc>
-              <a:spcBef>
-                <a:spcPts val="500"/>
-              </a:spcBef>
-              <a:buFont typeface="Arial" panose="020B0604020202020204" pitchFamily="34" charset="0"/>
-              <a:buChar char="•"/>
-              <a:defRPr sz="2000" kern="1200">
-                <a:solidFill>
-                  <a:schemeClr val="tx1"/>
-                </a:solidFill>
-                <a:latin typeface="+mn-lt"/>
-                <a:ea typeface="+mn-ea"/>
-                <a:cs typeface="+mn-cs"/>
-              </a:defRPr>
-            </a:lvl3pPr>
-            <a:lvl4pPr marL="1600200" indent="-228600" algn="l" defTabSz="914400" rtl="0" eaLnBrk="1" latinLnBrk="0" hangingPunct="1">
-              <a:lnSpc>
-                <a:spcPct val="90000"/>
-              </a:lnSpc>
-              <a:spcBef>
-                <a:spcPts val="500"/>
-              </a:spcBef>
-              <a:buFont typeface="Arial" panose="020B0604020202020204" pitchFamily="34" charset="0"/>
-              <a:buChar char="•"/>
-              <a:defRPr sz="1800" kern="1200">
-                <a:solidFill>
-                  <a:schemeClr val="tx1"/>
-                </a:solidFill>
-                <a:latin typeface="+mn-lt"/>
-                <a:ea typeface="+mn-ea"/>
-                <a:cs typeface="+mn-cs"/>
-              </a:defRPr>
-            </a:lvl4pPr>
-            <a:lvl5pPr marL="2057400" indent="-228600" algn="l" defTabSz="914400" rtl="0" eaLnBrk="1" latinLnBrk="0" hangingPunct="1">
-              <a:lnSpc>
-                <a:spcPct val="90000"/>
-              </a:lnSpc>
-              <a:spcBef>
-                <a:spcPts val="500"/>
-              </a:spcBef>
-              <a:buFont typeface="Arial" panose="020B0604020202020204" pitchFamily="34" charset="0"/>
-              <a:buChar char="•"/>
-              <a:defRPr sz="1800" kern="1200">
-                <a:solidFill>
-                  <a:schemeClr val="tx1"/>
-                </a:solidFill>
-                <a:latin typeface="+mn-lt"/>
-                <a:ea typeface="+mn-ea"/>
-                <a:cs typeface="+mn-cs"/>
-              </a:defRPr>
-            </a:lvl5pPr>
-            <a:lvl6pPr marL="2514600" indent="-228600" algn="l" defTabSz="914400" rtl="0" eaLnBrk="1" latinLnBrk="0" hangingPunct="1">
-              <a:lnSpc>
-                <a:spcPct val="90000"/>
-              </a:lnSpc>
-              <a:spcBef>
-                <a:spcPts val="500"/>
-              </a:spcBef>
-              <a:buFont typeface="Arial" panose="020B0604020202020204" pitchFamily="34" charset="0"/>
-              <a:buChar char="•"/>
-              <a:defRPr sz="1800" kern="1200">
-                <a:solidFill>
-                  <a:schemeClr val="tx1"/>
-                </a:solidFill>
-                <a:latin typeface="+mn-lt"/>
-                <a:ea typeface="+mn-ea"/>
-                <a:cs typeface="+mn-cs"/>
-              </a:defRPr>
-            </a:lvl6pPr>
-            <a:lvl7pPr marL="2971800" indent="-228600" algn="l" defTabSz="914400" rtl="0" eaLnBrk="1" latinLnBrk="0" hangingPunct="1">
-              <a:lnSpc>
-                <a:spcPct val="90000"/>
-              </a:lnSpc>
-              <a:spcBef>
-                <a:spcPts val="500"/>
-              </a:spcBef>
-              <a:buFont typeface="Arial" panose="020B0604020202020204" pitchFamily="34" charset="0"/>
-              <a:buChar char="•"/>
-              <a:defRPr sz="1800" kern="1200">
-                <a:solidFill>
-                  <a:schemeClr val="tx1"/>
-                </a:solidFill>
-                <a:latin typeface="+mn-lt"/>
-                <a:ea typeface="+mn-ea"/>
-                <a:cs typeface="+mn-cs"/>
-              </a:defRPr>
-            </a:lvl7pPr>
-            <a:lvl8pPr marL="3429000" indent="-228600" algn="l" defTabSz="914400" rtl="0" eaLnBrk="1" latinLnBrk="0" hangingPunct="1">
-              <a:lnSpc>
-                <a:spcPct val="90000"/>
-              </a:lnSpc>
-              <a:spcBef>
-                <a:spcPts val="500"/>
-              </a:spcBef>
-              <a:buFont typeface="Arial" panose="020B0604020202020204" pitchFamily="34" charset="0"/>
-              <a:buChar char="•"/>
-              <a:defRPr sz="1800" kern="1200">
-                <a:solidFill>
-                  <a:schemeClr val="tx1"/>
-                </a:solidFill>
-                <a:latin typeface="+mn-lt"/>
-                <a:ea typeface="+mn-ea"/>
-                <a:cs typeface="+mn-cs"/>
-              </a:defRPr>
-            </a:lvl8pPr>
-            <a:lvl9pPr marL="3886200" indent="-228600" algn="l" defTabSz="914400" rtl="0" eaLnBrk="1" latinLnBrk="0" hangingPunct="1">
-              <a:lnSpc>
-                <a:spcPct val="90000"/>
-              </a:lnSpc>
-              <a:spcBef>
-                <a:spcPts val="500"/>
-              </a:spcBef>
-              <a:buFont typeface="Arial" panose="020B0604020202020204" pitchFamily="34" charset="0"/>
-              <a:buChar char="•"/>
-              <a:defRPr sz="1800" kern="1200">
-                <a:solidFill>
-                  <a:schemeClr val="tx1"/>
-                </a:solidFill>
-                <a:latin typeface="+mn-lt"/>
-                <a:ea typeface="+mn-ea"/>
-                <a:cs typeface="+mn-cs"/>
-              </a:defRPr>
-            </a:lvl9pPr>
-          </a:lstStyle>
-          <a:p>
-            <a:r>
-              <a:rPr lang="da-DK" dirty="0"/>
-              <a:t>Virkefelter</a:t>
-            </a:r>
-          </a:p>
-          <a:p>
-            <a:r>
-              <a:rPr lang="da-DK" dirty="0"/>
-              <a:t>Funktioner</a:t>
-            </a:r>
-          </a:p>
-          <a:p>
-            <a:r>
-              <a:rPr lang="da-DK" dirty="0"/>
-              <a:t>Programmer ‘baglæns’</a:t>
-            </a:r>
-          </a:p>
-          <a:p>
-            <a:r>
-              <a:rPr lang="da-DK" dirty="0"/>
-              <a:t>Dokumentation</a:t>
-            </a:r>
-          </a:p>
-          <a:p>
-            <a:r>
-              <a:rPr lang="da-DK" dirty="0"/>
-              <a:t>Løkker</a:t>
-            </a:r>
-          </a:p>
-          <a:p>
-            <a:endParaRPr lang="da-DK" dirty="0"/>
-          </a:p>
-          <a:p>
-            <a:endParaRPr lang="da-DK" dirty="0"/>
-          </a:p>
-          <a:p>
-            <a:endParaRPr lang="da-DK" dirty="0"/>
-          </a:p>
-        </p:txBody>
-      </p:sp>
-      <p:cxnSp>
-        <p:nvCxnSpPr>
-          <p:cNvPr id="11" name="Straight Connector 10">
-            <a:extLst>
-              <a:ext uri="{FF2B5EF4-FFF2-40B4-BE49-F238E27FC236}">
-                <a16:creationId xmlns:a16="http://schemas.microsoft.com/office/drawing/2014/main" id="{E89BB09E-7BA9-F948-A0E8-977F40D82B24}"/>
-              </a:ext>
-            </a:extLst>
-          </p:cNvPr>
-          <p:cNvCxnSpPr>
-            <a:cxnSpLocks/>
-          </p:cNvCxnSpPr>
-          <p:nvPr/>
-        </p:nvCxnSpPr>
-        <p:spPr>
-          <a:xfrm flipV="1">
-            <a:off x="394855" y="3337113"/>
-            <a:ext cx="11471563" cy="13858"/>
-          </a:xfrm>
-          <a:prstGeom prst="line">
-            <a:avLst/>
-          </a:prstGeom>
-        </p:spPr>
-        <p:style>
-          <a:lnRef idx="1">
-            <a:schemeClr val="accent1"/>
-          </a:lnRef>
-          <a:fillRef idx="0">
-            <a:schemeClr val="accent1"/>
-          </a:fillRef>
-          <a:effectRef idx="0">
-            <a:schemeClr val="accent1"/>
-          </a:effectRef>
-          <a:fontRef idx="minor">
-            <a:schemeClr val="tx1"/>
-          </a:fontRef>
-        </p:style>
-      </p:cxnSp>
-      <p:sp>
-        <p:nvSpPr>
-          <p:cNvPr id="4" name="TextBox 3">
-            <a:extLst>
-              <a:ext uri="{FF2B5EF4-FFF2-40B4-BE49-F238E27FC236}">
-                <a16:creationId xmlns:a16="http://schemas.microsoft.com/office/drawing/2014/main" id="{DE219C4B-716A-E34C-BD60-349CC37F942C}"/>
+                <a16:creationId xmlns:a16="http://schemas.microsoft.com/office/drawing/2014/main" id="{B9059D69-FC0C-4A4C-B700-61C7A7F9C652}"/>
               </a:ext>
             </a:extLst>
           </p:cNvPr>
@@ -13561,8 +17968,8 @@
         </p:nvSpPr>
         <p:spPr>
           <a:xfrm>
-            <a:off x="6485858" y="6309516"/>
-            <a:ext cx="4016741" cy="461665"/>
+            <a:off x="1062569" y="1311602"/>
+            <a:ext cx="1333250" cy="461665"/>
           </a:xfrm>
           <a:prstGeom prst="rect">
             <a:avLst/>
@@ -13576,96 +17983,23 @@
           <a:lstStyle/>
           <a:p>
             <a:r>
-              <a:rPr lang="da-DK" sz="2400" b="1" dirty="0" err="1"/>
-              <a:t>https</a:t>
-            </a:r>
-            <a:r>
-              <a:rPr lang="da-DK" sz="2400" b="1" dirty="0"/>
-              <a:t>://</a:t>
-            </a:r>
-            <a:r>
-              <a:rPr lang="da-DK" sz="2400" b="1" dirty="0" err="1"/>
-              <a:t>tinyurl.com</a:t>
-            </a:r>
-            <a:r>
-              <a:rPr lang="da-DK" sz="2400" b="1" dirty="0"/>
-              <a:t>/y8yuuyy4</a:t>
-            </a:r>
-            <a:endParaRPr lang="en-GB" sz="4000" dirty="0"/>
+              <a:rPr lang="en-GB" sz="2400" dirty="0"/>
+              <a:t>For-</a:t>
+            </a:r>
+            <a:r>
+              <a:rPr lang="en-GB" sz="2400" dirty="0" err="1"/>
+              <a:t>løkke</a:t>
+            </a:r>
+            <a:endParaRPr lang="en-GB" sz="2400" dirty="0"/>
           </a:p>
         </p:txBody>
       </p:sp>
-      <p:pic>
-        <p:nvPicPr>
-          <p:cNvPr id="12" name="Content Placeholder 3">
-            <a:extLst>
-              <a:ext uri="{FF2B5EF4-FFF2-40B4-BE49-F238E27FC236}">
-                <a16:creationId xmlns:a16="http://schemas.microsoft.com/office/drawing/2014/main" id="{E127A720-EAC7-574B-B594-5668580DF4BF}"/>
-              </a:ext>
-            </a:extLst>
-          </p:cNvPr>
-          <p:cNvPicPr>
-            <a:picLocks noChangeAspect="1"/>
-          </p:cNvPicPr>
-          <p:nvPr/>
-        </p:nvPicPr>
-        <p:blipFill rotWithShape="1">
-          <a:blip r:embed="rId2">
-            <a:extLst>
-              <a:ext uri="{28A0092B-C50C-407E-A947-70E740481C1C}">
-                <a14:useLocalDpi xmlns:a14="http://schemas.microsoft.com/office/drawing/2010/main" val="0"/>
-              </a:ext>
-            </a:extLst>
-          </a:blip>
-          <a:srcRect b="6127"/>
-          <a:stretch/>
-        </p:blipFill>
-        <p:spPr>
-          <a:xfrm>
-            <a:off x="200532" y="3763926"/>
-            <a:ext cx="4967185" cy="3036625"/>
-          </a:xfrm>
-          <a:prstGeom prst="rect">
-            <a:avLst/>
-          </a:prstGeom>
-        </p:spPr>
-      </p:pic>
-      <p:pic>
-        <p:nvPicPr>
-          <p:cNvPr id="13" name="Picture 12">
-            <a:extLst>
-              <a:ext uri="{FF2B5EF4-FFF2-40B4-BE49-F238E27FC236}">
-                <a16:creationId xmlns:a16="http://schemas.microsoft.com/office/drawing/2014/main" id="{D4E59253-C872-2249-8984-19E3C3378D94}"/>
-              </a:ext>
-            </a:extLst>
-          </p:cNvPr>
-          <p:cNvPicPr>
-            <a:picLocks noChangeAspect="1"/>
-          </p:cNvPicPr>
-          <p:nvPr/>
-        </p:nvPicPr>
-        <p:blipFill>
-          <a:blip r:embed="rId3"/>
-          <a:stretch>
-            <a:fillRect/>
-          </a:stretch>
-        </p:blipFill>
-        <p:spPr>
-          <a:xfrm>
-            <a:off x="7210303" y="3763926"/>
-            <a:ext cx="1816100" cy="1993900"/>
-          </a:xfrm>
-          <a:prstGeom prst="rect">
-            <a:avLst/>
-          </a:prstGeom>
-        </p:spPr>
-      </p:pic>
       <p:sp>
         <p:nvSpPr>
           <p:cNvPr id="10" name="TextBox 9">
             <a:extLst>
               <a:ext uri="{FF2B5EF4-FFF2-40B4-BE49-F238E27FC236}">
-                <a16:creationId xmlns:a16="http://schemas.microsoft.com/office/drawing/2014/main" id="{4F8B70C6-A60A-9142-B818-11876B19A0B4}"/>
+                <a16:creationId xmlns:a16="http://schemas.microsoft.com/office/drawing/2014/main" id="{9F603259-5C4C-8E44-A831-4770C2163C50}"/>
               </a:ext>
             </a:extLst>
           </p:cNvPr>
@@ -13674,8 +18008,8 @@
         </p:nvSpPr>
         <p:spPr>
           <a:xfrm>
-            <a:off x="6485857" y="5847851"/>
-            <a:ext cx="4016741" cy="461665"/>
+            <a:off x="4359253" y="1291656"/>
+            <a:ext cx="1667123" cy="461665"/>
           </a:xfrm>
           <a:prstGeom prst="rect">
             <a:avLst/>
@@ -13689,163 +18023,31 @@
           <a:lstStyle/>
           <a:p>
             <a:r>
-              <a:rPr lang="da-DK" sz="2400" b="1" dirty="0" err="1"/>
-              <a:t>https</a:t>
-            </a:r>
-            <a:r>
-              <a:rPr lang="da-DK" sz="2400" b="1" dirty="0"/>
-              <a:t>://</a:t>
-            </a:r>
-            <a:r>
-              <a:rPr lang="da-DK" sz="2400" b="1" dirty="0" err="1"/>
-              <a:t>tinyurl.com</a:t>
-            </a:r>
-            <a:r>
-              <a:rPr lang="da-DK" sz="2400" b="1" dirty="0"/>
-              <a:t>/y923467c</a:t>
-            </a:r>
-            <a:endParaRPr lang="en-GB" sz="4000" dirty="0"/>
+              <a:rPr lang="en-GB" sz="2400" dirty="0"/>
+              <a:t>While-</a:t>
+            </a:r>
+            <a:r>
+              <a:rPr lang="en-GB" sz="2400" dirty="0" err="1"/>
+              <a:t>løkke</a:t>
+            </a:r>
+            <a:endParaRPr lang="en-GB" sz="2400" dirty="0"/>
           </a:p>
         </p:txBody>
       </p:sp>
     </p:spTree>
     <p:extLst>
       <p:ext uri="{BB962C8B-B14F-4D97-AF65-F5344CB8AC3E}">
-        <p14:creationId xmlns:p14="http://schemas.microsoft.com/office/powerpoint/2010/main" val="4121573176"/>
+        <p14:creationId xmlns:p14="http://schemas.microsoft.com/office/powerpoint/2010/main" val="2834963553"/>
       </p:ext>
     </p:extLst>
   </p:cSld>
   <p:clrMapOvr>
     <a:masterClrMapping/>
   </p:clrMapOvr>
-  <p:timing>
-    <p:tnLst>
-      <p:par>
-        <p:cTn id="1" dur="indefinite" restart="never" nodeType="tmRoot">
-          <p:childTnLst>
-            <p:seq concurrent="1" nextAc="seek">
-              <p:cTn id="2" dur="indefinite" nodeType="mainSeq">
-                <p:childTnLst>
-                  <p:par>
-                    <p:cTn id="3" fill="hold">
-                      <p:stCondLst>
-                        <p:cond delay="indefinite"/>
-                      </p:stCondLst>
-                      <p:childTnLst>
-                        <p:par>
-                          <p:cTn id="4" fill="hold">
-                            <p:stCondLst>
-                              <p:cond delay="0"/>
-                            </p:stCondLst>
-                            <p:childTnLst>
-                              <p:par>
-                                <p:cTn id="5" presetID="1" presetClass="entr" presetSubtype="0" fill="hold" grpId="0" nodeType="clickEffect">
-                                  <p:stCondLst>
-                                    <p:cond delay="0"/>
-                                  </p:stCondLst>
-                                  <p:childTnLst>
-                                    <p:set>
-                                      <p:cBhvr>
-                                        <p:cTn id="6" dur="1" fill="hold">
-                                          <p:stCondLst>
-                                            <p:cond delay="0"/>
-                                          </p:stCondLst>
-                                        </p:cTn>
-                                        <p:tgtEl>
-                                          <p:spTgt spid="10"/>
-                                        </p:tgtEl>
-                                        <p:attrNameLst>
-                                          <p:attrName>style.visibility</p:attrName>
-                                        </p:attrNameLst>
-                                      </p:cBhvr>
-                                      <p:to>
-                                        <p:strVal val="visible"/>
-                                      </p:to>
-                                    </p:set>
-                                  </p:childTnLst>
-                                </p:cTn>
-                              </p:par>
-                            </p:childTnLst>
-                          </p:cTn>
-                        </p:par>
-                      </p:childTnLst>
-                    </p:cTn>
-                  </p:par>
-                  <p:par>
-                    <p:cTn id="7" fill="hold">
-                      <p:stCondLst>
-                        <p:cond delay="indefinite"/>
-                      </p:stCondLst>
-                      <p:childTnLst>
-                        <p:par>
-                          <p:cTn id="8" fill="hold">
-                            <p:stCondLst>
-                              <p:cond delay="0"/>
-                            </p:stCondLst>
-                            <p:childTnLst>
-                              <p:par>
-                                <p:cTn id="9" presetID="1" presetClass="entr" presetSubtype="0" fill="hold" grpId="0" nodeType="clickEffect">
-                                  <p:stCondLst>
-                                    <p:cond delay="0"/>
-                                  </p:stCondLst>
-                                  <p:childTnLst>
-                                    <p:set>
-                                      <p:cBhvr>
-                                        <p:cTn id="10" dur="1" fill="hold">
-                                          <p:stCondLst>
-                                            <p:cond delay="0"/>
-                                          </p:stCondLst>
-                                        </p:cTn>
-                                        <p:tgtEl>
-                                          <p:spTgt spid="4"/>
-                                        </p:tgtEl>
-                                        <p:attrNameLst>
-                                          <p:attrName>style.visibility</p:attrName>
-                                        </p:attrNameLst>
-                                      </p:cBhvr>
-                                      <p:to>
-                                        <p:strVal val="visible"/>
-                                      </p:to>
-                                    </p:set>
-                                  </p:childTnLst>
-                                </p:cTn>
-                              </p:par>
-                            </p:childTnLst>
-                          </p:cTn>
-                        </p:par>
-                      </p:childTnLst>
-                    </p:cTn>
-                  </p:par>
-                </p:childTnLst>
-              </p:cTn>
-              <p:prevCondLst>
-                <p:cond evt="onPrev" delay="0">
-                  <p:tgtEl>
-                    <p:sldTgt/>
-                  </p:tgtEl>
-                </p:cond>
-              </p:prevCondLst>
-              <p:nextCondLst>
-                <p:cond evt="onNext" delay="0">
-                  <p:tgtEl>
-                    <p:sldTgt/>
-                  </p:tgtEl>
-                </p:cond>
-              </p:nextCondLst>
-            </p:seq>
-          </p:childTnLst>
-        </p:cTn>
-      </p:par>
-    </p:tnLst>
-    <p:bldLst>
-      <p:bldP spid="4" grpId="0"/>
-      <p:bldP spid="10" grpId="0"/>
-    </p:bldLst>
-  </p:timing>
 </p:sld>
 </file>
 
-<file path=ppt/slides/slide3.xml><?xml version="1.0" encoding="utf-8"?>
+<file path=ppt/slides/slide4.xml><?xml version="1.0" encoding="utf-8"?>
 <p:sld xmlns:a="http://schemas.openxmlformats.org/drawingml/2006/main" xmlns:r="http://schemas.openxmlformats.org/officeDocument/2006/relationships" xmlns:p="http://schemas.openxmlformats.org/presentationml/2006/main">
   <p:cSld>
     <p:spTree>
@@ -16467,7 +20669,7 @@
 </p:sld>
 </file>
 
-<file path=ppt/slides/slide4.xml><?xml version="1.0" encoding="utf-8"?>
+<file path=ppt/slides/slide5.xml><?xml version="1.0" encoding="utf-8"?>
 <p:sld xmlns:a="http://schemas.openxmlformats.org/drawingml/2006/main" xmlns:r="http://schemas.openxmlformats.org/officeDocument/2006/relationships" xmlns:p="http://schemas.openxmlformats.org/presentationml/2006/main">
   <p:cSld>
     <p:spTree>
@@ -16529,7 +20731,7 @@
         <p:spPr>
           <a:xfrm>
             <a:off x="1243900" y="1894546"/>
-            <a:ext cx="2340548" cy="2780305"/>
+            <a:ext cx="2340548" cy="3152942"/>
           </a:xfrm>
           <a:prstGeom prst="rect">
             <a:avLst/>
@@ -16748,23 +20950,7 @@
                 <a:ea typeface="DejaVu Sans Book" panose="020B0603030804020204" pitchFamily="34" charset="0"/>
                 <a:cs typeface="DejaVu Sans Book" panose="020B0603030804020204" pitchFamily="34" charset="0"/>
               </a:rPr>
-              <a:t>for </a:t>
-            </a:r>
-            <a:r>
-              <a:rPr lang="en-GB" sz="1600" dirty="0" err="1">
-                <a:latin typeface="DejaVu Sans Book" panose="020B0603030804020204" pitchFamily="34" charset="0"/>
-                <a:ea typeface="DejaVu Sans Book" panose="020B0603030804020204" pitchFamily="34" charset="0"/>
-                <a:cs typeface="DejaVu Sans Book" panose="020B0603030804020204" pitchFamily="34" charset="0"/>
-              </a:rPr>
-              <a:t>i</a:t>
-            </a:r>
-            <a:r>
-              <a:rPr lang="en-GB" sz="1600" dirty="0">
-                <a:latin typeface="DejaVu Sans Book" panose="020B0603030804020204" pitchFamily="34" charset="0"/>
-                <a:ea typeface="DejaVu Sans Book" panose="020B0603030804020204" pitchFamily="34" charset="0"/>
-                <a:cs typeface="DejaVu Sans Book" panose="020B0603030804020204" pitchFamily="34" charset="0"/>
-              </a:rPr>
-              <a:t> = 3 to 5 do</a:t>
+              <a:t>let N = 5</a:t>
             </a:r>
           </a:p>
           <a:p>
@@ -16780,7 +20966,23 @@
                 <a:ea typeface="DejaVu Sans Book" panose="020B0603030804020204" pitchFamily="34" charset="0"/>
                 <a:cs typeface="DejaVu Sans Book" panose="020B0603030804020204" pitchFamily="34" charset="0"/>
               </a:rPr>
-              <a:t>  let p = m + n</a:t>
+              <a:t>for </a:t>
+            </a:r>
+            <a:r>
+              <a:rPr lang="en-GB" sz="1600" dirty="0" err="1">
+                <a:latin typeface="DejaVu Sans Book" panose="020B0603030804020204" pitchFamily="34" charset="0"/>
+                <a:ea typeface="DejaVu Sans Book" panose="020B0603030804020204" pitchFamily="34" charset="0"/>
+                <a:cs typeface="DejaVu Sans Book" panose="020B0603030804020204" pitchFamily="34" charset="0"/>
+              </a:rPr>
+              <a:t>i</a:t>
+            </a:r>
+            <a:r>
+              <a:rPr lang="en-GB" sz="1600" dirty="0">
+                <a:latin typeface="DejaVu Sans Book" panose="020B0603030804020204" pitchFamily="34" charset="0"/>
+                <a:ea typeface="DejaVu Sans Book" panose="020B0603030804020204" pitchFamily="34" charset="0"/>
+                <a:cs typeface="DejaVu Sans Book" panose="020B0603030804020204" pitchFamily="34" charset="0"/>
+              </a:rPr>
+              <a:t> = 3 to N do</a:t>
             </a:r>
           </a:p>
           <a:p>
@@ -16796,7 +20998,7 @@
                 <a:ea typeface="DejaVu Sans Book" panose="020B0603030804020204" pitchFamily="34" charset="0"/>
                 <a:cs typeface="DejaVu Sans Book" panose="020B0603030804020204" pitchFamily="34" charset="0"/>
               </a:rPr>
-              <a:t>  m &lt;- n</a:t>
+              <a:t>  let p = m + n</a:t>
             </a:r>
           </a:p>
           <a:p>
@@ -16812,7 +21014,7 @@
                 <a:ea typeface="DejaVu Sans Book" panose="020B0603030804020204" pitchFamily="34" charset="0"/>
                 <a:cs typeface="DejaVu Sans Book" panose="020B0603030804020204" pitchFamily="34" charset="0"/>
               </a:rPr>
-              <a:t>  n &lt;- p</a:t>
+              <a:t>  m &lt;- n</a:t>
             </a:r>
           </a:p>
           <a:p>
@@ -16823,6 +21025,22 @@
               <a:buNone/>
             </a:pPr>
             <a:r>
+              <a:rPr lang="en-GB" sz="1600" dirty="0">
+                <a:latin typeface="DejaVu Sans Book" panose="020B0603030804020204" pitchFamily="34" charset="0"/>
+                <a:ea typeface="DejaVu Sans Book" panose="020B0603030804020204" pitchFamily="34" charset="0"/>
+                <a:cs typeface="DejaVu Sans Book" panose="020B0603030804020204" pitchFamily="34" charset="0"/>
+              </a:rPr>
+              <a:t>  n &lt;- p</a:t>
+            </a:r>
+          </a:p>
+          <a:p>
+            <a:pPr marL="0" indent="0">
+              <a:lnSpc>
+                <a:spcPct val="100000"/>
+              </a:lnSpc>
+              <a:buNone/>
+            </a:pPr>
+            <a:r>
               <a:rPr lang="en-GB" sz="1600" dirty="0" err="1">
                 <a:latin typeface="DejaVu Sans Book" panose="020B0603030804020204" pitchFamily="34" charset="0"/>
                 <a:ea typeface="DejaVu Sans Book" panose="020B0603030804020204" pitchFamily="34" charset="0"/>
@@ -16836,23 +21054,7 @@
                 <a:ea typeface="DejaVu Sans Book" panose="020B0603030804020204" pitchFamily="34" charset="0"/>
                 <a:cs typeface="DejaVu Sans Book" panose="020B0603030804020204" pitchFamily="34" charset="0"/>
               </a:rPr>
-              <a:t> "%d: %d" </a:t>
-            </a:r>
-            <a:r>
-              <a:rPr lang="en-GB" sz="1600" dirty="0" err="1">
-                <a:latin typeface="DejaVu Sans Book" panose="020B0603030804020204" pitchFamily="34" charset="0"/>
-                <a:ea typeface="DejaVu Sans Book" panose="020B0603030804020204" pitchFamily="34" charset="0"/>
-                <a:cs typeface="DejaVu Sans Book" panose="020B0603030804020204" pitchFamily="34" charset="0"/>
-              </a:rPr>
-              <a:t>i</a:t>
-            </a:r>
-            <a:r>
-              <a:rPr lang="en-GB" sz="1600" dirty="0">
-                <a:latin typeface="DejaVu Sans Book" panose="020B0603030804020204" pitchFamily="34" charset="0"/>
-                <a:ea typeface="DejaVu Sans Book" panose="020B0603030804020204" pitchFamily="34" charset="0"/>
-                <a:cs typeface="DejaVu Sans Book" panose="020B0603030804020204" pitchFamily="34" charset="0"/>
-              </a:rPr>
-              <a:t> n</a:t>
+              <a:t> "%d: %d" N n </a:t>
             </a:r>
           </a:p>
         </p:txBody>
@@ -17125,23 +21327,7 @@
                 <a:ea typeface="DejaVu Sans Book" panose="020B0603030804020204" pitchFamily="34" charset="0"/>
                 <a:cs typeface="DejaVu Sans Book" panose="020B0603030804020204" pitchFamily="34" charset="0"/>
               </a:rPr>
-              <a:t>while </a:t>
-            </a:r>
-            <a:r>
-              <a:rPr lang="en-GB" sz="1600" dirty="0" err="1">
-                <a:latin typeface="DejaVu Sans Book" panose="020B0603030804020204" pitchFamily="34" charset="0"/>
-                <a:ea typeface="DejaVu Sans Book" panose="020B0603030804020204" pitchFamily="34" charset="0"/>
-                <a:cs typeface="DejaVu Sans Book" panose="020B0603030804020204" pitchFamily="34" charset="0"/>
-              </a:rPr>
-              <a:t>i</a:t>
-            </a:r>
-            <a:r>
-              <a:rPr lang="en-GB" sz="1600" dirty="0">
-                <a:latin typeface="DejaVu Sans Book" panose="020B0603030804020204" pitchFamily="34" charset="0"/>
-                <a:ea typeface="DejaVu Sans Book" panose="020B0603030804020204" pitchFamily="34" charset="0"/>
-                <a:cs typeface="DejaVu Sans Book" panose="020B0603030804020204" pitchFamily="34" charset="0"/>
-              </a:rPr>
-              <a:t> &lt;= 5 do</a:t>
+              <a:t>let N = 5</a:t>
             </a:r>
           </a:p>
           <a:p>
@@ -17157,7 +21343,23 @@
                 <a:ea typeface="DejaVu Sans Book" panose="020B0603030804020204" pitchFamily="34" charset="0"/>
                 <a:cs typeface="DejaVu Sans Book" panose="020B0603030804020204" pitchFamily="34" charset="0"/>
               </a:rPr>
-              <a:t>  let p = m + n</a:t>
+              <a:t>while </a:t>
+            </a:r>
+            <a:r>
+              <a:rPr lang="en-GB" sz="1600" dirty="0" err="1">
+                <a:latin typeface="DejaVu Sans Book" panose="020B0603030804020204" pitchFamily="34" charset="0"/>
+                <a:ea typeface="DejaVu Sans Book" panose="020B0603030804020204" pitchFamily="34" charset="0"/>
+                <a:cs typeface="DejaVu Sans Book" panose="020B0603030804020204" pitchFamily="34" charset="0"/>
+              </a:rPr>
+              <a:t>i</a:t>
+            </a:r>
+            <a:r>
+              <a:rPr lang="en-GB" sz="1600" dirty="0">
+                <a:latin typeface="DejaVu Sans Book" panose="020B0603030804020204" pitchFamily="34" charset="0"/>
+                <a:ea typeface="DejaVu Sans Book" panose="020B0603030804020204" pitchFamily="34" charset="0"/>
+                <a:cs typeface="DejaVu Sans Book" panose="020B0603030804020204" pitchFamily="34" charset="0"/>
+              </a:rPr>
+              <a:t> &lt;= 5 do</a:t>
             </a:r>
           </a:p>
           <a:p>
@@ -17173,7 +21375,7 @@
                 <a:ea typeface="DejaVu Sans Book" panose="020B0603030804020204" pitchFamily="34" charset="0"/>
                 <a:cs typeface="DejaVu Sans Book" panose="020B0603030804020204" pitchFamily="34" charset="0"/>
               </a:rPr>
-              <a:t>  m &lt;- n</a:t>
+              <a:t>  let p = m + n</a:t>
             </a:r>
           </a:p>
           <a:p>
@@ -17189,7 +21391,7 @@
                 <a:ea typeface="DejaVu Sans Book" panose="020B0603030804020204" pitchFamily="34" charset="0"/>
                 <a:cs typeface="DejaVu Sans Book" panose="020B0603030804020204" pitchFamily="34" charset="0"/>
               </a:rPr>
-              <a:t>  n &lt;- p</a:t>
+              <a:t>  m &lt;- n</a:t>
             </a:r>
           </a:p>
           <a:p>
@@ -17205,39 +21407,7 @@
                 <a:ea typeface="DejaVu Sans Book" panose="020B0603030804020204" pitchFamily="34" charset="0"/>
                 <a:cs typeface="DejaVu Sans Book" panose="020B0603030804020204" pitchFamily="34" charset="0"/>
               </a:rPr>
-              <a:t>  </a:t>
-            </a:r>
-            <a:r>
-              <a:rPr lang="en-GB" sz="1600" dirty="0" err="1">
-                <a:latin typeface="DejaVu Sans Book" panose="020B0603030804020204" pitchFamily="34" charset="0"/>
-                <a:ea typeface="DejaVu Sans Book" panose="020B0603030804020204" pitchFamily="34" charset="0"/>
-                <a:cs typeface="DejaVu Sans Book" panose="020B0603030804020204" pitchFamily="34" charset="0"/>
-              </a:rPr>
-              <a:t>i</a:t>
-            </a:r>
-            <a:r>
-              <a:rPr lang="en-GB" sz="1600" dirty="0">
-                <a:latin typeface="DejaVu Sans Book" panose="020B0603030804020204" pitchFamily="34" charset="0"/>
-                <a:ea typeface="DejaVu Sans Book" panose="020B0603030804020204" pitchFamily="34" charset="0"/>
-                <a:cs typeface="DejaVu Sans Book" panose="020B0603030804020204" pitchFamily="34" charset="0"/>
-              </a:rPr>
-              <a:t> &lt;- </a:t>
-            </a:r>
-            <a:r>
-              <a:rPr lang="en-GB" sz="1600" dirty="0" err="1">
-                <a:latin typeface="DejaVu Sans Book" panose="020B0603030804020204" pitchFamily="34" charset="0"/>
-                <a:ea typeface="DejaVu Sans Book" panose="020B0603030804020204" pitchFamily="34" charset="0"/>
-                <a:cs typeface="DejaVu Sans Book" panose="020B0603030804020204" pitchFamily="34" charset="0"/>
-              </a:rPr>
-              <a:t>i</a:t>
-            </a:r>
-            <a:r>
-              <a:rPr lang="en-GB" sz="1600" dirty="0">
-                <a:latin typeface="DejaVu Sans Book" panose="020B0603030804020204" pitchFamily="34" charset="0"/>
-                <a:ea typeface="DejaVu Sans Book" panose="020B0603030804020204" pitchFamily="34" charset="0"/>
-                <a:cs typeface="DejaVu Sans Book" panose="020B0603030804020204" pitchFamily="34" charset="0"/>
-              </a:rPr>
-              <a:t> + 1;</a:t>
+              <a:t>  n &lt;- p</a:t>
             </a:r>
           </a:p>
           <a:p>
@@ -17248,11 +21418,59 @@
               <a:buNone/>
             </a:pPr>
             <a:r>
+              <a:rPr lang="en-GB" sz="1600" dirty="0">
+                <a:latin typeface="DejaVu Sans Book" panose="020B0603030804020204" pitchFamily="34" charset="0"/>
+                <a:ea typeface="DejaVu Sans Book" panose="020B0603030804020204" pitchFamily="34" charset="0"/>
+                <a:cs typeface="DejaVu Sans Book" panose="020B0603030804020204" pitchFamily="34" charset="0"/>
+              </a:rPr>
+              <a:t>  </a:t>
+            </a:r>
+            <a:r>
               <a:rPr lang="en-GB" sz="1600" dirty="0" err="1">
                 <a:latin typeface="DejaVu Sans Book" panose="020B0603030804020204" pitchFamily="34" charset="0"/>
                 <a:ea typeface="DejaVu Sans Book" panose="020B0603030804020204" pitchFamily="34" charset="0"/>
                 <a:cs typeface="DejaVu Sans Book" panose="020B0603030804020204" pitchFamily="34" charset="0"/>
               </a:rPr>
+              <a:t>i</a:t>
+            </a:r>
+            <a:r>
+              <a:rPr lang="en-GB" sz="1600" dirty="0">
+                <a:latin typeface="DejaVu Sans Book" panose="020B0603030804020204" pitchFamily="34" charset="0"/>
+                <a:ea typeface="DejaVu Sans Book" panose="020B0603030804020204" pitchFamily="34" charset="0"/>
+                <a:cs typeface="DejaVu Sans Book" panose="020B0603030804020204" pitchFamily="34" charset="0"/>
+              </a:rPr>
+              <a:t> &lt;- </a:t>
+            </a:r>
+            <a:r>
+              <a:rPr lang="en-GB" sz="1600" dirty="0" err="1">
+                <a:latin typeface="DejaVu Sans Book" panose="020B0603030804020204" pitchFamily="34" charset="0"/>
+                <a:ea typeface="DejaVu Sans Book" panose="020B0603030804020204" pitchFamily="34" charset="0"/>
+                <a:cs typeface="DejaVu Sans Book" panose="020B0603030804020204" pitchFamily="34" charset="0"/>
+              </a:rPr>
+              <a:t>i</a:t>
+            </a:r>
+            <a:r>
+              <a:rPr lang="en-GB" sz="1600" dirty="0">
+                <a:latin typeface="DejaVu Sans Book" panose="020B0603030804020204" pitchFamily="34" charset="0"/>
+                <a:ea typeface="DejaVu Sans Book" panose="020B0603030804020204" pitchFamily="34" charset="0"/>
+                <a:cs typeface="DejaVu Sans Book" panose="020B0603030804020204" pitchFamily="34" charset="0"/>
+              </a:rPr>
+              <a:t> + 1;</a:t>
+            </a:r>
+          </a:p>
+          <a:p>
+            <a:pPr marL="0" indent="0">
+              <a:lnSpc>
+                <a:spcPct val="100000"/>
+              </a:lnSpc>
+              <a:buNone/>
+            </a:pPr>
+            <a:r>
+              <a:rPr lang="en-GB" sz="1600" dirty="0" err="1">
+                <a:latin typeface="DejaVu Sans Book" panose="020B0603030804020204" pitchFamily="34" charset="0"/>
+                <a:ea typeface="DejaVu Sans Book" panose="020B0603030804020204" pitchFamily="34" charset="0"/>
+                <a:cs typeface="DejaVu Sans Book" panose="020B0603030804020204" pitchFamily="34" charset="0"/>
+              </a:rPr>
               <a:t>printfn</a:t>
             </a:r>
             <a:r>
@@ -17261,23 +21479,7 @@
                 <a:ea typeface="DejaVu Sans Book" panose="020B0603030804020204" pitchFamily="34" charset="0"/>
                 <a:cs typeface="DejaVu Sans Book" panose="020B0603030804020204" pitchFamily="34" charset="0"/>
               </a:rPr>
-              <a:t> "%d: %d" </a:t>
-            </a:r>
-            <a:r>
-              <a:rPr lang="en-GB" sz="1600" dirty="0" err="1">
-                <a:latin typeface="DejaVu Sans Book" panose="020B0603030804020204" pitchFamily="34" charset="0"/>
-                <a:ea typeface="DejaVu Sans Book" panose="020B0603030804020204" pitchFamily="34" charset="0"/>
-                <a:cs typeface="DejaVu Sans Book" panose="020B0603030804020204" pitchFamily="34" charset="0"/>
-              </a:rPr>
-              <a:t>i</a:t>
-            </a:r>
-            <a:r>
-              <a:rPr lang="en-GB" sz="1600" dirty="0">
-                <a:latin typeface="DejaVu Sans Book" panose="020B0603030804020204" pitchFamily="34" charset="0"/>
-                <a:ea typeface="DejaVu Sans Book" panose="020B0603030804020204" pitchFamily="34" charset="0"/>
-                <a:cs typeface="DejaVu Sans Book" panose="020B0603030804020204" pitchFamily="34" charset="0"/>
-              </a:rPr>
-              <a:t> n</a:t>
+              <a:t> "%d: %d" N n</a:t>
             </a:r>
           </a:p>
         </p:txBody>
@@ -17299,7 +21501,7 @@
         <p:spPr>
           <a:xfrm>
             <a:off x="7716493" y="1889105"/>
-            <a:ext cx="4381500" cy="1722090"/>
+            <a:ext cx="4381500" cy="1933088"/>
           </a:xfrm>
           <a:prstGeom prst="rect">
             <a:avLst/>
@@ -17502,23 +21704,7 @@
                 <a:ea typeface="DejaVu Sans Book" panose="020B0603030804020204" pitchFamily="34" charset="0"/>
                 <a:cs typeface="DejaVu Sans Book" panose="020B0603030804020204" pitchFamily="34" charset="0"/>
               </a:rPr>
-              <a:t>for </a:t>
-            </a:r>
-            <a:r>
-              <a:rPr lang="en-GB" sz="1600" dirty="0" err="1">
-                <a:latin typeface="DejaVu Sans Book" panose="020B0603030804020204" pitchFamily="34" charset="0"/>
-                <a:ea typeface="DejaVu Sans Book" panose="020B0603030804020204" pitchFamily="34" charset="0"/>
-                <a:cs typeface="DejaVu Sans Book" panose="020B0603030804020204" pitchFamily="34" charset="0"/>
-              </a:rPr>
-              <a:t>i</a:t>
-            </a:r>
-            <a:r>
-              <a:rPr lang="en-GB" sz="1600" dirty="0">
-                <a:latin typeface="DejaVu Sans Book" panose="020B0603030804020204" pitchFamily="34" charset="0"/>
-                <a:ea typeface="DejaVu Sans Book" panose="020B0603030804020204" pitchFamily="34" charset="0"/>
-                <a:cs typeface="DejaVu Sans Book" panose="020B0603030804020204" pitchFamily="34" charset="0"/>
-              </a:rPr>
-              <a:t> = 3 to 5 do</a:t>
+              <a:t>let N = 5</a:t>
             </a:r>
           </a:p>
           <a:p>
@@ -17534,7 +21720,7 @@
                 <a:ea typeface="DejaVu Sans Book" panose="020B0603030804020204" pitchFamily="34" charset="0"/>
                 <a:cs typeface="DejaVu Sans Book" panose="020B0603030804020204" pitchFamily="34" charset="0"/>
               </a:rPr>
-              <a:t>  pair &lt;- (</a:t>
+              <a:t>for </a:t>
             </a:r>
             <a:r>
               <a:rPr lang="en-GB" sz="1600" dirty="0" err="1">
@@ -17542,7 +21728,7 @@
                 <a:ea typeface="DejaVu Sans Book" panose="020B0603030804020204" pitchFamily="34" charset="0"/>
                 <a:cs typeface="DejaVu Sans Book" panose="020B0603030804020204" pitchFamily="34" charset="0"/>
               </a:rPr>
-              <a:t>snd</a:t>
+              <a:t>i</a:t>
             </a:r>
             <a:r>
               <a:rPr lang="en-GB" sz="1600" dirty="0">
@@ -17550,39 +21736,7 @@
                 <a:ea typeface="DejaVu Sans Book" panose="020B0603030804020204" pitchFamily="34" charset="0"/>
                 <a:cs typeface="DejaVu Sans Book" panose="020B0603030804020204" pitchFamily="34" charset="0"/>
               </a:rPr>
-              <a:t> pair, </a:t>
-            </a:r>
-            <a:r>
-              <a:rPr lang="en-GB" sz="1600" dirty="0" err="1">
-                <a:latin typeface="DejaVu Sans Book" panose="020B0603030804020204" pitchFamily="34" charset="0"/>
-                <a:ea typeface="DejaVu Sans Book" panose="020B0603030804020204" pitchFamily="34" charset="0"/>
-                <a:cs typeface="DejaVu Sans Book" panose="020B0603030804020204" pitchFamily="34" charset="0"/>
-              </a:rPr>
-              <a:t>fst</a:t>
-            </a:r>
-            <a:r>
-              <a:rPr lang="en-GB" sz="1600" dirty="0">
-                <a:latin typeface="DejaVu Sans Book" panose="020B0603030804020204" pitchFamily="34" charset="0"/>
-                <a:ea typeface="DejaVu Sans Book" panose="020B0603030804020204" pitchFamily="34" charset="0"/>
-                <a:cs typeface="DejaVu Sans Book" panose="020B0603030804020204" pitchFamily="34" charset="0"/>
-              </a:rPr>
-              <a:t> pair + </a:t>
-            </a:r>
-            <a:r>
-              <a:rPr lang="en-GB" sz="1600" dirty="0" err="1">
-                <a:latin typeface="DejaVu Sans Book" panose="020B0603030804020204" pitchFamily="34" charset="0"/>
-                <a:ea typeface="DejaVu Sans Book" panose="020B0603030804020204" pitchFamily="34" charset="0"/>
-                <a:cs typeface="DejaVu Sans Book" panose="020B0603030804020204" pitchFamily="34" charset="0"/>
-              </a:rPr>
-              <a:t>snd</a:t>
-            </a:r>
-            <a:r>
-              <a:rPr lang="en-GB" sz="1600" dirty="0">
-                <a:latin typeface="DejaVu Sans Book" panose="020B0603030804020204" pitchFamily="34" charset="0"/>
-                <a:ea typeface="DejaVu Sans Book" panose="020B0603030804020204" pitchFamily="34" charset="0"/>
-                <a:cs typeface="DejaVu Sans Book" panose="020B0603030804020204" pitchFamily="34" charset="0"/>
-              </a:rPr>
-              <a:t> pair)</a:t>
+              <a:t> = 3 to N do</a:t>
             </a:r>
           </a:p>
           <a:p>
@@ -17593,11 +21747,75 @@
               <a:buNone/>
             </a:pPr>
             <a:r>
+              <a:rPr lang="en-GB" sz="1600" dirty="0">
+                <a:latin typeface="DejaVu Sans Book" panose="020B0603030804020204" pitchFamily="34" charset="0"/>
+                <a:ea typeface="DejaVu Sans Book" panose="020B0603030804020204" pitchFamily="34" charset="0"/>
+                <a:cs typeface="DejaVu Sans Book" panose="020B0603030804020204" pitchFamily="34" charset="0"/>
+              </a:rPr>
+              <a:t>  pair &lt;- (</a:t>
+            </a:r>
+            <a:r>
               <a:rPr lang="en-GB" sz="1600" dirty="0" err="1">
                 <a:latin typeface="DejaVu Sans Book" panose="020B0603030804020204" pitchFamily="34" charset="0"/>
                 <a:ea typeface="DejaVu Sans Book" panose="020B0603030804020204" pitchFamily="34" charset="0"/>
                 <a:cs typeface="DejaVu Sans Book" panose="020B0603030804020204" pitchFamily="34" charset="0"/>
               </a:rPr>
+              <a:t>snd</a:t>
+            </a:r>
+            <a:r>
+              <a:rPr lang="en-GB" sz="1600" dirty="0">
+                <a:latin typeface="DejaVu Sans Book" panose="020B0603030804020204" pitchFamily="34" charset="0"/>
+                <a:ea typeface="DejaVu Sans Book" panose="020B0603030804020204" pitchFamily="34" charset="0"/>
+                <a:cs typeface="DejaVu Sans Book" panose="020B0603030804020204" pitchFamily="34" charset="0"/>
+              </a:rPr>
+              <a:t> pair, </a:t>
+            </a:r>
+            <a:r>
+              <a:rPr lang="en-GB" sz="1600" dirty="0" err="1">
+                <a:latin typeface="DejaVu Sans Book" panose="020B0603030804020204" pitchFamily="34" charset="0"/>
+                <a:ea typeface="DejaVu Sans Book" panose="020B0603030804020204" pitchFamily="34" charset="0"/>
+                <a:cs typeface="DejaVu Sans Book" panose="020B0603030804020204" pitchFamily="34" charset="0"/>
+              </a:rPr>
+              <a:t>fst</a:t>
+            </a:r>
+            <a:r>
+              <a:rPr lang="en-GB" sz="1600" dirty="0">
+                <a:latin typeface="DejaVu Sans Book" panose="020B0603030804020204" pitchFamily="34" charset="0"/>
+                <a:ea typeface="DejaVu Sans Book" panose="020B0603030804020204" pitchFamily="34" charset="0"/>
+                <a:cs typeface="DejaVu Sans Book" panose="020B0603030804020204" pitchFamily="34" charset="0"/>
+              </a:rPr>
+              <a:t> pair + </a:t>
+            </a:r>
+            <a:r>
+              <a:rPr lang="en-GB" sz="1600" dirty="0" err="1">
+                <a:latin typeface="DejaVu Sans Book" panose="020B0603030804020204" pitchFamily="34" charset="0"/>
+                <a:ea typeface="DejaVu Sans Book" panose="020B0603030804020204" pitchFamily="34" charset="0"/>
+                <a:cs typeface="DejaVu Sans Book" panose="020B0603030804020204" pitchFamily="34" charset="0"/>
+              </a:rPr>
+              <a:t>snd</a:t>
+            </a:r>
+            <a:r>
+              <a:rPr lang="en-GB" sz="1600" dirty="0">
+                <a:latin typeface="DejaVu Sans Book" panose="020B0603030804020204" pitchFamily="34" charset="0"/>
+                <a:ea typeface="DejaVu Sans Book" panose="020B0603030804020204" pitchFamily="34" charset="0"/>
+                <a:cs typeface="DejaVu Sans Book" panose="020B0603030804020204" pitchFamily="34" charset="0"/>
+              </a:rPr>
+              <a:t> pair)</a:t>
+            </a:r>
+          </a:p>
+          <a:p>
+            <a:pPr marL="0" indent="0">
+              <a:lnSpc>
+                <a:spcPct val="100000"/>
+              </a:lnSpc>
+              <a:buNone/>
+            </a:pPr>
+            <a:r>
+              <a:rPr lang="en-GB" sz="1600" dirty="0" err="1">
+                <a:latin typeface="DejaVu Sans Book" panose="020B0603030804020204" pitchFamily="34" charset="0"/>
+                <a:ea typeface="DejaVu Sans Book" panose="020B0603030804020204" pitchFamily="34" charset="0"/>
+                <a:cs typeface="DejaVu Sans Book" panose="020B0603030804020204" pitchFamily="34" charset="0"/>
+              </a:rPr>
               <a:t>printfn</a:t>
             </a:r>
             <a:r>
@@ -17606,7 +21824,7 @@
                 <a:ea typeface="DejaVu Sans Book" panose="020B0603030804020204" pitchFamily="34" charset="0"/>
                 <a:cs typeface="DejaVu Sans Book" panose="020B0603030804020204" pitchFamily="34" charset="0"/>
               </a:rPr>
-              <a:t> "%d" (</a:t>
+              <a:t> "%d: %d" N (</a:t>
             </a:r>
             <a:r>
               <a:rPr lang="en-GB" sz="1600" dirty="0" err="1">
@@ -17827,10 +22045,454 @@
           </a:p>
         </p:txBody>
       </p:sp>
+      <p:sp>
+        <p:nvSpPr>
+          <p:cNvPr id="12" name="Content Placeholder 2">
+            <a:extLst>
+              <a:ext uri="{FF2B5EF4-FFF2-40B4-BE49-F238E27FC236}">
+                <a16:creationId xmlns:a16="http://schemas.microsoft.com/office/drawing/2014/main" id="{00AEBE47-9CFE-7B4D-A64E-98045B2FFE5D}"/>
+              </a:ext>
+            </a:extLst>
+          </p:cNvPr>
+          <p:cNvSpPr txBox="1">
+            <a:spLocks/>
+          </p:cNvSpPr>
+          <p:nvPr/>
+        </p:nvSpPr>
+        <p:spPr>
+          <a:xfrm>
+            <a:off x="7716493" y="3910880"/>
+            <a:ext cx="4381500" cy="2837392"/>
+          </a:xfrm>
+          <a:prstGeom prst="rect">
+            <a:avLst/>
+          </a:prstGeom>
+        </p:spPr>
+        <p:txBody>
+          <a:bodyPr vert="horz" lIns="91440" tIns="45720" rIns="91440" bIns="45720" rtlCol="0">
+            <a:noAutofit/>
+          </a:bodyPr>
+          <a:lstStyle>
+            <a:lvl1pPr marL="228600" indent="-228600" algn="l" defTabSz="914400" rtl="0" eaLnBrk="1" latinLnBrk="0" hangingPunct="1">
+              <a:lnSpc>
+                <a:spcPct val="90000"/>
+              </a:lnSpc>
+              <a:spcBef>
+                <a:spcPts val="1000"/>
+              </a:spcBef>
+              <a:buFont typeface="Arial" panose="020B0604020202020204" pitchFamily="34" charset="0"/>
+              <a:buChar char="•"/>
+              <a:defRPr sz="2800" kern="1200">
+                <a:solidFill>
+                  <a:schemeClr val="tx1"/>
+                </a:solidFill>
+                <a:latin typeface="+mn-lt"/>
+                <a:ea typeface="+mn-ea"/>
+                <a:cs typeface="+mn-cs"/>
+              </a:defRPr>
+            </a:lvl1pPr>
+            <a:lvl2pPr marL="685800" indent="-228600" algn="l" defTabSz="914400" rtl="0" eaLnBrk="1" latinLnBrk="0" hangingPunct="1">
+              <a:lnSpc>
+                <a:spcPct val="90000"/>
+              </a:lnSpc>
+              <a:spcBef>
+                <a:spcPts val="500"/>
+              </a:spcBef>
+              <a:buFont typeface="Arial" panose="020B0604020202020204" pitchFamily="34" charset="0"/>
+              <a:buChar char="•"/>
+              <a:defRPr sz="2400" kern="1200">
+                <a:solidFill>
+                  <a:schemeClr val="tx1"/>
+                </a:solidFill>
+                <a:latin typeface="+mn-lt"/>
+                <a:ea typeface="+mn-ea"/>
+                <a:cs typeface="+mn-cs"/>
+              </a:defRPr>
+            </a:lvl2pPr>
+            <a:lvl3pPr marL="1143000" indent="-228600" algn="l" defTabSz="914400" rtl="0" eaLnBrk="1" latinLnBrk="0" hangingPunct="1">
+              <a:lnSpc>
+                <a:spcPct val="90000"/>
+              </a:lnSpc>
+              <a:spcBef>
+                <a:spcPts val="500"/>
+              </a:spcBef>
+              <a:buFont typeface="Arial" panose="020B0604020202020204" pitchFamily="34" charset="0"/>
+              <a:buChar char="•"/>
+              <a:defRPr sz="2000" kern="1200">
+                <a:solidFill>
+                  <a:schemeClr val="tx1"/>
+                </a:solidFill>
+                <a:latin typeface="+mn-lt"/>
+                <a:ea typeface="+mn-ea"/>
+                <a:cs typeface="+mn-cs"/>
+              </a:defRPr>
+            </a:lvl3pPr>
+            <a:lvl4pPr marL="1600200" indent="-228600" algn="l" defTabSz="914400" rtl="0" eaLnBrk="1" latinLnBrk="0" hangingPunct="1">
+              <a:lnSpc>
+                <a:spcPct val="90000"/>
+              </a:lnSpc>
+              <a:spcBef>
+                <a:spcPts val="500"/>
+              </a:spcBef>
+              <a:buFont typeface="Arial" panose="020B0604020202020204" pitchFamily="34" charset="0"/>
+              <a:buChar char="•"/>
+              <a:defRPr sz="1800" kern="1200">
+                <a:solidFill>
+                  <a:schemeClr val="tx1"/>
+                </a:solidFill>
+                <a:latin typeface="+mn-lt"/>
+                <a:ea typeface="+mn-ea"/>
+                <a:cs typeface="+mn-cs"/>
+              </a:defRPr>
+            </a:lvl4pPr>
+            <a:lvl5pPr marL="2057400" indent="-228600" algn="l" defTabSz="914400" rtl="0" eaLnBrk="1" latinLnBrk="0" hangingPunct="1">
+              <a:lnSpc>
+                <a:spcPct val="90000"/>
+              </a:lnSpc>
+              <a:spcBef>
+                <a:spcPts val="500"/>
+              </a:spcBef>
+              <a:buFont typeface="Arial" panose="020B0604020202020204" pitchFamily="34" charset="0"/>
+              <a:buChar char="•"/>
+              <a:defRPr sz="1800" kern="1200">
+                <a:solidFill>
+                  <a:schemeClr val="tx1"/>
+                </a:solidFill>
+                <a:latin typeface="+mn-lt"/>
+                <a:ea typeface="+mn-ea"/>
+                <a:cs typeface="+mn-cs"/>
+              </a:defRPr>
+            </a:lvl5pPr>
+            <a:lvl6pPr marL="2514600" indent="-228600" algn="l" defTabSz="914400" rtl="0" eaLnBrk="1" latinLnBrk="0" hangingPunct="1">
+              <a:lnSpc>
+                <a:spcPct val="90000"/>
+              </a:lnSpc>
+              <a:spcBef>
+                <a:spcPts val="500"/>
+              </a:spcBef>
+              <a:buFont typeface="Arial" panose="020B0604020202020204" pitchFamily="34" charset="0"/>
+              <a:buChar char="•"/>
+              <a:defRPr sz="1800" kern="1200">
+                <a:solidFill>
+                  <a:schemeClr val="tx1"/>
+                </a:solidFill>
+                <a:latin typeface="+mn-lt"/>
+                <a:ea typeface="+mn-ea"/>
+                <a:cs typeface="+mn-cs"/>
+              </a:defRPr>
+            </a:lvl6pPr>
+            <a:lvl7pPr marL="2971800" indent="-228600" algn="l" defTabSz="914400" rtl="0" eaLnBrk="1" latinLnBrk="0" hangingPunct="1">
+              <a:lnSpc>
+                <a:spcPct val="90000"/>
+              </a:lnSpc>
+              <a:spcBef>
+                <a:spcPts val="500"/>
+              </a:spcBef>
+              <a:buFont typeface="Arial" panose="020B0604020202020204" pitchFamily="34" charset="0"/>
+              <a:buChar char="•"/>
+              <a:defRPr sz="1800" kern="1200">
+                <a:solidFill>
+                  <a:schemeClr val="tx1"/>
+                </a:solidFill>
+                <a:latin typeface="+mn-lt"/>
+                <a:ea typeface="+mn-ea"/>
+                <a:cs typeface="+mn-cs"/>
+              </a:defRPr>
+            </a:lvl7pPr>
+            <a:lvl8pPr marL="3429000" indent="-228600" algn="l" defTabSz="914400" rtl="0" eaLnBrk="1" latinLnBrk="0" hangingPunct="1">
+              <a:lnSpc>
+                <a:spcPct val="90000"/>
+              </a:lnSpc>
+              <a:spcBef>
+                <a:spcPts val="500"/>
+              </a:spcBef>
+              <a:buFont typeface="Arial" panose="020B0604020202020204" pitchFamily="34" charset="0"/>
+              <a:buChar char="•"/>
+              <a:defRPr sz="1800" kern="1200">
+                <a:solidFill>
+                  <a:schemeClr val="tx1"/>
+                </a:solidFill>
+                <a:latin typeface="+mn-lt"/>
+                <a:ea typeface="+mn-ea"/>
+                <a:cs typeface="+mn-cs"/>
+              </a:defRPr>
+            </a:lvl8pPr>
+            <a:lvl9pPr marL="3886200" indent="-228600" algn="l" defTabSz="914400" rtl="0" eaLnBrk="1" latinLnBrk="0" hangingPunct="1">
+              <a:lnSpc>
+                <a:spcPct val="90000"/>
+              </a:lnSpc>
+              <a:spcBef>
+                <a:spcPts val="500"/>
+              </a:spcBef>
+              <a:buFont typeface="Arial" panose="020B0604020202020204" pitchFamily="34" charset="0"/>
+              <a:buChar char="•"/>
+              <a:defRPr sz="1800" kern="1200">
+                <a:solidFill>
+                  <a:schemeClr val="tx1"/>
+                </a:solidFill>
+                <a:latin typeface="+mn-lt"/>
+                <a:ea typeface="+mn-ea"/>
+                <a:cs typeface="+mn-cs"/>
+              </a:defRPr>
+            </a:lvl9pPr>
+          </a:lstStyle>
+          <a:p>
+            <a:pPr marL="0" indent="0">
+              <a:lnSpc>
+                <a:spcPct val="100000"/>
+              </a:lnSpc>
+              <a:buNone/>
+            </a:pPr>
+            <a:r>
+              <a:rPr lang="en-GB" sz="1600" dirty="0">
+                <a:latin typeface="DejaVu Sans Book" panose="020B0603030804020204" pitchFamily="34" charset="0"/>
+                <a:ea typeface="DejaVu Sans Book" panose="020B0603030804020204" pitchFamily="34" charset="0"/>
+                <a:cs typeface="DejaVu Sans Book" panose="020B0603030804020204" pitchFamily="34" charset="0"/>
+              </a:rPr>
+              <a:t>let fib N =</a:t>
+            </a:r>
+          </a:p>
+          <a:p>
+            <a:pPr marL="0" indent="0">
+              <a:lnSpc>
+                <a:spcPct val="100000"/>
+              </a:lnSpc>
+              <a:buNone/>
+            </a:pPr>
+            <a:r>
+              <a:rPr lang="en-GB" sz="1600" dirty="0">
+                <a:latin typeface="DejaVu Sans Book" panose="020B0603030804020204" pitchFamily="34" charset="0"/>
+                <a:ea typeface="DejaVu Sans Book" panose="020B0603030804020204" pitchFamily="34" charset="0"/>
+                <a:cs typeface="DejaVu Sans Book" panose="020B0603030804020204" pitchFamily="34" charset="0"/>
+              </a:rPr>
+              <a:t>  let mutable pair = (1,1)</a:t>
+            </a:r>
+          </a:p>
+          <a:p>
+            <a:pPr marL="0" indent="0">
+              <a:lnSpc>
+                <a:spcPct val="100000"/>
+              </a:lnSpc>
+              <a:buNone/>
+            </a:pPr>
+            <a:r>
+              <a:rPr lang="en-GB" sz="1600" dirty="0">
+                <a:latin typeface="DejaVu Sans Book" panose="020B0603030804020204" pitchFamily="34" charset="0"/>
+                <a:ea typeface="DejaVu Sans Book" panose="020B0603030804020204" pitchFamily="34" charset="0"/>
+                <a:cs typeface="DejaVu Sans Book" panose="020B0603030804020204" pitchFamily="34" charset="0"/>
+              </a:rPr>
+              <a:t>  for </a:t>
+            </a:r>
+            <a:r>
+              <a:rPr lang="en-GB" sz="1600" dirty="0" err="1">
+                <a:latin typeface="DejaVu Sans Book" panose="020B0603030804020204" pitchFamily="34" charset="0"/>
+                <a:ea typeface="DejaVu Sans Book" panose="020B0603030804020204" pitchFamily="34" charset="0"/>
+                <a:cs typeface="DejaVu Sans Book" panose="020B0603030804020204" pitchFamily="34" charset="0"/>
+              </a:rPr>
+              <a:t>i</a:t>
+            </a:r>
+            <a:r>
+              <a:rPr lang="en-GB" sz="1600" dirty="0">
+                <a:latin typeface="DejaVu Sans Book" panose="020B0603030804020204" pitchFamily="34" charset="0"/>
+                <a:ea typeface="DejaVu Sans Book" panose="020B0603030804020204" pitchFamily="34" charset="0"/>
+                <a:cs typeface="DejaVu Sans Book" panose="020B0603030804020204" pitchFamily="34" charset="0"/>
+              </a:rPr>
+              <a:t> = 3 to N do</a:t>
+            </a:r>
+          </a:p>
+          <a:p>
+            <a:pPr marL="0" indent="0">
+              <a:lnSpc>
+                <a:spcPct val="100000"/>
+              </a:lnSpc>
+              <a:buNone/>
+            </a:pPr>
+            <a:r>
+              <a:rPr lang="en-GB" sz="1600" dirty="0">
+                <a:latin typeface="DejaVu Sans Book" panose="020B0603030804020204" pitchFamily="34" charset="0"/>
+                <a:ea typeface="DejaVu Sans Book" panose="020B0603030804020204" pitchFamily="34" charset="0"/>
+                <a:cs typeface="DejaVu Sans Book" panose="020B0603030804020204" pitchFamily="34" charset="0"/>
+              </a:rPr>
+              <a:t>    pair &lt;- (</a:t>
+            </a:r>
+            <a:r>
+              <a:rPr lang="en-GB" sz="1600" dirty="0" err="1">
+                <a:latin typeface="DejaVu Sans Book" panose="020B0603030804020204" pitchFamily="34" charset="0"/>
+                <a:ea typeface="DejaVu Sans Book" panose="020B0603030804020204" pitchFamily="34" charset="0"/>
+                <a:cs typeface="DejaVu Sans Book" panose="020B0603030804020204" pitchFamily="34" charset="0"/>
+              </a:rPr>
+              <a:t>snd</a:t>
+            </a:r>
+            <a:r>
+              <a:rPr lang="en-GB" sz="1600" dirty="0">
+                <a:latin typeface="DejaVu Sans Book" panose="020B0603030804020204" pitchFamily="34" charset="0"/>
+                <a:ea typeface="DejaVu Sans Book" panose="020B0603030804020204" pitchFamily="34" charset="0"/>
+                <a:cs typeface="DejaVu Sans Book" panose="020B0603030804020204" pitchFamily="34" charset="0"/>
+              </a:rPr>
+              <a:t> pair, </a:t>
+            </a:r>
+            <a:r>
+              <a:rPr lang="en-GB" sz="1600" dirty="0" err="1">
+                <a:latin typeface="DejaVu Sans Book" panose="020B0603030804020204" pitchFamily="34" charset="0"/>
+                <a:ea typeface="DejaVu Sans Book" panose="020B0603030804020204" pitchFamily="34" charset="0"/>
+                <a:cs typeface="DejaVu Sans Book" panose="020B0603030804020204" pitchFamily="34" charset="0"/>
+              </a:rPr>
+              <a:t>fst</a:t>
+            </a:r>
+            <a:r>
+              <a:rPr lang="en-GB" sz="1600" dirty="0">
+                <a:latin typeface="DejaVu Sans Book" panose="020B0603030804020204" pitchFamily="34" charset="0"/>
+                <a:ea typeface="DejaVu Sans Book" panose="020B0603030804020204" pitchFamily="34" charset="0"/>
+                <a:cs typeface="DejaVu Sans Book" panose="020B0603030804020204" pitchFamily="34" charset="0"/>
+              </a:rPr>
+              <a:t> pair + </a:t>
+            </a:r>
+            <a:r>
+              <a:rPr lang="en-GB" sz="1600" dirty="0" err="1">
+                <a:latin typeface="DejaVu Sans Book" panose="020B0603030804020204" pitchFamily="34" charset="0"/>
+                <a:ea typeface="DejaVu Sans Book" panose="020B0603030804020204" pitchFamily="34" charset="0"/>
+                <a:cs typeface="DejaVu Sans Book" panose="020B0603030804020204" pitchFamily="34" charset="0"/>
+              </a:rPr>
+              <a:t>snd</a:t>
+            </a:r>
+            <a:r>
+              <a:rPr lang="en-GB" sz="1600" dirty="0">
+                <a:latin typeface="DejaVu Sans Book" panose="020B0603030804020204" pitchFamily="34" charset="0"/>
+                <a:ea typeface="DejaVu Sans Book" panose="020B0603030804020204" pitchFamily="34" charset="0"/>
+                <a:cs typeface="DejaVu Sans Book" panose="020B0603030804020204" pitchFamily="34" charset="0"/>
+              </a:rPr>
+              <a:t> pair)</a:t>
+            </a:r>
+          </a:p>
+          <a:p>
+            <a:pPr marL="0" indent="0">
+              <a:lnSpc>
+                <a:spcPct val="100000"/>
+              </a:lnSpc>
+              <a:buNone/>
+            </a:pPr>
+            <a:r>
+              <a:rPr lang="en-GB" sz="1600" dirty="0">
+                <a:latin typeface="DejaVu Sans Book" panose="020B0603030804020204" pitchFamily="34" charset="0"/>
+                <a:ea typeface="DejaVu Sans Book" panose="020B0603030804020204" pitchFamily="34" charset="0"/>
+                <a:cs typeface="DejaVu Sans Book" panose="020B0603030804020204" pitchFamily="34" charset="0"/>
+              </a:rPr>
+              <a:t>  </a:t>
+            </a:r>
+            <a:r>
+              <a:rPr lang="en-GB" sz="1600" dirty="0" err="1">
+                <a:latin typeface="DejaVu Sans Book" panose="020B0603030804020204" pitchFamily="34" charset="0"/>
+                <a:ea typeface="DejaVu Sans Book" panose="020B0603030804020204" pitchFamily="34" charset="0"/>
+                <a:cs typeface="DejaVu Sans Book" panose="020B0603030804020204" pitchFamily="34" charset="0"/>
+              </a:rPr>
+              <a:t>snd</a:t>
+            </a:r>
+            <a:r>
+              <a:rPr lang="en-GB" sz="1600" dirty="0">
+                <a:latin typeface="DejaVu Sans Book" panose="020B0603030804020204" pitchFamily="34" charset="0"/>
+                <a:ea typeface="DejaVu Sans Book" panose="020B0603030804020204" pitchFamily="34" charset="0"/>
+                <a:cs typeface="DejaVu Sans Book" panose="020B0603030804020204" pitchFamily="34" charset="0"/>
+              </a:rPr>
+              <a:t> pair</a:t>
+            </a:r>
+          </a:p>
+          <a:p>
+            <a:pPr marL="0" indent="0">
+              <a:lnSpc>
+                <a:spcPct val="100000"/>
+              </a:lnSpc>
+              <a:buNone/>
+            </a:pPr>
+            <a:endParaRPr lang="en-GB" sz="1600" dirty="0">
+              <a:latin typeface="DejaVu Sans Book" panose="020B0603030804020204" pitchFamily="34" charset="0"/>
+              <a:ea typeface="DejaVu Sans Book" panose="020B0603030804020204" pitchFamily="34" charset="0"/>
+              <a:cs typeface="DejaVu Sans Book" panose="020B0603030804020204" pitchFamily="34" charset="0"/>
+            </a:endParaRPr>
+          </a:p>
+          <a:p>
+            <a:pPr marL="0" indent="0">
+              <a:lnSpc>
+                <a:spcPct val="100000"/>
+              </a:lnSpc>
+              <a:buNone/>
+            </a:pPr>
+            <a:r>
+              <a:rPr lang="en-GB" sz="1600" dirty="0">
+                <a:latin typeface="DejaVu Sans Book" panose="020B0603030804020204" pitchFamily="34" charset="0"/>
+                <a:ea typeface="DejaVu Sans Book" panose="020B0603030804020204" pitchFamily="34" charset="0"/>
+                <a:cs typeface="DejaVu Sans Book" panose="020B0603030804020204" pitchFamily="34" charset="0"/>
+              </a:rPr>
+              <a:t>let N = 5</a:t>
+            </a:r>
+          </a:p>
+          <a:p>
+            <a:pPr marL="0" indent="0">
+              <a:lnSpc>
+                <a:spcPct val="100000"/>
+              </a:lnSpc>
+              <a:buNone/>
+            </a:pPr>
+            <a:r>
+              <a:rPr lang="en-GB" sz="1600" dirty="0" err="1">
+                <a:latin typeface="DejaVu Sans Book" panose="020B0603030804020204" pitchFamily="34" charset="0"/>
+                <a:ea typeface="DejaVu Sans Book" panose="020B0603030804020204" pitchFamily="34" charset="0"/>
+                <a:cs typeface="DejaVu Sans Book" panose="020B0603030804020204" pitchFamily="34" charset="0"/>
+              </a:rPr>
+              <a:t>printfn</a:t>
+            </a:r>
+            <a:r>
+              <a:rPr lang="en-GB" sz="1600" dirty="0">
+                <a:latin typeface="DejaVu Sans Book" panose="020B0603030804020204" pitchFamily="34" charset="0"/>
+                <a:ea typeface="DejaVu Sans Book" panose="020B0603030804020204" pitchFamily="34" charset="0"/>
+                <a:cs typeface="DejaVu Sans Book" panose="020B0603030804020204" pitchFamily="34" charset="0"/>
+              </a:rPr>
+              <a:t> "%d: %d" N (fib N)</a:t>
+            </a:r>
+          </a:p>
+        </p:txBody>
+      </p:sp>
+      <p:cxnSp>
+        <p:nvCxnSpPr>
+          <p:cNvPr id="13" name="Straight Connector 12">
+            <a:extLst>
+              <a:ext uri="{FF2B5EF4-FFF2-40B4-BE49-F238E27FC236}">
+                <a16:creationId xmlns:a16="http://schemas.microsoft.com/office/drawing/2014/main" id="{76739BB5-0A88-EB41-A21F-9ED147B0D754}"/>
+              </a:ext>
+            </a:extLst>
+          </p:cNvPr>
+          <p:cNvCxnSpPr>
+            <a:cxnSpLocks/>
+          </p:cNvCxnSpPr>
+          <p:nvPr/>
+        </p:nvCxnSpPr>
+        <p:spPr>
+          <a:xfrm>
+            <a:off x="7716493" y="3822193"/>
+            <a:ext cx="3987827" cy="0"/>
+          </a:xfrm>
+          <a:prstGeom prst="line">
+            <a:avLst/>
+          </a:prstGeom>
+        </p:spPr>
+        <p:style>
+          <a:lnRef idx="1">
+            <a:schemeClr val="accent1"/>
+          </a:lnRef>
+          <a:fillRef idx="0">
+            <a:schemeClr val="accent1"/>
+          </a:fillRef>
+          <a:effectRef idx="0">
+            <a:schemeClr val="accent1"/>
+          </a:effectRef>
+          <a:fontRef idx="minor">
+            <a:schemeClr val="tx1"/>
+          </a:fontRef>
+        </p:style>
+      </p:cxnSp>
     </p:spTree>
     <p:extLst>
       <p:ext uri="{BB962C8B-B14F-4D97-AF65-F5344CB8AC3E}">
-        <p14:creationId xmlns:p14="http://schemas.microsoft.com/office/powerpoint/2010/main" val="2834963553"/>
+        <p14:creationId xmlns:p14="http://schemas.microsoft.com/office/powerpoint/2010/main" val="2944414254"/>
       </p:ext>
     </p:extLst>
   </p:cSld>
@@ -17871,7 +22533,7 @@
                                           </p:stCondLst>
                                         </p:cTn>
                                         <p:tgtEl>
-                                          <p:spTgt spid="8"/>
+                                          <p:spTgt spid="13"/>
                                         </p:tgtEl>
                                         <p:attrNameLst>
                                           <p:attrName>style.visibility</p:attrName>
@@ -17898,34 +22560,7 @@
                                           </p:stCondLst>
                                         </p:cTn>
                                         <p:tgtEl>
-                                          <p:spTgt spid="11"/>
-                                        </p:tgtEl>
-                                        <p:attrNameLst>
-                                          <p:attrName>style.visibility</p:attrName>
-                                        </p:attrNameLst>
-                                      </p:cBhvr>
-                                      <p:to>
-                                        <p:strVal val="visible"/>
-                                      </p:to>
-                                    </p:set>
-                                  </p:childTnLst>
-                                </p:cTn>
-                              </p:par>
-                              <p:par>
-                                <p:cTn id="9" presetID="1" presetClass="entr" presetSubtype="0" fill="hold" grpId="0" nodeType="withEffect">
-                                  <p:stCondLst>
-                                    <p:cond delay="0"/>
-                                  </p:stCondLst>
-                                  <p:childTnLst>
-                                    <p:set>
-                                      <p:cBhvr>
-                                        <p:cTn id="10" dur="1" fill="hold">
-                                          <p:stCondLst>
-                                            <p:cond delay="0"/>
-                                          </p:stCondLst>
-                                        </p:cTn>
-                                        <p:tgtEl>
-                                          <p:spTgt spid="6"/>
+                                          <p:spTgt spid="12"/>
                                         </p:tgtEl>
                                         <p:attrNameLst>
                                           <p:attrName>style.visibility</p:attrName>
@@ -17966,14 +22601,13 @@
       </p:par>
     </p:tnLst>
     <p:bldLst>
-      <p:bldP spid="6" grpId="0"/>
-      <p:bldP spid="11" grpId="0"/>
+      <p:bldP spid="12" grpId="0"/>
     </p:bldLst>
   </p:timing>
 </p:sld>
 </file>
 
-<file path=ppt/slides/slide5.xml><?xml version="1.0" encoding="utf-8"?>
+<file path=ppt/slides/slide6.xml><?xml version="1.0" encoding="utf-8"?>
 <p:sld xmlns:a="http://schemas.openxmlformats.org/drawingml/2006/main" xmlns:r="http://schemas.openxmlformats.org/officeDocument/2006/relationships" xmlns:p="http://schemas.openxmlformats.org/presentationml/2006/main">
   <p:cSld>
     <p:spTree>
@@ -19539,7 +24173,7 @@
 </p:sld>
 </file>
 
-<file path=ppt/slides/slide6.xml><?xml version="1.0" encoding="utf-8"?>
+<file path=ppt/slides/slide7.xml><?xml version="1.0" encoding="utf-8"?>
 <p:sld xmlns:a="http://schemas.openxmlformats.org/drawingml/2006/main" xmlns:r="http://schemas.openxmlformats.org/officeDocument/2006/relationships" xmlns:p="http://schemas.openxmlformats.org/presentationml/2006/main">
   <p:cSld>
     <p:spTree>
@@ -19980,141 +24614,6 @@
 </p:sld>
 </file>
 
-<file path=ppt/slides/slide7.xml><?xml version="1.0" encoding="utf-8"?>
-<p:sld xmlns:a="http://schemas.openxmlformats.org/drawingml/2006/main" xmlns:r="http://schemas.openxmlformats.org/officeDocument/2006/relationships" xmlns:p="http://schemas.openxmlformats.org/presentationml/2006/main">
-  <p:cSld>
-    <p:bg>
-      <p:bgPr>
-        <a:solidFill>
-          <a:schemeClr val="bg1"/>
-        </a:solidFill>
-        <a:effectLst/>
-      </p:bgPr>
-    </p:bg>
-    <p:spTree>
-      <p:nvGrpSpPr>
-        <p:cNvPr id="1" name=""/>
-        <p:cNvGrpSpPr/>
-        <p:nvPr/>
-      </p:nvGrpSpPr>
-      <p:grpSpPr>
-        <a:xfrm>
-          <a:off x="0" y="0"/>
-          <a:ext cx="0" cy="0"/>
-          <a:chOff x="0" y="0"/>
-          <a:chExt cx="0" cy="0"/>
-        </a:xfrm>
-      </p:grpSpPr>
-      <p:pic>
-        <p:nvPicPr>
-          <p:cNvPr id="5" name="Content Placeholder 4">
-            <a:extLst>
-              <a:ext uri="{FF2B5EF4-FFF2-40B4-BE49-F238E27FC236}">
-                <a16:creationId xmlns:a16="http://schemas.microsoft.com/office/drawing/2014/main" id="{95D78E27-81F2-7C45-8D95-8F34478A5D55}"/>
-              </a:ext>
-            </a:extLst>
-          </p:cNvPr>
-          <p:cNvPicPr>
-            <a:picLocks noGrp="1" noChangeAspect="1"/>
-          </p:cNvPicPr>
-          <p:nvPr>
-            <p:ph idx="1"/>
-          </p:nvPr>
-        </p:nvPicPr>
-        <p:blipFill rotWithShape="1">
-          <a:blip r:embed="rId2"/>
-          <a:srcRect/>
-          <a:stretch/>
-        </p:blipFill>
-        <p:spPr>
-          <a:xfrm>
-            <a:off x="20" y="10"/>
-            <a:ext cx="12191980" cy="6857990"/>
-          </a:xfrm>
-          <a:prstGeom prst="rect">
-            <a:avLst/>
-          </a:prstGeom>
-        </p:spPr>
-      </p:pic>
-      <p:sp>
-        <p:nvSpPr>
-          <p:cNvPr id="6" name="TextBox 5">
-            <a:extLst>
-              <a:ext uri="{FF2B5EF4-FFF2-40B4-BE49-F238E27FC236}">
-                <a16:creationId xmlns:a16="http://schemas.microsoft.com/office/drawing/2014/main" id="{1F1E7C31-27B9-9748-9768-3B28401008C5}"/>
-              </a:ext>
-            </a:extLst>
-          </p:cNvPr>
-          <p:cNvSpPr txBox="1"/>
-          <p:nvPr/>
-        </p:nvSpPr>
-        <p:spPr>
-          <a:xfrm>
-            <a:off x="397566" y="2564295"/>
-            <a:ext cx="5764696" cy="1200329"/>
-          </a:xfrm>
-          <a:prstGeom prst="rect">
-            <a:avLst/>
-          </a:prstGeom>
-          <a:noFill/>
-        </p:spPr>
-        <p:txBody>
-          <a:bodyPr wrap="square" rtlCol="0">
-            <a:spAutoFit/>
-          </a:bodyPr>
-          <a:lstStyle/>
-          <a:p>
-            <a:r>
-              <a:rPr lang="da-DK" sz="2400" b="1" dirty="0">
-                <a:solidFill>
-                  <a:schemeClr val="bg1"/>
-                </a:solidFill>
-              </a:rPr>
-              <a:t>Tid: 24. september 2018 kl. 12.15-13.00</a:t>
-            </a:r>
-            <a:endParaRPr lang="da-DK" sz="2400" dirty="0">
-              <a:solidFill>
-                <a:schemeClr val="bg1"/>
-              </a:solidFill>
-            </a:endParaRPr>
-          </a:p>
-          <a:p>
-            <a:r>
-              <a:rPr lang="da-DK" sz="2400" b="1" dirty="0">
-                <a:solidFill>
-                  <a:schemeClr val="bg1"/>
-                </a:solidFill>
-              </a:rPr>
-              <a:t>Sted: Lille UP1</a:t>
-            </a:r>
-            <a:endParaRPr lang="da-DK" sz="2400" dirty="0">
-              <a:solidFill>
-                <a:schemeClr val="bg1"/>
-              </a:solidFill>
-            </a:endParaRPr>
-          </a:p>
-          <a:p>
-            <a:endParaRPr lang="en-GB" sz="2400" dirty="0">
-              <a:solidFill>
-                <a:schemeClr val="bg1"/>
-              </a:solidFill>
-            </a:endParaRPr>
-          </a:p>
-        </p:txBody>
-      </p:sp>
-    </p:spTree>
-    <p:extLst>
-      <p:ext uri="{BB962C8B-B14F-4D97-AF65-F5344CB8AC3E}">
-        <p14:creationId xmlns:p14="http://schemas.microsoft.com/office/powerpoint/2010/main" val="1993438168"/>
-      </p:ext>
-    </p:extLst>
-  </p:cSld>
-  <p:clrMapOvr>
-    <a:masterClrMapping/>
-  </p:clrMapOvr>
-</p:sld>
-</file>
-
 <file path=ppt/slides/slide8.xml><?xml version="1.0" encoding="utf-8"?>
 <p:sld xmlns:a="http://schemas.openxmlformats.org/drawingml/2006/main" xmlns:r="http://schemas.openxmlformats.org/officeDocument/2006/relationships" xmlns:p="http://schemas.openxmlformats.org/presentationml/2006/main">
   <p:cSld>
@@ -20137,986 +24636,7 @@
           <p:cNvPr id="2" name="Title 1">
             <a:extLst>
               <a:ext uri="{FF2B5EF4-FFF2-40B4-BE49-F238E27FC236}">
-                <a16:creationId xmlns:a16="http://schemas.microsoft.com/office/drawing/2014/main" id="{29104A8A-8E32-9242-8B8A-6A5E8DB2A3BD}"/>
-              </a:ext>
-            </a:extLst>
-          </p:cNvPr>
-          <p:cNvSpPr>
-            <a:spLocks noGrp="1"/>
-          </p:cNvSpPr>
-          <p:nvPr>
-            <p:ph type="title"/>
-          </p:nvPr>
-        </p:nvSpPr>
-        <p:spPr>
-          <a:xfrm>
-            <a:off x="838200" y="365127"/>
-            <a:ext cx="10515600" cy="1325563"/>
-          </a:xfrm>
-        </p:spPr>
-        <p:txBody>
-          <a:bodyPr/>
-          <a:lstStyle/>
-          <a:p>
-            <a:r>
-              <a:rPr lang="en-GB" dirty="0" err="1"/>
-              <a:t>Virkefelter</a:t>
-            </a:r>
-            <a:r>
-              <a:rPr lang="en-GB" dirty="0"/>
-              <a:t> (scope)</a:t>
-            </a:r>
-          </a:p>
-        </p:txBody>
-      </p:sp>
-      <p:sp>
-        <p:nvSpPr>
-          <p:cNvPr id="21" name="Content Placeholder 2">
-            <a:extLst>
-              <a:ext uri="{FF2B5EF4-FFF2-40B4-BE49-F238E27FC236}">
-                <a16:creationId xmlns:a16="http://schemas.microsoft.com/office/drawing/2014/main" id="{B126CC79-D1D0-0142-92F0-870AE622FD74}"/>
-              </a:ext>
-            </a:extLst>
-          </p:cNvPr>
-          <p:cNvSpPr txBox="1">
-            <a:spLocks/>
-          </p:cNvSpPr>
-          <p:nvPr/>
-        </p:nvSpPr>
-        <p:spPr>
-          <a:xfrm>
-            <a:off x="438663" y="2365624"/>
-            <a:ext cx="4123679" cy="2832914"/>
-          </a:xfrm>
-          <a:prstGeom prst="rect">
-            <a:avLst/>
-          </a:prstGeom>
-        </p:spPr>
-        <p:txBody>
-          <a:bodyPr vert="horz" lIns="91440" tIns="45720" rIns="91440" bIns="45720" rtlCol="0">
-            <a:noAutofit/>
-          </a:bodyPr>
-          <a:lstStyle>
-            <a:lvl1pPr marL="228600" indent="-228600" algn="l" defTabSz="914400" rtl="0" eaLnBrk="1" latinLnBrk="0" hangingPunct="1">
-              <a:lnSpc>
-                <a:spcPct val="90000"/>
-              </a:lnSpc>
-              <a:spcBef>
-                <a:spcPts val="1000"/>
-              </a:spcBef>
-              <a:buFont typeface="Arial" panose="020B0604020202020204" pitchFamily="34" charset="0"/>
-              <a:buChar char="•"/>
-              <a:defRPr sz="2800" kern="1200">
-                <a:solidFill>
-                  <a:schemeClr val="tx1"/>
-                </a:solidFill>
-                <a:latin typeface="+mn-lt"/>
-                <a:ea typeface="+mn-ea"/>
-                <a:cs typeface="+mn-cs"/>
-              </a:defRPr>
-            </a:lvl1pPr>
-            <a:lvl2pPr marL="685800" indent="-228600" algn="l" defTabSz="914400" rtl="0" eaLnBrk="1" latinLnBrk="0" hangingPunct="1">
-              <a:lnSpc>
-                <a:spcPct val="90000"/>
-              </a:lnSpc>
-              <a:spcBef>
-                <a:spcPts val="500"/>
-              </a:spcBef>
-              <a:buFont typeface="Arial" panose="020B0604020202020204" pitchFamily="34" charset="0"/>
-              <a:buChar char="•"/>
-              <a:defRPr sz="2400" kern="1200">
-                <a:solidFill>
-                  <a:schemeClr val="tx1"/>
-                </a:solidFill>
-                <a:latin typeface="+mn-lt"/>
-                <a:ea typeface="+mn-ea"/>
-                <a:cs typeface="+mn-cs"/>
-              </a:defRPr>
-            </a:lvl2pPr>
-            <a:lvl3pPr marL="1143000" indent="-228600" algn="l" defTabSz="914400" rtl="0" eaLnBrk="1" latinLnBrk="0" hangingPunct="1">
-              <a:lnSpc>
-                <a:spcPct val="90000"/>
-              </a:lnSpc>
-              <a:spcBef>
-                <a:spcPts val="500"/>
-              </a:spcBef>
-              <a:buFont typeface="Arial" panose="020B0604020202020204" pitchFamily="34" charset="0"/>
-              <a:buChar char="•"/>
-              <a:defRPr sz="2000" kern="1200">
-                <a:solidFill>
-                  <a:schemeClr val="tx1"/>
-                </a:solidFill>
-                <a:latin typeface="+mn-lt"/>
-                <a:ea typeface="+mn-ea"/>
-                <a:cs typeface="+mn-cs"/>
-              </a:defRPr>
-            </a:lvl3pPr>
-            <a:lvl4pPr marL="1600200" indent="-228600" algn="l" defTabSz="914400" rtl="0" eaLnBrk="1" latinLnBrk="0" hangingPunct="1">
-              <a:lnSpc>
-                <a:spcPct val="90000"/>
-              </a:lnSpc>
-              <a:spcBef>
-                <a:spcPts val="500"/>
-              </a:spcBef>
-              <a:buFont typeface="Arial" panose="020B0604020202020204" pitchFamily="34" charset="0"/>
-              <a:buChar char="•"/>
-              <a:defRPr sz="1800" kern="1200">
-                <a:solidFill>
-                  <a:schemeClr val="tx1"/>
-                </a:solidFill>
-                <a:latin typeface="+mn-lt"/>
-                <a:ea typeface="+mn-ea"/>
-                <a:cs typeface="+mn-cs"/>
-              </a:defRPr>
-            </a:lvl4pPr>
-            <a:lvl5pPr marL="2057400" indent="-228600" algn="l" defTabSz="914400" rtl="0" eaLnBrk="1" latinLnBrk="0" hangingPunct="1">
-              <a:lnSpc>
-                <a:spcPct val="90000"/>
-              </a:lnSpc>
-              <a:spcBef>
-                <a:spcPts val="500"/>
-              </a:spcBef>
-              <a:buFont typeface="Arial" panose="020B0604020202020204" pitchFamily="34" charset="0"/>
-              <a:buChar char="•"/>
-              <a:defRPr sz="1800" kern="1200">
-                <a:solidFill>
-                  <a:schemeClr val="tx1"/>
-                </a:solidFill>
-                <a:latin typeface="+mn-lt"/>
-                <a:ea typeface="+mn-ea"/>
-                <a:cs typeface="+mn-cs"/>
-              </a:defRPr>
-            </a:lvl5pPr>
-            <a:lvl6pPr marL="2514600" indent="-228600" algn="l" defTabSz="914400" rtl="0" eaLnBrk="1" latinLnBrk="0" hangingPunct="1">
-              <a:lnSpc>
-                <a:spcPct val="90000"/>
-              </a:lnSpc>
-              <a:spcBef>
-                <a:spcPts val="500"/>
-              </a:spcBef>
-              <a:buFont typeface="Arial" panose="020B0604020202020204" pitchFamily="34" charset="0"/>
-              <a:buChar char="•"/>
-              <a:defRPr sz="1800" kern="1200">
-                <a:solidFill>
-                  <a:schemeClr val="tx1"/>
-                </a:solidFill>
-                <a:latin typeface="+mn-lt"/>
-                <a:ea typeface="+mn-ea"/>
-                <a:cs typeface="+mn-cs"/>
-              </a:defRPr>
-            </a:lvl6pPr>
-            <a:lvl7pPr marL="2971800" indent="-228600" algn="l" defTabSz="914400" rtl="0" eaLnBrk="1" latinLnBrk="0" hangingPunct="1">
-              <a:lnSpc>
-                <a:spcPct val="90000"/>
-              </a:lnSpc>
-              <a:spcBef>
-                <a:spcPts val="500"/>
-              </a:spcBef>
-              <a:buFont typeface="Arial" panose="020B0604020202020204" pitchFamily="34" charset="0"/>
-              <a:buChar char="•"/>
-              <a:defRPr sz="1800" kern="1200">
-                <a:solidFill>
-                  <a:schemeClr val="tx1"/>
-                </a:solidFill>
-                <a:latin typeface="+mn-lt"/>
-                <a:ea typeface="+mn-ea"/>
-                <a:cs typeface="+mn-cs"/>
-              </a:defRPr>
-            </a:lvl7pPr>
-            <a:lvl8pPr marL="3429000" indent="-228600" algn="l" defTabSz="914400" rtl="0" eaLnBrk="1" latinLnBrk="0" hangingPunct="1">
-              <a:lnSpc>
-                <a:spcPct val="90000"/>
-              </a:lnSpc>
-              <a:spcBef>
-                <a:spcPts val="500"/>
-              </a:spcBef>
-              <a:buFont typeface="Arial" panose="020B0604020202020204" pitchFamily="34" charset="0"/>
-              <a:buChar char="•"/>
-              <a:defRPr sz="1800" kern="1200">
-                <a:solidFill>
-                  <a:schemeClr val="tx1"/>
-                </a:solidFill>
-                <a:latin typeface="+mn-lt"/>
-                <a:ea typeface="+mn-ea"/>
-                <a:cs typeface="+mn-cs"/>
-              </a:defRPr>
-            </a:lvl8pPr>
-            <a:lvl9pPr marL="3886200" indent="-228600" algn="l" defTabSz="914400" rtl="0" eaLnBrk="1" latinLnBrk="0" hangingPunct="1">
-              <a:lnSpc>
-                <a:spcPct val="90000"/>
-              </a:lnSpc>
-              <a:spcBef>
-                <a:spcPts val="500"/>
-              </a:spcBef>
-              <a:buFont typeface="Arial" panose="020B0604020202020204" pitchFamily="34" charset="0"/>
-              <a:buChar char="•"/>
-              <a:defRPr sz="1800" kern="1200">
-                <a:solidFill>
-                  <a:schemeClr val="tx1"/>
-                </a:solidFill>
-                <a:latin typeface="+mn-lt"/>
-                <a:ea typeface="+mn-ea"/>
-                <a:cs typeface="+mn-cs"/>
-              </a:defRPr>
-            </a:lvl9pPr>
-          </a:lstStyle>
-          <a:p>
-            <a:pPr marL="0" indent="0">
-              <a:lnSpc>
-                <a:spcPct val="100000"/>
-              </a:lnSpc>
-              <a:buNone/>
-            </a:pPr>
-            <a:r>
-              <a:rPr lang="en-GB" sz="1400" dirty="0">
-                <a:latin typeface="DejaVu Sans Book" panose="020B0603030804020204" pitchFamily="34" charset="0"/>
-                <a:ea typeface="DejaVu Sans Book" panose="020B0603030804020204" pitchFamily="34" charset="0"/>
-                <a:cs typeface="DejaVu Sans Book" panose="020B0603030804020204" pitchFamily="34" charset="0"/>
-              </a:rPr>
-              <a:t>let greeting = "Hello" </a:t>
-            </a:r>
-          </a:p>
-          <a:p>
-            <a:pPr marL="0" indent="0">
-              <a:lnSpc>
-                <a:spcPct val="100000"/>
-              </a:lnSpc>
-              <a:buNone/>
-            </a:pPr>
-            <a:r>
-              <a:rPr lang="en-GB" sz="1400" dirty="0">
-                <a:latin typeface="DejaVu Sans Book" panose="020B0603030804020204" pitchFamily="34" charset="0"/>
-                <a:ea typeface="DejaVu Sans Book" panose="020B0603030804020204" pitchFamily="34" charset="0"/>
-                <a:cs typeface="DejaVu Sans Book" panose="020B0603030804020204" pitchFamily="34" charset="0"/>
-              </a:rPr>
-              <a:t>let name = "Jon"</a:t>
-            </a:r>
-          </a:p>
-          <a:p>
-            <a:pPr marL="0" indent="0">
-              <a:lnSpc>
-                <a:spcPct val="100000"/>
-              </a:lnSpc>
-              <a:buNone/>
-            </a:pPr>
-            <a:r>
-              <a:rPr lang="en-GB" sz="1400" dirty="0">
-                <a:latin typeface="DejaVu Sans Book" panose="020B0603030804020204" pitchFamily="34" charset="0"/>
-                <a:ea typeface="DejaVu Sans Book" panose="020B0603030804020204" pitchFamily="34" charset="0"/>
-                <a:cs typeface="DejaVu Sans Book" panose="020B0603030804020204" pitchFamily="34" charset="0"/>
-              </a:rPr>
-              <a:t>do </a:t>
-            </a:r>
-            <a:r>
-              <a:rPr lang="en-GB" sz="1400" dirty="0" err="1">
-                <a:latin typeface="DejaVu Sans Book" panose="020B0603030804020204" pitchFamily="34" charset="0"/>
-                <a:ea typeface="DejaVu Sans Book" panose="020B0603030804020204" pitchFamily="34" charset="0"/>
-                <a:cs typeface="DejaVu Sans Book" panose="020B0603030804020204" pitchFamily="34" charset="0"/>
-              </a:rPr>
-              <a:t>printfn</a:t>
-            </a:r>
-            <a:r>
-              <a:rPr lang="en-GB" sz="1400" dirty="0">
-                <a:latin typeface="DejaVu Sans Book" panose="020B0603030804020204" pitchFamily="34" charset="0"/>
-                <a:ea typeface="DejaVu Sans Book" panose="020B0603030804020204" pitchFamily="34" charset="0"/>
-                <a:cs typeface="DejaVu Sans Book" panose="020B0603030804020204" pitchFamily="34" charset="0"/>
-              </a:rPr>
-              <a:t> "%s %s" greeting name</a:t>
-            </a:r>
-          </a:p>
-          <a:p>
-            <a:pPr marL="0" indent="0">
-              <a:lnSpc>
-                <a:spcPct val="100000"/>
-              </a:lnSpc>
-              <a:buNone/>
-            </a:pPr>
-            <a:r>
-              <a:rPr lang="en-GB" sz="1400" dirty="0">
-                <a:latin typeface="DejaVu Sans Book" panose="020B0603030804020204" pitchFamily="34" charset="0"/>
-                <a:ea typeface="DejaVu Sans Book" panose="020B0603030804020204" pitchFamily="34" charset="0"/>
-                <a:cs typeface="DejaVu Sans Book" panose="020B0603030804020204" pitchFamily="34" charset="0"/>
-              </a:rPr>
-              <a:t>(</a:t>
-            </a:r>
-          </a:p>
-          <a:p>
-            <a:pPr marL="0" indent="0">
-              <a:lnSpc>
-                <a:spcPct val="100000"/>
-              </a:lnSpc>
-              <a:buNone/>
-            </a:pPr>
-            <a:r>
-              <a:rPr lang="en-GB" sz="1400" dirty="0">
-                <a:latin typeface="DejaVu Sans Book" panose="020B0603030804020204" pitchFamily="34" charset="0"/>
-                <a:ea typeface="DejaVu Sans Book" panose="020B0603030804020204" pitchFamily="34" charset="0"/>
-                <a:cs typeface="DejaVu Sans Book" panose="020B0603030804020204" pitchFamily="34" charset="0"/>
-              </a:rPr>
-              <a:t>   let name = "Anders"</a:t>
-            </a:r>
-          </a:p>
-          <a:p>
-            <a:pPr marL="0" indent="0">
-              <a:lnSpc>
-                <a:spcPct val="100000"/>
-              </a:lnSpc>
-              <a:buNone/>
-            </a:pPr>
-            <a:r>
-              <a:rPr lang="en-GB" sz="1400" dirty="0">
-                <a:latin typeface="DejaVu Sans Book" panose="020B0603030804020204" pitchFamily="34" charset="0"/>
-                <a:ea typeface="DejaVu Sans Book" panose="020B0603030804020204" pitchFamily="34" charset="0"/>
-                <a:cs typeface="DejaVu Sans Book" panose="020B0603030804020204" pitchFamily="34" charset="0"/>
-              </a:rPr>
-              <a:t>   do </a:t>
-            </a:r>
-            <a:r>
-              <a:rPr lang="en-GB" sz="1400" dirty="0" err="1">
-                <a:latin typeface="DejaVu Sans Book" panose="020B0603030804020204" pitchFamily="34" charset="0"/>
-                <a:ea typeface="DejaVu Sans Book" panose="020B0603030804020204" pitchFamily="34" charset="0"/>
-                <a:cs typeface="DejaVu Sans Book" panose="020B0603030804020204" pitchFamily="34" charset="0"/>
-              </a:rPr>
-              <a:t>printfn</a:t>
-            </a:r>
-            <a:r>
-              <a:rPr lang="en-GB" sz="1400" dirty="0">
-                <a:latin typeface="DejaVu Sans Book" panose="020B0603030804020204" pitchFamily="34" charset="0"/>
-                <a:ea typeface="DejaVu Sans Book" panose="020B0603030804020204" pitchFamily="34" charset="0"/>
-                <a:cs typeface="DejaVu Sans Book" panose="020B0603030804020204" pitchFamily="34" charset="0"/>
-              </a:rPr>
-              <a:t> "%s %s" greeting name</a:t>
-            </a:r>
-          </a:p>
-          <a:p>
-            <a:pPr marL="0" indent="0">
-              <a:lnSpc>
-                <a:spcPct val="100000"/>
-              </a:lnSpc>
-              <a:buNone/>
-            </a:pPr>
-            <a:r>
-              <a:rPr lang="en-GB" sz="1400" dirty="0">
-                <a:latin typeface="DejaVu Sans Book" panose="020B0603030804020204" pitchFamily="34" charset="0"/>
-                <a:ea typeface="DejaVu Sans Book" panose="020B0603030804020204" pitchFamily="34" charset="0"/>
-                <a:cs typeface="DejaVu Sans Book" panose="020B0603030804020204" pitchFamily="34" charset="0"/>
-              </a:rPr>
-              <a:t>)</a:t>
-            </a:r>
-          </a:p>
-          <a:p>
-            <a:pPr marL="0" indent="0">
-              <a:lnSpc>
-                <a:spcPct val="100000"/>
-              </a:lnSpc>
-              <a:buNone/>
-            </a:pPr>
-            <a:r>
-              <a:rPr lang="en-GB" sz="1400" dirty="0">
-                <a:latin typeface="DejaVu Sans Book" panose="020B0603030804020204" pitchFamily="34" charset="0"/>
-                <a:ea typeface="DejaVu Sans Book" panose="020B0603030804020204" pitchFamily="34" charset="0"/>
-                <a:cs typeface="DejaVu Sans Book" panose="020B0603030804020204" pitchFamily="34" charset="0"/>
-              </a:rPr>
-              <a:t>do </a:t>
-            </a:r>
-            <a:r>
-              <a:rPr lang="en-GB" sz="1400" dirty="0" err="1">
-                <a:latin typeface="DejaVu Sans Book" panose="020B0603030804020204" pitchFamily="34" charset="0"/>
-                <a:ea typeface="DejaVu Sans Book" panose="020B0603030804020204" pitchFamily="34" charset="0"/>
-                <a:cs typeface="DejaVu Sans Book" panose="020B0603030804020204" pitchFamily="34" charset="0"/>
-              </a:rPr>
-              <a:t>printfn</a:t>
-            </a:r>
-            <a:r>
-              <a:rPr lang="en-GB" sz="1400" dirty="0">
-                <a:latin typeface="DejaVu Sans Book" panose="020B0603030804020204" pitchFamily="34" charset="0"/>
-                <a:ea typeface="DejaVu Sans Book" panose="020B0603030804020204" pitchFamily="34" charset="0"/>
-                <a:cs typeface="DejaVu Sans Book" panose="020B0603030804020204" pitchFamily="34" charset="0"/>
-              </a:rPr>
-              <a:t> "%s %s" greeting name</a:t>
-            </a:r>
-          </a:p>
-        </p:txBody>
-      </p:sp>
-      <p:sp>
-        <p:nvSpPr>
-          <p:cNvPr id="22" name="TextBox 21">
-            <a:extLst>
-              <a:ext uri="{FF2B5EF4-FFF2-40B4-BE49-F238E27FC236}">
-                <a16:creationId xmlns:a16="http://schemas.microsoft.com/office/drawing/2014/main" id="{0EE629AA-59CF-8545-8E76-2CB626811C2A}"/>
-              </a:ext>
-            </a:extLst>
-          </p:cNvPr>
-          <p:cNvSpPr txBox="1"/>
-          <p:nvPr/>
-        </p:nvSpPr>
-        <p:spPr>
-          <a:xfrm>
-            <a:off x="188282" y="1768432"/>
-            <a:ext cx="3345531" cy="461665"/>
-          </a:xfrm>
-          <a:prstGeom prst="rect">
-            <a:avLst/>
-          </a:prstGeom>
-          <a:noFill/>
-        </p:spPr>
-        <p:txBody>
-          <a:bodyPr wrap="none" rtlCol="0">
-            <a:spAutoFit/>
-          </a:bodyPr>
-          <a:lstStyle/>
-          <a:p>
-            <a:r>
-              <a:rPr lang="en-GB" sz="2400" dirty="0" err="1"/>
-              <a:t>Virkefelter</a:t>
-            </a:r>
-            <a:r>
-              <a:rPr lang="en-GB" sz="2400" dirty="0"/>
-              <a:t> via </a:t>
-            </a:r>
-            <a:r>
-              <a:rPr lang="en-GB" sz="2400" dirty="0" err="1"/>
-              <a:t>parenteser</a:t>
-            </a:r>
-            <a:endParaRPr lang="en-GB" sz="2400" dirty="0"/>
-          </a:p>
-        </p:txBody>
-      </p:sp>
-      <p:sp>
-        <p:nvSpPr>
-          <p:cNvPr id="11" name="Frame 10">
-            <a:extLst>
-              <a:ext uri="{FF2B5EF4-FFF2-40B4-BE49-F238E27FC236}">
-                <a16:creationId xmlns:a16="http://schemas.microsoft.com/office/drawing/2014/main" id="{1589F8F8-BFCD-0C4F-A8F5-A055BD6FA203}"/>
-              </a:ext>
-            </a:extLst>
-          </p:cNvPr>
-          <p:cNvSpPr/>
-          <p:nvPr/>
-        </p:nvSpPr>
-        <p:spPr>
-          <a:xfrm>
-            <a:off x="404794" y="2348693"/>
-            <a:ext cx="3963019" cy="2849848"/>
-          </a:xfrm>
-          <a:prstGeom prst="frame">
-            <a:avLst>
-              <a:gd name="adj1" fmla="val 1746"/>
-            </a:avLst>
-          </a:prstGeom>
-        </p:spPr>
-        <p:style>
-          <a:lnRef idx="2">
-            <a:schemeClr val="accent1">
-              <a:shade val="50000"/>
-            </a:schemeClr>
-          </a:lnRef>
-          <a:fillRef idx="1">
-            <a:schemeClr val="accent1"/>
-          </a:fillRef>
-          <a:effectRef idx="0">
-            <a:schemeClr val="accent1"/>
-          </a:effectRef>
-          <a:fontRef idx="minor">
-            <a:schemeClr val="lt1"/>
-          </a:fontRef>
-        </p:style>
-        <p:txBody>
-          <a:bodyPr rot="0" spcFirstLastPara="0" vertOverflow="overflow" horzOverflow="overflow" vert="horz" wrap="square" lIns="91440" tIns="45720" rIns="91440" bIns="45720" numCol="1" spcCol="0" rtlCol="0" fromWordArt="0" anchor="ctr" anchorCtr="0" forceAA="0" compatLnSpc="1">
-            <a:prstTxWarp prst="textNoShape">
-              <a:avLst/>
-            </a:prstTxWarp>
-            <a:noAutofit/>
-          </a:bodyPr>
-          <a:lstStyle/>
-          <a:p>
-            <a:pPr algn="ctr"/>
-            <a:endParaRPr lang="en-GB" sz="2520">
-              <a:solidFill>
-                <a:schemeClr val="tx1"/>
-              </a:solidFill>
-            </a:endParaRPr>
-          </a:p>
-        </p:txBody>
-      </p:sp>
-      <p:sp>
-        <p:nvSpPr>
-          <p:cNvPr id="25" name="Frame 24">
-            <a:extLst>
-              <a:ext uri="{FF2B5EF4-FFF2-40B4-BE49-F238E27FC236}">
-                <a16:creationId xmlns:a16="http://schemas.microsoft.com/office/drawing/2014/main" id="{16DD260F-77CB-F443-A7F1-CB3D5A802CD3}"/>
-              </a:ext>
-            </a:extLst>
-          </p:cNvPr>
-          <p:cNvSpPr/>
-          <p:nvPr/>
-        </p:nvSpPr>
-        <p:spPr>
-          <a:xfrm>
-            <a:off x="583214" y="3698231"/>
-            <a:ext cx="3276599" cy="771248"/>
-          </a:xfrm>
-          <a:prstGeom prst="frame">
-            <a:avLst>
-              <a:gd name="adj1" fmla="val 1746"/>
-            </a:avLst>
-          </a:prstGeom>
-        </p:spPr>
-        <p:style>
-          <a:lnRef idx="2">
-            <a:schemeClr val="accent1">
-              <a:shade val="50000"/>
-            </a:schemeClr>
-          </a:lnRef>
-          <a:fillRef idx="1">
-            <a:schemeClr val="accent1"/>
-          </a:fillRef>
-          <a:effectRef idx="0">
-            <a:schemeClr val="accent1"/>
-          </a:effectRef>
-          <a:fontRef idx="minor">
-            <a:schemeClr val="lt1"/>
-          </a:fontRef>
-        </p:style>
-        <p:txBody>
-          <a:bodyPr rot="0" spcFirstLastPara="0" vertOverflow="overflow" horzOverflow="overflow" vert="horz" wrap="square" lIns="91440" tIns="45720" rIns="91440" bIns="45720" numCol="1" spcCol="0" rtlCol="0" fromWordArt="0" anchor="ctr" anchorCtr="0" forceAA="0" compatLnSpc="1">
-            <a:prstTxWarp prst="textNoShape">
-              <a:avLst/>
-            </a:prstTxWarp>
-            <a:noAutofit/>
-          </a:bodyPr>
-          <a:lstStyle/>
-          <a:p>
-            <a:pPr algn="ctr"/>
-            <a:endParaRPr lang="en-GB" sz="2520">
-              <a:solidFill>
-                <a:schemeClr val="tx1"/>
-              </a:solidFill>
-            </a:endParaRPr>
-          </a:p>
-        </p:txBody>
-      </p:sp>
-      <p:sp>
-        <p:nvSpPr>
-          <p:cNvPr id="14" name="TextBox 13">
-            <a:extLst>
-              <a:ext uri="{FF2B5EF4-FFF2-40B4-BE49-F238E27FC236}">
-                <a16:creationId xmlns:a16="http://schemas.microsoft.com/office/drawing/2014/main" id="{4DAA077A-15B8-7A41-B80A-C87683361FE3}"/>
-              </a:ext>
-            </a:extLst>
-          </p:cNvPr>
-          <p:cNvSpPr txBox="1"/>
-          <p:nvPr/>
-        </p:nvSpPr>
-        <p:spPr>
-          <a:xfrm>
-            <a:off x="4367810" y="2252681"/>
-            <a:ext cx="348172" cy="480131"/>
-          </a:xfrm>
-          <a:prstGeom prst="rect">
-            <a:avLst/>
-          </a:prstGeom>
-          <a:noFill/>
-        </p:spPr>
-        <p:txBody>
-          <a:bodyPr wrap="none" rtlCol="0">
-            <a:spAutoFit/>
-          </a:bodyPr>
-          <a:lstStyle/>
-          <a:p>
-            <a:r>
-              <a:rPr lang="en-GB" sz="2520" dirty="0"/>
-              <a:t>0</a:t>
-            </a:r>
-          </a:p>
-        </p:txBody>
-      </p:sp>
-      <p:sp>
-        <p:nvSpPr>
-          <p:cNvPr id="15" name="TextBox 14">
-            <a:extLst>
-              <a:ext uri="{FF2B5EF4-FFF2-40B4-BE49-F238E27FC236}">
-                <a16:creationId xmlns:a16="http://schemas.microsoft.com/office/drawing/2014/main" id="{82463494-A9FF-2F41-B3E9-47CFC3C8FA2D}"/>
-              </a:ext>
-            </a:extLst>
-          </p:cNvPr>
-          <p:cNvSpPr txBox="1"/>
-          <p:nvPr/>
-        </p:nvSpPr>
-        <p:spPr>
-          <a:xfrm>
-            <a:off x="3829055" y="3582352"/>
-            <a:ext cx="348172" cy="480131"/>
-          </a:xfrm>
-          <a:prstGeom prst="rect">
-            <a:avLst/>
-          </a:prstGeom>
-          <a:noFill/>
-        </p:spPr>
-        <p:txBody>
-          <a:bodyPr wrap="none" rtlCol="0">
-            <a:spAutoFit/>
-          </a:bodyPr>
-          <a:lstStyle/>
-          <a:p>
-            <a:r>
-              <a:rPr lang="en-GB" sz="2520" dirty="0"/>
-              <a:t>1</a:t>
-            </a:r>
-          </a:p>
-        </p:txBody>
-      </p:sp>
-      <p:graphicFrame>
-        <p:nvGraphicFramePr>
-          <p:cNvPr id="3" name="Diagram 2">
-            <a:extLst>
-              <a:ext uri="{FF2B5EF4-FFF2-40B4-BE49-F238E27FC236}">
-                <a16:creationId xmlns:a16="http://schemas.microsoft.com/office/drawing/2014/main" id="{68EF561C-811D-7346-83A4-19C60F47458D}"/>
-              </a:ext>
-            </a:extLst>
-          </p:cNvPr>
-          <p:cNvGraphicFramePr/>
-          <p:nvPr>
-            <p:extLst>
-              <p:ext uri="{D42A27DB-BD31-4B8C-83A1-F6EECF244321}">
-                <p14:modId xmlns:p14="http://schemas.microsoft.com/office/powerpoint/2010/main" val="2123191327"/>
-              </p:ext>
-            </p:extLst>
-          </p:nvPr>
-        </p:nvGraphicFramePr>
-        <p:xfrm>
-          <a:off x="4993761" y="1768432"/>
-          <a:ext cx="7160099" cy="4029193"/>
-        </p:xfrm>
-        <a:graphic>
-          <a:graphicData uri="http://schemas.openxmlformats.org/drawingml/2006/diagram">
-            <dgm:relIds xmlns:dgm="http://schemas.openxmlformats.org/drawingml/2006/diagram" xmlns:r="http://schemas.openxmlformats.org/officeDocument/2006/relationships" r:dm="rId2" r:lo="rId3" r:qs="rId4" r:cs="rId5"/>
-          </a:graphicData>
-        </a:graphic>
-      </p:graphicFrame>
-    </p:spTree>
-    <p:extLst>
-      <p:ext uri="{BB962C8B-B14F-4D97-AF65-F5344CB8AC3E}">
-        <p14:creationId xmlns:p14="http://schemas.microsoft.com/office/powerpoint/2010/main" val="1490876304"/>
-      </p:ext>
-    </p:extLst>
-  </p:cSld>
-  <p:clrMapOvr>
-    <a:masterClrMapping/>
-  </p:clrMapOvr>
-  <p:timing>
-    <p:tnLst>
-      <p:par>
-        <p:cTn id="1" dur="indefinite" restart="never" nodeType="tmRoot">
-          <p:childTnLst>
-            <p:seq concurrent="1" nextAc="seek">
-              <p:cTn id="2" dur="indefinite" nodeType="mainSeq">
-                <p:childTnLst>
-                  <p:par>
-                    <p:cTn id="3" fill="hold">
-                      <p:stCondLst>
-                        <p:cond delay="indefinite"/>
-                        <p:cond evt="onBegin" delay="0">
-                          <p:tn val="2"/>
-                        </p:cond>
-                      </p:stCondLst>
-                      <p:childTnLst>
-                        <p:par>
-                          <p:cTn id="4" fill="hold">
-                            <p:stCondLst>
-                              <p:cond delay="0"/>
-                            </p:stCondLst>
-                            <p:childTnLst>
-                              <p:par>
-                                <p:cTn id="5" presetID="1" presetClass="entr" presetSubtype="0" fill="hold" grpId="0" nodeType="withEffect">
-                                  <p:stCondLst>
-                                    <p:cond delay="0"/>
-                                  </p:stCondLst>
-                                  <p:childTnLst>
-                                    <p:set>
-                                      <p:cBhvr>
-                                        <p:cTn id="6" dur="1" fill="hold">
-                                          <p:stCondLst>
-                                            <p:cond delay="0"/>
-                                          </p:stCondLst>
-                                        </p:cTn>
-                                        <p:tgtEl>
-                                          <p:spTgt spid="22"/>
-                                        </p:tgtEl>
-                                        <p:attrNameLst>
-                                          <p:attrName>style.visibility</p:attrName>
-                                        </p:attrNameLst>
-                                      </p:cBhvr>
-                                      <p:to>
-                                        <p:strVal val="visible"/>
-                                      </p:to>
-                                    </p:set>
-                                  </p:childTnLst>
-                                </p:cTn>
-                              </p:par>
-                              <p:par>
-                                <p:cTn id="7" presetID="1" presetClass="entr" presetSubtype="0" fill="hold" grpId="0" nodeType="withEffect">
-                                  <p:stCondLst>
-                                    <p:cond delay="0"/>
-                                  </p:stCondLst>
-                                  <p:childTnLst>
-                                    <p:set>
-                                      <p:cBhvr>
-                                        <p:cTn id="8" dur="1" fill="hold">
-                                          <p:stCondLst>
-                                            <p:cond delay="0"/>
-                                          </p:stCondLst>
-                                        </p:cTn>
-                                        <p:tgtEl>
-                                          <p:spTgt spid="21"/>
-                                        </p:tgtEl>
-                                        <p:attrNameLst>
-                                          <p:attrName>style.visibility</p:attrName>
-                                        </p:attrNameLst>
-                                      </p:cBhvr>
-                                      <p:to>
-                                        <p:strVal val="visible"/>
-                                      </p:to>
-                                    </p:set>
-                                  </p:childTnLst>
-                                </p:cTn>
-                              </p:par>
-                            </p:childTnLst>
-                          </p:cTn>
-                        </p:par>
-                      </p:childTnLst>
-                    </p:cTn>
-                  </p:par>
-                  <p:par>
-                    <p:cTn id="9" fill="hold">
-                      <p:stCondLst>
-                        <p:cond delay="indefinite"/>
-                      </p:stCondLst>
-                      <p:childTnLst>
-                        <p:par>
-                          <p:cTn id="10" fill="hold">
-                            <p:stCondLst>
-                              <p:cond delay="0"/>
-                            </p:stCondLst>
-                            <p:childTnLst>
-                              <p:par>
-                                <p:cTn id="11" presetID="1" presetClass="entr" presetSubtype="0" fill="hold" grpId="0" nodeType="clickEffect">
-                                  <p:stCondLst>
-                                    <p:cond delay="0"/>
-                                  </p:stCondLst>
-                                  <p:childTnLst>
-                                    <p:set>
-                                      <p:cBhvr>
-                                        <p:cTn id="12" dur="1" fill="hold">
-                                          <p:stCondLst>
-                                            <p:cond delay="0"/>
-                                          </p:stCondLst>
-                                        </p:cTn>
-                                        <p:tgtEl>
-                                          <p:spTgt spid="11"/>
-                                        </p:tgtEl>
-                                        <p:attrNameLst>
-                                          <p:attrName>style.visibility</p:attrName>
-                                        </p:attrNameLst>
-                                      </p:cBhvr>
-                                      <p:to>
-                                        <p:strVal val="visible"/>
-                                      </p:to>
-                                    </p:set>
-                                  </p:childTnLst>
-                                </p:cTn>
-                              </p:par>
-                              <p:par>
-                                <p:cTn id="13" presetID="1" presetClass="entr" presetSubtype="0" fill="hold" grpId="0" nodeType="withEffect">
-                                  <p:stCondLst>
-                                    <p:cond delay="0"/>
-                                  </p:stCondLst>
-                                  <p:childTnLst>
-                                    <p:set>
-                                      <p:cBhvr>
-                                        <p:cTn id="14" dur="1" fill="hold">
-                                          <p:stCondLst>
-                                            <p:cond delay="0"/>
-                                          </p:stCondLst>
-                                        </p:cTn>
-                                        <p:tgtEl>
-                                          <p:spTgt spid="14"/>
-                                        </p:tgtEl>
-                                        <p:attrNameLst>
-                                          <p:attrName>style.visibility</p:attrName>
-                                        </p:attrNameLst>
-                                      </p:cBhvr>
-                                      <p:to>
-                                        <p:strVal val="visible"/>
-                                      </p:to>
-                                    </p:set>
-                                  </p:childTnLst>
-                                </p:cTn>
-                              </p:par>
-                              <p:par>
-                                <p:cTn id="15" presetID="1" presetClass="entr" presetSubtype="0" fill="hold" grpId="0" nodeType="withEffect">
-                                  <p:stCondLst>
-                                    <p:cond delay="0"/>
-                                  </p:stCondLst>
-                                  <p:childTnLst>
-                                    <p:set>
-                                      <p:cBhvr>
-                                        <p:cTn id="16" dur="1" fill="hold">
-                                          <p:stCondLst>
-                                            <p:cond delay="0"/>
-                                          </p:stCondLst>
-                                        </p:cTn>
-                                        <p:tgtEl>
-                                          <p:spTgt spid="25"/>
-                                        </p:tgtEl>
-                                        <p:attrNameLst>
-                                          <p:attrName>style.visibility</p:attrName>
-                                        </p:attrNameLst>
-                                      </p:cBhvr>
-                                      <p:to>
-                                        <p:strVal val="visible"/>
-                                      </p:to>
-                                    </p:set>
-                                  </p:childTnLst>
-                                </p:cTn>
-                              </p:par>
-                              <p:par>
-                                <p:cTn id="17" presetID="1" presetClass="entr" presetSubtype="0" fill="hold" grpId="0" nodeType="withEffect">
-                                  <p:stCondLst>
-                                    <p:cond delay="0"/>
-                                  </p:stCondLst>
-                                  <p:childTnLst>
-                                    <p:set>
-                                      <p:cBhvr>
-                                        <p:cTn id="18" dur="1" fill="hold">
-                                          <p:stCondLst>
-                                            <p:cond delay="0"/>
-                                          </p:stCondLst>
-                                        </p:cTn>
-                                        <p:tgtEl>
-                                          <p:spTgt spid="15"/>
-                                        </p:tgtEl>
-                                        <p:attrNameLst>
-                                          <p:attrName>style.visibility</p:attrName>
-                                        </p:attrNameLst>
-                                      </p:cBhvr>
-                                      <p:to>
-                                        <p:strVal val="visible"/>
-                                      </p:to>
-                                    </p:set>
-                                  </p:childTnLst>
-                                </p:cTn>
-                              </p:par>
-                            </p:childTnLst>
-                          </p:cTn>
-                        </p:par>
-                      </p:childTnLst>
-                    </p:cTn>
-                  </p:par>
-                  <p:par>
-                    <p:cTn id="19" fill="hold">
-                      <p:stCondLst>
-                        <p:cond delay="indefinite"/>
-                      </p:stCondLst>
-                      <p:childTnLst>
-                        <p:par>
-                          <p:cTn id="20" fill="hold">
-                            <p:stCondLst>
-                              <p:cond delay="0"/>
-                            </p:stCondLst>
-                            <p:childTnLst>
-                              <p:par>
-                                <p:cTn id="21" presetID="1" presetClass="entr" presetSubtype="0" fill="hold" grpId="0" nodeType="clickEffect">
-                                  <p:stCondLst>
-                                    <p:cond delay="0"/>
-                                  </p:stCondLst>
-                                  <p:childTnLst>
-                                    <p:set>
-                                      <p:cBhvr>
-                                        <p:cTn id="22" dur="1" fill="hold">
-                                          <p:stCondLst>
-                                            <p:cond delay="0"/>
-                                          </p:stCondLst>
-                                        </p:cTn>
-                                        <p:tgtEl>
-                                          <p:spTgt spid="3"/>
-                                        </p:tgtEl>
-                                        <p:attrNameLst>
-                                          <p:attrName>style.visibility</p:attrName>
-                                        </p:attrNameLst>
-                                      </p:cBhvr>
-                                      <p:to>
-                                        <p:strVal val="visible"/>
-                                      </p:to>
-                                    </p:set>
-                                  </p:childTnLst>
-                                </p:cTn>
-                              </p:par>
-                            </p:childTnLst>
-                          </p:cTn>
-                        </p:par>
-                      </p:childTnLst>
-                    </p:cTn>
-                  </p:par>
-                </p:childTnLst>
-              </p:cTn>
-              <p:prevCondLst>
-                <p:cond evt="onPrev" delay="0">
-                  <p:tgtEl>
-                    <p:sldTgt/>
-                  </p:tgtEl>
-                </p:cond>
-              </p:prevCondLst>
-              <p:nextCondLst>
-                <p:cond evt="onNext" delay="0">
-                  <p:tgtEl>
-                    <p:sldTgt/>
-                  </p:tgtEl>
-                </p:cond>
-              </p:nextCondLst>
-            </p:seq>
-          </p:childTnLst>
-        </p:cTn>
-      </p:par>
-    </p:tnLst>
-    <p:bldLst>
-      <p:bldP spid="21" grpId="0"/>
-      <p:bldP spid="22" grpId="0"/>
-      <p:bldP spid="11" grpId="0" animBg="1"/>
-      <p:bldP spid="25" grpId="0" animBg="1"/>
-      <p:bldP spid="14" grpId="0"/>
-      <p:bldP spid="15" grpId="0"/>
-      <p:bldGraphic spid="3" grpId="0">
-        <p:bldAsOne/>
-      </p:bldGraphic>
-    </p:bldLst>
-  </p:timing>
-</p:sld>
-</file>
-
-<file path=ppt/slides/slide9.xml><?xml version="1.0" encoding="utf-8"?>
-<p:sld xmlns:a="http://schemas.openxmlformats.org/drawingml/2006/main" xmlns:r="http://schemas.openxmlformats.org/officeDocument/2006/relationships" xmlns:p="http://schemas.openxmlformats.org/presentationml/2006/main">
-  <p:cSld>
-    <p:spTree>
-      <p:nvGrpSpPr>
-        <p:cNvPr id="1" name=""/>
-        <p:cNvGrpSpPr/>
-        <p:nvPr/>
-      </p:nvGrpSpPr>
-      <p:grpSpPr>
-        <a:xfrm>
-          <a:off x="0" y="0"/>
-          <a:ext cx="0" cy="0"/>
-          <a:chOff x="0" y="0"/>
-          <a:chExt cx="0" cy="0"/>
-        </a:xfrm>
-      </p:grpSpPr>
-      <p:sp>
-        <p:nvSpPr>
-          <p:cNvPr id="2" name="Title 1">
-            <a:extLst>
-              <a:ext uri="{FF2B5EF4-FFF2-40B4-BE49-F238E27FC236}">
-                <a16:creationId xmlns:a16="http://schemas.microsoft.com/office/drawing/2014/main" id="{83641885-65BE-294A-AC00-AFBE12CF87FF}"/>
+                <a16:creationId xmlns:a16="http://schemas.microsoft.com/office/drawing/2014/main" id="{F85C8F81-E87B-1C49-99CE-586F396DBC90}"/>
               </a:ext>
             </a:extLst>
           </p:cNvPr>
@@ -21133,797 +24653,135 @@
           <a:lstStyle/>
           <a:p>
             <a:r>
-              <a:rPr lang="en-GB" dirty="0" err="1"/>
-              <a:t>Funktioner</a:t>
-            </a:r>
-            <a:endParaRPr lang="en-GB" dirty="0"/>
+              <a:rPr lang="da-DK" dirty="0"/>
+              <a:t>Hvad gør programmet?</a:t>
+            </a:r>
           </a:p>
         </p:txBody>
       </p:sp>
       <p:sp>
         <p:nvSpPr>
-          <p:cNvPr id="4" name="Content Placeholder 2">
+          <p:cNvPr id="4" name="Rectangle 3">
             <a:extLst>
               <a:ext uri="{FF2B5EF4-FFF2-40B4-BE49-F238E27FC236}">
-                <a16:creationId xmlns:a16="http://schemas.microsoft.com/office/drawing/2014/main" id="{848137C9-E160-A642-9953-B62FC27B65C7}"/>
+                <a16:creationId xmlns:a16="http://schemas.microsoft.com/office/drawing/2014/main" id="{96B8D5B3-4F89-744E-AF3A-A78EFF3F1F0E}"/>
               </a:ext>
             </a:extLst>
           </p:cNvPr>
-          <p:cNvSpPr txBox="1">
-            <a:spLocks/>
-          </p:cNvSpPr>
+          <p:cNvSpPr/>
           <p:nvPr/>
         </p:nvSpPr>
         <p:spPr>
           <a:xfrm>
-            <a:off x="1390651" y="2054629"/>
-            <a:ext cx="4381500" cy="2650721"/>
+            <a:off x="4136136" y="2462844"/>
+            <a:ext cx="1789176" cy="1200329"/>
           </a:xfrm>
           <a:prstGeom prst="rect">
             <a:avLst/>
           </a:prstGeom>
         </p:spPr>
         <p:txBody>
-          <a:bodyPr vert="horz" lIns="91440" tIns="45720" rIns="91440" bIns="45720" rtlCol="0">
-            <a:noAutofit/>
-          </a:bodyPr>
-          <a:lstStyle>
-            <a:lvl1pPr marL="228600" indent="-228600" algn="l" defTabSz="914400" rtl="0" eaLnBrk="1" latinLnBrk="0" hangingPunct="1">
-              <a:lnSpc>
-                <a:spcPct val="90000"/>
-              </a:lnSpc>
-              <a:spcBef>
-                <a:spcPts val="1000"/>
-              </a:spcBef>
-              <a:buFont typeface="Arial" panose="020B0604020202020204" pitchFamily="34" charset="0"/>
-              <a:buChar char="•"/>
-              <a:defRPr sz="2800" kern="1200">
-                <a:solidFill>
-                  <a:schemeClr val="tx1"/>
-                </a:solidFill>
-                <a:latin typeface="+mn-lt"/>
-                <a:ea typeface="+mn-ea"/>
-                <a:cs typeface="+mn-cs"/>
-              </a:defRPr>
-            </a:lvl1pPr>
-            <a:lvl2pPr marL="685800" indent="-228600" algn="l" defTabSz="914400" rtl="0" eaLnBrk="1" latinLnBrk="0" hangingPunct="1">
-              <a:lnSpc>
-                <a:spcPct val="90000"/>
-              </a:lnSpc>
-              <a:spcBef>
-                <a:spcPts val="500"/>
-              </a:spcBef>
-              <a:buFont typeface="Arial" panose="020B0604020202020204" pitchFamily="34" charset="0"/>
-              <a:buChar char="•"/>
-              <a:defRPr sz="2400" kern="1200">
-                <a:solidFill>
-                  <a:schemeClr val="tx1"/>
-                </a:solidFill>
-                <a:latin typeface="+mn-lt"/>
-                <a:ea typeface="+mn-ea"/>
-                <a:cs typeface="+mn-cs"/>
-              </a:defRPr>
-            </a:lvl2pPr>
-            <a:lvl3pPr marL="1143000" indent="-228600" algn="l" defTabSz="914400" rtl="0" eaLnBrk="1" latinLnBrk="0" hangingPunct="1">
-              <a:lnSpc>
-                <a:spcPct val="90000"/>
-              </a:lnSpc>
-              <a:spcBef>
-                <a:spcPts val="500"/>
-              </a:spcBef>
-              <a:buFont typeface="Arial" panose="020B0604020202020204" pitchFamily="34" charset="0"/>
-              <a:buChar char="•"/>
-              <a:defRPr sz="2000" kern="1200">
-                <a:solidFill>
-                  <a:schemeClr val="tx1"/>
-                </a:solidFill>
-                <a:latin typeface="+mn-lt"/>
-                <a:ea typeface="+mn-ea"/>
-                <a:cs typeface="+mn-cs"/>
-              </a:defRPr>
-            </a:lvl3pPr>
-            <a:lvl4pPr marL="1600200" indent="-228600" algn="l" defTabSz="914400" rtl="0" eaLnBrk="1" latinLnBrk="0" hangingPunct="1">
-              <a:lnSpc>
-                <a:spcPct val="90000"/>
-              </a:lnSpc>
-              <a:spcBef>
-                <a:spcPts val="500"/>
-              </a:spcBef>
-              <a:buFont typeface="Arial" panose="020B0604020202020204" pitchFamily="34" charset="0"/>
-              <a:buChar char="•"/>
-              <a:defRPr sz="1800" kern="1200">
-                <a:solidFill>
-                  <a:schemeClr val="tx1"/>
-                </a:solidFill>
-                <a:latin typeface="+mn-lt"/>
-                <a:ea typeface="+mn-ea"/>
-                <a:cs typeface="+mn-cs"/>
-              </a:defRPr>
-            </a:lvl4pPr>
-            <a:lvl5pPr marL="2057400" indent="-228600" algn="l" defTabSz="914400" rtl="0" eaLnBrk="1" latinLnBrk="0" hangingPunct="1">
-              <a:lnSpc>
-                <a:spcPct val="90000"/>
-              </a:lnSpc>
-              <a:spcBef>
-                <a:spcPts val="500"/>
-              </a:spcBef>
-              <a:buFont typeface="Arial" panose="020B0604020202020204" pitchFamily="34" charset="0"/>
-              <a:buChar char="•"/>
-              <a:defRPr sz="1800" kern="1200">
-                <a:solidFill>
-                  <a:schemeClr val="tx1"/>
-                </a:solidFill>
-                <a:latin typeface="+mn-lt"/>
-                <a:ea typeface="+mn-ea"/>
-                <a:cs typeface="+mn-cs"/>
-              </a:defRPr>
-            </a:lvl5pPr>
-            <a:lvl6pPr marL="2514600" indent="-228600" algn="l" defTabSz="914400" rtl="0" eaLnBrk="1" latinLnBrk="0" hangingPunct="1">
-              <a:lnSpc>
-                <a:spcPct val="90000"/>
-              </a:lnSpc>
-              <a:spcBef>
-                <a:spcPts val="500"/>
-              </a:spcBef>
-              <a:buFont typeface="Arial" panose="020B0604020202020204" pitchFamily="34" charset="0"/>
-              <a:buChar char="•"/>
-              <a:defRPr sz="1800" kern="1200">
-                <a:solidFill>
-                  <a:schemeClr val="tx1"/>
-                </a:solidFill>
-                <a:latin typeface="+mn-lt"/>
-                <a:ea typeface="+mn-ea"/>
-                <a:cs typeface="+mn-cs"/>
-              </a:defRPr>
-            </a:lvl6pPr>
-            <a:lvl7pPr marL="2971800" indent="-228600" algn="l" defTabSz="914400" rtl="0" eaLnBrk="1" latinLnBrk="0" hangingPunct="1">
-              <a:lnSpc>
-                <a:spcPct val="90000"/>
-              </a:lnSpc>
-              <a:spcBef>
-                <a:spcPts val="500"/>
-              </a:spcBef>
-              <a:buFont typeface="Arial" panose="020B0604020202020204" pitchFamily="34" charset="0"/>
-              <a:buChar char="•"/>
-              <a:defRPr sz="1800" kern="1200">
-                <a:solidFill>
-                  <a:schemeClr val="tx1"/>
-                </a:solidFill>
-                <a:latin typeface="+mn-lt"/>
-                <a:ea typeface="+mn-ea"/>
-                <a:cs typeface="+mn-cs"/>
-              </a:defRPr>
-            </a:lvl7pPr>
-            <a:lvl8pPr marL="3429000" indent="-228600" algn="l" defTabSz="914400" rtl="0" eaLnBrk="1" latinLnBrk="0" hangingPunct="1">
-              <a:lnSpc>
-                <a:spcPct val="90000"/>
-              </a:lnSpc>
-              <a:spcBef>
-                <a:spcPts val="500"/>
-              </a:spcBef>
-              <a:buFont typeface="Arial" panose="020B0604020202020204" pitchFamily="34" charset="0"/>
-              <a:buChar char="•"/>
-              <a:defRPr sz="1800" kern="1200">
-                <a:solidFill>
-                  <a:schemeClr val="tx1"/>
-                </a:solidFill>
-                <a:latin typeface="+mn-lt"/>
-                <a:ea typeface="+mn-ea"/>
-                <a:cs typeface="+mn-cs"/>
-              </a:defRPr>
-            </a:lvl8pPr>
-            <a:lvl9pPr marL="3886200" indent="-228600" algn="l" defTabSz="914400" rtl="0" eaLnBrk="1" latinLnBrk="0" hangingPunct="1">
-              <a:lnSpc>
-                <a:spcPct val="90000"/>
-              </a:lnSpc>
-              <a:spcBef>
-                <a:spcPts val="500"/>
-              </a:spcBef>
-              <a:buFont typeface="Arial" panose="020B0604020202020204" pitchFamily="34" charset="0"/>
-              <a:buChar char="•"/>
-              <a:defRPr sz="1800" kern="1200">
-                <a:solidFill>
-                  <a:schemeClr val="tx1"/>
-                </a:solidFill>
-                <a:latin typeface="+mn-lt"/>
-                <a:ea typeface="+mn-ea"/>
-                <a:cs typeface="+mn-cs"/>
-              </a:defRPr>
-            </a:lvl9pPr>
-          </a:lstStyle>
-          <a:p>
-            <a:pPr marL="0" indent="0">
-              <a:lnSpc>
-                <a:spcPct val="100000"/>
-              </a:lnSpc>
-              <a:buNone/>
-            </a:pPr>
-            <a:r>
-              <a:rPr lang="en-GB" sz="1600" dirty="0">
-                <a:latin typeface="DejaVu Sans Book" panose="020B0603030804020204" pitchFamily="34" charset="0"/>
-                <a:ea typeface="DejaVu Sans Book" panose="020B0603030804020204" pitchFamily="34" charset="0"/>
-                <a:cs typeface="DejaVu Sans Book" panose="020B0603030804020204" pitchFamily="34" charset="0"/>
-              </a:rPr>
-              <a:t>let greetings (name : string) : string =</a:t>
-            </a:r>
-          </a:p>
-          <a:p>
-            <a:pPr marL="0" indent="0">
-              <a:lnSpc>
-                <a:spcPct val="100000"/>
-              </a:lnSpc>
-              <a:buNone/>
-            </a:pPr>
-            <a:r>
-              <a:rPr lang="en-GB" sz="1600" dirty="0">
-                <a:latin typeface="DejaVu Sans Book" panose="020B0603030804020204" pitchFamily="34" charset="0"/>
-                <a:ea typeface="DejaVu Sans Book" panose="020B0603030804020204" pitchFamily="34" charset="0"/>
-                <a:cs typeface="DejaVu Sans Book" panose="020B0603030804020204" pitchFamily="34" charset="0"/>
-              </a:rPr>
-              <a:t>  "Hello " + name</a:t>
-            </a:r>
-          </a:p>
-          <a:p>
-            <a:pPr marL="0" indent="0">
-              <a:lnSpc>
-                <a:spcPct val="100000"/>
-              </a:lnSpc>
-              <a:buNone/>
-            </a:pPr>
-            <a:endParaRPr lang="en-GB" sz="1600" dirty="0">
-              <a:latin typeface="DejaVu Sans Book" panose="020B0603030804020204" pitchFamily="34" charset="0"/>
-              <a:ea typeface="DejaVu Sans Book" panose="020B0603030804020204" pitchFamily="34" charset="0"/>
-              <a:cs typeface="DejaVu Sans Book" panose="020B0603030804020204" pitchFamily="34" charset="0"/>
-            </a:endParaRPr>
-          </a:p>
-          <a:p>
-            <a:pPr marL="0" indent="0">
-              <a:lnSpc>
-                <a:spcPct val="100000"/>
-              </a:lnSpc>
-              <a:buNone/>
-            </a:pPr>
-            <a:r>
-              <a:rPr lang="en-GB" sz="1600" dirty="0">
-                <a:latin typeface="DejaVu Sans Book" panose="020B0603030804020204" pitchFamily="34" charset="0"/>
-                <a:ea typeface="DejaVu Sans Book" panose="020B0603030804020204" pitchFamily="34" charset="0"/>
-                <a:cs typeface="DejaVu Sans Book" panose="020B0603030804020204" pitchFamily="34" charset="0"/>
-              </a:rPr>
-              <a:t>let </a:t>
-            </a:r>
-            <a:r>
-              <a:rPr lang="en-GB" sz="1600" dirty="0" err="1">
-                <a:latin typeface="DejaVu Sans Book" panose="020B0603030804020204" pitchFamily="34" charset="0"/>
-                <a:ea typeface="DejaVu Sans Book" panose="020B0603030804020204" pitchFamily="34" charset="0"/>
-                <a:cs typeface="DejaVu Sans Book" panose="020B0603030804020204" pitchFamily="34" charset="0"/>
-              </a:rPr>
-              <a:t>str</a:t>
-            </a:r>
-            <a:r>
-              <a:rPr lang="en-GB" sz="1600" dirty="0">
-                <a:latin typeface="DejaVu Sans Book" panose="020B0603030804020204" pitchFamily="34" charset="0"/>
-                <a:ea typeface="DejaVu Sans Book" panose="020B0603030804020204" pitchFamily="34" charset="0"/>
-                <a:cs typeface="DejaVu Sans Book" panose="020B0603030804020204" pitchFamily="34" charset="0"/>
-              </a:rPr>
-              <a:t> = greetings "Jon"</a:t>
-            </a:r>
-          </a:p>
-          <a:p>
-            <a:pPr marL="0" indent="0">
-              <a:lnSpc>
-                <a:spcPct val="100000"/>
-              </a:lnSpc>
-              <a:buNone/>
-            </a:pPr>
-            <a:r>
-              <a:rPr lang="en-GB" sz="1600" dirty="0">
-                <a:latin typeface="DejaVu Sans Book" panose="020B0603030804020204" pitchFamily="34" charset="0"/>
-                <a:ea typeface="DejaVu Sans Book" panose="020B0603030804020204" pitchFamily="34" charset="0"/>
-                <a:cs typeface="DejaVu Sans Book" panose="020B0603030804020204" pitchFamily="34" charset="0"/>
-              </a:rPr>
-              <a:t>do </a:t>
-            </a:r>
-            <a:r>
-              <a:rPr lang="en-GB" sz="1600" dirty="0" err="1">
-                <a:latin typeface="DejaVu Sans Book" panose="020B0603030804020204" pitchFamily="34" charset="0"/>
-                <a:ea typeface="DejaVu Sans Book" panose="020B0603030804020204" pitchFamily="34" charset="0"/>
-                <a:cs typeface="DejaVu Sans Book" panose="020B0603030804020204" pitchFamily="34" charset="0"/>
-              </a:rPr>
-              <a:t>printfn</a:t>
-            </a:r>
-            <a:r>
-              <a:rPr lang="en-GB" sz="1600" dirty="0">
-                <a:latin typeface="DejaVu Sans Book" panose="020B0603030804020204" pitchFamily="34" charset="0"/>
-                <a:ea typeface="DejaVu Sans Book" panose="020B0603030804020204" pitchFamily="34" charset="0"/>
-                <a:cs typeface="DejaVu Sans Book" panose="020B0603030804020204" pitchFamily="34" charset="0"/>
-              </a:rPr>
-              <a:t> "%s" </a:t>
-            </a:r>
-            <a:r>
-              <a:rPr lang="en-GB" sz="1600" dirty="0" err="1">
-                <a:latin typeface="DejaVu Sans Book" panose="020B0603030804020204" pitchFamily="34" charset="0"/>
-                <a:ea typeface="DejaVu Sans Book" panose="020B0603030804020204" pitchFamily="34" charset="0"/>
-                <a:cs typeface="DejaVu Sans Book" panose="020B0603030804020204" pitchFamily="34" charset="0"/>
-              </a:rPr>
-              <a:t>str</a:t>
-            </a:r>
-            <a:endParaRPr lang="en-GB" sz="1600" dirty="0">
-              <a:latin typeface="DejaVu Sans Book" panose="020B0603030804020204" pitchFamily="34" charset="0"/>
-              <a:ea typeface="DejaVu Sans Book" panose="020B0603030804020204" pitchFamily="34" charset="0"/>
-              <a:cs typeface="DejaVu Sans Book" panose="020B0603030804020204" pitchFamily="34" charset="0"/>
-            </a:endParaRPr>
-          </a:p>
-          <a:p>
-            <a:pPr marL="0" indent="0">
-              <a:lnSpc>
-                <a:spcPct val="100000"/>
-              </a:lnSpc>
-              <a:buNone/>
-            </a:pPr>
-            <a:r>
-              <a:rPr lang="en-GB" sz="1600" dirty="0">
-                <a:latin typeface="DejaVu Sans Book" panose="020B0603030804020204" pitchFamily="34" charset="0"/>
-                <a:ea typeface="DejaVu Sans Book" panose="020B0603030804020204" pitchFamily="34" charset="0"/>
-                <a:cs typeface="DejaVu Sans Book" panose="020B0603030804020204" pitchFamily="34" charset="0"/>
-              </a:rPr>
-              <a:t>do </a:t>
-            </a:r>
-            <a:r>
-              <a:rPr lang="en-GB" sz="1600" dirty="0" err="1">
-                <a:latin typeface="DejaVu Sans Book" panose="020B0603030804020204" pitchFamily="34" charset="0"/>
-                <a:ea typeface="DejaVu Sans Book" panose="020B0603030804020204" pitchFamily="34" charset="0"/>
-                <a:cs typeface="DejaVu Sans Book" panose="020B0603030804020204" pitchFamily="34" charset="0"/>
-              </a:rPr>
-              <a:t>printfn</a:t>
-            </a:r>
-            <a:r>
-              <a:rPr lang="en-GB" sz="1600" dirty="0">
-                <a:latin typeface="DejaVu Sans Book" panose="020B0603030804020204" pitchFamily="34" charset="0"/>
-                <a:ea typeface="DejaVu Sans Book" panose="020B0603030804020204" pitchFamily="34" charset="0"/>
-                <a:cs typeface="DejaVu Sans Book" panose="020B0603030804020204" pitchFamily="34" charset="0"/>
-              </a:rPr>
-              <a:t> "%s" (greetings "World")</a:t>
-            </a:r>
-          </a:p>
-        </p:txBody>
-      </p:sp>
-      <p:sp>
-        <p:nvSpPr>
-          <p:cNvPr id="5" name="TextBox 4">
-            <a:extLst>
-              <a:ext uri="{FF2B5EF4-FFF2-40B4-BE49-F238E27FC236}">
-                <a16:creationId xmlns:a16="http://schemas.microsoft.com/office/drawing/2014/main" id="{2E0EE527-3E96-D941-96E2-1F9ACAD7EFDD}"/>
-              </a:ext>
-            </a:extLst>
-          </p:cNvPr>
-          <p:cNvSpPr txBox="1"/>
-          <p:nvPr/>
-        </p:nvSpPr>
-        <p:spPr>
-          <a:xfrm>
-            <a:off x="1196811" y="1466379"/>
-            <a:ext cx="6420604" cy="461665"/>
-          </a:xfrm>
-          <a:prstGeom prst="rect">
-            <a:avLst/>
-          </a:prstGeom>
-          <a:noFill/>
-        </p:spPr>
-        <p:txBody>
-          <a:bodyPr wrap="none" rtlCol="0">
+          <a:bodyPr wrap="square">
             <a:spAutoFit/>
           </a:bodyPr>
           <a:lstStyle/>
           <a:p>
             <a:r>
-              <a:rPr lang="en-GB" sz="2400" dirty="0" err="1"/>
-              <a:t>Organisering</a:t>
-            </a:r>
-            <a:r>
-              <a:rPr lang="en-GB" sz="2400" dirty="0"/>
+              <a:rPr lang="en-GB" dirty="0"/>
+              <a:t>let </a:t>
+            </a:r>
+            <a:r>
+              <a:rPr lang="en-GB" dirty="0" err="1"/>
+              <a:t>i</a:t>
+            </a:r>
+            <a:r>
+              <a:rPr lang="en-GB" dirty="0"/>
+              <a:t> = 0</a:t>
+            </a:r>
+          </a:p>
+          <a:p>
+            <a:r>
+              <a:rPr lang="en-GB" dirty="0"/>
+              <a:t>while </a:t>
+            </a:r>
+            <a:r>
+              <a:rPr lang="en-GB" dirty="0" err="1"/>
+              <a:t>i</a:t>
+            </a:r>
+            <a:r>
+              <a:rPr lang="en-GB" dirty="0"/>
+              <a:t> &lt; 3 do</a:t>
+            </a:r>
+          </a:p>
+          <a:p>
+            <a:r>
+              <a:rPr lang="en-GB" dirty="0"/>
+              <a:t>  let </a:t>
+            </a:r>
+            <a:r>
+              <a:rPr lang="en-GB" dirty="0" err="1"/>
+              <a:t>i</a:t>
+            </a:r>
+            <a:r>
+              <a:rPr lang="en-GB" dirty="0"/>
               <a:t> = </a:t>
             </a:r>
             <a:r>
-              <a:rPr lang="en-GB" sz="2400" dirty="0" err="1"/>
-              <a:t>nemmere</a:t>
-            </a:r>
-            <a:r>
-              <a:rPr lang="en-GB" sz="2400" dirty="0"/>
-              <a:t> at </a:t>
-            </a:r>
-            <a:r>
-              <a:rPr lang="en-GB" sz="2400" dirty="0" err="1"/>
-              <a:t>forstå</a:t>
-            </a:r>
-            <a:r>
-              <a:rPr lang="en-GB" sz="2400" dirty="0"/>
-              <a:t> </a:t>
-            </a:r>
-            <a:r>
-              <a:rPr lang="en-GB" sz="2400" dirty="0" err="1"/>
-              <a:t>og</a:t>
-            </a:r>
-            <a:r>
-              <a:rPr lang="en-GB" sz="2400" dirty="0"/>
-              <a:t> </a:t>
-            </a:r>
-            <a:r>
-              <a:rPr lang="en-GB" sz="2400" dirty="0" err="1"/>
-              <a:t>vedligeholde</a:t>
-            </a:r>
-            <a:endParaRPr lang="en-GB" sz="2400" dirty="0"/>
-          </a:p>
-        </p:txBody>
-      </p:sp>
-      <p:sp>
-        <p:nvSpPr>
-          <p:cNvPr id="6" name="Content Placeholder 2">
-            <a:extLst>
-              <a:ext uri="{FF2B5EF4-FFF2-40B4-BE49-F238E27FC236}">
-                <a16:creationId xmlns:a16="http://schemas.microsoft.com/office/drawing/2014/main" id="{B61F2583-9005-7B47-9A5B-1BB95AEA106A}"/>
-              </a:ext>
-            </a:extLst>
-          </p:cNvPr>
-          <p:cNvSpPr txBox="1">
-            <a:spLocks/>
-          </p:cNvSpPr>
-          <p:nvPr/>
-        </p:nvSpPr>
-        <p:spPr>
-          <a:xfrm>
-            <a:off x="6458192" y="2054637"/>
-            <a:ext cx="4076457" cy="2650713"/>
-          </a:xfrm>
-          <a:prstGeom prst="rect">
-            <a:avLst/>
-          </a:prstGeom>
-        </p:spPr>
-        <p:txBody>
-          <a:bodyPr vert="horz" lIns="91440" tIns="45720" rIns="91440" bIns="45720" rtlCol="0">
-            <a:noAutofit/>
-          </a:bodyPr>
-          <a:lstStyle>
-            <a:lvl1pPr marL="228600" indent="-228600" algn="l" defTabSz="914400" rtl="0" eaLnBrk="1" latinLnBrk="0" hangingPunct="1">
-              <a:lnSpc>
-                <a:spcPct val="90000"/>
-              </a:lnSpc>
-              <a:spcBef>
-                <a:spcPts val="1000"/>
-              </a:spcBef>
-              <a:buFont typeface="Arial" panose="020B0604020202020204" pitchFamily="34" charset="0"/>
-              <a:buChar char="•"/>
-              <a:defRPr sz="2800" kern="1200">
-                <a:solidFill>
-                  <a:schemeClr val="tx1"/>
-                </a:solidFill>
-                <a:latin typeface="+mn-lt"/>
-                <a:ea typeface="+mn-ea"/>
-                <a:cs typeface="+mn-cs"/>
-              </a:defRPr>
-            </a:lvl1pPr>
-            <a:lvl2pPr marL="685800" indent="-228600" algn="l" defTabSz="914400" rtl="0" eaLnBrk="1" latinLnBrk="0" hangingPunct="1">
-              <a:lnSpc>
-                <a:spcPct val="90000"/>
-              </a:lnSpc>
-              <a:spcBef>
-                <a:spcPts val="500"/>
-              </a:spcBef>
-              <a:buFont typeface="Arial" panose="020B0604020202020204" pitchFamily="34" charset="0"/>
-              <a:buChar char="•"/>
-              <a:defRPr sz="2400" kern="1200">
-                <a:solidFill>
-                  <a:schemeClr val="tx1"/>
-                </a:solidFill>
-                <a:latin typeface="+mn-lt"/>
-                <a:ea typeface="+mn-ea"/>
-                <a:cs typeface="+mn-cs"/>
-              </a:defRPr>
-            </a:lvl2pPr>
-            <a:lvl3pPr marL="1143000" indent="-228600" algn="l" defTabSz="914400" rtl="0" eaLnBrk="1" latinLnBrk="0" hangingPunct="1">
-              <a:lnSpc>
-                <a:spcPct val="90000"/>
-              </a:lnSpc>
-              <a:spcBef>
-                <a:spcPts val="500"/>
-              </a:spcBef>
-              <a:buFont typeface="Arial" panose="020B0604020202020204" pitchFamily="34" charset="0"/>
-              <a:buChar char="•"/>
-              <a:defRPr sz="2000" kern="1200">
-                <a:solidFill>
-                  <a:schemeClr val="tx1"/>
-                </a:solidFill>
-                <a:latin typeface="+mn-lt"/>
-                <a:ea typeface="+mn-ea"/>
-                <a:cs typeface="+mn-cs"/>
-              </a:defRPr>
-            </a:lvl3pPr>
-            <a:lvl4pPr marL="1600200" indent="-228600" algn="l" defTabSz="914400" rtl="0" eaLnBrk="1" latinLnBrk="0" hangingPunct="1">
-              <a:lnSpc>
-                <a:spcPct val="90000"/>
-              </a:lnSpc>
-              <a:spcBef>
-                <a:spcPts val="500"/>
-              </a:spcBef>
-              <a:buFont typeface="Arial" panose="020B0604020202020204" pitchFamily="34" charset="0"/>
-              <a:buChar char="•"/>
-              <a:defRPr sz="1800" kern="1200">
-                <a:solidFill>
-                  <a:schemeClr val="tx1"/>
-                </a:solidFill>
-                <a:latin typeface="+mn-lt"/>
-                <a:ea typeface="+mn-ea"/>
-                <a:cs typeface="+mn-cs"/>
-              </a:defRPr>
-            </a:lvl4pPr>
-            <a:lvl5pPr marL="2057400" indent="-228600" algn="l" defTabSz="914400" rtl="0" eaLnBrk="1" latinLnBrk="0" hangingPunct="1">
-              <a:lnSpc>
-                <a:spcPct val="90000"/>
-              </a:lnSpc>
-              <a:spcBef>
-                <a:spcPts val="500"/>
-              </a:spcBef>
-              <a:buFont typeface="Arial" panose="020B0604020202020204" pitchFamily="34" charset="0"/>
-              <a:buChar char="•"/>
-              <a:defRPr sz="1800" kern="1200">
-                <a:solidFill>
-                  <a:schemeClr val="tx1"/>
-                </a:solidFill>
-                <a:latin typeface="+mn-lt"/>
-                <a:ea typeface="+mn-ea"/>
-                <a:cs typeface="+mn-cs"/>
-              </a:defRPr>
-            </a:lvl5pPr>
-            <a:lvl6pPr marL="2514600" indent="-228600" algn="l" defTabSz="914400" rtl="0" eaLnBrk="1" latinLnBrk="0" hangingPunct="1">
-              <a:lnSpc>
-                <a:spcPct val="90000"/>
-              </a:lnSpc>
-              <a:spcBef>
-                <a:spcPts val="500"/>
-              </a:spcBef>
-              <a:buFont typeface="Arial" panose="020B0604020202020204" pitchFamily="34" charset="0"/>
-              <a:buChar char="•"/>
-              <a:defRPr sz="1800" kern="1200">
-                <a:solidFill>
-                  <a:schemeClr val="tx1"/>
-                </a:solidFill>
-                <a:latin typeface="+mn-lt"/>
-                <a:ea typeface="+mn-ea"/>
-                <a:cs typeface="+mn-cs"/>
-              </a:defRPr>
-            </a:lvl6pPr>
-            <a:lvl7pPr marL="2971800" indent="-228600" algn="l" defTabSz="914400" rtl="0" eaLnBrk="1" latinLnBrk="0" hangingPunct="1">
-              <a:lnSpc>
-                <a:spcPct val="90000"/>
-              </a:lnSpc>
-              <a:spcBef>
-                <a:spcPts val="500"/>
-              </a:spcBef>
-              <a:buFont typeface="Arial" panose="020B0604020202020204" pitchFamily="34" charset="0"/>
-              <a:buChar char="•"/>
-              <a:defRPr sz="1800" kern="1200">
-                <a:solidFill>
-                  <a:schemeClr val="tx1"/>
-                </a:solidFill>
-                <a:latin typeface="+mn-lt"/>
-                <a:ea typeface="+mn-ea"/>
-                <a:cs typeface="+mn-cs"/>
-              </a:defRPr>
-            </a:lvl7pPr>
-            <a:lvl8pPr marL="3429000" indent="-228600" algn="l" defTabSz="914400" rtl="0" eaLnBrk="1" latinLnBrk="0" hangingPunct="1">
-              <a:lnSpc>
-                <a:spcPct val="90000"/>
-              </a:lnSpc>
-              <a:spcBef>
-                <a:spcPts val="500"/>
-              </a:spcBef>
-              <a:buFont typeface="Arial" panose="020B0604020202020204" pitchFamily="34" charset="0"/>
-              <a:buChar char="•"/>
-              <a:defRPr sz="1800" kern="1200">
-                <a:solidFill>
-                  <a:schemeClr val="tx1"/>
-                </a:solidFill>
-                <a:latin typeface="+mn-lt"/>
-                <a:ea typeface="+mn-ea"/>
-                <a:cs typeface="+mn-cs"/>
-              </a:defRPr>
-            </a:lvl8pPr>
-            <a:lvl9pPr marL="3886200" indent="-228600" algn="l" defTabSz="914400" rtl="0" eaLnBrk="1" latinLnBrk="0" hangingPunct="1">
-              <a:lnSpc>
-                <a:spcPct val="90000"/>
-              </a:lnSpc>
-              <a:spcBef>
-                <a:spcPts val="500"/>
-              </a:spcBef>
-              <a:buFont typeface="Arial" panose="020B0604020202020204" pitchFamily="34" charset="0"/>
-              <a:buChar char="•"/>
-              <a:defRPr sz="1800" kern="1200">
-                <a:solidFill>
-                  <a:schemeClr val="tx1"/>
-                </a:solidFill>
-                <a:latin typeface="+mn-lt"/>
-                <a:ea typeface="+mn-ea"/>
-                <a:cs typeface="+mn-cs"/>
-              </a:defRPr>
-            </a:lvl9pPr>
-          </a:lstStyle>
-          <a:p>
-            <a:pPr marL="0" indent="0">
-              <a:lnSpc>
-                <a:spcPct val="100000"/>
-              </a:lnSpc>
-              <a:buNone/>
-            </a:pPr>
-            <a:r>
-              <a:rPr lang="en-GB" sz="1600" dirty="0">
-                <a:latin typeface="DejaVu Sans Book" panose="020B0603030804020204" pitchFamily="34" charset="0"/>
-                <a:ea typeface="DejaVu Sans Book" panose="020B0603030804020204" pitchFamily="34" charset="0"/>
-                <a:cs typeface="DejaVu Sans Book" panose="020B0603030804020204" pitchFamily="34" charset="0"/>
-              </a:rPr>
-              <a:t>let greetings name =</a:t>
-            </a:r>
-          </a:p>
-          <a:p>
-            <a:pPr marL="0" indent="0">
-              <a:lnSpc>
-                <a:spcPct val="100000"/>
-              </a:lnSpc>
-              <a:buNone/>
-            </a:pPr>
-            <a:r>
-              <a:rPr lang="en-GB" sz="1600" dirty="0">
-                <a:latin typeface="DejaVu Sans Book" panose="020B0603030804020204" pitchFamily="34" charset="0"/>
-                <a:ea typeface="DejaVu Sans Book" panose="020B0603030804020204" pitchFamily="34" charset="0"/>
-                <a:cs typeface="DejaVu Sans Book" panose="020B0603030804020204" pitchFamily="34" charset="0"/>
-              </a:rPr>
-              <a:t>  "Hello " + name</a:t>
-            </a:r>
-          </a:p>
-          <a:p>
-            <a:pPr marL="0" indent="0">
-              <a:lnSpc>
-                <a:spcPct val="100000"/>
-              </a:lnSpc>
-              <a:buNone/>
-            </a:pPr>
-            <a:endParaRPr lang="en-GB" sz="1600" dirty="0">
-              <a:latin typeface="DejaVu Sans Book" panose="020B0603030804020204" pitchFamily="34" charset="0"/>
-              <a:ea typeface="DejaVu Sans Book" panose="020B0603030804020204" pitchFamily="34" charset="0"/>
-              <a:cs typeface="DejaVu Sans Book" panose="020B0603030804020204" pitchFamily="34" charset="0"/>
-            </a:endParaRPr>
-          </a:p>
-          <a:p>
-            <a:pPr marL="0" indent="0">
-              <a:lnSpc>
-                <a:spcPct val="100000"/>
-              </a:lnSpc>
-              <a:buNone/>
-            </a:pPr>
-            <a:r>
-              <a:rPr lang="en-GB" sz="1600" dirty="0">
-                <a:latin typeface="DejaVu Sans Book" panose="020B0603030804020204" pitchFamily="34" charset="0"/>
-                <a:ea typeface="DejaVu Sans Book" panose="020B0603030804020204" pitchFamily="34" charset="0"/>
-                <a:cs typeface="DejaVu Sans Book" panose="020B0603030804020204" pitchFamily="34" charset="0"/>
-              </a:rPr>
-              <a:t>let </a:t>
-            </a:r>
-            <a:r>
-              <a:rPr lang="en-GB" sz="1600" dirty="0" err="1">
-                <a:latin typeface="DejaVu Sans Book" panose="020B0603030804020204" pitchFamily="34" charset="0"/>
-                <a:ea typeface="DejaVu Sans Book" panose="020B0603030804020204" pitchFamily="34" charset="0"/>
-                <a:cs typeface="DejaVu Sans Book" panose="020B0603030804020204" pitchFamily="34" charset="0"/>
-              </a:rPr>
-              <a:t>str</a:t>
-            </a:r>
-            <a:r>
-              <a:rPr lang="en-GB" sz="1600" dirty="0">
-                <a:latin typeface="DejaVu Sans Book" panose="020B0603030804020204" pitchFamily="34" charset="0"/>
-                <a:ea typeface="DejaVu Sans Book" panose="020B0603030804020204" pitchFamily="34" charset="0"/>
-                <a:cs typeface="DejaVu Sans Book" panose="020B0603030804020204" pitchFamily="34" charset="0"/>
-              </a:rPr>
-              <a:t> = greetings "Jon"</a:t>
-            </a:r>
-          </a:p>
-          <a:p>
-            <a:pPr marL="0" indent="0">
-              <a:lnSpc>
-                <a:spcPct val="100000"/>
-              </a:lnSpc>
-              <a:buNone/>
-            </a:pPr>
-            <a:r>
-              <a:rPr lang="en-GB" sz="1600" dirty="0">
-                <a:latin typeface="DejaVu Sans Book" panose="020B0603030804020204" pitchFamily="34" charset="0"/>
-                <a:ea typeface="DejaVu Sans Book" panose="020B0603030804020204" pitchFamily="34" charset="0"/>
-                <a:cs typeface="DejaVu Sans Book" panose="020B0603030804020204" pitchFamily="34" charset="0"/>
-              </a:rPr>
-              <a:t>do </a:t>
-            </a:r>
-            <a:r>
-              <a:rPr lang="en-GB" sz="1600" dirty="0" err="1">
-                <a:latin typeface="DejaVu Sans Book" panose="020B0603030804020204" pitchFamily="34" charset="0"/>
-                <a:ea typeface="DejaVu Sans Book" panose="020B0603030804020204" pitchFamily="34" charset="0"/>
-                <a:cs typeface="DejaVu Sans Book" panose="020B0603030804020204" pitchFamily="34" charset="0"/>
-              </a:rPr>
+              <a:rPr lang="en-GB" dirty="0" err="1"/>
+              <a:t>i</a:t>
+            </a:r>
+            <a:r>
+              <a:rPr lang="en-GB" dirty="0"/>
+              <a:t> + 1</a:t>
+            </a:r>
+          </a:p>
+          <a:p>
+            <a:r>
+              <a:rPr lang="en-GB" dirty="0"/>
+              <a:t>  </a:t>
+            </a:r>
+            <a:r>
+              <a:rPr lang="en-GB" dirty="0" err="1"/>
               <a:t>printfn</a:t>
             </a:r>
             <a:r>
-              <a:rPr lang="en-GB" sz="1600" dirty="0">
-                <a:latin typeface="DejaVu Sans Book" panose="020B0603030804020204" pitchFamily="34" charset="0"/>
-                <a:ea typeface="DejaVu Sans Book" panose="020B0603030804020204" pitchFamily="34" charset="0"/>
-                <a:cs typeface="DejaVu Sans Book" panose="020B0603030804020204" pitchFamily="34" charset="0"/>
-              </a:rPr>
-              <a:t> "%s" </a:t>
-            </a:r>
-            <a:r>
-              <a:rPr lang="en-GB" sz="1600" dirty="0" err="1">
-                <a:latin typeface="DejaVu Sans Book" panose="020B0603030804020204" pitchFamily="34" charset="0"/>
-                <a:ea typeface="DejaVu Sans Book" panose="020B0603030804020204" pitchFamily="34" charset="0"/>
-                <a:cs typeface="DejaVu Sans Book" panose="020B0603030804020204" pitchFamily="34" charset="0"/>
-              </a:rPr>
-              <a:t>str</a:t>
-            </a:r>
-            <a:endParaRPr lang="en-GB" sz="1600" dirty="0">
-              <a:latin typeface="DejaVu Sans Book" panose="020B0603030804020204" pitchFamily="34" charset="0"/>
-              <a:ea typeface="DejaVu Sans Book" panose="020B0603030804020204" pitchFamily="34" charset="0"/>
-              <a:cs typeface="DejaVu Sans Book" panose="020B0603030804020204" pitchFamily="34" charset="0"/>
-            </a:endParaRPr>
-          </a:p>
-          <a:p>
-            <a:pPr marL="0" indent="0">
-              <a:lnSpc>
-                <a:spcPct val="100000"/>
-              </a:lnSpc>
-              <a:buNone/>
-            </a:pPr>
-            <a:r>
-              <a:rPr lang="en-GB" sz="1600" dirty="0">
-                <a:latin typeface="DejaVu Sans Book" panose="020B0603030804020204" pitchFamily="34" charset="0"/>
-                <a:ea typeface="DejaVu Sans Book" panose="020B0603030804020204" pitchFamily="34" charset="0"/>
-                <a:cs typeface="DejaVu Sans Book" panose="020B0603030804020204" pitchFamily="34" charset="0"/>
-              </a:rPr>
-              <a:t>do </a:t>
-            </a:r>
-            <a:r>
-              <a:rPr lang="en-GB" sz="1600" dirty="0" err="1">
-                <a:latin typeface="DejaVu Sans Book" panose="020B0603030804020204" pitchFamily="34" charset="0"/>
-                <a:ea typeface="DejaVu Sans Book" panose="020B0603030804020204" pitchFamily="34" charset="0"/>
-                <a:cs typeface="DejaVu Sans Book" panose="020B0603030804020204" pitchFamily="34" charset="0"/>
-              </a:rPr>
-              <a:t>printfn</a:t>
-            </a:r>
-            <a:r>
-              <a:rPr lang="en-GB" sz="1600" dirty="0">
-                <a:latin typeface="DejaVu Sans Book" panose="020B0603030804020204" pitchFamily="34" charset="0"/>
-                <a:ea typeface="DejaVu Sans Book" panose="020B0603030804020204" pitchFamily="34" charset="0"/>
-                <a:cs typeface="DejaVu Sans Book" panose="020B0603030804020204" pitchFamily="34" charset="0"/>
-              </a:rPr>
-              <a:t> "%s" (greetings "World")</a:t>
-            </a:r>
+              <a:rPr lang="en-GB" dirty="0"/>
+              <a:t> "%d" </a:t>
+            </a:r>
+            <a:r>
+              <a:rPr lang="en-GB" dirty="0" err="1"/>
+              <a:t>i</a:t>
+            </a:r>
+            <a:endParaRPr lang="en-GB" dirty="0"/>
           </a:p>
         </p:txBody>
       </p:sp>
       <p:cxnSp>
         <p:nvCxnSpPr>
-          <p:cNvPr id="7" name="Straight Connector 6">
+          <p:cNvPr id="7" name="Straight Arrow Connector 6">
             <a:extLst>
               <a:ext uri="{FF2B5EF4-FFF2-40B4-BE49-F238E27FC236}">
-                <a16:creationId xmlns:a16="http://schemas.microsoft.com/office/drawing/2014/main" id="{1770E39D-455E-714C-B644-7F4A3C481E82}"/>
+                <a16:creationId xmlns:a16="http://schemas.microsoft.com/office/drawing/2014/main" id="{34CF4799-0C0B-E441-B12E-CDFC695BD94B}"/>
               </a:ext>
             </a:extLst>
           </p:cNvPr>
           <p:cNvCxnSpPr>
             <a:cxnSpLocks/>
+            <a:stCxn id="11" idx="1"/>
           </p:cNvCxnSpPr>
           <p:nvPr/>
         </p:nvCxnSpPr>
         <p:spPr>
-          <a:xfrm>
-            <a:off x="6053418" y="2054629"/>
-            <a:ext cx="0" cy="2436689"/>
+          <a:xfrm flipH="1">
+            <a:off x="5468112" y="2387906"/>
+            <a:ext cx="1609344" cy="792420"/>
           </a:xfrm>
-          <a:prstGeom prst="line">
+          <a:prstGeom prst="straightConnector1">
             <a:avLst/>
           </a:prstGeom>
+          <a:ln w="38100">
+            <a:tailEnd type="triangle"/>
+          </a:ln>
         </p:spPr>
         <p:style>
           <a:lnRef idx="1">
@@ -21940,10 +24798,81 @@
           </a:fontRef>
         </p:style>
       </p:cxnSp>
+      <p:sp>
+        <p:nvSpPr>
+          <p:cNvPr id="11" name="TextBox 10">
+            <a:extLst>
+              <a:ext uri="{FF2B5EF4-FFF2-40B4-BE49-F238E27FC236}">
+                <a16:creationId xmlns:a16="http://schemas.microsoft.com/office/drawing/2014/main" id="{0D15DF44-C9F0-8C46-9998-F7BC94C4136F}"/>
+              </a:ext>
+            </a:extLst>
+          </p:cNvPr>
+          <p:cNvSpPr txBox="1"/>
+          <p:nvPr/>
+        </p:nvSpPr>
+        <p:spPr>
+          <a:xfrm>
+            <a:off x="7077456" y="2203240"/>
+            <a:ext cx="2385781" cy="369332"/>
+          </a:xfrm>
+          <a:prstGeom prst="rect">
+            <a:avLst/>
+          </a:prstGeom>
+          <a:noFill/>
+        </p:spPr>
+        <p:txBody>
+          <a:bodyPr wrap="none" rtlCol="0">
+            <a:spAutoFit/>
+          </a:bodyPr>
+          <a:lstStyle/>
+          <a:p>
+            <a:r>
+              <a:rPr lang="en-GB" dirty="0" err="1"/>
+              <a:t>i</a:t>
+            </a:r>
+            <a:r>
+              <a:rPr lang="en-GB" dirty="0"/>
+              <a:t> </a:t>
+            </a:r>
+            <a:r>
+              <a:rPr lang="en-GB" dirty="0" err="1"/>
+              <a:t>på</a:t>
+            </a:r>
+            <a:r>
+              <a:rPr lang="en-GB" dirty="0"/>
+              <a:t> </a:t>
+            </a:r>
+            <a:r>
+              <a:rPr lang="en-GB" dirty="0" err="1"/>
+              <a:t>højre</a:t>
+            </a:r>
+            <a:r>
+              <a:rPr lang="en-GB" dirty="0"/>
+              <a:t> side </a:t>
+            </a:r>
+            <a:r>
+              <a:rPr lang="en-GB" dirty="0" err="1"/>
+              <a:t>er</a:t>
+            </a:r>
+            <a:r>
+              <a:rPr lang="en-GB" dirty="0"/>
+              <a:t> </a:t>
+            </a:r>
+            <a:r>
+              <a:rPr lang="en-GB" dirty="0" err="1"/>
+              <a:t>altid</a:t>
+            </a:r>
+            <a:r>
+              <a:rPr lang="en-GB" dirty="0"/>
+              <a:t> 0</a:t>
+            </a:r>
+          </a:p>
+        </p:txBody>
+      </p:sp>
     </p:spTree>
     <p:extLst>
       <p:ext uri="{BB962C8B-B14F-4D97-AF65-F5344CB8AC3E}">
-        <p14:creationId xmlns:p14="http://schemas.microsoft.com/office/powerpoint/2010/main" val="1610882912"/>
+        <p14:creationId xmlns:p14="http://schemas.microsoft.com/office/powerpoint/2010/main" val="2104265246"/>
       </p:ext>
     </p:extLst>
   </p:cSld>
@@ -22011,7 +24940,7 @@
                                           </p:stCondLst>
                                         </p:cTn>
                                         <p:tgtEl>
-                                          <p:spTgt spid="6"/>
+                                          <p:spTgt spid="11"/>
                                         </p:tgtEl>
                                         <p:attrNameLst>
                                           <p:attrName>style.visibility</p:attrName>
@@ -22052,7 +24981,492 @@
       </p:par>
     </p:tnLst>
     <p:bldLst>
-      <p:bldP spid="6" grpId="0"/>
+      <p:bldP spid="11" grpId="0"/>
+    </p:bldLst>
+  </p:timing>
+</p:sld>
+</file>
+
+<file path=ppt/slides/slide9.xml><?xml version="1.0" encoding="utf-8"?>
+<p:sld xmlns:a="http://schemas.openxmlformats.org/drawingml/2006/main" xmlns:r="http://schemas.openxmlformats.org/officeDocument/2006/relationships" xmlns:p="http://schemas.openxmlformats.org/presentationml/2006/main">
+  <p:cSld>
+    <p:spTree>
+      <p:nvGrpSpPr>
+        <p:cNvPr id="1" name=""/>
+        <p:cNvGrpSpPr/>
+        <p:nvPr/>
+      </p:nvGrpSpPr>
+      <p:grpSpPr>
+        <a:xfrm>
+          <a:off x="0" y="0"/>
+          <a:ext cx="0" cy="0"/>
+          <a:chOff x="0" y="0"/>
+          <a:chExt cx="0" cy="0"/>
+        </a:xfrm>
+      </p:grpSpPr>
+      <p:sp>
+        <p:nvSpPr>
+          <p:cNvPr id="2" name="Title 1">
+            <a:extLst>
+              <a:ext uri="{FF2B5EF4-FFF2-40B4-BE49-F238E27FC236}">
+                <a16:creationId xmlns:a16="http://schemas.microsoft.com/office/drawing/2014/main" id="{00F6BF19-6E70-804C-8AC5-C21AFD927ABB}"/>
+              </a:ext>
+            </a:extLst>
+          </p:cNvPr>
+          <p:cNvSpPr>
+            <a:spLocks noGrp="1"/>
+          </p:cNvSpPr>
+          <p:nvPr>
+            <p:ph type="title"/>
+          </p:nvPr>
+        </p:nvSpPr>
+        <p:spPr/>
+        <p:txBody>
+          <a:bodyPr/>
+          <a:lstStyle/>
+          <a:p>
+            <a:r>
+              <a:rPr lang="en-GB" dirty="0" err="1"/>
+              <a:t>Højere</a:t>
+            </a:r>
+            <a:r>
+              <a:rPr lang="en-GB" dirty="0"/>
+              <a:t> </a:t>
+            </a:r>
+            <a:r>
+              <a:rPr lang="en-GB" dirty="0" err="1"/>
+              <a:t>ordens</a:t>
+            </a:r>
+            <a:r>
+              <a:rPr lang="en-GB" dirty="0"/>
+              <a:t> </a:t>
+            </a:r>
+            <a:r>
+              <a:rPr lang="en-GB" dirty="0" err="1"/>
+              <a:t>funktioner</a:t>
+            </a:r>
+            <a:endParaRPr lang="en-GB" dirty="0"/>
+          </a:p>
+        </p:txBody>
+      </p:sp>
+      <p:sp>
+        <p:nvSpPr>
+          <p:cNvPr id="5" name="Rectangle 4">
+            <a:extLst>
+              <a:ext uri="{FF2B5EF4-FFF2-40B4-BE49-F238E27FC236}">
+                <a16:creationId xmlns:a16="http://schemas.microsoft.com/office/drawing/2014/main" id="{016438DC-F872-6F49-B4F7-38EE285D7850}"/>
+              </a:ext>
+            </a:extLst>
+          </p:cNvPr>
+          <p:cNvSpPr/>
+          <p:nvPr/>
+        </p:nvSpPr>
+        <p:spPr>
+          <a:xfrm>
+            <a:off x="6463328" y="1690690"/>
+            <a:ext cx="4920189" cy="4247317"/>
+          </a:xfrm>
+          <a:prstGeom prst="rect">
+            <a:avLst/>
+          </a:prstGeom>
+        </p:spPr>
+        <p:txBody>
+          <a:bodyPr wrap="square">
+            <a:spAutoFit/>
+          </a:bodyPr>
+          <a:lstStyle/>
+          <a:p>
+            <a:r>
+              <a:rPr lang="en-GB" dirty="0"/>
+              <a:t>/// Estimate the integral of f</a:t>
+            </a:r>
+          </a:p>
+          <a:p>
+            <a:r>
+              <a:rPr lang="en-GB" dirty="0"/>
+              <a:t>/// from a to b with </a:t>
+            </a:r>
+            <a:r>
+              <a:rPr lang="en-GB" dirty="0" err="1"/>
+              <a:t>stepsize</a:t>
+            </a:r>
+            <a:r>
+              <a:rPr lang="en-GB" dirty="0"/>
+              <a:t> d</a:t>
+            </a:r>
+          </a:p>
+          <a:p>
+            <a:r>
+              <a:rPr lang="en-GB" dirty="0"/>
+              <a:t>let integrate f a b d =</a:t>
+            </a:r>
+          </a:p>
+          <a:p>
+            <a:r>
+              <a:rPr lang="en-GB" dirty="0"/>
+              <a:t>  let mutable sum = 0.0</a:t>
+            </a:r>
+          </a:p>
+          <a:p>
+            <a:r>
+              <a:rPr lang="en-GB" dirty="0"/>
+              <a:t>  let mutable x = a</a:t>
+            </a:r>
+          </a:p>
+          <a:p>
+            <a:r>
+              <a:rPr lang="en-GB" dirty="0"/>
+              <a:t>  while x &lt; b do</a:t>
+            </a:r>
+          </a:p>
+          <a:p>
+            <a:r>
+              <a:rPr lang="en-GB" dirty="0"/>
+              <a:t>    sum &lt;- sum + d * (f x)</a:t>
+            </a:r>
+          </a:p>
+          <a:p>
+            <a:r>
+              <a:rPr lang="en-GB" dirty="0"/>
+              <a:t>    x &lt;- x + d</a:t>
+            </a:r>
+          </a:p>
+          <a:p>
+            <a:r>
+              <a:rPr lang="en-GB" dirty="0"/>
+              <a:t>  sum</a:t>
+            </a:r>
+          </a:p>
+          <a:p>
+            <a:endParaRPr lang="en-GB" dirty="0"/>
+          </a:p>
+          <a:p>
+            <a:r>
+              <a:rPr lang="en-GB" dirty="0"/>
+              <a:t>let a = 0.0</a:t>
+            </a:r>
+          </a:p>
+          <a:p>
+            <a:r>
+              <a:rPr lang="en-GB" dirty="0"/>
+              <a:t>let b = 1.0</a:t>
+            </a:r>
+          </a:p>
+          <a:p>
+            <a:r>
+              <a:rPr lang="en-GB" dirty="0"/>
+              <a:t>let d = 0.01</a:t>
+            </a:r>
+          </a:p>
+          <a:p>
+            <a:r>
+              <a:rPr lang="en-GB" dirty="0"/>
+              <a:t>let result = integrate </a:t>
+            </a:r>
+            <a:r>
+              <a:rPr lang="en-GB" dirty="0" err="1"/>
+              <a:t>exp</a:t>
+            </a:r>
+            <a:r>
+              <a:rPr lang="en-GB" dirty="0"/>
+              <a:t> a b d</a:t>
+            </a:r>
+          </a:p>
+          <a:p>
+            <a:r>
+              <a:rPr lang="en-GB" dirty="0" err="1"/>
+              <a:t>printfn</a:t>
+            </a:r>
+            <a:r>
+              <a:rPr lang="en-GB" dirty="0"/>
+              <a:t> "</a:t>
+            </a:r>
+            <a:r>
+              <a:rPr lang="en-GB" dirty="0" err="1"/>
+              <a:t>Int</a:t>
+            </a:r>
+            <a:r>
+              <a:rPr lang="en-GB" dirty="0"/>
+              <a:t>_%g^%g </a:t>
+            </a:r>
+            <a:r>
+              <a:rPr lang="en-GB" dirty="0" err="1"/>
+              <a:t>exp</a:t>
+            </a:r>
+            <a:r>
+              <a:rPr lang="en-GB" dirty="0"/>
+              <a:t>(x) dx = %g" a b result</a:t>
+            </a:r>
+          </a:p>
+        </p:txBody>
+      </p:sp>
+      <p:cxnSp>
+        <p:nvCxnSpPr>
+          <p:cNvPr id="6" name="Straight Connector 5">
+            <a:extLst>
+              <a:ext uri="{FF2B5EF4-FFF2-40B4-BE49-F238E27FC236}">
+                <a16:creationId xmlns:a16="http://schemas.microsoft.com/office/drawing/2014/main" id="{6AE8A229-8DBE-F24D-959E-B11FB8A1638B}"/>
+              </a:ext>
+            </a:extLst>
+          </p:cNvPr>
+          <p:cNvCxnSpPr>
+            <a:cxnSpLocks/>
+          </p:cNvCxnSpPr>
+          <p:nvPr/>
+        </p:nvCxnSpPr>
+        <p:spPr>
+          <a:xfrm>
+            <a:off x="5870538" y="1370107"/>
+            <a:ext cx="0" cy="5260571"/>
+          </a:xfrm>
+          <a:prstGeom prst="line">
+            <a:avLst/>
+          </a:prstGeom>
+        </p:spPr>
+        <p:style>
+          <a:lnRef idx="1">
+            <a:schemeClr val="accent1"/>
+          </a:lnRef>
+          <a:fillRef idx="0">
+            <a:schemeClr val="accent1"/>
+          </a:fillRef>
+          <a:effectRef idx="0">
+            <a:schemeClr val="accent1"/>
+          </a:effectRef>
+          <a:fontRef idx="minor">
+            <a:schemeClr val="tx1"/>
+          </a:fontRef>
+        </p:style>
+      </p:cxnSp>
+      <p:grpSp>
+        <p:nvGrpSpPr>
+          <p:cNvPr id="10" name="Group 9">
+            <a:extLst>
+              <a:ext uri="{FF2B5EF4-FFF2-40B4-BE49-F238E27FC236}">
+                <a16:creationId xmlns:a16="http://schemas.microsoft.com/office/drawing/2014/main" id="{C8152819-DB1D-0D43-9816-5BD3D139A86D}"/>
+              </a:ext>
+            </a:extLst>
+          </p:cNvPr>
+          <p:cNvGrpSpPr/>
+          <p:nvPr/>
+        </p:nvGrpSpPr>
+        <p:grpSpPr>
+          <a:xfrm>
+            <a:off x="736440" y="1690690"/>
+            <a:ext cx="4422405" cy="4349892"/>
+            <a:chOff x="736441" y="1690690"/>
+            <a:chExt cx="3422732" cy="3223820"/>
+          </a:xfrm>
+        </p:grpSpPr>
+        <p:pic>
+          <p:nvPicPr>
+            <p:cNvPr id="8" name="Picture 7">
+              <a:extLst>
+                <a:ext uri="{FF2B5EF4-FFF2-40B4-BE49-F238E27FC236}">
+                  <a16:creationId xmlns:a16="http://schemas.microsoft.com/office/drawing/2014/main" id="{21BF91C1-2563-9C45-A806-0B7D5E5B9413}"/>
+                </a:ext>
+              </a:extLst>
+            </p:cNvPr>
+            <p:cNvPicPr>
+              <a:picLocks noChangeAspect="1"/>
+            </p:cNvPicPr>
+            <p:nvPr/>
+          </p:nvPicPr>
+          <p:blipFill>
+            <a:blip r:embed="rId2"/>
+            <a:stretch>
+              <a:fillRect/>
+            </a:stretch>
+          </p:blipFill>
+          <p:spPr>
+            <a:xfrm>
+              <a:off x="838199" y="1690690"/>
+              <a:ext cx="2696235" cy="2696235"/>
+            </a:xfrm>
+            <a:prstGeom prst="rect">
+              <a:avLst/>
+            </a:prstGeom>
+          </p:spPr>
+        </p:pic>
+        <p:sp>
+          <p:nvSpPr>
+            <p:cNvPr id="9" name="TextBox 8">
+              <a:extLst>
+                <a:ext uri="{FF2B5EF4-FFF2-40B4-BE49-F238E27FC236}">
+                  <a16:creationId xmlns:a16="http://schemas.microsoft.com/office/drawing/2014/main" id="{A4D0FCE7-D8ED-3D45-A206-893075CD6CC3}"/>
+                </a:ext>
+              </a:extLst>
+            </p:cNvPr>
+            <p:cNvSpPr txBox="1"/>
+            <p:nvPr/>
+          </p:nvSpPr>
+          <p:spPr>
+            <a:xfrm>
+              <a:off x="736441" y="4514400"/>
+              <a:ext cx="3422732" cy="400110"/>
+            </a:xfrm>
+            <a:prstGeom prst="rect">
+              <a:avLst/>
+            </a:prstGeom>
+            <a:noFill/>
+          </p:spPr>
+          <p:txBody>
+            <a:bodyPr wrap="none" rtlCol="0">
+              <a:spAutoFit/>
+            </a:bodyPr>
+            <a:lstStyle/>
+            <a:p>
+              <a:r>
+                <a:rPr lang="en-GB" sz="1000" dirty="0"/>
+                <a:t>By I, </a:t>
+              </a:r>
+              <a:r>
+                <a:rPr lang="en-GB" sz="1000" dirty="0" err="1"/>
+                <a:t>KSmrq</a:t>
+              </a:r>
+              <a:r>
+                <a:rPr lang="en-GB" sz="1000" dirty="0"/>
+                <a:t>, CC BY-SA 3.0, </a:t>
+              </a:r>
+            </a:p>
+            <a:p>
+              <a:r>
+                <a:rPr lang="en-GB" sz="1000" dirty="0"/>
+                <a:t>https://</a:t>
+              </a:r>
+              <a:r>
+                <a:rPr lang="en-GB" sz="1000" dirty="0" err="1"/>
+                <a:t>commons.wikimedia.org</a:t>
+              </a:r>
+              <a:r>
+                <a:rPr lang="en-GB" sz="1000" dirty="0"/>
+                <a:t>/w/</a:t>
+              </a:r>
+              <a:r>
+                <a:rPr lang="en-GB" sz="1000" dirty="0" err="1"/>
+                <a:t>index.php?curid</a:t>
+              </a:r>
+              <a:r>
+                <a:rPr lang="en-GB" sz="1000" dirty="0"/>
+                <a:t>=2347919</a:t>
+              </a:r>
+            </a:p>
+          </p:txBody>
+        </p:sp>
+      </p:grpSp>
+    </p:spTree>
+    <p:extLst>
+      <p:ext uri="{BB962C8B-B14F-4D97-AF65-F5344CB8AC3E}">
+        <p14:creationId xmlns:p14="http://schemas.microsoft.com/office/powerpoint/2010/main" val="2883649635"/>
+      </p:ext>
+    </p:extLst>
+  </p:cSld>
+  <p:clrMapOvr>
+    <a:masterClrMapping/>
+  </p:clrMapOvr>
+  <p:timing>
+    <p:tnLst>
+      <p:par>
+        <p:cTn id="1" dur="indefinite" restart="never" nodeType="tmRoot">
+          <p:childTnLst>
+            <p:seq concurrent="1" nextAc="seek">
+              <p:cTn id="2" dur="indefinite" nodeType="mainSeq">
+                <p:childTnLst>
+                  <p:par>
+                    <p:cTn id="3" fill="hold">
+                      <p:stCondLst>
+                        <p:cond delay="indefinite"/>
+                      </p:stCondLst>
+                      <p:childTnLst>
+                        <p:par>
+                          <p:cTn id="4" fill="hold">
+                            <p:stCondLst>
+                              <p:cond delay="0"/>
+                            </p:stCondLst>
+                            <p:childTnLst>
+                              <p:par>
+                                <p:cTn id="5" presetID="1" presetClass="entr" presetSubtype="0" fill="hold" nodeType="clickEffect">
+                                  <p:stCondLst>
+                                    <p:cond delay="0"/>
+                                  </p:stCondLst>
+                                  <p:childTnLst>
+                                    <p:set>
+                                      <p:cBhvr>
+                                        <p:cTn id="6" dur="1" fill="hold">
+                                          <p:stCondLst>
+                                            <p:cond delay="0"/>
+                                          </p:stCondLst>
+                                        </p:cTn>
+                                        <p:tgtEl>
+                                          <p:spTgt spid="6"/>
+                                        </p:tgtEl>
+                                        <p:attrNameLst>
+                                          <p:attrName>style.visibility</p:attrName>
+                                        </p:attrNameLst>
+                                      </p:cBhvr>
+                                      <p:to>
+                                        <p:strVal val="visible"/>
+                                      </p:to>
+                                    </p:set>
+                                  </p:childTnLst>
+                                </p:cTn>
+                              </p:par>
+                              <p:par>
+                                <p:cTn id="7" presetID="1" presetClass="entr" presetSubtype="0" fill="hold" grpId="0" nodeType="withEffect">
+                                  <p:stCondLst>
+                                    <p:cond delay="0"/>
+                                  </p:stCondLst>
+                                  <p:childTnLst>
+                                    <p:set>
+                                      <p:cBhvr>
+                                        <p:cTn id="8" dur="1" fill="hold">
+                                          <p:stCondLst>
+                                            <p:cond delay="0"/>
+                                          </p:stCondLst>
+                                        </p:cTn>
+                                        <p:tgtEl>
+                                          <p:spTgt spid="5"/>
+                                        </p:tgtEl>
+                                        <p:attrNameLst>
+                                          <p:attrName>style.visibility</p:attrName>
+                                        </p:attrNameLst>
+                                      </p:cBhvr>
+                                      <p:to>
+                                        <p:strVal val="visible"/>
+                                      </p:to>
+                                    </p:set>
+                                  </p:childTnLst>
+                                </p:cTn>
+                              </p:par>
+                            </p:childTnLst>
+                          </p:cTn>
+                        </p:par>
+                      </p:childTnLst>
+                    </p:cTn>
+                  </p:par>
+                </p:childTnLst>
+              </p:cTn>
+              <p:prevCondLst>
+                <p:cond evt="onPrev" delay="0">
+                  <p:tgtEl>
+                    <p:sldTgt/>
+                  </p:tgtEl>
+                </p:cond>
+              </p:prevCondLst>
+              <p:nextCondLst>
+                <p:cond evt="onNext" delay="0">
+                  <p:tgtEl>
+                    <p:sldTgt/>
+                  </p:tgtEl>
+                </p:cond>
+              </p:nextCondLst>
+            </p:seq>
+          </p:childTnLst>
+        </p:cTn>
+      </p:par>
+    </p:tnLst>
+    <p:bldLst>
+      <p:bldP spid="5" grpId="0"/>
     </p:bldLst>
   </p:timing>
 </p:sld>

--- a/lectures/3.3ConditionalsTuplesNFunctions/lecture.pptx
+++ b/lectures/3.3ConditionalsTuplesNFunctions/lecture.pptx
@@ -9976,7 +9976,7 @@
                 <a:ea typeface="DejaVu Sans Book" panose="020B0603030804020204" pitchFamily="34" charset="0"/>
                 <a:cs typeface="DejaVu Sans Book" panose="020B0603030804020204" pitchFamily="34" charset="0"/>
               </a:rPr>
-              <a:t>let </a:t>
+              <a:t>&gt; let </a:t>
             </a:r>
             <a:r>
               <a:rPr lang="en-GB" sz="1600" dirty="0" err="1">
@@ -10008,7 +10008,7 @@
                 <a:ea typeface="DejaVu Sans Book" panose="020B0603030804020204" pitchFamily="34" charset="0"/>
                 <a:cs typeface="DejaVu Sans Book" panose="020B0603030804020204" pitchFamily="34" charset="0"/>
               </a:rPr>
-              <a:t>  if 3 &lt; 2 then</a:t>
+              <a:t>-   if 3 &lt; 2 then</a:t>
             </a:r>
           </a:p>
           <a:p>
@@ -10024,7 +10024,7 @@
                 <a:ea typeface="DejaVu Sans Book" panose="020B0603030804020204" pitchFamily="34" charset="0"/>
                 <a:cs typeface="DejaVu Sans Book" panose="020B0603030804020204" pitchFamily="34" charset="0"/>
               </a:rPr>
-              <a:t>    "3 &lt; 2"</a:t>
+              <a:t>-     "3 &lt; 2"</a:t>
             </a:r>
           </a:p>
           <a:p>
@@ -10040,7 +10040,7 @@
                 <a:ea typeface="DejaVu Sans Book" panose="020B0603030804020204" pitchFamily="34" charset="0"/>
                 <a:cs typeface="DejaVu Sans Book" panose="020B0603030804020204" pitchFamily="34" charset="0"/>
               </a:rPr>
-              <a:t>  </a:t>
+              <a:t>-   </a:t>
             </a:r>
             <a:r>
               <a:rPr lang="en-GB" sz="1600" dirty="0" err="1">
@@ -10056,7 +10056,7 @@
                 <a:ea typeface="DejaVu Sans Book" panose="020B0603030804020204" pitchFamily="34" charset="0"/>
                 <a:cs typeface="DejaVu Sans Book" panose="020B0603030804020204" pitchFamily="34" charset="0"/>
               </a:rPr>
-              <a:t> 3 = 2</a:t>
+              <a:t> 3 = 2 then</a:t>
             </a:r>
           </a:p>
           <a:p>
@@ -10072,7 +10072,7 @@
                 <a:ea typeface="DejaVu Sans Book" panose="020B0603030804020204" pitchFamily="34" charset="0"/>
                 <a:cs typeface="DejaVu Sans Book" panose="020B0603030804020204" pitchFamily="34" charset="0"/>
               </a:rPr>
-              <a:t>    "3 = 2"</a:t>
+              <a:t>-     "3 = 2"</a:t>
             </a:r>
           </a:p>
           <a:p>
@@ -10088,7 +10088,7 @@
                 <a:ea typeface="DejaVu Sans Book" panose="020B0603030804020204" pitchFamily="34" charset="0"/>
                 <a:cs typeface="DejaVu Sans Book" panose="020B0603030804020204" pitchFamily="34" charset="0"/>
               </a:rPr>
-              <a:t>  else</a:t>
+              <a:t>-   else</a:t>
             </a:r>
           </a:p>
           <a:p>
@@ -10104,7 +10104,7 @@
                 <a:ea typeface="DejaVu Sans Book" panose="020B0603030804020204" pitchFamily="34" charset="0"/>
                 <a:cs typeface="DejaVu Sans Book" panose="020B0603030804020204" pitchFamily="34" charset="0"/>
               </a:rPr>
-              <a:t>    "3 &gt; 2";;</a:t>
+              <a:t>-     "3 &gt; 2";;</a:t>
             </a:r>
           </a:p>
           <a:p>
@@ -10443,7 +10443,7 @@
                 <a:ea typeface="DejaVu Sans Book" panose="020B0603030804020204" pitchFamily="34" charset="0"/>
                 <a:cs typeface="DejaVu Sans Book" panose="020B0603030804020204" pitchFamily="34" charset="0"/>
               </a:rPr>
-              <a:t>if 3 &lt; 2 then       </a:t>
+              <a:t>&gt; if 3 &lt; 2 then       </a:t>
             </a:r>
           </a:p>
           <a:p>
@@ -10459,7 +10459,7 @@
                 <a:ea typeface="DejaVu Sans Book" panose="020B0603030804020204" pitchFamily="34" charset="0"/>
                 <a:cs typeface="DejaVu Sans Book" panose="020B0603030804020204" pitchFamily="34" charset="0"/>
               </a:rPr>
-              <a:t>  </a:t>
+              <a:t>-   </a:t>
             </a:r>
             <a:r>
               <a:rPr lang="en-GB" sz="1600" dirty="0" err="1">
@@ -10491,7 +10491,7 @@
                 <a:ea typeface="DejaVu Sans Book" panose="020B0603030804020204" pitchFamily="34" charset="0"/>
                 <a:cs typeface="DejaVu Sans Book" panose="020B0603030804020204" pitchFamily="34" charset="0"/>
               </a:rPr>
-              <a:t>else                </a:t>
+              <a:t>- else                </a:t>
             </a:r>
           </a:p>
           <a:p>
@@ -10507,7 +10507,7 @@
                 <a:ea typeface="DejaVu Sans Book" panose="020B0603030804020204" pitchFamily="34" charset="0"/>
                 <a:cs typeface="DejaVu Sans Book" panose="020B0603030804020204" pitchFamily="34" charset="0"/>
               </a:rPr>
-              <a:t>  </a:t>
+              <a:t>-   </a:t>
             </a:r>
             <a:r>
               <a:rPr lang="en-GB" sz="1600" dirty="0" err="1">
@@ -10845,7 +10845,7 @@
                 <a:ea typeface="DejaVu Sans Book" panose="020B0603030804020204" pitchFamily="34" charset="0"/>
                 <a:cs typeface="DejaVu Sans Book" panose="020B0603030804020204" pitchFamily="34" charset="0"/>
               </a:rPr>
-              <a:t>let </a:t>
+              <a:t>&gt; let </a:t>
             </a:r>
             <a:r>
               <a:rPr lang="en-GB" sz="1600" dirty="0" err="1">
@@ -10877,7 +10877,7 @@
                 <a:ea typeface="DejaVu Sans Book" panose="020B0603030804020204" pitchFamily="34" charset="0"/>
                 <a:cs typeface="DejaVu Sans Book" panose="020B0603030804020204" pitchFamily="34" charset="0"/>
               </a:rPr>
-              <a:t>  if 3 &lt; 2 then</a:t>
+              <a:t>-   if 3 &lt; 2 then</a:t>
             </a:r>
           </a:p>
           <a:p>
@@ -10893,7 +10893,7 @@
                 <a:ea typeface="DejaVu Sans Book" panose="020B0603030804020204" pitchFamily="34" charset="0"/>
                 <a:cs typeface="DejaVu Sans Book" panose="020B0603030804020204" pitchFamily="34" charset="0"/>
               </a:rPr>
-              <a:t>    "3 &lt; 2"</a:t>
+              <a:t>-     "3 &lt; 2"</a:t>
             </a:r>
           </a:p>
           <a:p>
@@ -10909,7 +10909,7 @@
                 <a:ea typeface="DejaVu Sans Book" panose="020B0603030804020204" pitchFamily="34" charset="0"/>
                 <a:cs typeface="DejaVu Sans Book" panose="020B0603030804020204" pitchFamily="34" charset="0"/>
               </a:rPr>
-              <a:t>  else</a:t>
+              <a:t>-   else</a:t>
             </a:r>
           </a:p>
           <a:p>
@@ -10925,7 +10925,7 @@
                 <a:ea typeface="DejaVu Sans Book" panose="020B0603030804020204" pitchFamily="34" charset="0"/>
                 <a:cs typeface="DejaVu Sans Book" panose="020B0603030804020204" pitchFamily="34" charset="0"/>
               </a:rPr>
-              <a:t>    "3 &gt;= 2";;</a:t>
+              <a:t>-     "3 &gt;= 2";;</a:t>
             </a:r>
           </a:p>
           <a:p>
